--- a/trunk/Document/Presentation.pptx
+++ b/trunk/Document/Presentation.pptx
@@ -829,6 +829,1697 @@
     <p:extLst>
       <p:ext uri="{BB962C8B-B14F-4D97-AF65-F5344CB8AC3E}">
         <p14:creationId xmlns:p14="http://schemas.microsoft.com/office/powerpoint/2010/main" val="639414827"/>
+      </p:ext>
+    </p:extLst>
+  </p:cSld>
+  <p:clrMapOvr>
+    <a:masterClrMapping/>
+  </p:clrMapOvr>
+</p:notes>
+</file>
+
+<file path=ppt/notesSlides/notesSlide2.xml><?xml version="1.0" encoding="utf-8"?>
+<p:notes xmlns:a="http://schemas.openxmlformats.org/drawingml/2006/main" xmlns:r="http://schemas.openxmlformats.org/officeDocument/2006/relationships" xmlns:p="http://schemas.openxmlformats.org/presentationml/2006/main">
+  <p:cSld>
+    <p:spTree>
+      <p:nvGrpSpPr>
+        <p:cNvPr id="1" name=""/>
+        <p:cNvGrpSpPr/>
+        <p:nvPr/>
+      </p:nvGrpSpPr>
+      <p:grpSpPr>
+        <a:xfrm>
+          <a:off x="0" y="0"/>
+          <a:ext cx="0" cy="0"/>
+          <a:chOff x="0" y="0"/>
+          <a:chExt cx="0" cy="0"/>
+        </a:xfrm>
+      </p:grpSpPr>
+      <p:sp>
+        <p:nvSpPr>
+          <p:cNvPr id="2" name="Slide Image Placeholder 1"/>
+          <p:cNvSpPr>
+            <a:spLocks noGrp="1" noRot="1" noChangeAspect="1"/>
+          </p:cNvSpPr>
+          <p:nvPr>
+            <p:ph type="sldImg"/>
+          </p:nvPr>
+        </p:nvSpPr>
+        <p:spPr/>
+      </p:sp>
+      <p:sp>
+        <p:nvSpPr>
+          <p:cNvPr id="3" name="Notes Placeholder 2"/>
+          <p:cNvSpPr>
+            <a:spLocks noGrp="1"/>
+          </p:cNvSpPr>
+          <p:nvPr>
+            <p:ph type="body" idx="1"/>
+          </p:nvPr>
+        </p:nvSpPr>
+        <p:spPr/>
+        <p:txBody>
+          <a:bodyPr/>
+          <a:lstStyle/>
+          <a:p>
+            <a:r>
+              <a:rPr lang="en-US" dirty="0" err="1" smtClean="0"/>
+              <a:t>Đồ</a:t>
+            </a:r>
+            <a:r>
+              <a:rPr lang="en-US" baseline="0" dirty="0" smtClean="0"/>
+              <a:t> </a:t>
+            </a:r>
+            <a:r>
+              <a:rPr lang="en-US" baseline="0" dirty="0" err="1" smtClean="0"/>
+              <a:t>thị</a:t>
+            </a:r>
+            <a:r>
+              <a:rPr lang="en-US" baseline="0" dirty="0" smtClean="0"/>
+              <a:t> </a:t>
+            </a:r>
+            <a:r>
+              <a:rPr lang="en-US" baseline="0" dirty="0" err="1" smtClean="0"/>
+              <a:t>dòng</a:t>
+            </a:r>
+            <a:r>
+              <a:rPr lang="en-US" baseline="0" dirty="0" smtClean="0"/>
+              <a:t> </a:t>
+            </a:r>
+            <a:r>
+              <a:rPr lang="en-US" baseline="0" dirty="0" err="1" smtClean="0"/>
+              <a:t>điều</a:t>
+            </a:r>
+            <a:r>
+              <a:rPr lang="en-US" baseline="0" dirty="0" smtClean="0"/>
+              <a:t> </a:t>
+            </a:r>
+            <a:r>
+              <a:rPr lang="en-US" baseline="0" dirty="0" err="1" smtClean="0"/>
+              <a:t>khiển</a:t>
+            </a:r>
+            <a:r>
+              <a:rPr lang="en-US" baseline="0" dirty="0" smtClean="0"/>
+              <a:t> </a:t>
+            </a:r>
+            <a:r>
+              <a:rPr lang="en-US" baseline="0" dirty="0" err="1" smtClean="0"/>
+              <a:t>dựa</a:t>
+            </a:r>
+            <a:r>
+              <a:rPr lang="en-US" baseline="0" dirty="0" smtClean="0"/>
+              <a:t> </a:t>
+            </a:r>
+            <a:r>
+              <a:rPr lang="en-US" baseline="0" dirty="0" err="1" smtClean="0"/>
+              <a:t>vào</a:t>
+            </a:r>
+            <a:r>
+              <a:rPr lang="en-US" baseline="0" dirty="0" smtClean="0"/>
+              <a:t> </a:t>
+            </a:r>
+            <a:r>
+              <a:rPr lang="en-US" baseline="0" dirty="0" err="1" smtClean="0"/>
+              <a:t>các</a:t>
+            </a:r>
+            <a:r>
+              <a:rPr lang="en-US" baseline="0" dirty="0" smtClean="0"/>
+              <a:t> </a:t>
+            </a:r>
+            <a:r>
+              <a:rPr lang="en-US" baseline="0" dirty="0" err="1" smtClean="0"/>
+              <a:t>nút</a:t>
+            </a:r>
+            <a:r>
+              <a:rPr lang="en-US" baseline="0" dirty="0" smtClean="0"/>
+              <a:t> </a:t>
+            </a:r>
+            <a:r>
+              <a:rPr lang="en-US" baseline="0" dirty="0" err="1" smtClean="0"/>
+              <a:t>các</a:t>
+            </a:r>
+            <a:r>
+              <a:rPr lang="en-US" baseline="0" dirty="0" smtClean="0"/>
+              <a:t> </a:t>
+            </a:r>
+            <a:r>
+              <a:rPr lang="en-US" baseline="0" dirty="0" err="1" smtClean="0"/>
+              <a:t>cung</a:t>
+            </a:r>
+            <a:r>
+              <a:rPr lang="en-US" baseline="0" dirty="0" smtClean="0"/>
+              <a:t> </a:t>
+            </a:r>
+            <a:r>
+              <a:rPr lang="en-US" baseline="0" dirty="0" err="1" smtClean="0"/>
+              <a:t>nối</a:t>
+            </a:r>
+            <a:r>
+              <a:rPr lang="en-US" baseline="0" dirty="0" smtClean="0"/>
+              <a:t>.</a:t>
+            </a:r>
+            <a:endParaRPr lang="en-US" dirty="0"/>
+          </a:p>
+        </p:txBody>
+      </p:sp>
+      <p:sp>
+        <p:nvSpPr>
+          <p:cNvPr id="4" name="Slide Number Placeholder 3"/>
+          <p:cNvSpPr>
+            <a:spLocks noGrp="1"/>
+          </p:cNvSpPr>
+          <p:nvPr>
+            <p:ph type="sldNum" sz="quarter" idx="10"/>
+          </p:nvPr>
+        </p:nvSpPr>
+        <p:spPr/>
+        <p:txBody>
+          <a:bodyPr/>
+          <a:lstStyle/>
+          <a:p>
+            <a:fld id="{B4AA04CE-5BE8-42FA-82A3-78F601CE853C}" type="slidenum">
+              <a:rPr lang="vi-VN" smtClean="0"/>
+              <a:t>6</a:t>
+            </a:fld>
+            <a:endParaRPr lang="vi-VN"/>
+          </a:p>
+        </p:txBody>
+      </p:sp>
+    </p:spTree>
+    <p:extLst>
+      <p:ext uri="{BB962C8B-B14F-4D97-AF65-F5344CB8AC3E}">
+        <p14:creationId xmlns:p14="http://schemas.microsoft.com/office/powerpoint/2010/main" val="339499840"/>
+      </p:ext>
+    </p:extLst>
+  </p:cSld>
+  <p:clrMapOvr>
+    <a:masterClrMapping/>
+  </p:clrMapOvr>
+</p:notes>
+</file>
+
+<file path=ppt/notesSlides/notesSlide3.xml><?xml version="1.0" encoding="utf-8"?>
+<p:notes xmlns:a="http://schemas.openxmlformats.org/drawingml/2006/main" xmlns:r="http://schemas.openxmlformats.org/officeDocument/2006/relationships" xmlns:p="http://schemas.openxmlformats.org/presentationml/2006/main">
+  <p:cSld>
+    <p:spTree>
+      <p:nvGrpSpPr>
+        <p:cNvPr id="1" name=""/>
+        <p:cNvGrpSpPr/>
+        <p:nvPr/>
+      </p:nvGrpSpPr>
+      <p:grpSpPr>
+        <a:xfrm>
+          <a:off x="0" y="0"/>
+          <a:ext cx="0" cy="0"/>
+          <a:chOff x="0" y="0"/>
+          <a:chExt cx="0" cy="0"/>
+        </a:xfrm>
+      </p:grpSpPr>
+      <p:sp>
+        <p:nvSpPr>
+          <p:cNvPr id="2" name="Slide Image Placeholder 1"/>
+          <p:cNvSpPr>
+            <a:spLocks noGrp="1" noRot="1" noChangeAspect="1"/>
+          </p:cNvSpPr>
+          <p:nvPr>
+            <p:ph type="sldImg"/>
+          </p:nvPr>
+        </p:nvSpPr>
+        <p:spPr/>
+      </p:sp>
+      <p:sp>
+        <p:nvSpPr>
+          <p:cNvPr id="3" name="Notes Placeholder 2"/>
+          <p:cNvSpPr>
+            <a:spLocks noGrp="1"/>
+          </p:cNvSpPr>
+          <p:nvPr>
+            <p:ph type="body" idx="1"/>
+          </p:nvPr>
+        </p:nvSpPr>
+        <p:spPr/>
+        <p:txBody>
+          <a:bodyPr/>
+          <a:lstStyle/>
+          <a:p>
+            <a:r>
+              <a:rPr lang="en-US" dirty="0" err="1" smtClean="0"/>
+              <a:t>Từ</a:t>
+            </a:r>
+            <a:r>
+              <a:rPr lang="en-US" baseline="0" dirty="0" smtClean="0"/>
+              <a:t> </a:t>
+            </a:r>
+            <a:r>
+              <a:rPr lang="en-US" baseline="0" dirty="0" err="1" smtClean="0"/>
+              <a:t>sơ</a:t>
+            </a:r>
+            <a:r>
+              <a:rPr lang="en-US" baseline="0" dirty="0" smtClean="0"/>
+              <a:t> </a:t>
+            </a:r>
+            <a:r>
+              <a:rPr lang="en-US" baseline="0" dirty="0" err="1" smtClean="0"/>
+              <a:t>đồ</a:t>
+            </a:r>
+            <a:r>
+              <a:rPr lang="en-US" baseline="0" dirty="0" smtClean="0"/>
+              <a:t> ta chia </a:t>
+            </a:r>
+            <a:r>
+              <a:rPr lang="en-US" baseline="0" dirty="0" err="1" smtClean="0"/>
+              <a:t>quá</a:t>
+            </a:r>
+            <a:r>
+              <a:rPr lang="en-US" baseline="0" dirty="0" smtClean="0"/>
+              <a:t> </a:t>
+            </a:r>
+            <a:r>
+              <a:rPr lang="en-US" baseline="0" dirty="0" err="1" smtClean="0"/>
+              <a:t>trình</a:t>
+            </a:r>
+            <a:r>
+              <a:rPr lang="en-US" baseline="0" dirty="0" smtClean="0"/>
+              <a:t> </a:t>
+            </a:r>
+            <a:r>
+              <a:rPr lang="en-US" baseline="0" dirty="0" err="1" smtClean="0"/>
+              <a:t>hiện</a:t>
+            </a:r>
+            <a:r>
+              <a:rPr lang="en-US" baseline="0" dirty="0" smtClean="0"/>
+              <a:t> </a:t>
+            </a:r>
+            <a:r>
+              <a:rPr lang="en-US" baseline="0" dirty="0" err="1" smtClean="0"/>
+              <a:t>thực</a:t>
+            </a:r>
+            <a:r>
+              <a:rPr lang="en-US" baseline="0" dirty="0" smtClean="0"/>
+              <a:t> </a:t>
+            </a:r>
+            <a:r>
+              <a:rPr lang="en-US" baseline="0" dirty="0" err="1" smtClean="0"/>
+              <a:t>thành</a:t>
+            </a:r>
+            <a:r>
+              <a:rPr lang="en-US" baseline="0" dirty="0" smtClean="0"/>
+              <a:t> 3 </a:t>
+            </a:r>
+            <a:r>
+              <a:rPr lang="en-US" baseline="0" dirty="0" err="1" smtClean="0"/>
+              <a:t>bước</a:t>
+            </a:r>
+            <a:r>
+              <a:rPr lang="en-US" baseline="0" dirty="0" smtClean="0"/>
+              <a:t> </a:t>
+            </a:r>
+            <a:r>
+              <a:rPr lang="en-US" baseline="0" dirty="0" err="1" smtClean="0"/>
+              <a:t>chính</a:t>
+            </a:r>
+            <a:r>
+              <a:rPr lang="en-US" baseline="0" dirty="0" smtClean="0"/>
+              <a:t>.</a:t>
+            </a:r>
+            <a:endParaRPr lang="en-US" dirty="0"/>
+          </a:p>
+        </p:txBody>
+      </p:sp>
+      <p:sp>
+        <p:nvSpPr>
+          <p:cNvPr id="4" name="Slide Number Placeholder 3"/>
+          <p:cNvSpPr>
+            <a:spLocks noGrp="1"/>
+          </p:cNvSpPr>
+          <p:nvPr>
+            <p:ph type="sldNum" sz="quarter" idx="10"/>
+          </p:nvPr>
+        </p:nvSpPr>
+        <p:spPr/>
+        <p:txBody>
+          <a:bodyPr/>
+          <a:lstStyle/>
+          <a:p>
+            <a:fld id="{B4AA04CE-5BE8-42FA-82A3-78F601CE853C}" type="slidenum">
+              <a:rPr lang="vi-VN" smtClean="0"/>
+              <a:t>10</a:t>
+            </a:fld>
+            <a:endParaRPr lang="vi-VN"/>
+          </a:p>
+        </p:txBody>
+      </p:sp>
+    </p:spTree>
+    <p:extLst>
+      <p:ext uri="{BB962C8B-B14F-4D97-AF65-F5344CB8AC3E}">
+        <p14:creationId xmlns:p14="http://schemas.microsoft.com/office/powerpoint/2010/main" val="166382072"/>
+      </p:ext>
+    </p:extLst>
+  </p:cSld>
+  <p:clrMapOvr>
+    <a:masterClrMapping/>
+  </p:clrMapOvr>
+</p:notes>
+</file>
+
+<file path=ppt/notesSlides/notesSlide4.xml><?xml version="1.0" encoding="utf-8"?>
+<p:notes xmlns:a="http://schemas.openxmlformats.org/drawingml/2006/main" xmlns:r="http://schemas.openxmlformats.org/officeDocument/2006/relationships" xmlns:p="http://schemas.openxmlformats.org/presentationml/2006/main">
+  <p:cSld>
+    <p:spTree>
+      <p:nvGrpSpPr>
+        <p:cNvPr id="1" name=""/>
+        <p:cNvGrpSpPr/>
+        <p:nvPr/>
+      </p:nvGrpSpPr>
+      <p:grpSpPr>
+        <a:xfrm>
+          <a:off x="0" y="0"/>
+          <a:ext cx="0" cy="0"/>
+          <a:chOff x="0" y="0"/>
+          <a:chExt cx="0" cy="0"/>
+        </a:xfrm>
+      </p:grpSpPr>
+      <p:sp>
+        <p:nvSpPr>
+          <p:cNvPr id="2" name="Slide Image Placeholder 1"/>
+          <p:cNvSpPr>
+            <a:spLocks noGrp="1" noRot="1" noChangeAspect="1"/>
+          </p:cNvSpPr>
+          <p:nvPr>
+            <p:ph type="sldImg"/>
+          </p:nvPr>
+        </p:nvSpPr>
+        <p:spPr/>
+      </p:sp>
+      <p:sp>
+        <p:nvSpPr>
+          <p:cNvPr id="3" name="Notes Placeholder 2"/>
+          <p:cNvSpPr>
+            <a:spLocks noGrp="1"/>
+          </p:cNvSpPr>
+          <p:nvPr>
+            <p:ph type="body" idx="1"/>
+          </p:nvPr>
+        </p:nvSpPr>
+        <p:spPr/>
+        <p:txBody>
+          <a:bodyPr/>
+          <a:lstStyle/>
+          <a:p>
+            <a:endParaRPr lang="en-US" dirty="0"/>
+          </a:p>
+        </p:txBody>
+      </p:sp>
+      <p:sp>
+        <p:nvSpPr>
+          <p:cNvPr id="4" name="Slide Number Placeholder 3"/>
+          <p:cNvSpPr>
+            <a:spLocks noGrp="1"/>
+          </p:cNvSpPr>
+          <p:nvPr>
+            <p:ph type="sldNum" sz="quarter" idx="10"/>
+          </p:nvPr>
+        </p:nvSpPr>
+        <p:spPr/>
+        <p:txBody>
+          <a:bodyPr/>
+          <a:lstStyle/>
+          <a:p>
+            <a:fld id="{B4AA04CE-5BE8-42FA-82A3-78F601CE853C}" type="slidenum">
+              <a:rPr lang="vi-VN" smtClean="0"/>
+              <a:t>11</a:t>
+            </a:fld>
+            <a:endParaRPr lang="vi-VN"/>
+          </a:p>
+        </p:txBody>
+      </p:sp>
+    </p:spTree>
+    <p:extLst>
+      <p:ext uri="{BB962C8B-B14F-4D97-AF65-F5344CB8AC3E}">
+        <p14:creationId xmlns:p14="http://schemas.microsoft.com/office/powerpoint/2010/main" val="4144077301"/>
+      </p:ext>
+    </p:extLst>
+  </p:cSld>
+  <p:clrMapOvr>
+    <a:masterClrMapping/>
+  </p:clrMapOvr>
+</p:notes>
+</file>
+
+<file path=ppt/notesSlides/notesSlide5.xml><?xml version="1.0" encoding="utf-8"?>
+<p:notes xmlns:a="http://schemas.openxmlformats.org/drawingml/2006/main" xmlns:r="http://schemas.openxmlformats.org/officeDocument/2006/relationships" xmlns:p="http://schemas.openxmlformats.org/presentationml/2006/main">
+  <p:cSld>
+    <p:spTree>
+      <p:nvGrpSpPr>
+        <p:cNvPr id="1" name=""/>
+        <p:cNvGrpSpPr/>
+        <p:nvPr/>
+      </p:nvGrpSpPr>
+      <p:grpSpPr>
+        <a:xfrm>
+          <a:off x="0" y="0"/>
+          <a:ext cx="0" cy="0"/>
+          <a:chOff x="0" y="0"/>
+          <a:chExt cx="0" cy="0"/>
+        </a:xfrm>
+      </p:grpSpPr>
+      <p:sp>
+        <p:nvSpPr>
+          <p:cNvPr id="2" name="Slide Image Placeholder 1"/>
+          <p:cNvSpPr>
+            <a:spLocks noGrp="1" noRot="1" noChangeAspect="1"/>
+          </p:cNvSpPr>
+          <p:nvPr>
+            <p:ph type="sldImg"/>
+          </p:nvPr>
+        </p:nvSpPr>
+        <p:spPr/>
+      </p:sp>
+      <p:sp>
+        <p:nvSpPr>
+          <p:cNvPr id="3" name="Notes Placeholder 2"/>
+          <p:cNvSpPr>
+            <a:spLocks noGrp="1"/>
+          </p:cNvSpPr>
+          <p:nvPr>
+            <p:ph type="body" idx="1"/>
+          </p:nvPr>
+        </p:nvSpPr>
+        <p:spPr/>
+        <p:txBody>
+          <a:bodyPr/>
+          <a:lstStyle/>
+          <a:p>
+            <a:r>
+              <a:rPr lang="en-US" dirty="0" err="1" smtClean="0"/>
+              <a:t>Trong</a:t>
+            </a:r>
+            <a:r>
+              <a:rPr lang="en-US" baseline="0" dirty="0" smtClean="0"/>
+              <a:t> </a:t>
+            </a:r>
+            <a:r>
+              <a:rPr lang="en-US" baseline="0" dirty="0" err="1" smtClean="0"/>
+              <a:t>đó</a:t>
+            </a:r>
+            <a:r>
+              <a:rPr lang="en-US" baseline="0" dirty="0" smtClean="0"/>
+              <a:t> class </a:t>
+            </a:r>
+            <a:r>
+              <a:rPr lang="en-US" baseline="0" dirty="0" err="1" smtClean="0"/>
+              <a:t>TestcaseController</a:t>
+            </a:r>
+            <a:r>
+              <a:rPr lang="en-US" baseline="0" dirty="0" smtClean="0"/>
+              <a:t> </a:t>
+            </a:r>
+            <a:r>
+              <a:rPr lang="en-US" baseline="0" dirty="0" err="1" smtClean="0"/>
+              <a:t>là</a:t>
+            </a:r>
+            <a:r>
+              <a:rPr lang="en-US" baseline="0" dirty="0" smtClean="0"/>
+              <a:t> </a:t>
+            </a:r>
+            <a:r>
+              <a:rPr lang="en-US" baseline="0" dirty="0" err="1" smtClean="0"/>
+              <a:t>chính</a:t>
+            </a:r>
+            <a:r>
+              <a:rPr lang="en-US" baseline="0" dirty="0" smtClean="0"/>
+              <a:t>, class </a:t>
+            </a:r>
+            <a:r>
+              <a:rPr lang="en-US" baseline="0" dirty="0" err="1" smtClean="0"/>
+              <a:t>này</a:t>
+            </a:r>
+            <a:r>
+              <a:rPr lang="en-US" baseline="0" dirty="0" smtClean="0"/>
+              <a:t> </a:t>
+            </a:r>
+            <a:r>
+              <a:rPr lang="en-US" baseline="0" dirty="0" err="1" smtClean="0"/>
+              <a:t>điều</a:t>
+            </a:r>
+            <a:r>
+              <a:rPr lang="en-US" baseline="0" dirty="0" smtClean="0"/>
+              <a:t> </a:t>
+            </a:r>
+            <a:r>
+              <a:rPr lang="en-US" baseline="0" dirty="0" err="1" smtClean="0"/>
+              <a:t>kiển</a:t>
+            </a:r>
+            <a:r>
+              <a:rPr lang="en-US" baseline="0" dirty="0" smtClean="0"/>
+              <a:t> </a:t>
+            </a:r>
+            <a:r>
+              <a:rPr lang="en-US" baseline="0" dirty="0" err="1" smtClean="0"/>
+              <a:t>luồng</a:t>
+            </a:r>
+            <a:r>
+              <a:rPr lang="en-US" baseline="0" dirty="0" smtClean="0"/>
+              <a:t> </a:t>
+            </a:r>
+            <a:r>
+              <a:rPr lang="en-US" baseline="0" dirty="0" err="1" smtClean="0"/>
+              <a:t>thi</a:t>
+            </a:r>
+            <a:r>
+              <a:rPr lang="en-US" baseline="0" dirty="0" smtClean="0"/>
+              <a:t> </a:t>
+            </a:r>
+            <a:r>
+              <a:rPr lang="en-US" baseline="0" dirty="0" err="1" smtClean="0"/>
+              <a:t>hành</a:t>
+            </a:r>
+            <a:r>
+              <a:rPr lang="en-US" baseline="0" dirty="0" smtClean="0"/>
+              <a:t> </a:t>
+            </a:r>
+            <a:r>
+              <a:rPr lang="en-US" baseline="0" dirty="0" err="1" smtClean="0"/>
+              <a:t>của</a:t>
+            </a:r>
+            <a:r>
+              <a:rPr lang="en-US" baseline="0" dirty="0" smtClean="0"/>
+              <a:t> </a:t>
+            </a:r>
+            <a:r>
+              <a:rPr lang="en-US" baseline="0" dirty="0" err="1" smtClean="0"/>
+              <a:t>chương</a:t>
+            </a:r>
+            <a:r>
+              <a:rPr lang="en-US" baseline="0" dirty="0" smtClean="0"/>
+              <a:t> </a:t>
+            </a:r>
+            <a:r>
+              <a:rPr lang="en-US" baseline="0" dirty="0" err="1" smtClean="0"/>
+              <a:t>trình</a:t>
+            </a:r>
+            <a:r>
+              <a:rPr lang="en-US" baseline="0" dirty="0" smtClean="0"/>
+              <a:t>.</a:t>
+            </a:r>
+            <a:endParaRPr lang="en-US" dirty="0"/>
+          </a:p>
+        </p:txBody>
+      </p:sp>
+      <p:sp>
+        <p:nvSpPr>
+          <p:cNvPr id="4" name="Slide Number Placeholder 3"/>
+          <p:cNvSpPr>
+            <a:spLocks noGrp="1"/>
+          </p:cNvSpPr>
+          <p:nvPr>
+            <p:ph type="sldNum" sz="quarter" idx="10"/>
+          </p:nvPr>
+        </p:nvSpPr>
+        <p:spPr/>
+        <p:txBody>
+          <a:bodyPr/>
+          <a:lstStyle/>
+          <a:p>
+            <a:fld id="{B4AA04CE-5BE8-42FA-82A3-78F601CE853C}" type="slidenum">
+              <a:rPr lang="vi-VN" smtClean="0"/>
+              <a:t>12</a:t>
+            </a:fld>
+            <a:endParaRPr lang="vi-VN"/>
+          </a:p>
+        </p:txBody>
+      </p:sp>
+    </p:spTree>
+    <p:extLst>
+      <p:ext uri="{BB962C8B-B14F-4D97-AF65-F5344CB8AC3E}">
+        <p14:creationId xmlns:p14="http://schemas.microsoft.com/office/powerpoint/2010/main" val="2636121570"/>
+      </p:ext>
+    </p:extLst>
+  </p:cSld>
+  <p:clrMapOvr>
+    <a:masterClrMapping/>
+  </p:clrMapOvr>
+</p:notes>
+</file>
+
+<file path=ppt/notesSlides/notesSlide6.xml><?xml version="1.0" encoding="utf-8"?>
+<p:notes xmlns:a="http://schemas.openxmlformats.org/drawingml/2006/main" xmlns:r="http://schemas.openxmlformats.org/officeDocument/2006/relationships" xmlns:p="http://schemas.openxmlformats.org/presentationml/2006/main">
+  <p:cSld>
+    <p:spTree>
+      <p:nvGrpSpPr>
+        <p:cNvPr id="1" name=""/>
+        <p:cNvGrpSpPr/>
+        <p:nvPr/>
+      </p:nvGrpSpPr>
+      <p:grpSpPr>
+        <a:xfrm>
+          <a:off x="0" y="0"/>
+          <a:ext cx="0" cy="0"/>
+          <a:chOff x="0" y="0"/>
+          <a:chExt cx="0" cy="0"/>
+        </a:xfrm>
+      </p:grpSpPr>
+      <p:sp>
+        <p:nvSpPr>
+          <p:cNvPr id="2" name="Slide Image Placeholder 1"/>
+          <p:cNvSpPr>
+            <a:spLocks noGrp="1" noRot="1" noChangeAspect="1"/>
+          </p:cNvSpPr>
+          <p:nvPr>
+            <p:ph type="sldImg"/>
+          </p:nvPr>
+        </p:nvSpPr>
+        <p:spPr/>
+      </p:sp>
+      <p:sp>
+        <p:nvSpPr>
+          <p:cNvPr id="3" name="Notes Placeholder 2"/>
+          <p:cNvSpPr>
+            <a:spLocks noGrp="1"/>
+          </p:cNvSpPr>
+          <p:nvPr>
+            <p:ph type="body" idx="1"/>
+          </p:nvPr>
+        </p:nvSpPr>
+        <p:spPr/>
+        <p:txBody>
+          <a:bodyPr/>
+          <a:lstStyle/>
+          <a:p>
+            <a:r>
+              <a:rPr lang="en-US" dirty="0" err="1" smtClean="0"/>
+              <a:t>Mỗi</a:t>
+            </a:r>
+            <a:r>
+              <a:rPr lang="en-US" baseline="0" dirty="0" smtClean="0"/>
+              <a:t> </a:t>
+            </a:r>
+            <a:r>
+              <a:rPr lang="en-US" baseline="0" dirty="0" err="1" smtClean="0"/>
+              <a:t>phương</a:t>
+            </a:r>
+            <a:r>
+              <a:rPr lang="en-US" baseline="0" dirty="0" smtClean="0"/>
+              <a:t> </a:t>
+            </a:r>
+            <a:r>
+              <a:rPr lang="en-US" baseline="0" dirty="0" err="1" smtClean="0"/>
+              <a:t>pháp</a:t>
+            </a:r>
+            <a:r>
+              <a:rPr lang="en-US" baseline="0" dirty="0" smtClean="0"/>
+              <a:t> </a:t>
+            </a:r>
+            <a:r>
+              <a:rPr lang="en-US" baseline="0" dirty="0" err="1" smtClean="0"/>
+              <a:t>có</a:t>
+            </a:r>
+            <a:r>
+              <a:rPr lang="en-US" baseline="0" dirty="0" smtClean="0"/>
+              <a:t> </a:t>
+            </a:r>
+            <a:r>
+              <a:rPr lang="en-US" baseline="0" dirty="0" err="1" smtClean="0"/>
+              <a:t>ưu</a:t>
+            </a:r>
+            <a:r>
+              <a:rPr lang="en-US" baseline="0" dirty="0" smtClean="0"/>
+              <a:t> </a:t>
+            </a:r>
+            <a:r>
+              <a:rPr lang="en-US" baseline="0" dirty="0" err="1" smtClean="0"/>
+              <a:t>và</a:t>
+            </a:r>
+            <a:r>
+              <a:rPr lang="en-US" baseline="0" dirty="0" smtClean="0"/>
+              <a:t> </a:t>
+            </a:r>
+            <a:r>
+              <a:rPr lang="en-US" baseline="0" dirty="0" err="1" smtClean="0"/>
+              <a:t>khuyết</a:t>
+            </a:r>
+            <a:r>
+              <a:rPr lang="en-US" baseline="0" dirty="0" smtClean="0"/>
+              <a:t> </a:t>
+            </a:r>
+            <a:r>
+              <a:rPr lang="en-US" baseline="0" dirty="0" err="1" smtClean="0"/>
+              <a:t>điểm</a:t>
+            </a:r>
+            <a:r>
+              <a:rPr lang="en-US" baseline="0" dirty="0" smtClean="0"/>
+              <a:t> </a:t>
+            </a:r>
+            <a:r>
+              <a:rPr lang="en-US" baseline="0" dirty="0" err="1" smtClean="0"/>
+              <a:t>khác</a:t>
+            </a:r>
+            <a:r>
+              <a:rPr lang="en-US" baseline="0" dirty="0" smtClean="0"/>
+              <a:t> </a:t>
+            </a:r>
+            <a:r>
+              <a:rPr lang="en-US" baseline="0" dirty="0" err="1" smtClean="0"/>
+              <a:t>nhau</a:t>
+            </a:r>
+            <a:r>
+              <a:rPr lang="en-US" baseline="0" dirty="0" smtClean="0"/>
+              <a:t>. </a:t>
+            </a:r>
+            <a:r>
+              <a:rPr lang="en-US" baseline="0" dirty="0" err="1" smtClean="0"/>
+              <a:t>Vì</a:t>
+            </a:r>
+            <a:r>
+              <a:rPr lang="en-US" baseline="0" dirty="0" smtClean="0"/>
+              <a:t> </a:t>
+            </a:r>
+            <a:r>
+              <a:rPr lang="en-US" baseline="0" dirty="0" err="1" smtClean="0"/>
+              <a:t>thấy</a:t>
+            </a:r>
+            <a:r>
+              <a:rPr lang="en-US" baseline="0" dirty="0" smtClean="0"/>
+              <a:t> </a:t>
+            </a:r>
+            <a:r>
+              <a:rPr lang="en-US" baseline="0" dirty="0" err="1" smtClean="0"/>
+              <a:t>phương</a:t>
+            </a:r>
+            <a:r>
+              <a:rPr lang="en-US" baseline="0" dirty="0" smtClean="0"/>
+              <a:t> </a:t>
+            </a:r>
+            <a:r>
+              <a:rPr lang="en-US" baseline="0" dirty="0" err="1" smtClean="0"/>
+              <a:t>pháp</a:t>
+            </a:r>
+            <a:r>
+              <a:rPr lang="en-US" baseline="0" dirty="0" smtClean="0"/>
+              <a:t> </a:t>
+            </a:r>
+            <a:r>
+              <a:rPr lang="en-US" baseline="0" dirty="0" err="1" smtClean="0"/>
+              <a:t>sử</a:t>
+            </a:r>
+            <a:r>
+              <a:rPr lang="en-US" baseline="0" dirty="0" smtClean="0"/>
+              <a:t> </a:t>
+            </a:r>
+            <a:r>
+              <a:rPr lang="en-US" baseline="0" dirty="0" err="1" smtClean="0"/>
+              <a:t>dụng</a:t>
+            </a:r>
+            <a:r>
+              <a:rPr lang="en-US" baseline="0" dirty="0" smtClean="0"/>
+              <a:t> AST </a:t>
+            </a:r>
+            <a:r>
+              <a:rPr lang="en-US" baseline="0" dirty="0" err="1" smtClean="0"/>
+              <a:t>phù</a:t>
+            </a:r>
+            <a:r>
+              <a:rPr lang="en-US" baseline="0" dirty="0" smtClean="0"/>
+              <a:t> </a:t>
+            </a:r>
+            <a:r>
+              <a:rPr lang="en-US" baseline="0" dirty="0" err="1" smtClean="0"/>
+              <a:t>hợp</a:t>
+            </a:r>
+            <a:r>
+              <a:rPr lang="en-US" baseline="0" dirty="0" smtClean="0"/>
+              <a:t> </a:t>
+            </a:r>
+            <a:r>
+              <a:rPr lang="en-US" baseline="0" dirty="0" err="1" smtClean="0"/>
+              <a:t>với</a:t>
+            </a:r>
+            <a:r>
+              <a:rPr lang="en-US" baseline="0" dirty="0" smtClean="0"/>
+              <a:t> </a:t>
+            </a:r>
+            <a:r>
+              <a:rPr lang="en-US" baseline="0" dirty="0" err="1" smtClean="0"/>
+              <a:t>mục</a:t>
+            </a:r>
+            <a:r>
+              <a:rPr lang="en-US" baseline="0" dirty="0" smtClean="0"/>
+              <a:t> </a:t>
+            </a:r>
+            <a:r>
+              <a:rPr lang="en-US" baseline="0" dirty="0" err="1" smtClean="0"/>
+              <a:t>đích</a:t>
+            </a:r>
+            <a:r>
+              <a:rPr lang="en-US" baseline="0" dirty="0" smtClean="0"/>
+              <a:t> </a:t>
+            </a:r>
+            <a:r>
+              <a:rPr lang="en-US" baseline="0" dirty="0" err="1" smtClean="0"/>
+              <a:t>sử</a:t>
+            </a:r>
+            <a:r>
+              <a:rPr lang="en-US" baseline="0" dirty="0" smtClean="0"/>
+              <a:t> </a:t>
+            </a:r>
+            <a:r>
+              <a:rPr lang="en-US" baseline="0" dirty="0" err="1" smtClean="0"/>
+              <a:t>dụng</a:t>
+            </a:r>
+            <a:r>
+              <a:rPr lang="en-US" baseline="0" dirty="0" smtClean="0"/>
+              <a:t> </a:t>
+            </a:r>
+            <a:r>
+              <a:rPr lang="en-US" baseline="0" dirty="0" err="1" smtClean="0"/>
+              <a:t>và</a:t>
+            </a:r>
+            <a:r>
+              <a:rPr lang="en-US" baseline="0" dirty="0" smtClean="0"/>
+              <a:t> </a:t>
+            </a:r>
+            <a:r>
+              <a:rPr lang="en-US" baseline="0" dirty="0" err="1" smtClean="0"/>
+              <a:t>tiện</a:t>
+            </a:r>
+            <a:r>
+              <a:rPr lang="en-US" baseline="0" dirty="0" smtClean="0"/>
+              <a:t> </a:t>
+            </a:r>
+            <a:r>
+              <a:rPr lang="en-US" baseline="0" dirty="0" err="1" smtClean="0"/>
+              <a:t>lợi</a:t>
+            </a:r>
+            <a:r>
+              <a:rPr lang="en-US" baseline="0" dirty="0" smtClean="0"/>
+              <a:t> </a:t>
+            </a:r>
+            <a:r>
+              <a:rPr lang="en-US" baseline="0" dirty="0" err="1" smtClean="0"/>
+              <a:t>cho</a:t>
+            </a:r>
+            <a:r>
+              <a:rPr lang="en-US" baseline="0" dirty="0" smtClean="0"/>
+              <a:t> </a:t>
+            </a:r>
+            <a:r>
+              <a:rPr lang="en-US" baseline="0" dirty="0" err="1" smtClean="0"/>
+              <a:t>quá</a:t>
+            </a:r>
+            <a:r>
+              <a:rPr lang="en-US" baseline="0" dirty="0" smtClean="0"/>
+              <a:t> </a:t>
+            </a:r>
+            <a:r>
+              <a:rPr lang="en-US" baseline="0" dirty="0" err="1" smtClean="0"/>
+              <a:t>trình</a:t>
+            </a:r>
+            <a:r>
+              <a:rPr lang="en-US" baseline="0" dirty="0" smtClean="0"/>
+              <a:t> </a:t>
+            </a:r>
+            <a:r>
+              <a:rPr lang="en-US" baseline="0" dirty="0" err="1" smtClean="0"/>
+              <a:t>xây</a:t>
+            </a:r>
+            <a:r>
+              <a:rPr lang="en-US" baseline="0" dirty="0" smtClean="0"/>
+              <a:t> </a:t>
+            </a:r>
+            <a:r>
+              <a:rPr lang="en-US" baseline="0" dirty="0" err="1" smtClean="0"/>
+              <a:t>dựng</a:t>
+            </a:r>
+            <a:r>
+              <a:rPr lang="en-US" baseline="0" dirty="0" smtClean="0"/>
+              <a:t> </a:t>
+            </a:r>
+            <a:r>
+              <a:rPr lang="en-US" baseline="0" dirty="0" err="1" smtClean="0"/>
+              <a:t>phần</a:t>
+            </a:r>
+            <a:r>
+              <a:rPr lang="en-US" baseline="0" dirty="0" smtClean="0"/>
+              <a:t> </a:t>
+            </a:r>
+            <a:r>
+              <a:rPr lang="en-US" baseline="0" dirty="0" err="1" smtClean="0"/>
+              <a:t>mềm</a:t>
+            </a:r>
+            <a:r>
+              <a:rPr lang="en-US" baseline="0" dirty="0" smtClean="0"/>
+              <a:t> </a:t>
+            </a:r>
+            <a:r>
+              <a:rPr lang="en-US" baseline="0" dirty="0" err="1" smtClean="0"/>
+              <a:t>nên</a:t>
+            </a:r>
+            <a:r>
+              <a:rPr lang="en-US" baseline="0" dirty="0" smtClean="0"/>
+              <a:t> </a:t>
+            </a:r>
+            <a:r>
+              <a:rPr lang="en-US" baseline="0" dirty="0" err="1" smtClean="0"/>
+              <a:t>nhóm</a:t>
+            </a:r>
+            <a:r>
+              <a:rPr lang="en-US" baseline="0" dirty="0" smtClean="0"/>
+              <a:t> </a:t>
+            </a:r>
+            <a:r>
+              <a:rPr lang="en-US" baseline="0" dirty="0" err="1" smtClean="0"/>
+              <a:t>đã</a:t>
+            </a:r>
+            <a:r>
+              <a:rPr lang="en-US" baseline="0" dirty="0" smtClean="0"/>
+              <a:t> </a:t>
+            </a:r>
+            <a:r>
+              <a:rPr lang="en-US" baseline="0" dirty="0" err="1" smtClean="0"/>
+              <a:t>chọn</a:t>
+            </a:r>
+            <a:r>
+              <a:rPr lang="en-US" baseline="0" dirty="0" smtClean="0"/>
+              <a:t> </a:t>
+            </a:r>
+            <a:r>
+              <a:rPr lang="en-US" baseline="0" dirty="0" err="1" smtClean="0"/>
+              <a:t>phương</a:t>
+            </a:r>
+            <a:r>
+              <a:rPr lang="en-US" baseline="0" dirty="0" smtClean="0"/>
+              <a:t> </a:t>
+            </a:r>
+            <a:r>
+              <a:rPr lang="en-US" baseline="0" dirty="0" err="1" smtClean="0"/>
+              <a:t>pháp</a:t>
+            </a:r>
+            <a:r>
+              <a:rPr lang="en-US" baseline="0" dirty="0" smtClean="0"/>
+              <a:t> </a:t>
+            </a:r>
+            <a:r>
+              <a:rPr lang="en-US" baseline="0" dirty="0" err="1" smtClean="0"/>
+              <a:t>này</a:t>
+            </a:r>
+            <a:r>
+              <a:rPr lang="en-US" baseline="0" dirty="0" smtClean="0"/>
+              <a:t>. AST </a:t>
+            </a:r>
+            <a:r>
+              <a:rPr lang="en-US" baseline="0" dirty="0" err="1" smtClean="0"/>
+              <a:t>này</a:t>
+            </a:r>
+            <a:r>
+              <a:rPr lang="en-US" baseline="0" dirty="0" smtClean="0"/>
+              <a:t> </a:t>
+            </a:r>
+            <a:r>
+              <a:rPr lang="en-US" baseline="0" dirty="0" err="1" smtClean="0"/>
+              <a:t>sử</a:t>
+            </a:r>
+            <a:r>
+              <a:rPr lang="en-US" baseline="0" dirty="0" smtClean="0"/>
+              <a:t> </a:t>
+            </a:r>
+            <a:r>
+              <a:rPr lang="en-US" baseline="0" dirty="0" err="1" smtClean="0"/>
+              <a:t>dụng</a:t>
+            </a:r>
+            <a:r>
+              <a:rPr lang="en-US" baseline="0" dirty="0" smtClean="0"/>
+              <a:t> class </a:t>
+            </a:r>
+            <a:r>
+              <a:rPr lang="en-US" baseline="0" dirty="0" err="1" smtClean="0"/>
+              <a:t>ASTParser</a:t>
+            </a:r>
+            <a:r>
+              <a:rPr lang="en-US" baseline="0" dirty="0" smtClean="0"/>
+              <a:t> </a:t>
+            </a:r>
+            <a:r>
+              <a:rPr lang="en-US" baseline="0" dirty="0" err="1" smtClean="0"/>
+              <a:t>để</a:t>
+            </a:r>
+            <a:r>
+              <a:rPr lang="en-US" baseline="0" dirty="0" smtClean="0"/>
+              <a:t> </a:t>
+            </a:r>
+            <a:r>
+              <a:rPr lang="en-US" baseline="0" dirty="0" err="1" smtClean="0"/>
+              <a:t>tạo</a:t>
+            </a:r>
+            <a:r>
+              <a:rPr lang="en-US" baseline="0" dirty="0" smtClean="0"/>
+              <a:t> </a:t>
+            </a:r>
+            <a:r>
+              <a:rPr lang="en-US" baseline="0" dirty="0" err="1" smtClean="0"/>
+              <a:t>cây</a:t>
+            </a:r>
+            <a:r>
+              <a:rPr lang="en-US" baseline="0" dirty="0" smtClean="0"/>
+              <a:t> </a:t>
+            </a:r>
+            <a:r>
+              <a:rPr lang="en-US" baseline="0" dirty="0" err="1" smtClean="0"/>
+              <a:t>cú</a:t>
+            </a:r>
+            <a:r>
+              <a:rPr lang="en-US" baseline="0" dirty="0" smtClean="0"/>
+              <a:t> </a:t>
+            </a:r>
+            <a:r>
+              <a:rPr lang="en-US" baseline="0" dirty="0" err="1" smtClean="0"/>
+              <a:t>pháp</a:t>
+            </a:r>
+            <a:r>
+              <a:rPr lang="en-US" baseline="0" dirty="0" smtClean="0"/>
+              <a:t> </a:t>
+            </a:r>
+            <a:r>
+              <a:rPr lang="en-US" baseline="0" dirty="0" err="1" smtClean="0"/>
+              <a:t>trừu</a:t>
+            </a:r>
+            <a:r>
+              <a:rPr lang="en-US" baseline="0" dirty="0" smtClean="0"/>
+              <a:t> </a:t>
+            </a:r>
+            <a:r>
+              <a:rPr lang="en-US" baseline="0" dirty="0" err="1" smtClean="0"/>
+              <a:t>tượng</a:t>
+            </a:r>
+            <a:r>
+              <a:rPr lang="en-US" baseline="0" dirty="0" smtClean="0"/>
+              <a:t> </a:t>
+            </a:r>
+            <a:r>
+              <a:rPr lang="en-US" baseline="0" dirty="0" err="1" smtClean="0"/>
+              <a:t>từ</a:t>
+            </a:r>
+            <a:r>
+              <a:rPr lang="en-US" baseline="0" dirty="0" smtClean="0"/>
+              <a:t> </a:t>
+            </a:r>
+            <a:r>
+              <a:rPr lang="en-US" baseline="0" dirty="0" err="1" smtClean="0"/>
+              <a:t>mã</a:t>
+            </a:r>
+            <a:r>
+              <a:rPr lang="en-US" baseline="0" dirty="0" smtClean="0"/>
+              <a:t> </a:t>
+            </a:r>
+            <a:r>
+              <a:rPr lang="en-US" baseline="0" dirty="0" err="1" smtClean="0"/>
+              <a:t>nguồn</a:t>
+            </a:r>
+            <a:r>
+              <a:rPr lang="en-US" baseline="0" dirty="0" smtClean="0"/>
+              <a:t>.</a:t>
+            </a:r>
+            <a:endParaRPr lang="en-US" dirty="0"/>
+          </a:p>
+        </p:txBody>
+      </p:sp>
+      <p:sp>
+        <p:nvSpPr>
+          <p:cNvPr id="4" name="Slide Number Placeholder 3"/>
+          <p:cNvSpPr>
+            <a:spLocks noGrp="1"/>
+          </p:cNvSpPr>
+          <p:nvPr>
+            <p:ph type="sldNum" sz="quarter" idx="10"/>
+          </p:nvPr>
+        </p:nvSpPr>
+        <p:spPr/>
+        <p:txBody>
+          <a:bodyPr/>
+          <a:lstStyle/>
+          <a:p>
+            <a:fld id="{B4AA04CE-5BE8-42FA-82A3-78F601CE853C}" type="slidenum">
+              <a:rPr lang="vi-VN" smtClean="0"/>
+              <a:t>13</a:t>
+            </a:fld>
+            <a:endParaRPr lang="vi-VN"/>
+          </a:p>
+        </p:txBody>
+      </p:sp>
+    </p:spTree>
+    <p:extLst>
+      <p:ext uri="{BB962C8B-B14F-4D97-AF65-F5344CB8AC3E}">
+        <p14:creationId xmlns:p14="http://schemas.microsoft.com/office/powerpoint/2010/main" val="2402138135"/>
+      </p:ext>
+    </p:extLst>
+  </p:cSld>
+  <p:clrMapOvr>
+    <a:masterClrMapping/>
+  </p:clrMapOvr>
+</p:notes>
+</file>
+
+<file path=ppt/notesSlides/notesSlide7.xml><?xml version="1.0" encoding="utf-8"?>
+<p:notes xmlns:a="http://schemas.openxmlformats.org/drawingml/2006/main" xmlns:r="http://schemas.openxmlformats.org/officeDocument/2006/relationships" xmlns:p="http://schemas.openxmlformats.org/presentationml/2006/main">
+  <p:cSld>
+    <p:spTree>
+      <p:nvGrpSpPr>
+        <p:cNvPr id="1" name=""/>
+        <p:cNvGrpSpPr/>
+        <p:nvPr/>
+      </p:nvGrpSpPr>
+      <p:grpSpPr>
+        <a:xfrm>
+          <a:off x="0" y="0"/>
+          <a:ext cx="0" cy="0"/>
+          <a:chOff x="0" y="0"/>
+          <a:chExt cx="0" cy="0"/>
+        </a:xfrm>
+      </p:grpSpPr>
+      <p:sp>
+        <p:nvSpPr>
+          <p:cNvPr id="2" name="Slide Image Placeholder 1"/>
+          <p:cNvSpPr>
+            <a:spLocks noGrp="1" noRot="1" noChangeAspect="1"/>
+          </p:cNvSpPr>
+          <p:nvPr>
+            <p:ph type="sldImg"/>
+          </p:nvPr>
+        </p:nvSpPr>
+        <p:spPr/>
+      </p:sp>
+      <p:sp>
+        <p:nvSpPr>
+          <p:cNvPr id="3" name="Notes Placeholder 2"/>
+          <p:cNvSpPr>
+            <a:spLocks noGrp="1"/>
+          </p:cNvSpPr>
+          <p:nvPr>
+            <p:ph type="body" idx="1"/>
+          </p:nvPr>
+        </p:nvSpPr>
+        <p:spPr/>
+        <p:txBody>
+          <a:bodyPr/>
+          <a:lstStyle/>
+          <a:p>
+            <a:r>
+              <a:rPr lang="en-US" dirty="0" err="1" smtClean="0"/>
+              <a:t>Vì</a:t>
+            </a:r>
+            <a:r>
+              <a:rPr lang="en-US" baseline="0" dirty="0" smtClean="0"/>
+              <a:t> </a:t>
+            </a:r>
+            <a:r>
+              <a:rPr lang="en-US" baseline="0" dirty="0" err="1" smtClean="0"/>
+              <a:t>c</a:t>
+            </a:r>
+            <a:r>
+              <a:rPr lang="en-US" dirty="0" err="1" smtClean="0"/>
+              <a:t>ấu</a:t>
+            </a:r>
+            <a:r>
+              <a:rPr lang="en-US" baseline="0" dirty="0" smtClean="0"/>
+              <a:t> </a:t>
+            </a:r>
+            <a:r>
+              <a:rPr lang="en-US" baseline="0" dirty="0" err="1" smtClean="0"/>
+              <a:t>trúc</a:t>
+            </a:r>
+            <a:r>
+              <a:rPr lang="en-US" baseline="0" dirty="0" smtClean="0"/>
+              <a:t> AST </a:t>
+            </a:r>
+            <a:r>
+              <a:rPr lang="en-US" baseline="0" dirty="0" err="1" smtClean="0"/>
+              <a:t>quá</a:t>
+            </a:r>
+            <a:r>
+              <a:rPr lang="en-US" baseline="0" dirty="0" smtClean="0"/>
+              <a:t> </a:t>
+            </a:r>
+            <a:r>
+              <a:rPr lang="en-US" baseline="0" dirty="0" err="1" smtClean="0"/>
+              <a:t>phức</a:t>
+            </a:r>
+            <a:r>
+              <a:rPr lang="en-US" baseline="0" dirty="0" smtClean="0"/>
+              <a:t> </a:t>
+            </a:r>
+            <a:r>
+              <a:rPr lang="en-US" baseline="0" dirty="0" err="1" smtClean="0"/>
+              <a:t>tạp</a:t>
+            </a:r>
+            <a:r>
+              <a:rPr lang="en-US" baseline="0" dirty="0" smtClean="0"/>
+              <a:t> </a:t>
+            </a:r>
+            <a:r>
+              <a:rPr lang="en-US" baseline="0" dirty="0" err="1" smtClean="0"/>
+              <a:t>và</a:t>
+            </a:r>
+            <a:r>
+              <a:rPr lang="en-US" baseline="0" dirty="0" smtClean="0"/>
+              <a:t> </a:t>
+            </a:r>
+            <a:r>
+              <a:rPr lang="en-US" baseline="0" dirty="0" err="1" smtClean="0"/>
+              <a:t>rất</a:t>
+            </a:r>
+            <a:r>
+              <a:rPr lang="en-US" baseline="0" dirty="0" smtClean="0"/>
+              <a:t> </a:t>
+            </a:r>
+            <a:r>
+              <a:rPr lang="en-US" baseline="0" dirty="0" err="1" smtClean="0"/>
+              <a:t>khó</a:t>
+            </a:r>
+            <a:r>
+              <a:rPr lang="en-US" baseline="0" dirty="0" smtClean="0"/>
+              <a:t> </a:t>
+            </a:r>
+            <a:r>
+              <a:rPr lang="en-US" baseline="0" dirty="0" err="1" smtClean="0"/>
+              <a:t>để</a:t>
+            </a:r>
+            <a:r>
+              <a:rPr lang="en-US" baseline="0" dirty="0" smtClean="0"/>
+              <a:t> </a:t>
+            </a:r>
+            <a:r>
+              <a:rPr lang="en-US" baseline="0" dirty="0" err="1" smtClean="0"/>
+              <a:t>tạo</a:t>
+            </a:r>
+            <a:r>
+              <a:rPr lang="en-US" baseline="0" dirty="0" smtClean="0"/>
+              <a:t> </a:t>
+            </a:r>
+            <a:r>
+              <a:rPr lang="en-US" baseline="0" dirty="0" err="1" smtClean="0"/>
+              <a:t>liên</a:t>
+            </a:r>
+            <a:r>
+              <a:rPr lang="en-US" baseline="0" dirty="0" smtClean="0"/>
+              <a:t> </a:t>
+            </a:r>
+            <a:r>
+              <a:rPr lang="en-US" baseline="0" dirty="0" err="1" smtClean="0"/>
+              <a:t>kết</a:t>
+            </a:r>
+            <a:r>
+              <a:rPr lang="en-US" baseline="0" dirty="0" smtClean="0"/>
+              <a:t> </a:t>
+            </a:r>
+            <a:r>
+              <a:rPr lang="en-US" baseline="0" dirty="0" err="1" smtClean="0"/>
+              <a:t>giữa</a:t>
+            </a:r>
+            <a:r>
+              <a:rPr lang="en-US" baseline="0" dirty="0" smtClean="0"/>
+              <a:t> </a:t>
+            </a:r>
+            <a:r>
+              <a:rPr lang="en-US" baseline="0" dirty="0" err="1" smtClean="0"/>
+              <a:t>các</a:t>
+            </a:r>
+            <a:r>
+              <a:rPr lang="en-US" baseline="0" dirty="0" smtClean="0"/>
+              <a:t> </a:t>
+            </a:r>
+            <a:r>
+              <a:rPr lang="en-US" baseline="0" dirty="0" err="1" smtClean="0"/>
+              <a:t>nhánh</a:t>
+            </a:r>
+            <a:r>
+              <a:rPr lang="en-US" baseline="0" dirty="0" smtClean="0"/>
+              <a:t> con, </a:t>
+            </a:r>
+            <a:r>
+              <a:rPr lang="en-US" baseline="0" dirty="0" err="1" smtClean="0"/>
+              <a:t>nên</a:t>
+            </a:r>
+            <a:r>
+              <a:rPr lang="en-US" baseline="0" dirty="0" smtClean="0"/>
+              <a:t> ta </a:t>
+            </a:r>
+            <a:r>
+              <a:rPr lang="en-US" baseline="0" dirty="0" err="1" smtClean="0"/>
+              <a:t>sẽ</a:t>
+            </a:r>
+            <a:r>
+              <a:rPr lang="en-US" baseline="0" dirty="0" smtClean="0"/>
+              <a:t> </a:t>
+            </a:r>
+            <a:r>
+              <a:rPr lang="en-US" baseline="0" dirty="0" err="1" smtClean="0"/>
+              <a:t>xây</a:t>
+            </a:r>
+            <a:r>
+              <a:rPr lang="en-US" baseline="0" dirty="0" smtClean="0"/>
+              <a:t> </a:t>
+            </a:r>
+            <a:r>
+              <a:rPr lang="en-US" baseline="0" dirty="0" err="1" smtClean="0"/>
+              <a:t>dựng</a:t>
+            </a:r>
+            <a:r>
+              <a:rPr lang="en-US" baseline="0" dirty="0" smtClean="0"/>
+              <a:t> </a:t>
+            </a:r>
+            <a:r>
+              <a:rPr lang="en-US" baseline="0" dirty="0" err="1" smtClean="0"/>
+              <a:t>mô</a:t>
+            </a:r>
+            <a:r>
+              <a:rPr lang="en-US" baseline="0" dirty="0" smtClean="0"/>
+              <a:t> </a:t>
+            </a:r>
+            <a:r>
+              <a:rPr lang="en-US" baseline="0" dirty="0" err="1" smtClean="0"/>
+              <a:t>hình</a:t>
+            </a:r>
+            <a:r>
+              <a:rPr lang="en-US" baseline="0" dirty="0" smtClean="0"/>
+              <a:t> </a:t>
+            </a:r>
+            <a:r>
+              <a:rPr lang="en-US" baseline="0" dirty="0" err="1" smtClean="0"/>
+              <a:t>cây</a:t>
+            </a:r>
+            <a:r>
+              <a:rPr lang="en-US" baseline="0" dirty="0" smtClean="0"/>
+              <a:t> </a:t>
+            </a:r>
+            <a:r>
+              <a:rPr lang="en-US" baseline="0" dirty="0" err="1" smtClean="0"/>
+              <a:t>mới</a:t>
+            </a:r>
+            <a:r>
+              <a:rPr lang="en-US" baseline="0" dirty="0" smtClean="0"/>
+              <a:t> </a:t>
+            </a:r>
+            <a:r>
+              <a:rPr lang="en-US" baseline="0" dirty="0" err="1" smtClean="0"/>
+              <a:t>INode</a:t>
+            </a:r>
+            <a:r>
+              <a:rPr lang="en-US" baseline="0" dirty="0" smtClean="0"/>
+              <a:t>.</a:t>
+            </a:r>
+          </a:p>
+          <a:p>
+            <a:r>
+              <a:rPr lang="en-US" baseline="0" dirty="0" smtClean="0"/>
+              <a:t>Class </a:t>
+            </a:r>
+            <a:r>
+              <a:rPr lang="en-US" baseline="0" dirty="0" err="1" smtClean="0"/>
+              <a:t>TestcaseController</a:t>
+            </a:r>
+            <a:r>
+              <a:rPr lang="en-US" baseline="0" dirty="0" smtClean="0"/>
+              <a:t> </a:t>
+            </a:r>
+            <a:r>
+              <a:rPr lang="en-US" baseline="0" dirty="0" err="1" smtClean="0"/>
+              <a:t>gọi</a:t>
+            </a:r>
+            <a:r>
+              <a:rPr lang="en-US" baseline="0" dirty="0" smtClean="0"/>
+              <a:t> </a:t>
+            </a:r>
+            <a:r>
+              <a:rPr lang="en-US" baseline="0" dirty="0" err="1" smtClean="0"/>
+              <a:t>hàm</a:t>
+            </a:r>
+            <a:r>
+              <a:rPr lang="en-US" baseline="0" dirty="0" smtClean="0"/>
+              <a:t> </a:t>
+            </a:r>
+            <a:r>
+              <a:rPr lang="en-US" baseline="0" dirty="0" err="1" smtClean="0"/>
+              <a:t>sử</a:t>
+            </a:r>
+            <a:r>
+              <a:rPr lang="en-US" baseline="0" dirty="0" smtClean="0"/>
+              <a:t> </a:t>
+            </a:r>
+            <a:r>
+              <a:rPr lang="en-US" baseline="0" dirty="0" err="1" smtClean="0"/>
+              <a:t>dụng</a:t>
+            </a:r>
+            <a:r>
+              <a:rPr lang="en-US" baseline="0" dirty="0" smtClean="0"/>
+              <a:t> class </a:t>
+            </a:r>
+            <a:r>
+              <a:rPr lang="en-US" baseline="0" dirty="0" err="1" smtClean="0"/>
+              <a:t>ASTNodeMainVisitor</a:t>
+            </a:r>
+            <a:r>
+              <a:rPr lang="en-US" baseline="0" dirty="0" smtClean="0"/>
+              <a:t> </a:t>
+            </a:r>
+            <a:r>
+              <a:rPr lang="en-US" baseline="0" dirty="0" err="1" smtClean="0"/>
+              <a:t>để</a:t>
+            </a:r>
+            <a:r>
+              <a:rPr lang="en-US" baseline="0" dirty="0" smtClean="0"/>
+              <a:t> </a:t>
+            </a:r>
+            <a:r>
+              <a:rPr lang="en-US" baseline="0" dirty="0" err="1" smtClean="0"/>
+              <a:t>duyệt</a:t>
+            </a:r>
+            <a:r>
+              <a:rPr lang="en-US" baseline="0" dirty="0" smtClean="0"/>
+              <a:t> AST </a:t>
+            </a:r>
+            <a:r>
+              <a:rPr lang="en-US" baseline="0" dirty="0" err="1" smtClean="0"/>
+              <a:t>và</a:t>
+            </a:r>
+            <a:r>
+              <a:rPr lang="en-US" baseline="0" dirty="0" smtClean="0"/>
+              <a:t> </a:t>
+            </a:r>
+            <a:r>
+              <a:rPr lang="en-US" baseline="0" dirty="0" err="1" smtClean="0"/>
+              <a:t>tạo</a:t>
+            </a:r>
+            <a:r>
+              <a:rPr lang="en-US" baseline="0" dirty="0" smtClean="0"/>
+              <a:t> </a:t>
+            </a:r>
+            <a:r>
+              <a:rPr lang="en-US" baseline="0" dirty="0" err="1" smtClean="0"/>
+              <a:t>mô</a:t>
+            </a:r>
+            <a:r>
+              <a:rPr lang="en-US" baseline="0" dirty="0" smtClean="0"/>
+              <a:t> </a:t>
+            </a:r>
+            <a:r>
+              <a:rPr lang="en-US" baseline="0" dirty="0" err="1" smtClean="0"/>
+              <a:t>hình</a:t>
+            </a:r>
+            <a:r>
+              <a:rPr lang="en-US" baseline="0" dirty="0" smtClean="0"/>
+              <a:t> </a:t>
+            </a:r>
+            <a:r>
+              <a:rPr lang="en-US" baseline="0" dirty="0" err="1" smtClean="0"/>
+              <a:t>cây</a:t>
+            </a:r>
+            <a:r>
+              <a:rPr lang="en-US" baseline="0" dirty="0" smtClean="0"/>
+              <a:t> </a:t>
+            </a:r>
+            <a:r>
+              <a:rPr lang="en-US" baseline="0" dirty="0" err="1" smtClean="0"/>
+              <a:t>mới</a:t>
+            </a:r>
+            <a:r>
+              <a:rPr lang="en-US" baseline="0" dirty="0" smtClean="0"/>
+              <a:t>.</a:t>
+            </a:r>
+          </a:p>
+          <a:p>
+            <a:r>
+              <a:rPr lang="en-US" baseline="0" dirty="0" err="1" smtClean="0"/>
+              <a:t>Sau</a:t>
+            </a:r>
+            <a:r>
+              <a:rPr lang="en-US" baseline="0" dirty="0" smtClean="0"/>
+              <a:t> </a:t>
+            </a:r>
+            <a:r>
+              <a:rPr lang="en-US" baseline="0" dirty="0" err="1" smtClean="0"/>
+              <a:t>đó</a:t>
+            </a:r>
+            <a:r>
+              <a:rPr lang="en-US" baseline="0" dirty="0" smtClean="0"/>
+              <a:t> class </a:t>
+            </a:r>
+            <a:r>
+              <a:rPr lang="en-US" baseline="0" dirty="0" err="1" smtClean="0"/>
+              <a:t>TestcaseGraphBuilder</a:t>
+            </a:r>
+            <a:r>
+              <a:rPr lang="en-US" baseline="0" dirty="0" smtClean="0"/>
+              <a:t> </a:t>
+            </a:r>
+            <a:r>
+              <a:rPr lang="en-US" baseline="0" dirty="0" err="1" smtClean="0"/>
+              <a:t>sử</a:t>
+            </a:r>
+            <a:r>
+              <a:rPr lang="en-US" baseline="0" dirty="0" smtClean="0"/>
+              <a:t> </a:t>
+            </a:r>
+            <a:r>
+              <a:rPr lang="en-US" baseline="0" dirty="0" err="1" smtClean="0"/>
+              <a:t>dụng</a:t>
+            </a:r>
+            <a:r>
+              <a:rPr lang="en-US" baseline="0" dirty="0" smtClean="0"/>
+              <a:t> </a:t>
+            </a:r>
+            <a:r>
+              <a:rPr lang="en-US" baseline="0" dirty="0" err="1" smtClean="0"/>
+              <a:t>mô</a:t>
+            </a:r>
+            <a:r>
+              <a:rPr lang="en-US" baseline="0" dirty="0" smtClean="0"/>
+              <a:t> </a:t>
+            </a:r>
+            <a:r>
+              <a:rPr lang="en-US" baseline="0" dirty="0" err="1" smtClean="0"/>
+              <a:t>hình</a:t>
+            </a:r>
+            <a:r>
+              <a:rPr lang="en-US" baseline="0" dirty="0" smtClean="0"/>
+              <a:t> </a:t>
+            </a:r>
+            <a:r>
+              <a:rPr lang="en-US" baseline="0" dirty="0" err="1" smtClean="0"/>
+              <a:t>cây</a:t>
+            </a:r>
+            <a:r>
+              <a:rPr lang="en-US" baseline="0" dirty="0" smtClean="0"/>
+              <a:t> </a:t>
+            </a:r>
+            <a:r>
+              <a:rPr lang="en-US" baseline="0" dirty="0" err="1" smtClean="0"/>
+              <a:t>này</a:t>
+            </a:r>
+            <a:r>
+              <a:rPr lang="en-US" baseline="0" dirty="0" smtClean="0"/>
+              <a:t> </a:t>
+            </a:r>
+            <a:r>
+              <a:rPr lang="en-US" baseline="0" dirty="0" err="1" smtClean="0"/>
+              <a:t>để</a:t>
+            </a:r>
+            <a:r>
+              <a:rPr lang="en-US" baseline="0" dirty="0" smtClean="0"/>
+              <a:t> </a:t>
+            </a:r>
+            <a:r>
+              <a:rPr lang="en-US" baseline="0" dirty="0" err="1" smtClean="0"/>
+              <a:t>tạo</a:t>
+            </a:r>
+            <a:r>
+              <a:rPr lang="en-US" baseline="0" dirty="0" smtClean="0"/>
+              <a:t> </a:t>
+            </a:r>
+            <a:r>
+              <a:rPr lang="en-US" baseline="0" dirty="0" err="1" smtClean="0"/>
+              <a:t>đồ</a:t>
+            </a:r>
+            <a:r>
+              <a:rPr lang="en-US" baseline="0" dirty="0" smtClean="0"/>
+              <a:t> </a:t>
+            </a:r>
+            <a:r>
+              <a:rPr lang="en-US" baseline="0" dirty="0" err="1" smtClean="0"/>
+              <a:t>thị</a:t>
+            </a:r>
+            <a:r>
+              <a:rPr lang="en-US" baseline="0" dirty="0" smtClean="0"/>
+              <a:t> </a:t>
+            </a:r>
+            <a:r>
+              <a:rPr lang="en-US" baseline="0" dirty="0" err="1" smtClean="0"/>
+              <a:t>dòng</a:t>
+            </a:r>
+            <a:r>
+              <a:rPr lang="en-US" baseline="0" dirty="0" smtClean="0"/>
+              <a:t> </a:t>
+            </a:r>
+            <a:r>
+              <a:rPr lang="en-US" baseline="0" dirty="0" err="1" smtClean="0"/>
+              <a:t>điều</a:t>
+            </a:r>
+            <a:r>
+              <a:rPr lang="en-US" baseline="0" dirty="0" smtClean="0"/>
+              <a:t> </a:t>
+            </a:r>
+            <a:r>
+              <a:rPr lang="en-US" baseline="0" dirty="0" err="1" smtClean="0"/>
+              <a:t>khiển</a:t>
+            </a:r>
+            <a:r>
+              <a:rPr lang="en-US" baseline="0" dirty="0" smtClean="0"/>
+              <a:t> </a:t>
+            </a:r>
+            <a:r>
+              <a:rPr lang="en-US" baseline="0" dirty="0" err="1" smtClean="0"/>
+              <a:t>cơ</a:t>
+            </a:r>
+            <a:r>
+              <a:rPr lang="en-US" baseline="0" dirty="0" smtClean="0"/>
+              <a:t> </a:t>
+            </a:r>
+            <a:r>
+              <a:rPr lang="en-US" baseline="0" dirty="0" err="1" smtClean="0"/>
+              <a:t>bản</a:t>
+            </a:r>
+            <a:r>
+              <a:rPr lang="en-US" baseline="0" dirty="0" smtClean="0"/>
+              <a:t>.</a:t>
+            </a:r>
+          </a:p>
+        </p:txBody>
+      </p:sp>
+      <p:sp>
+        <p:nvSpPr>
+          <p:cNvPr id="4" name="Slide Number Placeholder 3"/>
+          <p:cNvSpPr>
+            <a:spLocks noGrp="1"/>
+          </p:cNvSpPr>
+          <p:nvPr>
+            <p:ph type="sldNum" sz="quarter" idx="10"/>
+          </p:nvPr>
+        </p:nvSpPr>
+        <p:spPr/>
+        <p:txBody>
+          <a:bodyPr/>
+          <a:lstStyle/>
+          <a:p>
+            <a:fld id="{B4AA04CE-5BE8-42FA-82A3-78F601CE853C}" type="slidenum">
+              <a:rPr lang="vi-VN" smtClean="0"/>
+              <a:t>14</a:t>
+            </a:fld>
+            <a:endParaRPr lang="vi-VN"/>
+          </a:p>
+        </p:txBody>
+      </p:sp>
+    </p:spTree>
+    <p:extLst>
+      <p:ext uri="{BB962C8B-B14F-4D97-AF65-F5344CB8AC3E}">
+        <p14:creationId xmlns:p14="http://schemas.microsoft.com/office/powerpoint/2010/main" val="3201941219"/>
       </p:ext>
     </p:extLst>
   </p:cSld>
@@ -5161,25 +6852,6 @@
       </p:grpSpPr>
       <p:sp>
         <p:nvSpPr>
-          <p:cNvPr id="2" name="Title 1"/>
-          <p:cNvSpPr>
-            <a:spLocks noGrp="1"/>
-          </p:cNvSpPr>
-          <p:nvPr>
-            <p:ph type="title"/>
-          </p:nvPr>
-        </p:nvSpPr>
-        <p:spPr/>
-        <p:txBody>
-          <a:bodyPr/>
-          <a:lstStyle/>
-          <a:p>
-            <a:endParaRPr lang="vi-VN"/>
-          </a:p>
-        </p:txBody>
-      </p:sp>
-      <p:sp>
-        <p:nvSpPr>
           <p:cNvPr id="4" name="Slide Number Placeholder 3"/>
           <p:cNvSpPr>
             <a:spLocks noGrp="1"/>
@@ -5202,18 +6874,162 @@
           </a:p>
         </p:txBody>
       </p:sp>
-      <p:pic>
-        <p:nvPicPr>
-          <p:cNvPr id="5" name="Content Placeholder 4"/>
-          <p:cNvPicPr>
-            <a:picLocks noGrp="1"/>
-          </p:cNvPicPr>
+      <p:sp>
+        <p:nvSpPr>
+          <p:cNvPr id="6" name="Title 1"/>
+          <p:cNvSpPr>
+            <a:spLocks noGrp="1"/>
+          </p:cNvSpPr>
+          <p:nvPr>
+            <p:ph type="title"/>
+          </p:nvPr>
+        </p:nvSpPr>
+        <p:spPr/>
+        <p:txBody>
+          <a:bodyPr/>
+          <a:lstStyle/>
+          <a:p>
+            <a:r>
+              <a:rPr lang="en-US" dirty="0" err="1"/>
+              <a:t>Phân</a:t>
+            </a:r>
+            <a:r>
+              <a:rPr lang="en-US" dirty="0"/>
+              <a:t> </a:t>
+            </a:r>
+            <a:r>
+              <a:rPr lang="en-US" dirty="0" err="1" smtClean="0"/>
+              <a:t>tích</a:t>
+            </a:r>
+            <a:r>
+              <a:rPr lang="en-US" dirty="0" smtClean="0"/>
+              <a:t>, </a:t>
+            </a:r>
+            <a:r>
+              <a:rPr lang="en-US" dirty="0" err="1" smtClean="0"/>
+              <a:t>thiết</a:t>
+            </a:r>
+            <a:r>
+              <a:rPr lang="en-US" dirty="0" smtClean="0"/>
+              <a:t> </a:t>
+            </a:r>
+            <a:r>
+              <a:rPr lang="en-US" dirty="0" err="1"/>
+              <a:t>kế</a:t>
+            </a:r>
+            <a:r>
+              <a:rPr lang="en-US" dirty="0"/>
+              <a:t> </a:t>
+            </a:r>
+            <a:r>
+              <a:rPr lang="en-US" dirty="0" err="1"/>
+              <a:t>phần</a:t>
+            </a:r>
+            <a:r>
+              <a:rPr lang="en-US" dirty="0"/>
+              <a:t> </a:t>
+            </a:r>
+            <a:r>
+              <a:rPr lang="en-US" dirty="0" err="1" smtClean="0"/>
+              <a:t>mềm</a:t>
+            </a:r>
+            <a:endParaRPr lang="vi-VN" dirty="0"/>
+          </a:p>
+        </p:txBody>
+      </p:sp>
+      <p:sp>
+        <p:nvSpPr>
+          <p:cNvPr id="3" name="Content Placeholder 2"/>
+          <p:cNvSpPr>
+            <a:spLocks noGrp="1"/>
+          </p:cNvSpPr>
           <p:nvPr>
             <p:ph idx="1"/>
           </p:nvPr>
+        </p:nvSpPr>
+        <p:spPr/>
+        <p:txBody>
+          <a:bodyPr/>
+          <a:lstStyle/>
+          <a:p>
+            <a:r>
+              <a:rPr lang="en-US" dirty="0" err="1" smtClean="0"/>
+              <a:t>Sơ</a:t>
+            </a:r>
+            <a:r>
+              <a:rPr lang="en-US" dirty="0" smtClean="0"/>
+              <a:t> </a:t>
+            </a:r>
+            <a:r>
+              <a:rPr lang="en-US" dirty="0" err="1" smtClean="0"/>
+              <a:t>đồ</a:t>
+            </a:r>
+            <a:r>
+              <a:rPr lang="en-US" dirty="0" smtClean="0"/>
+              <a:t> </a:t>
+            </a:r>
+            <a:r>
+              <a:rPr lang="en-US" dirty="0" err="1" smtClean="0"/>
+              <a:t>tổng</a:t>
+            </a:r>
+            <a:r>
+              <a:rPr lang="en-US" dirty="0" smtClean="0"/>
+              <a:t> </a:t>
+            </a:r>
+            <a:r>
+              <a:rPr lang="en-US" dirty="0" err="1" smtClean="0"/>
+              <a:t>quát</a:t>
+            </a:r>
+            <a:r>
+              <a:rPr lang="en-US" dirty="0" smtClean="0"/>
+              <a:t> </a:t>
+            </a:r>
+            <a:r>
+              <a:rPr lang="en-US" dirty="0" err="1" smtClean="0"/>
+              <a:t>hiện</a:t>
+            </a:r>
+            <a:r>
+              <a:rPr lang="en-US" dirty="0" smtClean="0"/>
+              <a:t> </a:t>
+            </a:r>
+            <a:r>
+              <a:rPr lang="en-US" dirty="0" err="1" smtClean="0"/>
+              <a:t>thực</a:t>
+            </a:r>
+            <a:r>
+              <a:rPr lang="en-US" dirty="0" smtClean="0"/>
+              <a:t> </a:t>
+            </a:r>
+            <a:r>
+              <a:rPr lang="en-US" dirty="0" err="1" smtClean="0"/>
+              <a:t>chương</a:t>
+            </a:r>
+            <a:r>
+              <a:rPr lang="en-US" dirty="0" smtClean="0"/>
+              <a:t> </a:t>
+            </a:r>
+            <a:r>
+              <a:rPr lang="en-US" dirty="0" err="1" smtClean="0"/>
+              <a:t>trình</a:t>
+            </a:r>
+            <a:r>
+              <a:rPr lang="en-US" dirty="0" smtClean="0"/>
+              <a:t>:</a:t>
+            </a:r>
+            <a:endParaRPr lang="en-US" dirty="0"/>
+          </a:p>
+        </p:txBody>
+      </p:sp>
+      <p:pic>
+        <p:nvPicPr>
+          <p:cNvPr id="7" name="Picture 6"/>
+          <p:cNvPicPr>
+            <a:picLocks noChangeAspect="1"/>
+          </p:cNvPicPr>
+          <p:nvPr/>
         </p:nvPicPr>
         <p:blipFill>
-          <a:blip r:embed="rId2">
+          <a:blip r:embed="rId3">
             <a:extLst>
               <a:ext uri="{28A0092B-C50C-407E-A947-70E740481C1C}">
                 <a14:useLocalDpi xmlns:a14="http://schemas.microsoft.com/office/drawing/2010/main" val="0"/>
@@ -5226,8 +7042,8 @@
         </p:blipFill>
         <p:spPr>
           <a:xfrm>
-            <a:off x="1186405" y="1343024"/>
-            <a:ext cx="6767002" cy="5133975"/>
+            <a:off x="1828800" y="2057400"/>
+            <a:ext cx="5486400" cy="4162409"/>
           </a:xfrm>
           <a:prstGeom prst="rect">
             <a:avLst/>
@@ -5244,6 +7060,13 @@
   <p:clrMapOvr>
     <a:masterClrMapping/>
   </p:clrMapOvr>
+  <p:timing>
+    <p:tnLst>
+      <p:par>
+        <p:cTn id="1" dur="indefinite" restart="never" nodeType="tmRoot"/>
+      </p:par>
+    </p:tnLst>
+  </p:timing>
 </p:sld>
 </file>
 
@@ -5264,25 +7087,6 @@
           <a:chExt cx="0" cy="0"/>
         </a:xfrm>
       </p:grpSpPr>
-      <p:sp>
-        <p:nvSpPr>
-          <p:cNvPr id="6" name="Title 5"/>
-          <p:cNvSpPr>
-            <a:spLocks noGrp="1"/>
-          </p:cNvSpPr>
-          <p:nvPr>
-            <p:ph type="title"/>
-          </p:nvPr>
-        </p:nvSpPr>
-        <p:spPr/>
-        <p:txBody>
-          <a:bodyPr/>
-          <a:lstStyle/>
-          <a:p>
-            <a:endParaRPr lang="vi-VN" dirty="0"/>
-          </a:p>
-        </p:txBody>
-      </p:sp>
       <p:pic>
         <p:nvPicPr>
           <p:cNvPr id="5" name="Content Placeholder 4"/>
@@ -5294,7 +7098,7 @@
           </p:nvPr>
         </p:nvPicPr>
         <p:blipFill>
-          <a:blip r:embed="rId2">
+          <a:blip r:embed="rId3">
             <a:extLst>
               <a:ext uri="{28A0092B-C50C-407E-A947-70E740481C1C}">
                 <a14:useLocalDpi xmlns:a14="http://schemas.microsoft.com/office/drawing/2010/main" val="0"/>
@@ -5307,8 +7111,8 @@
         </p:blipFill>
         <p:spPr>
           <a:xfrm>
-            <a:off x="457200" y="2379602"/>
-            <a:ext cx="4038600" cy="3063995"/>
+            <a:off x="152400" y="2286000"/>
+            <a:ext cx="4463289" cy="3386197"/>
           </a:xfrm>
           <a:prstGeom prst="rect">
             <a:avLst/>
@@ -5330,9 +7134,15 @@
           <a:bodyPr/>
           <a:lstStyle/>
           <a:p>
+            <a:endParaRPr lang="en-US" dirty="0" smtClean="0"/>
+          </a:p>
+          <a:p>
+            <a:endParaRPr lang="en-US" dirty="0"/>
+          </a:p>
+          <a:p>
             <a:r>
               <a:rPr lang="en-US" dirty="0" err="1" smtClean="0"/>
-              <a:t>CÁc</a:t>
+              <a:t>Các</a:t>
             </a:r>
             <a:r>
               <a:rPr lang="en-US" dirty="0" smtClean="0"/>
@@ -5341,6 +7151,151 @@
             <a:r>
               <a:rPr lang="en-US" dirty="0" err="1" smtClean="0"/>
               <a:t>bước</a:t>
+            </a:r>
+            <a:r>
+              <a:rPr lang="en-US" dirty="0" smtClean="0"/>
+              <a:t>:</a:t>
+            </a:r>
+          </a:p>
+          <a:p>
+            <a:pPr lvl="1"/>
+            <a:r>
+              <a:rPr lang="en-US" dirty="0" err="1" smtClean="0"/>
+              <a:t>Tạo</a:t>
+            </a:r>
+            <a:r>
+              <a:rPr lang="en-US" dirty="0" smtClean="0"/>
+              <a:t> </a:t>
+            </a:r>
+            <a:r>
+              <a:rPr lang="en-US" dirty="0" err="1" smtClean="0"/>
+              <a:t>cây</a:t>
+            </a:r>
+            <a:r>
+              <a:rPr lang="en-US" dirty="0" smtClean="0"/>
+              <a:t> </a:t>
+            </a:r>
+            <a:r>
+              <a:rPr lang="en-US" dirty="0" err="1" smtClean="0"/>
+              <a:t>cú</a:t>
+            </a:r>
+            <a:r>
+              <a:rPr lang="en-US" dirty="0" smtClean="0"/>
+              <a:t> </a:t>
+            </a:r>
+            <a:r>
+              <a:rPr lang="en-US" dirty="0" err="1" smtClean="0"/>
+              <a:t>pháp</a:t>
+            </a:r>
+            <a:r>
+              <a:rPr lang="en-US" dirty="0" smtClean="0"/>
+              <a:t> </a:t>
+            </a:r>
+            <a:r>
+              <a:rPr lang="en-US" dirty="0" err="1" smtClean="0"/>
+              <a:t>trừu</a:t>
+            </a:r>
+            <a:r>
+              <a:rPr lang="en-US" dirty="0" smtClean="0"/>
+              <a:t> </a:t>
+            </a:r>
+            <a:r>
+              <a:rPr lang="en-US" dirty="0" err="1" smtClean="0"/>
+              <a:t>tượng</a:t>
+            </a:r>
+            <a:r>
+              <a:rPr lang="en-US" dirty="0"/>
+              <a:t> </a:t>
+            </a:r>
+            <a:r>
+              <a:rPr lang="en-US" dirty="0" smtClean="0"/>
+              <a:t>(AST).</a:t>
+            </a:r>
+          </a:p>
+          <a:p>
+            <a:pPr lvl="1"/>
+            <a:r>
+              <a:rPr lang="en-US" dirty="0" err="1" smtClean="0"/>
+              <a:t>Tạo</a:t>
+            </a:r>
+            <a:r>
+              <a:rPr lang="en-US" dirty="0" smtClean="0"/>
+              <a:t> </a:t>
+            </a:r>
+            <a:r>
+              <a:rPr lang="en-US" dirty="0" err="1" smtClean="0"/>
+              <a:t>đồ</a:t>
+            </a:r>
+            <a:r>
+              <a:rPr lang="en-US" dirty="0" smtClean="0"/>
+              <a:t> </a:t>
+            </a:r>
+            <a:r>
+              <a:rPr lang="en-US" dirty="0" err="1" smtClean="0"/>
+              <a:t>thị</a:t>
+            </a:r>
+            <a:r>
+              <a:rPr lang="en-US" dirty="0" smtClean="0"/>
+              <a:t> </a:t>
+            </a:r>
+            <a:r>
+              <a:rPr lang="en-US" dirty="0" err="1" smtClean="0"/>
+              <a:t>dòng</a:t>
+            </a:r>
+            <a:r>
+              <a:rPr lang="en-US" dirty="0" smtClean="0"/>
+              <a:t> </a:t>
+            </a:r>
+            <a:r>
+              <a:rPr lang="en-US" dirty="0" err="1" smtClean="0"/>
+              <a:t>điều</a:t>
+            </a:r>
+            <a:r>
+              <a:rPr lang="en-US" dirty="0" smtClean="0"/>
+              <a:t> </a:t>
+            </a:r>
+            <a:r>
+              <a:rPr lang="en-US" dirty="0" err="1" smtClean="0"/>
+              <a:t>khiển</a:t>
+            </a:r>
+            <a:r>
+              <a:rPr lang="en-US" dirty="0" smtClean="0"/>
+              <a:t> </a:t>
+            </a:r>
+            <a:r>
+              <a:rPr lang="en-US" dirty="0" err="1" smtClean="0"/>
+              <a:t>cơ</a:t>
+            </a:r>
+            <a:r>
+              <a:rPr lang="en-US" dirty="0" smtClean="0"/>
+              <a:t> </a:t>
+            </a:r>
+            <a:r>
+              <a:rPr lang="en-US" dirty="0" err="1" smtClean="0"/>
+              <a:t>bản</a:t>
+            </a:r>
+            <a:r>
+              <a:rPr lang="en-US" dirty="0" smtClean="0"/>
+              <a:t>.</a:t>
+            </a:r>
+          </a:p>
+          <a:p>
+            <a:pPr lvl="1"/>
+            <a:r>
+              <a:rPr lang="en-US" dirty="0" err="1" smtClean="0"/>
+              <a:t>Sinh</a:t>
+            </a:r>
+            <a:r>
+              <a:rPr lang="en-US" dirty="0" smtClean="0"/>
+              <a:t> </a:t>
+            </a:r>
+            <a:r>
+              <a:rPr lang="en-US" dirty="0" err="1" smtClean="0"/>
+              <a:t>testcase</a:t>
+            </a:r>
+            <a:r>
+              <a:rPr lang="en-US" dirty="0" smtClean="0"/>
+              <a:t>.</a:t>
             </a:r>
             <a:endParaRPr lang="vi-VN" dirty="0"/>
           </a:p>
@@ -5370,6 +7325,159 @@
           </a:p>
         </p:txBody>
       </p:sp>
+      <p:sp>
+        <p:nvSpPr>
+          <p:cNvPr id="8" name="Title 1"/>
+          <p:cNvSpPr>
+            <a:spLocks noGrp="1"/>
+          </p:cNvSpPr>
+          <p:nvPr>
+            <p:ph type="title"/>
+          </p:nvPr>
+        </p:nvSpPr>
+        <p:spPr/>
+        <p:txBody>
+          <a:bodyPr/>
+          <a:lstStyle/>
+          <a:p>
+            <a:r>
+              <a:rPr lang="en-US" dirty="0" err="1"/>
+              <a:t>Phân</a:t>
+            </a:r>
+            <a:r>
+              <a:rPr lang="en-US" dirty="0"/>
+              <a:t> </a:t>
+            </a:r>
+            <a:r>
+              <a:rPr lang="en-US" dirty="0" err="1" smtClean="0"/>
+              <a:t>tích</a:t>
+            </a:r>
+            <a:r>
+              <a:rPr lang="en-US" dirty="0" smtClean="0"/>
+              <a:t>, </a:t>
+            </a:r>
+            <a:r>
+              <a:rPr lang="en-US" dirty="0" err="1" smtClean="0"/>
+              <a:t>thiết</a:t>
+            </a:r>
+            <a:r>
+              <a:rPr lang="en-US" dirty="0" smtClean="0"/>
+              <a:t> </a:t>
+            </a:r>
+            <a:r>
+              <a:rPr lang="en-US" dirty="0" err="1"/>
+              <a:t>kế</a:t>
+            </a:r>
+            <a:r>
+              <a:rPr lang="en-US" dirty="0"/>
+              <a:t> </a:t>
+            </a:r>
+            <a:r>
+              <a:rPr lang="en-US" dirty="0" err="1"/>
+              <a:t>phần</a:t>
+            </a:r>
+            <a:r>
+              <a:rPr lang="en-US" dirty="0"/>
+              <a:t> </a:t>
+            </a:r>
+            <a:r>
+              <a:rPr lang="en-US" dirty="0" err="1" smtClean="0"/>
+              <a:t>mềm</a:t>
+            </a:r>
+            <a:endParaRPr lang="vi-VN" dirty="0"/>
+          </a:p>
+        </p:txBody>
+      </p:sp>
+      <p:pic>
+        <p:nvPicPr>
+          <p:cNvPr id="11" name="Picture 10"/>
+          <p:cNvPicPr>
+            <a:picLocks noChangeAspect="1"/>
+          </p:cNvPicPr>
+          <p:nvPr/>
+        </p:nvPicPr>
+        <p:blipFill>
+          <a:blip r:embed="rId4">
+            <a:extLst>
+              <a:ext uri="{28A0092B-C50C-407E-A947-70E740481C1C}">
+                <a14:useLocalDpi xmlns:a14="http://schemas.microsoft.com/office/drawing/2010/main" val="0"/>
+              </a:ext>
+            </a:extLst>
+          </a:blip>
+          <a:stretch>
+            <a:fillRect/>
+          </a:stretch>
+        </p:blipFill>
+        <p:spPr>
+          <a:xfrm>
+            <a:off x="54718" y="2209800"/>
+            <a:ext cx="2637363" cy="2057401"/>
+          </a:xfrm>
+          <a:prstGeom prst="rect">
+            <a:avLst/>
+          </a:prstGeom>
+        </p:spPr>
+      </p:pic>
+      <p:pic>
+        <p:nvPicPr>
+          <p:cNvPr id="12" name="Picture 11"/>
+          <p:cNvPicPr>
+            <a:picLocks noChangeAspect="1"/>
+          </p:cNvPicPr>
+          <p:nvPr/>
+        </p:nvPicPr>
+        <p:blipFill>
+          <a:blip r:embed="rId4">
+            <a:extLst>
+              <a:ext uri="{28A0092B-C50C-407E-A947-70E740481C1C}">
+                <a14:useLocalDpi xmlns:a14="http://schemas.microsoft.com/office/drawing/2010/main" val="0"/>
+              </a:ext>
+            </a:extLst>
+          </a:blip>
+          <a:stretch>
+            <a:fillRect/>
+          </a:stretch>
+        </p:blipFill>
+        <p:spPr>
+          <a:xfrm>
+            <a:off x="2743200" y="2438400"/>
+            <a:ext cx="1981200" cy="3048000"/>
+          </a:xfrm>
+          <a:prstGeom prst="rect">
+            <a:avLst/>
+          </a:prstGeom>
+        </p:spPr>
+      </p:pic>
+      <p:pic>
+        <p:nvPicPr>
+          <p:cNvPr id="13" name="Picture 12"/>
+          <p:cNvPicPr>
+            <a:picLocks noChangeAspect="1"/>
+          </p:cNvPicPr>
+          <p:nvPr/>
+        </p:nvPicPr>
+        <p:blipFill>
+          <a:blip r:embed="rId4">
+            <a:extLst>
+              <a:ext uri="{28A0092B-C50C-407E-A947-70E740481C1C}">
+                <a14:useLocalDpi xmlns:a14="http://schemas.microsoft.com/office/drawing/2010/main" val="0"/>
+              </a:ext>
+            </a:extLst>
+          </a:blip>
+          <a:stretch>
+            <a:fillRect/>
+          </a:stretch>
+        </p:blipFill>
+        <p:spPr>
+          <a:xfrm>
+            <a:off x="1194117" y="4038600"/>
+            <a:ext cx="2844483" cy="1676400"/>
+          </a:xfrm>
+          <a:prstGeom prst="rect">
+            <a:avLst/>
+          </a:prstGeom>
+        </p:spPr>
+      </p:pic>
     </p:spTree>
     <p:extLst>
       <p:ext uri="{BB962C8B-B14F-4D97-AF65-F5344CB8AC3E}">
@@ -5383,7 +7491,372 @@
   <p:timing>
     <p:tnLst>
       <p:par>
-        <p:cTn id="1" dur="indefinite" restart="never" nodeType="tmRoot"/>
+        <p:cTn id="1" dur="indefinite" restart="never" nodeType="tmRoot">
+          <p:childTnLst>
+            <p:seq concurrent="1" nextAc="seek">
+              <p:cTn id="2" dur="indefinite" nodeType="mainSeq">
+                <p:childTnLst>
+                  <p:par>
+                    <p:cTn id="3" fill="hold">
+                      <p:stCondLst>
+                        <p:cond delay="indefinite"/>
+                      </p:stCondLst>
+                      <p:childTnLst>
+                        <p:par>
+                          <p:cTn id="4" fill="hold">
+                            <p:stCondLst>
+                              <p:cond delay="0"/>
+                            </p:stCondLst>
+                            <p:childTnLst>
+                              <p:par>
+                                <p:cTn id="5" presetID="10" presetClass="entr" presetSubtype="0" fill="hold" nodeType="clickEffect">
+                                  <p:stCondLst>
+                                    <p:cond delay="0"/>
+                                  </p:stCondLst>
+                                  <p:childTnLst>
+                                    <p:set>
+                                      <p:cBhvr>
+                                        <p:cTn id="6" dur="1" fill="hold">
+                                          <p:stCondLst>
+                                            <p:cond delay="0"/>
+                                          </p:stCondLst>
+                                        </p:cTn>
+                                        <p:tgtEl>
+                                          <p:spTgt spid="7">
+                                            <p:txEl>
+                                              <p:pRg st="3" end="3"/>
+                                            </p:txEl>
+                                          </p:spTgt>
+                                        </p:tgtEl>
+                                        <p:attrNameLst>
+                                          <p:attrName>style.visibility</p:attrName>
+                                        </p:attrNameLst>
+                                      </p:cBhvr>
+                                      <p:to>
+                                        <p:strVal val="visible"/>
+                                      </p:to>
+                                    </p:set>
+                                    <p:animEffect transition="in" filter="fade">
+                                      <p:cBhvr>
+                                        <p:cTn id="7" dur="500"/>
+                                        <p:tgtEl>
+                                          <p:spTgt spid="7">
+                                            <p:txEl>
+                                              <p:pRg st="3" end="3"/>
+                                            </p:txEl>
+                                          </p:spTgt>
+                                        </p:tgtEl>
+                                      </p:cBhvr>
+                                    </p:animEffect>
+                                  </p:childTnLst>
+                                </p:cTn>
+                              </p:par>
+                            </p:childTnLst>
+                          </p:cTn>
+                        </p:par>
+                      </p:childTnLst>
+                    </p:cTn>
+                  </p:par>
+                  <p:par>
+                    <p:cTn id="8" fill="hold">
+                      <p:stCondLst>
+                        <p:cond delay="indefinite"/>
+                      </p:stCondLst>
+                      <p:childTnLst>
+                        <p:par>
+                          <p:cTn id="9" fill="hold">
+                            <p:stCondLst>
+                              <p:cond delay="0"/>
+                            </p:stCondLst>
+                            <p:childTnLst>
+                              <p:par>
+                                <p:cTn id="10" presetID="22" presetClass="entr" presetSubtype="1" fill="remove" nodeType="clickEffect">
+                                  <p:stCondLst>
+                                    <p:cond delay="0"/>
+                                  </p:stCondLst>
+                                  <p:childTnLst>
+                                    <p:set>
+                                      <p:cBhvr>
+                                        <p:cTn id="11" dur="1" fill="hold">
+                                          <p:stCondLst>
+                                            <p:cond delay="0"/>
+                                          </p:stCondLst>
+                                        </p:cTn>
+                                        <p:tgtEl>
+                                          <p:spTgt spid="11"/>
+                                        </p:tgtEl>
+                                        <p:attrNameLst>
+                                          <p:attrName>style.visibility</p:attrName>
+                                        </p:attrNameLst>
+                                      </p:cBhvr>
+                                      <p:to>
+                                        <p:strVal val="visible"/>
+                                      </p:to>
+                                    </p:set>
+                                    <p:animEffect transition="in" filter="wipe(up)">
+                                      <p:cBhvr>
+                                        <p:cTn id="12" dur="2000"/>
+                                        <p:tgtEl>
+                                          <p:spTgt spid="11"/>
+                                        </p:tgtEl>
+                                      </p:cBhvr>
+                                    </p:animEffect>
+                                  </p:childTnLst>
+                                </p:cTn>
+                              </p:par>
+                            </p:childTnLst>
+                          </p:cTn>
+                        </p:par>
+                      </p:childTnLst>
+                    </p:cTn>
+                  </p:par>
+                  <p:par>
+                    <p:cTn id="13" fill="hold">
+                      <p:stCondLst>
+                        <p:cond delay="indefinite"/>
+                      </p:stCondLst>
+                      <p:childTnLst>
+                        <p:par>
+                          <p:cTn id="14" fill="hold">
+                            <p:stCondLst>
+                              <p:cond delay="0"/>
+                            </p:stCondLst>
+                            <p:childTnLst>
+                              <p:par>
+                                <p:cTn id="15" presetID="10" presetClass="entr" presetSubtype="0" fill="hold" nodeType="clickEffect">
+                                  <p:stCondLst>
+                                    <p:cond delay="0"/>
+                                  </p:stCondLst>
+                                  <p:childTnLst>
+                                    <p:set>
+                                      <p:cBhvr>
+                                        <p:cTn id="16" dur="1" fill="hold">
+                                          <p:stCondLst>
+                                            <p:cond delay="0"/>
+                                          </p:stCondLst>
+                                        </p:cTn>
+                                        <p:tgtEl>
+                                          <p:spTgt spid="7">
+                                            <p:txEl>
+                                              <p:pRg st="4" end="4"/>
+                                            </p:txEl>
+                                          </p:spTgt>
+                                        </p:tgtEl>
+                                        <p:attrNameLst>
+                                          <p:attrName>style.visibility</p:attrName>
+                                        </p:attrNameLst>
+                                      </p:cBhvr>
+                                      <p:to>
+                                        <p:strVal val="visible"/>
+                                      </p:to>
+                                    </p:set>
+                                    <p:animEffect transition="in" filter="fade">
+                                      <p:cBhvr>
+                                        <p:cTn id="17" dur="500"/>
+                                        <p:tgtEl>
+                                          <p:spTgt spid="7">
+                                            <p:txEl>
+                                              <p:pRg st="4" end="4"/>
+                                            </p:txEl>
+                                          </p:spTgt>
+                                        </p:tgtEl>
+                                      </p:cBhvr>
+                                    </p:animEffect>
+                                  </p:childTnLst>
+                                </p:cTn>
+                              </p:par>
+                            </p:childTnLst>
+                          </p:cTn>
+                        </p:par>
+                      </p:childTnLst>
+                    </p:cTn>
+                  </p:par>
+                  <p:par>
+                    <p:cTn id="18" fill="hold">
+                      <p:stCondLst>
+                        <p:cond delay="indefinite"/>
+                      </p:stCondLst>
+                      <p:childTnLst>
+                        <p:par>
+                          <p:cTn id="19" fill="hold">
+                            <p:stCondLst>
+                              <p:cond delay="0"/>
+                            </p:stCondLst>
+                            <p:childTnLst>
+                              <p:par>
+                                <p:cTn id="20" presetID="22" presetClass="entr" presetSubtype="1" fill="remove" nodeType="clickEffect">
+                                  <p:stCondLst>
+                                    <p:cond delay="0"/>
+                                  </p:stCondLst>
+                                  <p:childTnLst>
+                                    <p:set>
+                                      <p:cBhvr>
+                                        <p:cTn id="21" dur="1" fill="hold">
+                                          <p:stCondLst>
+                                            <p:cond delay="0"/>
+                                          </p:stCondLst>
+                                        </p:cTn>
+                                        <p:tgtEl>
+                                          <p:spTgt spid="12"/>
+                                        </p:tgtEl>
+                                        <p:attrNameLst>
+                                          <p:attrName>style.visibility</p:attrName>
+                                        </p:attrNameLst>
+                                      </p:cBhvr>
+                                      <p:to>
+                                        <p:strVal val="visible"/>
+                                      </p:to>
+                                    </p:set>
+                                    <p:animEffect transition="in" filter="wipe(up)">
+                                      <p:cBhvr>
+                                        <p:cTn id="22" dur="2000"/>
+                                        <p:tgtEl>
+                                          <p:spTgt spid="12"/>
+                                        </p:tgtEl>
+                                      </p:cBhvr>
+                                    </p:animEffect>
+                                  </p:childTnLst>
+                                </p:cTn>
+                              </p:par>
+                            </p:childTnLst>
+                          </p:cTn>
+                        </p:par>
+                      </p:childTnLst>
+                    </p:cTn>
+                  </p:par>
+                  <p:par>
+                    <p:cTn id="23" fill="hold">
+                      <p:stCondLst>
+                        <p:cond delay="indefinite"/>
+                      </p:stCondLst>
+                      <p:childTnLst>
+                        <p:par>
+                          <p:cTn id="24" fill="hold">
+                            <p:stCondLst>
+                              <p:cond delay="0"/>
+                            </p:stCondLst>
+                            <p:childTnLst>
+                              <p:par>
+                                <p:cTn id="25" presetID="10" presetClass="entr" presetSubtype="0" fill="hold" nodeType="clickEffect">
+                                  <p:stCondLst>
+                                    <p:cond delay="0"/>
+                                  </p:stCondLst>
+                                  <p:childTnLst>
+                                    <p:set>
+                                      <p:cBhvr>
+                                        <p:cTn id="26" dur="1" fill="hold">
+                                          <p:stCondLst>
+                                            <p:cond delay="0"/>
+                                          </p:stCondLst>
+                                        </p:cTn>
+                                        <p:tgtEl>
+                                          <p:spTgt spid="7">
+                                            <p:txEl>
+                                              <p:pRg st="5" end="5"/>
+                                            </p:txEl>
+                                          </p:spTgt>
+                                        </p:tgtEl>
+                                        <p:attrNameLst>
+                                          <p:attrName>style.visibility</p:attrName>
+                                        </p:attrNameLst>
+                                      </p:cBhvr>
+                                      <p:to>
+                                        <p:strVal val="visible"/>
+                                      </p:to>
+                                    </p:set>
+                                    <p:animEffect transition="in" filter="fade">
+                                      <p:cBhvr>
+                                        <p:cTn id="27" dur="500"/>
+                                        <p:tgtEl>
+                                          <p:spTgt spid="7">
+                                            <p:txEl>
+                                              <p:pRg st="5" end="5"/>
+                                            </p:txEl>
+                                          </p:spTgt>
+                                        </p:tgtEl>
+                                      </p:cBhvr>
+                                    </p:animEffect>
+                                  </p:childTnLst>
+                                </p:cTn>
+                              </p:par>
+                            </p:childTnLst>
+                          </p:cTn>
+                        </p:par>
+                      </p:childTnLst>
+                    </p:cTn>
+                  </p:par>
+                  <p:par>
+                    <p:cTn id="28" fill="hold">
+                      <p:stCondLst>
+                        <p:cond delay="indefinite"/>
+                      </p:stCondLst>
+                      <p:childTnLst>
+                        <p:par>
+                          <p:cTn id="29" fill="hold">
+                            <p:stCondLst>
+                              <p:cond delay="0"/>
+                            </p:stCondLst>
+                            <p:childTnLst>
+                              <p:par>
+                                <p:cTn id="30" presetID="22" presetClass="entr" presetSubtype="1" fill="remove" nodeType="clickEffect">
+                                  <p:stCondLst>
+                                    <p:cond delay="0"/>
+                                  </p:stCondLst>
+                                  <p:childTnLst>
+                                    <p:set>
+                                      <p:cBhvr>
+                                        <p:cTn id="31" dur="1" fill="hold">
+                                          <p:stCondLst>
+                                            <p:cond delay="0"/>
+                                          </p:stCondLst>
+                                        </p:cTn>
+                                        <p:tgtEl>
+                                          <p:spTgt spid="13"/>
+                                        </p:tgtEl>
+                                        <p:attrNameLst>
+                                          <p:attrName>style.visibility</p:attrName>
+                                        </p:attrNameLst>
+                                      </p:cBhvr>
+                                      <p:to>
+                                        <p:strVal val="visible"/>
+                                      </p:to>
+                                    </p:set>
+                                    <p:animEffect transition="in" filter="wipe(up)">
+                                      <p:cBhvr>
+                                        <p:cTn id="32" dur="2000"/>
+                                        <p:tgtEl>
+                                          <p:spTgt spid="13"/>
+                                        </p:tgtEl>
+                                      </p:cBhvr>
+                                    </p:animEffect>
+                                  </p:childTnLst>
+                                </p:cTn>
+                              </p:par>
+                            </p:childTnLst>
+                          </p:cTn>
+                        </p:par>
+                      </p:childTnLst>
+                    </p:cTn>
+                  </p:par>
+                </p:childTnLst>
+              </p:cTn>
+              <p:prevCondLst>
+                <p:cond evt="onPrev" delay="0">
+                  <p:tgtEl>
+                    <p:sldTgt/>
+                  </p:tgtEl>
+                </p:cond>
+              </p:prevCondLst>
+              <p:nextCondLst>
+                <p:cond evt="onNext" delay="0">
+                  <p:tgtEl>
+                    <p:sldTgt/>
+                  </p:tgtEl>
+                </p:cond>
+              </p:nextCondLst>
+            </p:seq>
+          </p:childTnLst>
+        </p:cTn>
       </p:par>
     </p:tnLst>
   </p:timing>
@@ -5422,7 +7895,51 @@
           <a:bodyPr/>
           <a:lstStyle/>
           <a:p>
-            <a:endParaRPr lang="vi-VN"/>
+            <a:r>
+              <a:rPr lang="en-US" dirty="0" err="1"/>
+              <a:t>Phân</a:t>
+            </a:r>
+            <a:r>
+              <a:rPr lang="en-US" dirty="0"/>
+              <a:t> </a:t>
+            </a:r>
+            <a:r>
+              <a:rPr lang="en-US" dirty="0" err="1"/>
+              <a:t>tích</a:t>
+            </a:r>
+            <a:r>
+              <a:rPr lang="en-US" dirty="0"/>
+              <a:t>, </a:t>
+            </a:r>
+            <a:r>
+              <a:rPr lang="en-US" dirty="0" err="1"/>
+              <a:t>thiết</a:t>
+            </a:r>
+            <a:r>
+              <a:rPr lang="en-US" dirty="0"/>
+              <a:t> </a:t>
+            </a:r>
+            <a:r>
+              <a:rPr lang="en-US" dirty="0" err="1"/>
+              <a:t>kế</a:t>
+            </a:r>
+            <a:r>
+              <a:rPr lang="en-US" dirty="0"/>
+              <a:t> </a:t>
+            </a:r>
+            <a:r>
+              <a:rPr lang="en-US" dirty="0" err="1"/>
+              <a:t>phần</a:t>
+            </a:r>
+            <a:r>
+              <a:rPr lang="en-US" dirty="0"/>
+              <a:t> </a:t>
+            </a:r>
+            <a:r>
+              <a:rPr lang="en-US" dirty="0" err="1"/>
+              <a:t>mềm</a:t>
+            </a:r>
+            <a:endParaRPr lang="vi-VN" dirty="0"/>
           </a:p>
         </p:txBody>
       </p:sp>
@@ -5450,18 +7967,67 @@
           </a:p>
         </p:txBody>
       </p:sp>
-      <p:pic>
-        <p:nvPicPr>
-          <p:cNvPr id="8" name="Content Placeholder 7"/>
-          <p:cNvPicPr>
-            <a:picLocks noGrp="1"/>
-          </p:cNvPicPr>
+      <p:sp>
+        <p:nvSpPr>
+          <p:cNvPr id="2" name="Content Placeholder 1"/>
+          <p:cNvSpPr>
+            <a:spLocks noGrp="1"/>
+          </p:cNvSpPr>
           <p:nvPr>
             <p:ph idx="1"/>
           </p:nvPr>
+        </p:nvSpPr>
+        <p:spPr/>
+        <p:txBody>
+          <a:bodyPr/>
+          <a:lstStyle/>
+          <a:p>
+            <a:r>
+              <a:rPr lang="en-US" dirty="0" err="1" smtClean="0"/>
+              <a:t>Sơ</a:t>
+            </a:r>
+            <a:r>
+              <a:rPr lang="en-US" dirty="0" smtClean="0"/>
+              <a:t> </a:t>
+            </a:r>
+            <a:r>
+              <a:rPr lang="en-US" dirty="0" err="1" smtClean="0"/>
+              <a:t>đồ</a:t>
+            </a:r>
+            <a:r>
+              <a:rPr lang="en-US" dirty="0" smtClean="0"/>
+              <a:t> </a:t>
+            </a:r>
+            <a:r>
+              <a:rPr lang="en-US" dirty="0" err="1" smtClean="0"/>
+              <a:t>quan</a:t>
+            </a:r>
+            <a:r>
+              <a:rPr lang="en-US" dirty="0" smtClean="0"/>
+              <a:t> </a:t>
+            </a:r>
+            <a:r>
+              <a:rPr lang="en-US" dirty="0" err="1" smtClean="0"/>
+              <a:t>hệ</a:t>
+            </a:r>
+            <a:r>
+              <a:rPr lang="en-US" dirty="0" smtClean="0"/>
+              <a:t> class.</a:t>
+            </a:r>
+            <a:endParaRPr lang="en-US" dirty="0"/>
+          </a:p>
+        </p:txBody>
+      </p:sp>
+      <p:pic>
+        <p:nvPicPr>
+          <p:cNvPr id="4" name="Picture 3"/>
+          <p:cNvPicPr>
+            <a:picLocks noChangeAspect="1"/>
+          </p:cNvPicPr>
+          <p:nvPr/>
         </p:nvPicPr>
         <p:blipFill>
-          <a:blip r:embed="rId2">
+          <a:blip r:embed="rId3">
             <a:extLst>
               <a:ext uri="{28A0092B-C50C-407E-A947-70E740481C1C}">
                 <a14:useLocalDpi xmlns:a14="http://schemas.microsoft.com/office/drawing/2010/main" val="0"/>
@@ -5474,8 +8040,38 @@
         </p:blipFill>
         <p:spPr>
           <a:xfrm>
-            <a:off x="1917396" y="1343025"/>
-            <a:ext cx="5309207" cy="5137150"/>
+            <a:off x="1981200" y="1924050"/>
+            <a:ext cx="5208814" cy="4557713"/>
+          </a:xfrm>
+          <a:prstGeom prst="rect">
+            <a:avLst/>
+          </a:prstGeom>
+        </p:spPr>
+      </p:pic>
+      <p:pic>
+        <p:nvPicPr>
+          <p:cNvPr id="7" name="Picture 6"/>
+          <p:cNvPicPr>
+            <a:picLocks noChangeAspect="1"/>
+          </p:cNvPicPr>
+          <p:nvPr/>
+        </p:nvPicPr>
+        <p:blipFill>
+          <a:blip r:embed="rId4">
+            <a:extLst>
+              <a:ext uri="{28A0092B-C50C-407E-A947-70E740481C1C}">
+                <a14:useLocalDpi xmlns:a14="http://schemas.microsoft.com/office/drawing/2010/main" val="0"/>
+              </a:ext>
+            </a:extLst>
+          </a:blip>
+          <a:stretch>
+            <a:fillRect/>
+          </a:stretch>
+        </p:blipFill>
+        <p:spPr>
+          <a:xfrm>
+            <a:off x="5257800" y="1905000"/>
+            <a:ext cx="2008414" cy="1663306"/>
           </a:xfrm>
           <a:prstGeom prst="rect">
             <a:avLst/>
@@ -5495,7 +8091,83 @@
   <p:timing>
     <p:tnLst>
       <p:par>
-        <p:cTn id="1" dur="indefinite" restart="never" nodeType="tmRoot"/>
+        <p:cTn id="1" dur="indefinite" restart="never" nodeType="tmRoot">
+          <p:childTnLst>
+            <p:seq concurrent="1" nextAc="seek">
+              <p:cTn id="2" dur="indefinite" nodeType="mainSeq">
+                <p:childTnLst>
+                  <p:par>
+                    <p:cTn id="3" fill="hold">
+                      <p:stCondLst>
+                        <p:cond delay="indefinite"/>
+                      </p:stCondLst>
+                      <p:childTnLst>
+                        <p:par>
+                          <p:cTn id="4" fill="hold">
+                            <p:stCondLst>
+                              <p:cond delay="0"/>
+                            </p:stCondLst>
+                            <p:childTnLst>
+                              <p:par>
+                                <p:cTn id="5" presetID="22" presetClass="entr" presetSubtype="1" fill="hold" nodeType="clickEffect">
+                                  <p:stCondLst>
+                                    <p:cond delay="0"/>
+                                  </p:stCondLst>
+                                  <p:childTnLst>
+                                    <p:set>
+                                      <p:cBhvr>
+                                        <p:cTn id="6" dur="1" fill="hold">
+                                          <p:stCondLst>
+                                            <p:cond delay="0"/>
+                                          </p:stCondLst>
+                                        </p:cTn>
+                                        <p:tgtEl>
+                                          <p:spTgt spid="7"/>
+                                        </p:tgtEl>
+                                        <p:attrNameLst>
+                                          <p:attrName>style.visibility</p:attrName>
+                                        </p:attrNameLst>
+                                      </p:cBhvr>
+                                      <p:to>
+                                        <p:strVal val="visible"/>
+                                      </p:to>
+                                    </p:set>
+                                    <p:animEffect transition="in" filter="wipe(up)">
+                                      <p:cBhvr>
+                                        <p:cTn id="7" dur="500"/>
+                                        <p:tgtEl>
+                                          <p:spTgt spid="7"/>
+                                        </p:tgtEl>
+                                      </p:cBhvr>
+                                    </p:animEffect>
+                                  </p:childTnLst>
+                                </p:cTn>
+                              </p:par>
+                            </p:childTnLst>
+                          </p:cTn>
+                        </p:par>
+                      </p:childTnLst>
+                    </p:cTn>
+                  </p:par>
+                </p:childTnLst>
+              </p:cTn>
+              <p:prevCondLst>
+                <p:cond evt="onPrev" delay="0">
+                  <p:tgtEl>
+                    <p:sldTgt/>
+                  </p:tgtEl>
+                </p:cond>
+              </p:prevCondLst>
+              <p:nextCondLst>
+                <p:cond evt="onNext" delay="0">
+                  <p:tgtEl>
+                    <p:sldTgt/>
+                  </p:tgtEl>
+                </p:cond>
+              </p:nextCondLst>
+            </p:seq>
+          </p:childTnLst>
+        </p:cTn>
       </p:par>
     </p:tnLst>
   </p:timing>
@@ -5529,11 +8201,60 @@
             <p:ph type="title"/>
           </p:nvPr>
         </p:nvSpPr>
-        <p:spPr/>
+        <p:spPr>
+          <a:noFill/>
+          <a:ln>
+            <a:noFill/>
+          </a:ln>
+          <a:effectLst/>
+          <a:extLst>
+            <a:ext uri="{AF507438-7753-43E0-B8FC-AC1667EBCBE1}">
+              <a14:hiddenEffects xmlns:a14="http://schemas.microsoft.com/office/drawing/2010/main">
+                <a:effectLst>
+                  <a:outerShdw dist="35921" dir="2700000" algn="ctr" rotWithShape="0">
+                    <a:schemeClr val="bg2"/>
+                  </a:outerShdw>
+                </a:effectLst>
+              </a14:hiddenEffects>
+            </a:ext>
+          </a:extLst>
+        </p:spPr>
         <p:txBody>
-          <a:bodyPr/>
+          <a:bodyPr vert="horz" wrap="square" lIns="91440" tIns="45720" rIns="91440" bIns="45720" numCol="1" anchor="ctr" anchorCtr="0" compatLnSpc="1">
+            <a:prstTxWarp prst="textNoShape">
+              <a:avLst/>
+            </a:prstTxWarp>
+          </a:bodyPr>
           <a:lstStyle/>
           <a:p>
+            <a:r>
+              <a:rPr lang="en-US" dirty="0" err="1"/>
+              <a:t>Thực</a:t>
+            </a:r>
+            <a:r>
+              <a:rPr lang="en-US" dirty="0"/>
+              <a:t> </a:t>
+            </a:r>
+            <a:r>
+              <a:rPr lang="en-US" dirty="0" err="1"/>
+              <a:t>hiện</a:t>
+            </a:r>
+            <a:r>
+              <a:rPr lang="en-US" dirty="0"/>
+              <a:t> </a:t>
+            </a:r>
+            <a:r>
+              <a:rPr lang="en-US" dirty="0" err="1"/>
+              <a:t>phần</a:t>
+            </a:r>
+            <a:r>
+              <a:rPr lang="en-US" dirty="0"/>
+              <a:t> </a:t>
+            </a:r>
+            <a:r>
+              <a:rPr lang="en-US" dirty="0" err="1"/>
+              <a:t>mềm</a:t>
+            </a:r>
             <a:endParaRPr lang="vi-VN" dirty="0"/>
           </a:p>
         </p:txBody>
@@ -5559,15 +8280,189 @@
             </a:r>
             <a:r>
               <a:rPr lang="en-US" dirty="0" smtClean="0"/>
-              <a:t> AST:</a:t>
-            </a:r>
+              <a:t> </a:t>
+            </a:r>
+            <a:r>
+              <a:rPr lang="en-US" dirty="0" err="1" smtClean="0"/>
+              <a:t>cây</a:t>
+            </a:r>
+            <a:r>
+              <a:rPr lang="en-US" dirty="0" smtClean="0"/>
+              <a:t> </a:t>
+            </a:r>
+            <a:r>
+              <a:rPr lang="en-US" dirty="0" err="1" smtClean="0"/>
+              <a:t>cú</a:t>
+            </a:r>
+            <a:r>
+              <a:rPr lang="en-US" dirty="0" smtClean="0"/>
+              <a:t> </a:t>
+            </a:r>
+            <a:r>
+              <a:rPr lang="en-US" dirty="0" err="1" smtClean="0"/>
+              <a:t>pháp</a:t>
+            </a:r>
+            <a:r>
+              <a:rPr lang="en-US" dirty="0" smtClean="0"/>
+              <a:t> </a:t>
+            </a:r>
+            <a:r>
+              <a:rPr lang="en-US" dirty="0" err="1" smtClean="0"/>
+              <a:t>trừu</a:t>
+            </a:r>
+            <a:r>
+              <a:rPr lang="en-US" dirty="0" smtClean="0"/>
+              <a:t> </a:t>
+            </a:r>
+            <a:r>
+              <a:rPr lang="en-US" dirty="0" err="1" smtClean="0"/>
+              <a:t>tượng</a:t>
+            </a:r>
+            <a:r>
+              <a:rPr lang="en-US" dirty="0" smtClean="0"/>
+              <a:t>:</a:t>
+            </a:r>
+            <a:endParaRPr lang="en-US" dirty="0" smtClean="0"/>
           </a:p>
           <a:p>
             <a:pPr lvl="1"/>
             <a:r>
               <a:rPr lang="en-US" dirty="0" smtClean="0"/>
-              <a:t>ANTLR:</a:t>
-            </a:r>
+              <a:t>ANTLR</a:t>
+            </a:r>
+            <a:r>
+              <a:rPr lang="en-US" dirty="0" smtClean="0"/>
+              <a:t>: </a:t>
+            </a:r>
+            <a:r>
+              <a:rPr lang="en-US" dirty="0" err="1" smtClean="0"/>
+              <a:t>công</a:t>
+            </a:r>
+            <a:r>
+              <a:rPr lang="en-US" dirty="0" smtClean="0"/>
+              <a:t> </a:t>
+            </a:r>
+            <a:r>
+              <a:rPr lang="en-US" dirty="0" err="1" smtClean="0"/>
+              <a:t>cụ</a:t>
+            </a:r>
+            <a:r>
+              <a:rPr lang="en-US" dirty="0" smtClean="0"/>
+              <a:t> </a:t>
+            </a:r>
+            <a:r>
+              <a:rPr lang="en-US" dirty="0" err="1" smtClean="0"/>
+              <a:t>tạo</a:t>
+            </a:r>
+            <a:r>
+              <a:rPr lang="en-US" dirty="0" smtClean="0"/>
+              <a:t> </a:t>
+            </a:r>
+            <a:r>
+              <a:rPr lang="en-US" dirty="0" err="1" smtClean="0"/>
+              <a:t>bộ</a:t>
+            </a:r>
+            <a:r>
+              <a:rPr lang="en-US" dirty="0" smtClean="0"/>
+              <a:t> </a:t>
+            </a:r>
+            <a:r>
+              <a:rPr lang="en-US" dirty="0" err="1" smtClean="0"/>
+              <a:t>phân</a:t>
+            </a:r>
+            <a:r>
+              <a:rPr lang="en-US" dirty="0" smtClean="0"/>
+              <a:t> </a:t>
+            </a:r>
+            <a:r>
+              <a:rPr lang="en-US" dirty="0" err="1" smtClean="0"/>
+              <a:t>tích</a:t>
+            </a:r>
+            <a:r>
+              <a:rPr lang="en-US" dirty="0" smtClean="0"/>
+              <a:t> </a:t>
+            </a:r>
+            <a:r>
+              <a:rPr lang="en-US" dirty="0" err="1" smtClean="0"/>
+              <a:t>từ</a:t>
+            </a:r>
+            <a:r>
+              <a:rPr lang="en-US" dirty="0" smtClean="0"/>
+              <a:t> </a:t>
+            </a:r>
+            <a:r>
+              <a:rPr lang="en-US" dirty="0" err="1" smtClean="0"/>
+              <a:t>vựng</a:t>
+            </a:r>
+            <a:r>
+              <a:rPr lang="en-US" dirty="0" smtClean="0"/>
+              <a:t> </a:t>
+            </a:r>
+            <a:r>
+              <a:rPr lang="en-US" dirty="0" err="1" smtClean="0"/>
+              <a:t>và</a:t>
+            </a:r>
+            <a:r>
+              <a:rPr lang="en-US" dirty="0" smtClean="0"/>
+              <a:t> </a:t>
+            </a:r>
+            <a:r>
+              <a:rPr lang="en-US" dirty="0" err="1" smtClean="0"/>
+              <a:t>cú</a:t>
+            </a:r>
+            <a:r>
+              <a:rPr lang="en-US" dirty="0" smtClean="0"/>
+              <a:t> </a:t>
+            </a:r>
+            <a:r>
+              <a:rPr lang="en-US" dirty="0" err="1" smtClean="0"/>
+              <a:t>pháp</a:t>
+            </a:r>
+            <a:r>
+              <a:rPr lang="en-US" dirty="0" smtClean="0"/>
+              <a:t> </a:t>
+            </a:r>
+            <a:r>
+              <a:rPr lang="en-US" dirty="0" err="1" smtClean="0"/>
+              <a:t>cho</a:t>
+            </a:r>
+            <a:r>
+              <a:rPr lang="en-US" dirty="0" smtClean="0"/>
+              <a:t> </a:t>
+            </a:r>
+            <a:r>
+              <a:rPr lang="en-US" dirty="0" err="1" smtClean="0"/>
+              <a:t>ngôn</a:t>
+            </a:r>
+            <a:r>
+              <a:rPr lang="en-US" dirty="0" smtClean="0"/>
+              <a:t> </a:t>
+            </a:r>
+            <a:r>
+              <a:rPr lang="en-US" dirty="0" err="1" smtClean="0"/>
+              <a:t>ngữ</a:t>
+            </a:r>
+            <a:r>
+              <a:rPr lang="en-US" dirty="0" smtClean="0"/>
+              <a:t> </a:t>
+            </a:r>
+            <a:r>
+              <a:rPr lang="en-US" dirty="0" err="1" smtClean="0"/>
+              <a:t>bất</a:t>
+            </a:r>
+            <a:r>
+              <a:rPr lang="en-US" dirty="0" smtClean="0"/>
+              <a:t> </a:t>
+            </a:r>
+            <a:r>
+              <a:rPr lang="en-US" dirty="0" err="1" smtClean="0"/>
+              <a:t>kỳ</a:t>
+            </a:r>
+            <a:r>
+              <a:rPr lang="en-US" dirty="0" smtClean="0"/>
+              <a:t>.</a:t>
+            </a:r>
+            <a:endParaRPr lang="en-US" dirty="0" smtClean="0"/>
           </a:p>
           <a:p>
             <a:pPr lvl="1"/>
@@ -5581,7 +8476,119 @@
             </a:r>
             <a:r>
               <a:rPr lang="en-US" dirty="0" smtClean="0"/>
-              <a:t> Eclipse :</a:t>
+              <a:t> </a:t>
+            </a:r>
+            <a:r>
+              <a:rPr lang="en-US" dirty="0"/>
+              <a:t>Eclipse </a:t>
+            </a:r>
+            <a:r>
+              <a:rPr lang="en-US" i="1" dirty="0"/>
+              <a:t>Java Development Tools</a:t>
+            </a:r>
+            <a:r>
+              <a:rPr lang="en-US" dirty="0"/>
+              <a:t> (JDT)</a:t>
+            </a:r>
+            <a:r>
+              <a:rPr lang="en-US" dirty="0" smtClean="0"/>
+              <a:t> : </a:t>
+            </a:r>
+            <a:r>
+              <a:rPr lang="en-US" dirty="0" err="1" smtClean="0"/>
+              <a:t>cung</a:t>
+            </a:r>
+            <a:r>
+              <a:rPr lang="en-US" dirty="0" smtClean="0"/>
+              <a:t> </a:t>
+            </a:r>
+            <a:r>
+              <a:rPr lang="en-US" dirty="0" err="1" smtClean="0"/>
+              <a:t>cấp</a:t>
+            </a:r>
+            <a:r>
+              <a:rPr lang="en-US" dirty="0" smtClean="0"/>
+              <a:t> </a:t>
+            </a:r>
+            <a:r>
+              <a:rPr lang="en-US" dirty="0" err="1" smtClean="0"/>
+              <a:t>các</a:t>
+            </a:r>
+            <a:r>
+              <a:rPr lang="en-US" dirty="0" smtClean="0"/>
+              <a:t> API </a:t>
+            </a:r>
+            <a:r>
+              <a:rPr lang="en-US" dirty="0" err="1" smtClean="0"/>
+              <a:t>cho</a:t>
+            </a:r>
+            <a:r>
+              <a:rPr lang="en-US" dirty="0" smtClean="0"/>
+              <a:t> </a:t>
+            </a:r>
+            <a:r>
+              <a:rPr lang="en-US" dirty="0" err="1" smtClean="0"/>
+              <a:t>phép</a:t>
+            </a:r>
+            <a:r>
+              <a:rPr lang="en-US" dirty="0" smtClean="0"/>
+              <a:t> </a:t>
+            </a:r>
+            <a:r>
+              <a:rPr lang="en-US" dirty="0" err="1" smtClean="0"/>
+              <a:t>truy</a:t>
+            </a:r>
+            <a:r>
+              <a:rPr lang="en-US" dirty="0" smtClean="0"/>
+              <a:t> </a:t>
+            </a:r>
+            <a:r>
+              <a:rPr lang="en-US" dirty="0" err="1" smtClean="0"/>
+              <a:t>xuất</a:t>
+            </a:r>
+            <a:r>
+              <a:rPr lang="en-US" dirty="0" smtClean="0"/>
+              <a:t> </a:t>
+            </a:r>
+            <a:r>
+              <a:rPr lang="en-US" dirty="0" err="1" smtClean="0"/>
+              <a:t>và</a:t>
+            </a:r>
+            <a:r>
+              <a:rPr lang="en-US" dirty="0" smtClean="0"/>
+              <a:t> </a:t>
+            </a:r>
+            <a:r>
+              <a:rPr lang="en-US" dirty="0" err="1" smtClean="0"/>
+              <a:t>thao</a:t>
+            </a:r>
+            <a:r>
+              <a:rPr lang="en-US" dirty="0" smtClean="0"/>
+              <a:t> </a:t>
+            </a:r>
+            <a:r>
+              <a:rPr lang="en-US" dirty="0" err="1" smtClean="0"/>
+              <a:t>tác</a:t>
+            </a:r>
+            <a:r>
+              <a:rPr lang="en-US" dirty="0" smtClean="0"/>
+              <a:t> </a:t>
+            </a:r>
+            <a:r>
+              <a:rPr lang="en-US" dirty="0" err="1" smtClean="0"/>
+              <a:t>mã</a:t>
+            </a:r>
+            <a:r>
+              <a:rPr lang="en-US" dirty="0" smtClean="0"/>
+              <a:t> </a:t>
+            </a:r>
+            <a:r>
+              <a:rPr lang="en-US" dirty="0" err="1" smtClean="0"/>
+              <a:t>nguồn</a:t>
+            </a:r>
+            <a:r>
+              <a:rPr lang="en-US" dirty="0" smtClean="0"/>
+              <a:t>.</a:t>
             </a:r>
             <a:endParaRPr lang="vi-VN" dirty="0"/>
           </a:p>
@@ -5621,6 +8628,13 @@
   <p:clrMapOvr>
     <a:masterClrMapping/>
   </p:clrMapOvr>
+  <p:timing>
+    <p:tnLst>
+      <p:par>
+        <p:cTn id="1" dur="indefinite" restart="never" nodeType="tmRoot"/>
+      </p:par>
+    </p:tnLst>
+  </p:timing>
 </p:sld>
 </file>
 
@@ -5641,25 +8655,36 @@
           <a:chExt cx="0" cy="0"/>
         </a:xfrm>
       </p:grpSpPr>
-      <p:sp>
-        <p:nvSpPr>
-          <p:cNvPr id="2" name="Title 1"/>
-          <p:cNvSpPr>
-            <a:spLocks noGrp="1"/>
-          </p:cNvSpPr>
-          <p:nvPr>
-            <p:ph type="title"/>
-          </p:nvPr>
-        </p:nvSpPr>
-        <p:spPr/>
-        <p:txBody>
-          <a:bodyPr/>
-          <a:lstStyle/>
-          <a:p>
-            <a:endParaRPr lang="vi-VN"/>
-          </a:p>
-        </p:txBody>
-      </p:sp>
+      <p:pic>
+        <p:nvPicPr>
+          <p:cNvPr id="10" name="Picture 9"/>
+          <p:cNvPicPr>
+            <a:picLocks noChangeAspect="1"/>
+          </p:cNvPicPr>
+          <p:nvPr/>
+        </p:nvPicPr>
+        <p:blipFill>
+          <a:blip r:embed="rId3">
+            <a:extLst>
+              <a:ext uri="{28A0092B-C50C-407E-A947-70E740481C1C}">
+                <a14:useLocalDpi xmlns:a14="http://schemas.microsoft.com/office/drawing/2010/main" val="0"/>
+              </a:ext>
+            </a:extLst>
+          </a:blip>
+          <a:stretch>
+            <a:fillRect/>
+          </a:stretch>
+        </p:blipFill>
+        <p:spPr>
+          <a:xfrm>
+            <a:off x="762000" y="2124490"/>
+            <a:ext cx="7620000" cy="4123910"/>
+          </a:xfrm>
+          <a:prstGeom prst="rect">
+            <a:avLst/>
+          </a:prstGeom>
+        </p:spPr>
+      </p:pic>
       <p:sp>
         <p:nvSpPr>
           <p:cNvPr id="3" name="Content Placeholder 2"/>
@@ -5739,47 +8764,7 @@
               <a:rPr lang="en-US" dirty="0" smtClean="0"/>
               <a:t>:</a:t>
             </a:r>
-          </a:p>
-          <a:p>
-            <a:r>
-              <a:rPr lang="en-US" dirty="0" smtClean="0"/>
-              <a:t>Switch:</a:t>
-            </a:r>
-          </a:p>
-          <a:p>
-            <a:r>
-              <a:rPr lang="en-US" dirty="0" err="1" smtClean="0"/>
-              <a:t>Điều</a:t>
-            </a:r>
-            <a:r>
-              <a:rPr lang="en-US" dirty="0" smtClean="0"/>
-              <a:t> </a:t>
-            </a:r>
-            <a:r>
-              <a:rPr lang="en-US" dirty="0" err="1" smtClean="0"/>
-              <a:t>kiện</a:t>
-            </a:r>
-            <a:r>
-              <a:rPr lang="en-US" dirty="0" smtClean="0"/>
-              <a:t> con:</a:t>
-            </a:r>
-          </a:p>
-          <a:p>
-            <a:r>
-              <a:rPr lang="en-US" dirty="0" smtClean="0"/>
-              <a:t>If:</a:t>
-            </a:r>
-          </a:p>
-          <a:p>
-            <a:r>
-              <a:rPr lang="en-US" dirty="0" err="1" smtClean="0"/>
-              <a:t>Lặp</a:t>
-            </a:r>
-            <a:r>
-              <a:rPr lang="en-US" dirty="0" smtClean="0"/>
-              <a:t>:</a:t>
-            </a:r>
-            <a:endParaRPr lang="vi-VN" dirty="0"/>
+            <a:endParaRPr lang="en-US" dirty="0" smtClean="0"/>
           </a:p>
         </p:txBody>
       </p:sp>
@@ -5807,6 +8792,519 @@
           </a:p>
         </p:txBody>
       </p:sp>
+      <p:sp>
+        <p:nvSpPr>
+          <p:cNvPr id="5" name="Title 1"/>
+          <p:cNvSpPr>
+            <a:spLocks noGrp="1"/>
+          </p:cNvSpPr>
+          <p:nvPr>
+            <p:ph type="title"/>
+          </p:nvPr>
+        </p:nvSpPr>
+        <p:spPr>
+          <a:noFill/>
+          <a:ln>
+            <a:noFill/>
+          </a:ln>
+          <a:effectLst/>
+          <a:extLst>
+            <a:ext uri="{AF507438-7753-43E0-B8FC-AC1667EBCBE1}">
+              <a14:hiddenEffects xmlns:a14="http://schemas.microsoft.com/office/drawing/2010/main">
+                <a:effectLst>
+                  <a:outerShdw dist="35921" dir="2700000" algn="ctr" rotWithShape="0">
+                    <a:schemeClr val="bg2"/>
+                  </a:outerShdw>
+                </a:effectLst>
+              </a14:hiddenEffects>
+            </a:ext>
+          </a:extLst>
+        </p:spPr>
+        <p:txBody>
+          <a:bodyPr vert="horz" wrap="square" lIns="91440" tIns="45720" rIns="91440" bIns="45720" numCol="1" anchor="ctr" anchorCtr="0" compatLnSpc="1">
+            <a:prstTxWarp prst="textNoShape">
+              <a:avLst/>
+            </a:prstTxWarp>
+          </a:bodyPr>
+          <a:lstStyle/>
+          <a:p>
+            <a:r>
+              <a:rPr lang="en-US" dirty="0" err="1"/>
+              <a:t>Thực</a:t>
+            </a:r>
+            <a:r>
+              <a:rPr lang="en-US" dirty="0"/>
+              <a:t> </a:t>
+            </a:r>
+            <a:r>
+              <a:rPr lang="en-US" dirty="0" err="1"/>
+              <a:t>hiện</a:t>
+            </a:r>
+            <a:r>
+              <a:rPr lang="en-US" dirty="0"/>
+              <a:t> </a:t>
+            </a:r>
+            <a:r>
+              <a:rPr lang="en-US" dirty="0" err="1"/>
+              <a:t>phần</a:t>
+            </a:r>
+            <a:r>
+              <a:rPr lang="en-US" dirty="0"/>
+              <a:t> </a:t>
+            </a:r>
+            <a:r>
+              <a:rPr lang="en-US" dirty="0" err="1"/>
+              <a:t>mềm</a:t>
+            </a:r>
+            <a:endParaRPr lang="vi-VN" dirty="0"/>
+          </a:p>
+        </p:txBody>
+      </p:sp>
+      <p:pic>
+        <p:nvPicPr>
+          <p:cNvPr id="9" name="Picture 8"/>
+          <p:cNvPicPr/>
+          <p:nvPr/>
+        </p:nvPicPr>
+        <p:blipFill>
+          <a:blip r:embed="rId4">
+            <a:extLst>
+              <a:ext uri="{28A0092B-C50C-407E-A947-70E740481C1C}">
+                <a14:useLocalDpi xmlns:a14="http://schemas.microsoft.com/office/drawing/2010/main" val="0"/>
+              </a:ext>
+            </a:extLst>
+          </a:blip>
+          <a:stretch>
+            <a:fillRect/>
+          </a:stretch>
+        </p:blipFill>
+        <p:spPr>
+          <a:xfrm>
+            <a:off x="914400" y="3454129"/>
+            <a:ext cx="1453399" cy="1530183"/>
+          </a:xfrm>
+          <a:prstGeom prst="rect">
+            <a:avLst/>
+          </a:prstGeom>
+        </p:spPr>
+      </p:pic>
+      <p:pic>
+        <p:nvPicPr>
+          <p:cNvPr id="11" name="Picture 10"/>
+          <p:cNvPicPr>
+            <a:picLocks noChangeAspect="1"/>
+          </p:cNvPicPr>
+          <p:nvPr/>
+        </p:nvPicPr>
+        <p:blipFill>
+          <a:blip r:embed="rId5">
+            <a:extLst>
+              <a:ext uri="{28A0092B-C50C-407E-A947-70E740481C1C}">
+                <a14:useLocalDpi xmlns:a14="http://schemas.microsoft.com/office/drawing/2010/main" val="0"/>
+              </a:ext>
+            </a:extLst>
+          </a:blip>
+          <a:stretch>
+            <a:fillRect/>
+          </a:stretch>
+        </p:blipFill>
+        <p:spPr>
+          <a:xfrm>
+            <a:off x="721910" y="3352800"/>
+            <a:ext cx="1716490" cy="1748135"/>
+          </a:xfrm>
+          <a:prstGeom prst="rect">
+            <a:avLst/>
+          </a:prstGeom>
+        </p:spPr>
+      </p:pic>
+      <p:sp>
+        <p:nvSpPr>
+          <p:cNvPr id="12" name="TextBox 11"/>
+          <p:cNvSpPr txBox="1"/>
+          <p:nvPr/>
+        </p:nvSpPr>
+        <p:spPr>
+          <a:xfrm>
+            <a:off x="4953990" y="2281535"/>
+            <a:ext cx="356188" cy="461665"/>
+          </a:xfrm>
+          <a:prstGeom prst="rect">
+            <a:avLst/>
+          </a:prstGeom>
+          <a:noFill/>
+        </p:spPr>
+        <p:txBody>
+          <a:bodyPr wrap="none" rtlCol="0">
+            <a:spAutoFit/>
+          </a:bodyPr>
+          <a:lstStyle/>
+          <a:p>
+            <a:r>
+              <a:rPr lang="en-US" sz="2400" b="1" dirty="0" smtClean="0">
+                <a:solidFill>
+                  <a:srgbClr val="FF0000"/>
+                </a:solidFill>
+              </a:rPr>
+              <a:t>1</a:t>
+            </a:r>
+            <a:endParaRPr lang="en-US" sz="2400" b="1" dirty="0">
+              <a:solidFill>
+                <a:srgbClr val="FF0000"/>
+              </a:solidFill>
+            </a:endParaRPr>
+          </a:p>
+        </p:txBody>
+      </p:sp>
+      <p:sp>
+        <p:nvSpPr>
+          <p:cNvPr id="13" name="TextBox 12"/>
+          <p:cNvSpPr txBox="1"/>
+          <p:nvPr/>
+        </p:nvSpPr>
+        <p:spPr>
+          <a:xfrm>
+            <a:off x="4977812" y="2895600"/>
+            <a:ext cx="356188" cy="461665"/>
+          </a:xfrm>
+          <a:prstGeom prst="rect">
+            <a:avLst/>
+          </a:prstGeom>
+          <a:noFill/>
+        </p:spPr>
+        <p:txBody>
+          <a:bodyPr wrap="none" rtlCol="0">
+            <a:spAutoFit/>
+          </a:bodyPr>
+          <a:lstStyle/>
+          <a:p>
+            <a:r>
+              <a:rPr lang="en-US" sz="2400" b="1" dirty="0" smtClean="0">
+                <a:solidFill>
+                  <a:srgbClr val="FF0000"/>
+                </a:solidFill>
+              </a:rPr>
+              <a:t>2</a:t>
+            </a:r>
+            <a:endParaRPr lang="en-US" sz="2400" b="1" dirty="0">
+              <a:solidFill>
+                <a:srgbClr val="FF0000"/>
+              </a:solidFill>
+            </a:endParaRPr>
+          </a:p>
+        </p:txBody>
+      </p:sp>
+      <p:sp>
+        <p:nvSpPr>
+          <p:cNvPr id="15" name="Right Arrow 14"/>
+          <p:cNvSpPr/>
+          <p:nvPr/>
+        </p:nvSpPr>
+        <p:spPr>
+          <a:xfrm>
+            <a:off x="4417621" y="2895600"/>
+            <a:ext cx="1371600" cy="45719"/>
+          </a:xfrm>
+          <a:prstGeom prst="rightArrow">
+            <a:avLst/>
+          </a:prstGeom>
+          <a:ln>
+            <a:solidFill>
+              <a:srgbClr val="FF0000"/>
+            </a:solidFill>
+          </a:ln>
+        </p:spPr>
+        <p:style>
+          <a:lnRef idx="2">
+            <a:schemeClr val="accent1">
+              <a:shade val="50000"/>
+            </a:schemeClr>
+          </a:lnRef>
+          <a:fillRef idx="1">
+            <a:schemeClr val="accent1"/>
+          </a:fillRef>
+          <a:effectRef idx="0">
+            <a:schemeClr val="accent1"/>
+          </a:effectRef>
+          <a:fontRef idx="minor">
+            <a:schemeClr val="lt1"/>
+          </a:fontRef>
+        </p:style>
+        <p:txBody>
+          <a:bodyPr rtlCol="0" anchor="ctr"/>
+          <a:lstStyle/>
+          <a:p>
+            <a:pPr algn="ctr"/>
+            <a:endParaRPr lang="en-US"/>
+          </a:p>
+        </p:txBody>
+      </p:sp>
+      <p:sp>
+        <p:nvSpPr>
+          <p:cNvPr id="18" name="Left Arrow 17"/>
+          <p:cNvSpPr/>
+          <p:nvPr/>
+        </p:nvSpPr>
+        <p:spPr>
+          <a:xfrm>
+            <a:off x="4417621" y="2667000"/>
+            <a:ext cx="1371600" cy="45719"/>
+          </a:xfrm>
+          <a:prstGeom prst="leftArrow">
+            <a:avLst/>
+          </a:prstGeom>
+          <a:ln>
+            <a:solidFill>
+              <a:srgbClr val="FF0000"/>
+            </a:solidFill>
+          </a:ln>
+        </p:spPr>
+        <p:style>
+          <a:lnRef idx="2">
+            <a:schemeClr val="accent1">
+              <a:shade val="50000"/>
+            </a:schemeClr>
+          </a:lnRef>
+          <a:fillRef idx="1">
+            <a:schemeClr val="accent1"/>
+          </a:fillRef>
+          <a:effectRef idx="0">
+            <a:schemeClr val="accent1"/>
+          </a:effectRef>
+          <a:fontRef idx="minor">
+            <a:schemeClr val="lt1"/>
+          </a:fontRef>
+        </p:style>
+        <p:txBody>
+          <a:bodyPr rtlCol="0" anchor="ctr"/>
+          <a:lstStyle/>
+          <a:p>
+            <a:pPr algn="ctr"/>
+            <a:endParaRPr lang="en-US"/>
+          </a:p>
+        </p:txBody>
+      </p:sp>
+      <p:sp>
+        <p:nvSpPr>
+          <p:cNvPr id="21" name="Right Arrow 20"/>
+          <p:cNvSpPr/>
+          <p:nvPr/>
+        </p:nvSpPr>
+        <p:spPr>
+          <a:xfrm rot="19409113">
+            <a:off x="4083829" y="4162286"/>
+            <a:ext cx="2006894" cy="45719"/>
+          </a:xfrm>
+          <a:prstGeom prst="rightArrow">
+            <a:avLst/>
+          </a:prstGeom>
+          <a:solidFill>
+            <a:srgbClr val="FF0000"/>
+          </a:solidFill>
+          <a:ln>
+            <a:solidFill>
+              <a:srgbClr val="FF0000"/>
+            </a:solidFill>
+          </a:ln>
+        </p:spPr>
+        <p:style>
+          <a:lnRef idx="2">
+            <a:schemeClr val="accent1">
+              <a:shade val="50000"/>
+            </a:schemeClr>
+          </a:lnRef>
+          <a:fillRef idx="1">
+            <a:schemeClr val="accent1"/>
+          </a:fillRef>
+          <a:effectRef idx="0">
+            <a:schemeClr val="accent1"/>
+          </a:effectRef>
+          <a:fontRef idx="minor">
+            <a:schemeClr val="lt1"/>
+          </a:fontRef>
+        </p:style>
+        <p:txBody>
+          <a:bodyPr rtlCol="0" anchor="ctr"/>
+          <a:lstStyle/>
+          <a:p>
+            <a:pPr algn="ctr"/>
+            <a:endParaRPr lang="en-US"/>
+          </a:p>
+        </p:txBody>
+      </p:sp>
+      <p:sp>
+        <p:nvSpPr>
+          <p:cNvPr id="23" name="Left Arrow 22"/>
+          <p:cNvSpPr/>
+          <p:nvPr/>
+        </p:nvSpPr>
+        <p:spPr>
+          <a:xfrm rot="19409113">
+            <a:off x="4388629" y="4326395"/>
+            <a:ext cx="2006894" cy="45719"/>
+          </a:xfrm>
+          <a:prstGeom prst="leftArrow">
+            <a:avLst/>
+          </a:prstGeom>
+          <a:solidFill>
+            <a:srgbClr val="FF0000"/>
+          </a:solidFill>
+          <a:ln>
+            <a:solidFill>
+              <a:srgbClr val="FF0000"/>
+            </a:solidFill>
+          </a:ln>
+        </p:spPr>
+        <p:style>
+          <a:lnRef idx="2">
+            <a:schemeClr val="accent1">
+              <a:shade val="50000"/>
+            </a:schemeClr>
+          </a:lnRef>
+          <a:fillRef idx="1">
+            <a:schemeClr val="accent1"/>
+          </a:fillRef>
+          <a:effectRef idx="0">
+            <a:schemeClr val="accent1"/>
+          </a:effectRef>
+          <a:fontRef idx="minor">
+            <a:schemeClr val="lt1"/>
+          </a:fontRef>
+        </p:style>
+        <p:txBody>
+          <a:bodyPr rtlCol="0" anchor="ctr"/>
+          <a:lstStyle/>
+          <a:p>
+            <a:pPr algn="ctr"/>
+            <a:endParaRPr lang="en-US">
+              <a:solidFill>
+                <a:srgbClr val="FF0000"/>
+              </a:solidFill>
+            </a:endParaRPr>
+          </a:p>
+        </p:txBody>
+      </p:sp>
+      <p:sp>
+        <p:nvSpPr>
+          <p:cNvPr id="24" name="TextBox 23"/>
+          <p:cNvSpPr txBox="1"/>
+          <p:nvPr/>
+        </p:nvSpPr>
+        <p:spPr>
+          <a:xfrm>
+            <a:off x="5334000" y="4262735"/>
+            <a:ext cx="356188" cy="461665"/>
+          </a:xfrm>
+          <a:prstGeom prst="rect">
+            <a:avLst/>
+          </a:prstGeom>
+          <a:noFill/>
+        </p:spPr>
+        <p:txBody>
+          <a:bodyPr wrap="none" rtlCol="0">
+            <a:spAutoFit/>
+          </a:bodyPr>
+          <a:lstStyle/>
+          <a:p>
+            <a:r>
+              <a:rPr lang="en-US" sz="2400" b="1" dirty="0" smtClean="0">
+                <a:solidFill>
+                  <a:srgbClr val="FF0000"/>
+                </a:solidFill>
+              </a:rPr>
+              <a:t>3</a:t>
+            </a:r>
+            <a:endParaRPr lang="en-US" sz="2400" b="1" dirty="0">
+              <a:solidFill>
+                <a:srgbClr val="FF0000"/>
+              </a:solidFill>
+            </a:endParaRPr>
+          </a:p>
+        </p:txBody>
+      </p:sp>
+      <p:sp>
+        <p:nvSpPr>
+          <p:cNvPr id="25" name="TextBox 24"/>
+          <p:cNvSpPr txBox="1"/>
+          <p:nvPr/>
+        </p:nvSpPr>
+        <p:spPr>
+          <a:xfrm>
+            <a:off x="4825412" y="3810000"/>
+            <a:ext cx="356188" cy="461665"/>
+          </a:xfrm>
+          <a:prstGeom prst="rect">
+            <a:avLst/>
+          </a:prstGeom>
+          <a:noFill/>
+        </p:spPr>
+        <p:txBody>
+          <a:bodyPr wrap="none" rtlCol="0">
+            <a:spAutoFit/>
+          </a:bodyPr>
+          <a:lstStyle/>
+          <a:p>
+            <a:r>
+              <a:rPr lang="en-US" sz="2400" b="1" dirty="0" smtClean="0">
+                <a:solidFill>
+                  <a:srgbClr val="FF0000"/>
+                </a:solidFill>
+              </a:rPr>
+              <a:t>4</a:t>
+            </a:r>
+            <a:endParaRPr lang="en-US" sz="2400" b="1" dirty="0">
+              <a:solidFill>
+                <a:srgbClr val="FF0000"/>
+              </a:solidFill>
+            </a:endParaRPr>
+          </a:p>
+        </p:txBody>
+      </p:sp>
+      <p:sp>
+        <p:nvSpPr>
+          <p:cNvPr id="26" name="Left Arrow 25"/>
+          <p:cNvSpPr/>
+          <p:nvPr/>
+        </p:nvSpPr>
+        <p:spPr>
+          <a:xfrm>
+            <a:off x="2478490" y="4262735"/>
+            <a:ext cx="340910" cy="45719"/>
+          </a:xfrm>
+          <a:prstGeom prst="leftArrow">
+            <a:avLst/>
+          </a:prstGeom>
+          <a:ln>
+            <a:solidFill>
+              <a:srgbClr val="FF0000"/>
+            </a:solidFill>
+          </a:ln>
+        </p:spPr>
+        <p:style>
+          <a:lnRef idx="2">
+            <a:schemeClr val="accent1">
+              <a:shade val="50000"/>
+            </a:schemeClr>
+          </a:lnRef>
+          <a:fillRef idx="1">
+            <a:schemeClr val="accent1"/>
+          </a:fillRef>
+          <a:effectRef idx="0">
+            <a:schemeClr val="accent1"/>
+          </a:effectRef>
+          <a:fontRef idx="minor">
+            <a:schemeClr val="lt1"/>
+          </a:fontRef>
+        </p:style>
+        <p:txBody>
+          <a:bodyPr rtlCol="0" anchor="ctr"/>
+          <a:lstStyle/>
+          <a:p>
+            <a:pPr algn="ctr"/>
+            <a:endParaRPr lang="en-US"/>
+          </a:p>
+        </p:txBody>
+      </p:sp>
     </p:spTree>
     <p:extLst>
       <p:ext uri="{BB962C8B-B14F-4D97-AF65-F5344CB8AC3E}">
@@ -5817,6 +9315,532 @@
   <p:clrMapOvr>
     <a:masterClrMapping/>
   </p:clrMapOvr>
+  <p:timing>
+    <p:tnLst>
+      <p:par>
+        <p:cTn id="1" dur="indefinite" restart="never" nodeType="tmRoot">
+          <p:childTnLst>
+            <p:seq concurrent="1" nextAc="seek">
+              <p:cTn id="2" dur="indefinite" nodeType="mainSeq">
+                <p:childTnLst>
+                  <p:par>
+                    <p:cTn id="3" fill="hold">
+                      <p:stCondLst>
+                        <p:cond delay="indefinite"/>
+                      </p:stCondLst>
+                      <p:childTnLst>
+                        <p:par>
+                          <p:cTn id="4" fill="hold">
+                            <p:stCondLst>
+                              <p:cond delay="0"/>
+                            </p:stCondLst>
+                            <p:childTnLst>
+                              <p:par>
+                                <p:cTn id="5" presetID="22" presetClass="entr" presetSubtype="2" fill="hold" grpId="0" nodeType="clickEffect">
+                                  <p:stCondLst>
+                                    <p:cond delay="0"/>
+                                  </p:stCondLst>
+                                  <p:childTnLst>
+                                    <p:set>
+                                      <p:cBhvr>
+                                        <p:cTn id="6" dur="1" fill="hold">
+                                          <p:stCondLst>
+                                            <p:cond delay="0"/>
+                                          </p:stCondLst>
+                                        </p:cTn>
+                                        <p:tgtEl>
+                                          <p:spTgt spid="18"/>
+                                        </p:tgtEl>
+                                        <p:attrNameLst>
+                                          <p:attrName>style.visibility</p:attrName>
+                                        </p:attrNameLst>
+                                      </p:cBhvr>
+                                      <p:to>
+                                        <p:strVal val="visible"/>
+                                      </p:to>
+                                    </p:set>
+                                    <p:animEffect transition="in" filter="wipe(right)">
+                                      <p:cBhvr>
+                                        <p:cTn id="7" dur="500"/>
+                                        <p:tgtEl>
+                                          <p:spTgt spid="18"/>
+                                        </p:tgtEl>
+                                      </p:cBhvr>
+                                    </p:animEffect>
+                                  </p:childTnLst>
+                                </p:cTn>
+                              </p:par>
+                              <p:par>
+                                <p:cTn id="8" presetID="22" presetClass="entr" presetSubtype="2" fill="hold" grpId="0" nodeType="withEffect">
+                                  <p:stCondLst>
+                                    <p:cond delay="0"/>
+                                  </p:stCondLst>
+                                  <p:childTnLst>
+                                    <p:set>
+                                      <p:cBhvr>
+                                        <p:cTn id="9" dur="1" fill="hold">
+                                          <p:stCondLst>
+                                            <p:cond delay="0"/>
+                                          </p:stCondLst>
+                                        </p:cTn>
+                                        <p:tgtEl>
+                                          <p:spTgt spid="12"/>
+                                        </p:tgtEl>
+                                        <p:attrNameLst>
+                                          <p:attrName>style.visibility</p:attrName>
+                                        </p:attrNameLst>
+                                      </p:cBhvr>
+                                      <p:to>
+                                        <p:strVal val="visible"/>
+                                      </p:to>
+                                    </p:set>
+                                    <p:animEffect transition="in" filter="wipe(right)">
+                                      <p:cBhvr>
+                                        <p:cTn id="10" dur="500"/>
+                                        <p:tgtEl>
+                                          <p:spTgt spid="12"/>
+                                        </p:tgtEl>
+                                      </p:cBhvr>
+                                    </p:animEffect>
+                                  </p:childTnLst>
+                                </p:cTn>
+                              </p:par>
+                            </p:childTnLst>
+                          </p:cTn>
+                        </p:par>
+                      </p:childTnLst>
+                    </p:cTn>
+                  </p:par>
+                  <p:par>
+                    <p:cTn id="11" fill="hold">
+                      <p:stCondLst>
+                        <p:cond delay="indefinite"/>
+                      </p:stCondLst>
+                      <p:childTnLst>
+                        <p:par>
+                          <p:cTn id="12" fill="hold">
+                            <p:stCondLst>
+                              <p:cond delay="0"/>
+                            </p:stCondLst>
+                            <p:childTnLst>
+                              <p:par>
+                                <p:cTn id="13" presetID="1" presetClass="entr" presetSubtype="0" fill="hold" nodeType="clickEffect">
+                                  <p:stCondLst>
+                                    <p:cond delay="0"/>
+                                  </p:stCondLst>
+                                  <p:childTnLst>
+                                    <p:set>
+                                      <p:cBhvr>
+                                        <p:cTn id="14" dur="1" fill="hold">
+                                          <p:stCondLst>
+                                            <p:cond delay="0"/>
+                                          </p:stCondLst>
+                                        </p:cTn>
+                                        <p:tgtEl>
+                                          <p:spTgt spid="9"/>
+                                        </p:tgtEl>
+                                        <p:attrNameLst>
+                                          <p:attrName>style.visibility</p:attrName>
+                                        </p:attrNameLst>
+                                      </p:cBhvr>
+                                      <p:to>
+                                        <p:strVal val="visible"/>
+                                      </p:to>
+                                    </p:set>
+                                  </p:childTnLst>
+                                </p:cTn>
+                              </p:par>
+                            </p:childTnLst>
+                          </p:cTn>
+                        </p:par>
+                      </p:childTnLst>
+                    </p:cTn>
+                  </p:par>
+                  <p:par>
+                    <p:cTn id="15" fill="hold">
+                      <p:stCondLst>
+                        <p:cond delay="indefinite"/>
+                      </p:stCondLst>
+                      <p:childTnLst>
+                        <p:par>
+                          <p:cTn id="16" fill="hold">
+                            <p:stCondLst>
+                              <p:cond delay="0"/>
+                            </p:stCondLst>
+                            <p:childTnLst>
+                              <p:par>
+                                <p:cTn id="17" presetID="22" presetClass="entr" presetSubtype="2" fill="hold" grpId="0" nodeType="clickEffect">
+                                  <p:stCondLst>
+                                    <p:cond delay="0"/>
+                                  </p:stCondLst>
+                                  <p:childTnLst>
+                                    <p:set>
+                                      <p:cBhvr>
+                                        <p:cTn id="18" dur="1" fill="hold">
+                                          <p:stCondLst>
+                                            <p:cond delay="0"/>
+                                          </p:stCondLst>
+                                        </p:cTn>
+                                        <p:tgtEl>
+                                          <p:spTgt spid="26"/>
+                                        </p:tgtEl>
+                                        <p:attrNameLst>
+                                          <p:attrName>style.visibility</p:attrName>
+                                        </p:attrNameLst>
+                                      </p:cBhvr>
+                                      <p:to>
+                                        <p:strVal val="visible"/>
+                                      </p:to>
+                                    </p:set>
+                                    <p:animEffect transition="in" filter="wipe(right)">
+                                      <p:cBhvr>
+                                        <p:cTn id="19" dur="500"/>
+                                        <p:tgtEl>
+                                          <p:spTgt spid="26"/>
+                                        </p:tgtEl>
+                                      </p:cBhvr>
+                                    </p:animEffect>
+                                  </p:childTnLst>
+                                </p:cTn>
+                              </p:par>
+                              <p:par>
+                                <p:cTn id="20" presetID="22" presetClass="entr" presetSubtype="2" fill="hold" nodeType="withEffect">
+                                  <p:stCondLst>
+                                    <p:cond delay="0"/>
+                                  </p:stCondLst>
+                                  <p:childTnLst>
+                                    <p:set>
+                                      <p:cBhvr>
+                                        <p:cTn id="21" dur="1" fill="hold">
+                                          <p:stCondLst>
+                                            <p:cond delay="0"/>
+                                          </p:stCondLst>
+                                        </p:cTn>
+                                        <p:tgtEl>
+                                          <p:spTgt spid="11"/>
+                                        </p:tgtEl>
+                                        <p:attrNameLst>
+                                          <p:attrName>style.visibility</p:attrName>
+                                        </p:attrNameLst>
+                                      </p:cBhvr>
+                                      <p:to>
+                                        <p:strVal val="visible"/>
+                                      </p:to>
+                                    </p:set>
+                                    <p:animEffect transition="in" filter="wipe(right)">
+                                      <p:cBhvr>
+                                        <p:cTn id="22" dur="500"/>
+                                        <p:tgtEl>
+                                          <p:spTgt spid="11"/>
+                                        </p:tgtEl>
+                                      </p:cBhvr>
+                                    </p:animEffect>
+                                  </p:childTnLst>
+                                </p:cTn>
+                              </p:par>
+                            </p:childTnLst>
+                          </p:cTn>
+                        </p:par>
+                      </p:childTnLst>
+                    </p:cTn>
+                  </p:par>
+                  <p:par>
+                    <p:cTn id="23" fill="hold">
+                      <p:stCondLst>
+                        <p:cond delay="indefinite"/>
+                      </p:stCondLst>
+                      <p:childTnLst>
+                        <p:par>
+                          <p:cTn id="24" fill="hold">
+                            <p:stCondLst>
+                              <p:cond delay="0"/>
+                            </p:stCondLst>
+                            <p:childTnLst>
+                              <p:par>
+                                <p:cTn id="25" presetID="22" presetClass="entr" presetSubtype="8" fill="hold" grpId="0" nodeType="clickEffect">
+                                  <p:stCondLst>
+                                    <p:cond delay="0"/>
+                                  </p:stCondLst>
+                                  <p:childTnLst>
+                                    <p:set>
+                                      <p:cBhvr>
+                                        <p:cTn id="26" dur="1" fill="hold">
+                                          <p:stCondLst>
+                                            <p:cond delay="0"/>
+                                          </p:stCondLst>
+                                        </p:cTn>
+                                        <p:tgtEl>
+                                          <p:spTgt spid="15"/>
+                                        </p:tgtEl>
+                                        <p:attrNameLst>
+                                          <p:attrName>style.visibility</p:attrName>
+                                        </p:attrNameLst>
+                                      </p:cBhvr>
+                                      <p:to>
+                                        <p:strVal val="visible"/>
+                                      </p:to>
+                                    </p:set>
+                                    <p:animEffect transition="in" filter="wipe(left)">
+                                      <p:cBhvr>
+                                        <p:cTn id="27" dur="500"/>
+                                        <p:tgtEl>
+                                          <p:spTgt spid="15"/>
+                                        </p:tgtEl>
+                                      </p:cBhvr>
+                                    </p:animEffect>
+                                  </p:childTnLst>
+                                </p:cTn>
+                              </p:par>
+                              <p:par>
+                                <p:cTn id="28" presetID="22" presetClass="entr" presetSubtype="8" fill="hold" grpId="0" nodeType="withEffect">
+                                  <p:stCondLst>
+                                    <p:cond delay="0"/>
+                                  </p:stCondLst>
+                                  <p:childTnLst>
+                                    <p:set>
+                                      <p:cBhvr>
+                                        <p:cTn id="29" dur="1" fill="hold">
+                                          <p:stCondLst>
+                                            <p:cond delay="0"/>
+                                          </p:stCondLst>
+                                        </p:cTn>
+                                        <p:tgtEl>
+                                          <p:spTgt spid="13"/>
+                                        </p:tgtEl>
+                                        <p:attrNameLst>
+                                          <p:attrName>style.visibility</p:attrName>
+                                        </p:attrNameLst>
+                                      </p:cBhvr>
+                                      <p:to>
+                                        <p:strVal val="visible"/>
+                                      </p:to>
+                                    </p:set>
+                                    <p:animEffect transition="in" filter="wipe(left)">
+                                      <p:cBhvr>
+                                        <p:cTn id="30" dur="500"/>
+                                        <p:tgtEl>
+                                          <p:spTgt spid="13"/>
+                                        </p:tgtEl>
+                                      </p:cBhvr>
+                                    </p:animEffect>
+                                  </p:childTnLst>
+                                </p:cTn>
+                              </p:par>
+                            </p:childTnLst>
+                          </p:cTn>
+                        </p:par>
+                      </p:childTnLst>
+                    </p:cTn>
+                  </p:par>
+                  <p:par>
+                    <p:cTn id="31" fill="hold">
+                      <p:stCondLst>
+                        <p:cond delay="indefinite"/>
+                      </p:stCondLst>
+                      <p:childTnLst>
+                        <p:par>
+                          <p:cTn id="32" fill="hold">
+                            <p:stCondLst>
+                              <p:cond delay="0"/>
+                            </p:stCondLst>
+                            <p:childTnLst>
+                              <p:par>
+                                <p:cTn id="33" presetID="22" presetClass="entr" presetSubtype="2" fill="hold" grpId="0" nodeType="clickEffect">
+                                  <p:stCondLst>
+                                    <p:cond delay="0"/>
+                                  </p:stCondLst>
+                                  <p:childTnLst>
+                                    <p:set>
+                                      <p:cBhvr>
+                                        <p:cTn id="34" dur="1" fill="hold">
+                                          <p:stCondLst>
+                                            <p:cond delay="0"/>
+                                          </p:stCondLst>
+                                        </p:cTn>
+                                        <p:tgtEl>
+                                          <p:spTgt spid="23"/>
+                                        </p:tgtEl>
+                                        <p:attrNameLst>
+                                          <p:attrName>style.visibility</p:attrName>
+                                        </p:attrNameLst>
+                                      </p:cBhvr>
+                                      <p:to>
+                                        <p:strVal val="visible"/>
+                                      </p:to>
+                                    </p:set>
+                                    <p:animEffect transition="in" filter="wipe(right)">
+                                      <p:cBhvr>
+                                        <p:cTn id="35" dur="500"/>
+                                        <p:tgtEl>
+                                          <p:spTgt spid="23"/>
+                                        </p:tgtEl>
+                                      </p:cBhvr>
+                                    </p:animEffect>
+                                  </p:childTnLst>
+                                </p:cTn>
+                              </p:par>
+                              <p:par>
+                                <p:cTn id="36" presetID="22" presetClass="entr" presetSubtype="2" fill="hold" grpId="0" nodeType="withEffect">
+                                  <p:stCondLst>
+                                    <p:cond delay="0"/>
+                                  </p:stCondLst>
+                                  <p:childTnLst>
+                                    <p:set>
+                                      <p:cBhvr>
+                                        <p:cTn id="37" dur="1" fill="hold">
+                                          <p:stCondLst>
+                                            <p:cond delay="0"/>
+                                          </p:stCondLst>
+                                        </p:cTn>
+                                        <p:tgtEl>
+                                          <p:spTgt spid="24"/>
+                                        </p:tgtEl>
+                                        <p:attrNameLst>
+                                          <p:attrName>style.visibility</p:attrName>
+                                        </p:attrNameLst>
+                                      </p:cBhvr>
+                                      <p:to>
+                                        <p:strVal val="visible"/>
+                                      </p:to>
+                                    </p:set>
+                                    <p:animEffect transition="in" filter="wipe(right)">
+                                      <p:cBhvr>
+                                        <p:cTn id="38" dur="500"/>
+                                        <p:tgtEl>
+                                          <p:spTgt spid="24"/>
+                                        </p:tgtEl>
+                                      </p:cBhvr>
+                                    </p:animEffect>
+                                  </p:childTnLst>
+                                </p:cTn>
+                              </p:par>
+                            </p:childTnLst>
+                          </p:cTn>
+                        </p:par>
+                      </p:childTnLst>
+                    </p:cTn>
+                  </p:par>
+                  <p:par>
+                    <p:cTn id="39" fill="hold">
+                      <p:stCondLst>
+                        <p:cond delay="indefinite"/>
+                      </p:stCondLst>
+                      <p:childTnLst>
+                        <p:par>
+                          <p:cTn id="40" fill="hold">
+                            <p:stCondLst>
+                              <p:cond delay="0"/>
+                            </p:stCondLst>
+                            <p:childTnLst>
+                              <p:par>
+                                <p:cTn id="41" presetID="22" presetClass="entr" presetSubtype="8" fill="hold" grpId="0" nodeType="clickEffect">
+                                  <p:stCondLst>
+                                    <p:cond delay="0"/>
+                                  </p:stCondLst>
+                                  <p:childTnLst>
+                                    <p:set>
+                                      <p:cBhvr>
+                                        <p:cTn id="42" dur="1" fill="hold">
+                                          <p:stCondLst>
+                                            <p:cond delay="0"/>
+                                          </p:stCondLst>
+                                        </p:cTn>
+                                        <p:tgtEl>
+                                          <p:spTgt spid="21"/>
+                                        </p:tgtEl>
+                                        <p:attrNameLst>
+                                          <p:attrName>style.visibility</p:attrName>
+                                        </p:attrNameLst>
+                                      </p:cBhvr>
+                                      <p:to>
+                                        <p:strVal val="visible"/>
+                                      </p:to>
+                                    </p:set>
+                                    <p:animEffect transition="in" filter="wipe(left)">
+                                      <p:cBhvr>
+                                        <p:cTn id="43" dur="500"/>
+                                        <p:tgtEl>
+                                          <p:spTgt spid="21"/>
+                                        </p:tgtEl>
+                                      </p:cBhvr>
+                                    </p:animEffect>
+                                  </p:childTnLst>
+                                </p:cTn>
+                              </p:par>
+                              <p:par>
+                                <p:cTn id="44" presetID="22" presetClass="entr" presetSubtype="8" fill="hold" grpId="0" nodeType="withEffect">
+                                  <p:stCondLst>
+                                    <p:cond delay="0"/>
+                                  </p:stCondLst>
+                                  <p:childTnLst>
+                                    <p:set>
+                                      <p:cBhvr>
+                                        <p:cTn id="45" dur="1" fill="hold">
+                                          <p:stCondLst>
+                                            <p:cond delay="0"/>
+                                          </p:stCondLst>
+                                        </p:cTn>
+                                        <p:tgtEl>
+                                          <p:spTgt spid="25"/>
+                                        </p:tgtEl>
+                                        <p:attrNameLst>
+                                          <p:attrName>style.visibility</p:attrName>
+                                        </p:attrNameLst>
+                                      </p:cBhvr>
+                                      <p:to>
+                                        <p:strVal val="visible"/>
+                                      </p:to>
+                                    </p:set>
+                                    <p:animEffect transition="in" filter="wipe(left)">
+                                      <p:cBhvr>
+                                        <p:cTn id="46" dur="500"/>
+                                        <p:tgtEl>
+                                          <p:spTgt spid="25"/>
+                                        </p:tgtEl>
+                                      </p:cBhvr>
+                                    </p:animEffect>
+                                  </p:childTnLst>
+                                </p:cTn>
+                              </p:par>
+                            </p:childTnLst>
+                          </p:cTn>
+                        </p:par>
+                      </p:childTnLst>
+                    </p:cTn>
+                  </p:par>
+                </p:childTnLst>
+              </p:cTn>
+              <p:prevCondLst>
+                <p:cond evt="onPrev" delay="0">
+                  <p:tgtEl>
+                    <p:sldTgt/>
+                  </p:tgtEl>
+                </p:cond>
+              </p:prevCondLst>
+              <p:nextCondLst>
+                <p:cond evt="onNext" delay="0">
+                  <p:tgtEl>
+                    <p:sldTgt/>
+                  </p:tgtEl>
+                </p:cond>
+              </p:nextCondLst>
+            </p:seq>
+          </p:childTnLst>
+        </p:cTn>
+      </p:par>
+    </p:tnLst>
+    <p:bldLst>
+      <p:bldP spid="12" grpId="0"/>
+      <p:bldP spid="13" grpId="0"/>
+      <p:bldP spid="15" grpId="0" animBg="1"/>
+      <p:bldP spid="18" grpId="0" animBg="1"/>
+      <p:bldP spid="21" grpId="0" animBg="1"/>
+      <p:bldP spid="23" grpId="0" animBg="1"/>
+      <p:bldP spid="24" grpId="0"/>
+      <p:bldP spid="25" grpId="0"/>
+      <p:bldP spid="26" grpId="0" animBg="1"/>
+    </p:bldLst>
+  </p:timing>
 </p:sld>
 </file>
 
@@ -6013,6 +10037,13 @@
   <p:clrMapOvr>
     <a:masterClrMapping/>
   </p:clrMapOvr>
+  <p:timing>
+    <p:tnLst>
+      <p:par>
+        <p:cTn id="1" dur="indefinite" restart="never" nodeType="tmRoot"/>
+      </p:par>
+    </p:tnLst>
+  </p:timing>
 </p:sld>
 </file>
 
@@ -6209,6 +10240,13 @@
   <p:clrMapOvr>
     <a:masterClrMapping/>
   </p:clrMapOvr>
+  <p:timing>
+    <p:tnLst>
+      <p:par>
+        <p:cTn id="1" dur="indefinite" restart="never" nodeType="tmRoot"/>
+      </p:par>
+    </p:tnLst>
+  </p:timing>
 </p:sld>
 </file>
 
@@ -6405,6 +10443,13 @@
   <p:clrMapOvr>
     <a:masterClrMapping/>
   </p:clrMapOvr>
+  <p:timing>
+    <p:tnLst>
+      <p:par>
+        <p:cTn id="1" dur="indefinite" restart="never" nodeType="tmRoot"/>
+      </p:par>
+    </p:tnLst>
+  </p:timing>
 </p:sld>
 </file>
 
@@ -6573,6 +10618,13 @@
   <p:clrMapOvr>
     <a:masterClrMapping/>
   </p:clrMapOvr>
+  <p:timing>
+    <p:tnLst>
+      <p:par>
+        <p:cTn id="1" dur="indefinite" restart="never" nodeType="tmRoot"/>
+      </p:par>
+    </p:tnLst>
+  </p:timing>
 </p:sld>
 </file>
 
@@ -6677,6 +10729,13 @@
   <p:clrMapOvr>
     <a:masterClrMapping/>
   </p:clrMapOvr>
+  <p:timing>
+    <p:tnLst>
+      <p:par>
+        <p:cTn id="1" dur="indefinite" restart="never" nodeType="tmRoot"/>
+      </p:par>
+    </p:tnLst>
+  </p:timing>
 </p:sld>
 </file>
 
@@ -7248,6 +11307,13 @@
   <p:clrMapOvr>
     <a:masterClrMapping/>
   </p:clrMapOvr>
+  <p:timing>
+    <p:tnLst>
+      <p:par>
+        <p:cTn id="1" dur="indefinite" restart="never" nodeType="tmRoot"/>
+      </p:par>
+    </p:tnLst>
+  </p:timing>
 </p:sld>
 </file>
 
@@ -7352,6 +11418,13 @@
   <p:clrMapOvr>
     <a:masterClrMapping/>
   </p:clrMapOvr>
+  <p:timing>
+    <p:tnLst>
+      <p:par>
+        <p:cTn id="1" dur="indefinite" restart="never" nodeType="tmRoot"/>
+      </p:par>
+    </p:tnLst>
+  </p:timing>
 </p:sld>
 </file>
 
@@ -10699,8 +14772,8 @@
           </p:nvSpPr>
           <p:spPr bwMode="auto">
             <a:xfrm>
-              <a:off x="2276" y="1344"/>
-              <a:ext cx="1874" cy="291"/>
+              <a:off x="1968" y="1344"/>
+              <a:ext cx="1635" cy="291"/>
             </a:xfrm>
             <a:prstGeom prst="rect">
               <a:avLst/>
@@ -10747,12 +14820,60 @@
             <a:p>
               <a:pPr eaLnBrk="0" hangingPunct="0"/>
               <a:r>
+                <a:rPr lang="en-US" sz="2400" dirty="0" err="1" smtClean="0">
+                  <a:solidFill>
+                    <a:srgbClr val="000000"/>
+                  </a:solidFill>
+                </a:rPr>
+                <a:t>Khái</a:t>
+              </a:r>
+              <a:r>
                 <a:rPr lang="en-US" sz="2400" dirty="0" smtClean="0">
                   <a:solidFill>
                     <a:srgbClr val="000000"/>
                   </a:solidFill>
                 </a:rPr>
-                <a:t>Kiểm thử phần mềm</a:t>
+                <a:t> </a:t>
+              </a:r>
+              <a:r>
+                <a:rPr lang="en-US" sz="2400" dirty="0" err="1" smtClean="0">
+                  <a:solidFill>
+                    <a:srgbClr val="000000"/>
+                  </a:solidFill>
+                </a:rPr>
+                <a:t>niệm</a:t>
+              </a:r>
+              <a:r>
+                <a:rPr lang="en-US" sz="2400" dirty="0" smtClean="0">
+                  <a:solidFill>
+                    <a:srgbClr val="000000"/>
+                  </a:solidFill>
+                </a:rPr>
+                <a:t> </a:t>
+              </a:r>
+              <a:r>
+                <a:rPr lang="en-US" sz="2400" dirty="0" err="1" smtClean="0">
+                  <a:solidFill>
+                    <a:srgbClr val="000000"/>
+                  </a:solidFill>
+                </a:rPr>
+                <a:t>cơ</a:t>
+              </a:r>
+              <a:r>
+                <a:rPr lang="en-US" sz="2400" dirty="0" smtClean="0">
+                  <a:solidFill>
+                    <a:srgbClr val="000000"/>
+                  </a:solidFill>
+                </a:rPr>
+                <a:t> </a:t>
+              </a:r>
+              <a:r>
+                <a:rPr lang="en-US" sz="2400" dirty="0" err="1" smtClean="0">
+                  <a:solidFill>
+                    <a:srgbClr val="000000"/>
+                  </a:solidFill>
+                </a:rPr>
+                <a:t>bản</a:t>
               </a:r>
               <a:endParaRPr lang="en-US" sz="2400" dirty="0">
                 <a:solidFill>
@@ -10842,7 +14963,7 @@
         <p:grpSpPr bwMode="auto">
           <a:xfrm>
             <a:off x="2012950" y="2971800"/>
-            <a:ext cx="5410200" cy="665163"/>
+            <a:ext cx="5410202" cy="665163"/>
             <a:chOff x="1268" y="1872"/>
             <a:chExt cx="3408" cy="419"/>
           </a:xfrm>
@@ -11131,8 +15252,8 @@
           </p:nvSpPr>
           <p:spPr bwMode="auto">
             <a:xfrm>
-              <a:off x="2276" y="1920"/>
-              <a:ext cx="2329" cy="291"/>
+              <a:off x="1968" y="1920"/>
+              <a:ext cx="2638" cy="291"/>
             </a:xfrm>
             <a:prstGeom prst="rect">
               <a:avLst/>
@@ -11179,12 +15300,92 @@
             <a:p>
               <a:pPr eaLnBrk="0" hangingPunct="0"/>
               <a:r>
+                <a:rPr lang="en-US" sz="2400" dirty="0" err="1" smtClean="0">
+                  <a:solidFill>
+                    <a:srgbClr val="000000"/>
+                  </a:solidFill>
+                </a:rPr>
+                <a:t>Phân</a:t>
+              </a:r>
+              <a:r>
                 <a:rPr lang="en-US" sz="2400" dirty="0" smtClean="0">
                   <a:solidFill>
                     <a:srgbClr val="000000"/>
                   </a:solidFill>
                 </a:rPr>
-                <a:t>Kiểm thử dòng điều khiển</a:t>
+                <a:t> </a:t>
+              </a:r>
+              <a:r>
+                <a:rPr lang="en-US" sz="2400" dirty="0" err="1" smtClean="0">
+                  <a:solidFill>
+                    <a:srgbClr val="000000"/>
+                  </a:solidFill>
+                </a:rPr>
+                <a:t>tích</a:t>
+              </a:r>
+              <a:r>
+                <a:rPr lang="en-US" sz="2400" dirty="0" smtClean="0">
+                  <a:solidFill>
+                    <a:srgbClr val="000000"/>
+                  </a:solidFill>
+                </a:rPr>
+                <a:t>, </a:t>
+              </a:r>
+              <a:r>
+                <a:rPr lang="en-US" sz="2400" dirty="0" err="1" smtClean="0">
+                  <a:solidFill>
+                    <a:srgbClr val="000000"/>
+                  </a:solidFill>
+                </a:rPr>
+                <a:t>thiết</a:t>
+              </a:r>
+              <a:r>
+                <a:rPr lang="en-US" sz="2400" dirty="0" smtClean="0">
+                  <a:solidFill>
+                    <a:srgbClr val="000000"/>
+                  </a:solidFill>
+                </a:rPr>
+                <a:t> </a:t>
+              </a:r>
+              <a:r>
+                <a:rPr lang="en-US" sz="2400" dirty="0" err="1" smtClean="0">
+                  <a:solidFill>
+                    <a:srgbClr val="000000"/>
+                  </a:solidFill>
+                </a:rPr>
+                <a:t>kế</a:t>
+              </a:r>
+              <a:r>
+                <a:rPr lang="en-US" sz="2400" dirty="0" smtClean="0">
+                  <a:solidFill>
+                    <a:srgbClr val="000000"/>
+                  </a:solidFill>
+                </a:rPr>
+                <a:t> </a:t>
+              </a:r>
+              <a:r>
+                <a:rPr lang="en-US" sz="2400" dirty="0" err="1" smtClean="0">
+                  <a:solidFill>
+                    <a:srgbClr val="000000"/>
+                  </a:solidFill>
+                </a:rPr>
+                <a:t>phần</a:t>
+              </a:r>
+              <a:r>
+                <a:rPr lang="en-US" sz="2400" dirty="0" smtClean="0">
+                  <a:solidFill>
+                    <a:srgbClr val="000000"/>
+                  </a:solidFill>
+                </a:rPr>
+                <a:t> </a:t>
+              </a:r>
+              <a:r>
+                <a:rPr lang="en-US" sz="2400" dirty="0" err="1" smtClean="0">
+                  <a:solidFill>
+                    <a:srgbClr val="000000"/>
+                  </a:solidFill>
+                </a:rPr>
+                <a:t>mềm</a:t>
               </a:r>
               <a:endParaRPr lang="en-US" sz="2400" dirty="0">
                 <a:solidFill>
@@ -11341,8 +15542,8 @@
           </p:nvSpPr>
           <p:spPr bwMode="auto">
             <a:xfrm>
-              <a:off x="2276" y="2482"/>
-              <a:ext cx="2367" cy="291"/>
+              <a:off x="1968" y="2482"/>
+              <a:ext cx="1961" cy="291"/>
             </a:xfrm>
             <a:prstGeom prst="rect">
               <a:avLst/>
@@ -11389,12 +15590,60 @@
             <a:p>
               <a:pPr eaLnBrk="0" hangingPunct="0"/>
               <a:r>
+                <a:rPr lang="en-US" sz="2400" dirty="0" err="1" smtClean="0">
+                  <a:solidFill>
+                    <a:srgbClr val="000000"/>
+                  </a:solidFill>
+                </a:rPr>
+                <a:t>Thực</a:t>
+              </a:r>
+              <a:r>
                 <a:rPr lang="en-US" sz="2400" dirty="0" smtClean="0">
                   <a:solidFill>
                     <a:srgbClr val="000000"/>
                   </a:solidFill>
                 </a:rPr>
-                <a:t>Giới thiệu công cụ ANTLR</a:t>
+                <a:t> </a:t>
+              </a:r>
+              <a:r>
+                <a:rPr lang="en-US" sz="2400" dirty="0" err="1" smtClean="0">
+                  <a:solidFill>
+                    <a:srgbClr val="000000"/>
+                  </a:solidFill>
+                </a:rPr>
+                <a:t>hiện</a:t>
+              </a:r>
+              <a:r>
+                <a:rPr lang="en-US" sz="2400" dirty="0" smtClean="0">
+                  <a:solidFill>
+                    <a:srgbClr val="000000"/>
+                  </a:solidFill>
+                </a:rPr>
+                <a:t> </a:t>
+              </a:r>
+              <a:r>
+                <a:rPr lang="en-US" sz="2400" dirty="0" err="1" smtClean="0">
+                  <a:solidFill>
+                    <a:srgbClr val="000000"/>
+                  </a:solidFill>
+                </a:rPr>
+                <a:t>phần</a:t>
+              </a:r>
+              <a:r>
+                <a:rPr lang="en-US" sz="2400" dirty="0" smtClean="0">
+                  <a:solidFill>
+                    <a:srgbClr val="000000"/>
+                  </a:solidFill>
+                </a:rPr>
+                <a:t> </a:t>
+              </a:r>
+              <a:r>
+                <a:rPr lang="en-US" sz="2400" dirty="0" err="1" smtClean="0">
+                  <a:solidFill>
+                    <a:srgbClr val="000000"/>
+                  </a:solidFill>
+                </a:rPr>
+                <a:t>mềm</a:t>
               </a:r>
               <a:endParaRPr lang="en-US" sz="2400" dirty="0">
                 <a:solidFill>
@@ -11848,8 +16097,8 @@
           </p:nvSpPr>
           <p:spPr bwMode="auto">
             <a:xfrm>
-              <a:off x="2276" y="3058"/>
-              <a:ext cx="1624" cy="291"/>
+              <a:off x="1968" y="3058"/>
+              <a:ext cx="871" cy="291"/>
             </a:xfrm>
             <a:prstGeom prst="rect">
               <a:avLst/>
@@ -11896,12 +16145,28 @@
             <a:p>
               <a:pPr eaLnBrk="0" hangingPunct="0"/>
               <a:r>
+                <a:rPr lang="en-US" sz="2400" dirty="0" err="1" smtClean="0">
+                  <a:solidFill>
+                    <a:srgbClr val="000000"/>
+                  </a:solidFill>
+                </a:rPr>
+                <a:t>Tổng</a:t>
+              </a:r>
+              <a:r>
                 <a:rPr lang="en-US" sz="2400" dirty="0" smtClean="0">
                   <a:solidFill>
                     <a:srgbClr val="000000"/>
                   </a:solidFill>
                 </a:rPr>
-                <a:t>Kết quả đạt được</a:t>
+                <a:t> </a:t>
+              </a:r>
+              <a:r>
+                <a:rPr lang="en-US" sz="2400" dirty="0" err="1" smtClean="0">
+                  <a:solidFill>
+                    <a:srgbClr val="000000"/>
+                  </a:solidFill>
+                </a:rPr>
+                <a:t>kết</a:t>
               </a:r>
               <a:endParaRPr lang="en-US" sz="2400" dirty="0">
                 <a:solidFill>
@@ -14425,8 +18690,32 @@
           <a:lstStyle/>
           <a:p>
             <a:r>
+              <a:rPr lang="en-US" dirty="0" err="1" smtClean="0"/>
+              <a:t>Khái</a:t>
+            </a:r>
+            <a:r>
               <a:rPr lang="en-US" dirty="0" smtClean="0"/>
-              <a:t>Kiểm thử phần mềm</a:t>
+              <a:t> </a:t>
+            </a:r>
+            <a:r>
+              <a:rPr lang="en-US" dirty="0" err="1" smtClean="0"/>
+              <a:t>niệm</a:t>
+            </a:r>
+            <a:r>
+              <a:rPr lang="en-US" dirty="0" smtClean="0"/>
+              <a:t> </a:t>
+            </a:r>
+            <a:r>
+              <a:rPr lang="en-US" dirty="0" err="1" smtClean="0"/>
+              <a:t>cơ</a:t>
+            </a:r>
+            <a:r>
+              <a:rPr lang="en-US" dirty="0" smtClean="0"/>
+              <a:t> </a:t>
+            </a:r>
+            <a:r>
+              <a:rPr lang="en-US" dirty="0" err="1" smtClean="0"/>
+              <a:t>bản</a:t>
             </a:r>
             <a:endParaRPr lang="en-US" dirty="0"/>
           </a:p>
@@ -14787,8 +19076,32 @@
           <a:lstStyle/>
           <a:p>
             <a:r>
-              <a:rPr lang="en-US" dirty="0" smtClean="0"/>
-              <a:t>Kiểm thử phần mềm</a:t>
+              <a:rPr lang="en-US" dirty="0" err="1"/>
+              <a:t>Khái</a:t>
+            </a:r>
+            <a:r>
+              <a:rPr lang="en-US" dirty="0"/>
+              <a:t> </a:t>
+            </a:r>
+            <a:r>
+              <a:rPr lang="en-US" dirty="0" err="1"/>
+              <a:t>niệm</a:t>
+            </a:r>
+            <a:r>
+              <a:rPr lang="en-US" dirty="0"/>
+              <a:t> </a:t>
+            </a:r>
+            <a:r>
+              <a:rPr lang="en-US" dirty="0" err="1"/>
+              <a:t>cơ</a:t>
+            </a:r>
+            <a:r>
+              <a:rPr lang="en-US" dirty="0"/>
+              <a:t> </a:t>
+            </a:r>
+            <a:r>
+              <a:rPr lang="en-US" dirty="0" err="1"/>
+              <a:t>bản</a:t>
             </a:r>
             <a:endParaRPr lang="en-US" dirty="0"/>
           </a:p>
@@ -16296,8 +20609,32 @@
           <a:lstStyle/>
           <a:p>
             <a:r>
-              <a:rPr lang="en-US" dirty="0" smtClean="0"/>
-              <a:t>Đường thi hành</a:t>
+              <a:rPr lang="en-US" dirty="0" err="1"/>
+              <a:t>Khái</a:t>
+            </a:r>
+            <a:r>
+              <a:rPr lang="en-US" dirty="0"/>
+              <a:t> </a:t>
+            </a:r>
+            <a:r>
+              <a:rPr lang="en-US" dirty="0" err="1"/>
+              <a:t>niệm</a:t>
+            </a:r>
+            <a:r>
+              <a:rPr lang="en-US" dirty="0"/>
+              <a:t> </a:t>
+            </a:r>
+            <a:r>
+              <a:rPr lang="en-US" dirty="0" err="1"/>
+              <a:t>cơ</a:t>
+            </a:r>
+            <a:r>
+              <a:rPr lang="en-US" dirty="0"/>
+              <a:t> </a:t>
+            </a:r>
+            <a:r>
+              <a:rPr lang="en-US" dirty="0" err="1"/>
+              <a:t>bản</a:t>
             </a:r>
             <a:endParaRPr lang="en-US" dirty="0"/>
           </a:p>
@@ -16362,6 +20699,121 @@
               <a:rPr lang="en-US" dirty="0" err="1" smtClean="0"/>
               <a:t>khiển</a:t>
             </a:r>
+            <a:r>
+              <a:rPr lang="en-US" dirty="0" smtClean="0"/>
+              <a:t>: </a:t>
+            </a:r>
+            <a:r>
+              <a:rPr lang="en-US" dirty="0" err="1" smtClean="0"/>
+              <a:t>Trình</a:t>
+            </a:r>
+            <a:r>
+              <a:rPr lang="en-US" dirty="0" smtClean="0"/>
+              <a:t> </a:t>
+            </a:r>
+            <a:r>
+              <a:rPr lang="en-US" dirty="0" err="1" smtClean="0"/>
+              <a:t>bày</a:t>
+            </a:r>
+            <a:r>
+              <a:rPr lang="en-US" dirty="0" smtClean="0"/>
+              <a:t> </a:t>
+            </a:r>
+            <a:r>
+              <a:rPr lang="en-US" dirty="0" err="1" smtClean="0"/>
+              <a:t>trực</a:t>
+            </a:r>
+            <a:r>
+              <a:rPr lang="en-US" dirty="0" smtClean="0"/>
+              <a:t> </a:t>
+            </a:r>
+            <a:r>
+              <a:rPr lang="en-US" dirty="0" err="1" smtClean="0"/>
+              <a:t>quan</a:t>
+            </a:r>
+            <a:r>
+              <a:rPr lang="en-US" dirty="0" smtClean="0"/>
+              <a:t> </a:t>
+            </a:r>
+            <a:r>
+              <a:rPr lang="en-US" dirty="0" err="1" smtClean="0"/>
+              <a:t>mối</a:t>
+            </a:r>
+            <a:r>
+              <a:rPr lang="en-US" dirty="0" smtClean="0"/>
+              <a:t> </a:t>
+            </a:r>
+            <a:r>
+              <a:rPr lang="en-US" dirty="0" err="1" smtClean="0"/>
+              <a:t>quan</a:t>
+            </a:r>
+            <a:r>
+              <a:rPr lang="en-US" dirty="0" smtClean="0"/>
+              <a:t> </a:t>
+            </a:r>
+            <a:r>
+              <a:rPr lang="en-US" dirty="0" err="1" smtClean="0"/>
+              <a:t>hệ</a:t>
+            </a:r>
+            <a:r>
+              <a:rPr lang="en-US" dirty="0" smtClean="0"/>
+              <a:t> </a:t>
+            </a:r>
+            <a:r>
+              <a:rPr lang="en-US" dirty="0" err="1" smtClean="0"/>
+              <a:t>các</a:t>
+            </a:r>
+            <a:r>
+              <a:rPr lang="en-US" dirty="0" smtClean="0"/>
+              <a:t> </a:t>
+            </a:r>
+            <a:r>
+              <a:rPr lang="en-US" dirty="0" err="1" smtClean="0"/>
+              <a:t>lệnh</a:t>
+            </a:r>
+            <a:r>
+              <a:rPr lang="en-US" dirty="0" smtClean="0"/>
+              <a:t> </a:t>
+            </a:r>
+            <a:r>
+              <a:rPr lang="en-US" dirty="0" err="1" smtClean="0"/>
+              <a:t>trong</a:t>
+            </a:r>
+            <a:r>
+              <a:rPr lang="en-US" dirty="0" smtClean="0"/>
+              <a:t> </a:t>
+            </a:r>
+            <a:r>
+              <a:rPr lang="en-US" dirty="0" err="1" smtClean="0"/>
+              <a:t>mã</a:t>
+            </a:r>
+            <a:r>
+              <a:rPr lang="en-US" dirty="0" smtClean="0"/>
+              <a:t> </a:t>
+            </a:r>
+            <a:r>
+              <a:rPr lang="en-US" dirty="0" err="1" smtClean="0"/>
+              <a:t>nguồn</a:t>
+            </a:r>
+            <a:r>
+              <a:rPr lang="en-US" dirty="0" smtClean="0"/>
+              <a:t>.</a:t>
+            </a:r>
+          </a:p>
+          <a:p>
+            <a:pPr>
+              <a:spcAft>
+                <a:spcPts val="1800"/>
+              </a:spcAft>
+            </a:pPr>
+            <a:endParaRPr lang="en-US" dirty="0" smtClean="0"/>
+          </a:p>
+          <a:p>
+            <a:pPr>
+              <a:spcAft>
+                <a:spcPts val="1800"/>
+              </a:spcAft>
+            </a:pPr>
             <a:endParaRPr lang="en-US" dirty="0"/>
           </a:p>
           <a:p>
@@ -16384,6 +20836,106 @@
             <a:r>
               <a:rPr lang="en-US" dirty="0" err="1" smtClean="0"/>
               <a:t>hành</a:t>
+            </a:r>
+            <a:r>
+              <a:rPr lang="en-US" dirty="0" smtClean="0"/>
+              <a:t>: </a:t>
+            </a:r>
+            <a:r>
+              <a:rPr lang="en-US" dirty="0" err="1" smtClean="0"/>
+              <a:t>là</a:t>
+            </a:r>
+            <a:r>
+              <a:rPr lang="en-US" dirty="0" smtClean="0"/>
+              <a:t> </a:t>
+            </a:r>
+            <a:r>
+              <a:rPr lang="en-US" dirty="0" err="1" smtClean="0"/>
+              <a:t>thứ</a:t>
+            </a:r>
+            <a:r>
+              <a:rPr lang="en-US" dirty="0" smtClean="0"/>
+              <a:t> </a:t>
+            </a:r>
+            <a:r>
+              <a:rPr lang="en-US" dirty="0" err="1" smtClean="0"/>
+              <a:t>tự</a:t>
+            </a:r>
+            <a:r>
+              <a:rPr lang="en-US" dirty="0" smtClean="0"/>
+              <a:t> </a:t>
+            </a:r>
+            <a:r>
+              <a:rPr lang="en-US" dirty="0" err="1" smtClean="0"/>
+              <a:t>các</a:t>
+            </a:r>
+            <a:r>
+              <a:rPr lang="en-US" dirty="0" smtClean="0"/>
+              <a:t> </a:t>
+            </a:r>
+            <a:r>
+              <a:rPr lang="en-US" dirty="0" err="1" smtClean="0"/>
+              <a:t>lệnh</a:t>
+            </a:r>
+            <a:r>
+              <a:rPr lang="en-US" dirty="0" smtClean="0"/>
+              <a:t> </a:t>
+            </a:r>
+            <a:r>
+              <a:rPr lang="en-US" dirty="0" err="1" smtClean="0"/>
+              <a:t>ứng</a:t>
+            </a:r>
+            <a:r>
+              <a:rPr lang="en-US" dirty="0" smtClean="0"/>
+              <a:t> </a:t>
+            </a:r>
+            <a:r>
+              <a:rPr lang="en-US" dirty="0" err="1" smtClean="0"/>
+              <a:t>với</a:t>
+            </a:r>
+            <a:r>
+              <a:rPr lang="en-US" dirty="0" smtClean="0"/>
+              <a:t> </a:t>
+            </a:r>
+            <a:r>
+              <a:rPr lang="en-US" dirty="0" err="1" smtClean="0"/>
+              <a:t>một</a:t>
+            </a:r>
+            <a:r>
+              <a:rPr lang="en-US" dirty="0" smtClean="0"/>
+              <a:t> </a:t>
+            </a:r>
+            <a:r>
+              <a:rPr lang="en-US" dirty="0" err="1" smtClean="0"/>
+              <a:t>lần</a:t>
+            </a:r>
+            <a:r>
+              <a:rPr lang="en-US" dirty="0" smtClean="0"/>
+              <a:t> </a:t>
+            </a:r>
+            <a:r>
+              <a:rPr lang="en-US" dirty="0" err="1" smtClean="0"/>
+              <a:t>chạy</a:t>
+            </a:r>
+            <a:r>
+              <a:rPr lang="en-US" dirty="0" smtClean="0"/>
+              <a:t> </a:t>
+            </a:r>
+            <a:r>
+              <a:rPr lang="en-US" dirty="0" err="1" smtClean="0"/>
+              <a:t>cụ</a:t>
+            </a:r>
+            <a:r>
+              <a:rPr lang="en-US" dirty="0" smtClean="0"/>
+              <a:t> </a:t>
+            </a:r>
+            <a:r>
+              <a:rPr lang="en-US" dirty="0" err="1" smtClean="0"/>
+              <a:t>thể</a:t>
+            </a:r>
+            <a:r>
+              <a:rPr lang="en-US" dirty="0" smtClean="0"/>
+              <a:t>.</a:t>
             </a:r>
             <a:endParaRPr lang="en-US" dirty="0"/>
           </a:p>
@@ -16413,6 +20965,70 @@
           </a:p>
         </p:txBody>
       </p:sp>
+      <p:pic>
+        <p:nvPicPr>
+          <p:cNvPr id="1026" name="Picture 2"/>
+          <p:cNvPicPr>
+            <a:picLocks noChangeAspect="1" noChangeArrowheads="1"/>
+          </p:cNvPicPr>
+          <p:nvPr/>
+        </p:nvPicPr>
+        <p:blipFill>
+          <a:blip r:embed="rId3">
+            <a:extLst>
+              <a:ext uri="{28A0092B-C50C-407E-A947-70E740481C1C}">
+                <a14:useLocalDpi xmlns:a14="http://schemas.microsoft.com/office/drawing/2010/main" val="0"/>
+              </a:ext>
+            </a:extLst>
+          </a:blip>
+          <a:srcRect/>
+          <a:stretch>
+            <a:fillRect/>
+          </a:stretch>
+        </p:blipFill>
+        <p:spPr bwMode="auto">
+          <a:xfrm>
+            <a:off x="1524000" y="3276600"/>
+            <a:ext cx="6019800" cy="1853095"/>
+          </a:xfrm>
+          <a:prstGeom prst="rect">
+            <a:avLst/>
+          </a:prstGeom>
+          <a:noFill/>
+          <a:ln>
+            <a:noFill/>
+          </a:ln>
+          <a:effectLst/>
+          <a:extLst>
+            <a:ext uri="{909E8E84-426E-40DD-AFC4-6F175D3DCCD1}">
+              <a14:hiddenFill xmlns:a14="http://schemas.microsoft.com/office/drawing/2010/main">
+                <a:solidFill>
+                  <a:schemeClr val="accent1"/>
+                </a:solidFill>
+              </a14:hiddenFill>
+            </a:ext>
+            <a:ext uri="{91240B29-F687-4F45-9708-019B960494DF}">
+              <a14:hiddenLine xmlns:a14="http://schemas.microsoft.com/office/drawing/2010/main" w="9525">
+                <a:solidFill>
+                  <a:schemeClr val="tx1"/>
+                </a:solidFill>
+                <a:miter lim="800000"/>
+                <a:headEnd/>
+                <a:tailEnd/>
+              </a14:hiddenLine>
+            </a:ext>
+            <a:ext uri="{AF507438-7753-43E0-B8FC-AC1667EBCBE1}">
+              <a14:hiddenEffects xmlns:a14="http://schemas.microsoft.com/office/drawing/2010/main">
+                <a:effectLst>
+                  <a:outerShdw dist="35921" dir="2700000" algn="ctr" rotWithShape="0">
+                    <a:schemeClr val="bg2"/>
+                  </a:outerShdw>
+                </a:effectLst>
+              </a14:hiddenEffects>
+            </a:ext>
+          </a:extLst>
+        </p:spPr>
+      </p:pic>
     </p:spTree>
     <p:extLst>
       <p:ext uri="{BB962C8B-B14F-4D97-AF65-F5344CB8AC3E}">
@@ -16518,9 +21134,62 @@
                                           </p:stCondLst>
                                         </p:cTn>
                                         <p:tgtEl>
+                                          <p:spTgt spid="1026"/>
+                                        </p:tgtEl>
+                                        <p:attrNameLst>
+                                          <p:attrName>style.visibility</p:attrName>
+                                        </p:attrNameLst>
+                                      </p:cBhvr>
+                                      <p:to>
+                                        <p:strVal val="visible"/>
+                                      </p:to>
+                                    </p:set>
+                                    <p:animEffect transition="in" filter="fade">
+                                      <p:cBhvr>
+                                        <p:cTn id="12" dur="500"/>
+                                        <p:tgtEl>
+                                          <p:spTgt spid="1026"/>
+                                        </p:tgtEl>
+                                      </p:cBhvr>
+                                    </p:animEffect>
+                                  </p:childTnLst>
+                                </p:cTn>
+                              </p:par>
+                            </p:childTnLst>
+                          </p:cTn>
+                        </p:par>
+                      </p:childTnLst>
+                    </p:cTn>
+                  </p:par>
+                  <p:par>
+                    <p:cTn id="13" fill="hold">
+                      <p:stCondLst>
+                        <p:cond delay="indefinite"/>
+                      </p:stCondLst>
+                      <p:childTnLst>
+                        <p:par>
+                          <p:cTn id="14" fill="hold">
+                            <p:stCondLst>
+                              <p:cond delay="0"/>
+                            </p:stCondLst>
+                            <p:childTnLst>
+                              <p:par>
+                                <p:cTn id="15" presetID="10" presetClass="entr" presetSubtype="0" fill="hold" nodeType="clickEffect">
+                                  <p:stCondLst>
+                                    <p:cond delay="0"/>
+                                  </p:stCondLst>
+                                  <p:childTnLst>
+                                    <p:set>
+                                      <p:cBhvr>
+                                        <p:cTn id="16" dur="1" fill="hold">
+                                          <p:stCondLst>
+                                            <p:cond delay="0"/>
+                                          </p:stCondLst>
+                                        </p:cTn>
+                                        <p:tgtEl>
                                           <p:spTgt spid="3">
                                             <p:txEl>
-                                              <p:pRg st="2" end="2"/>
+                                              <p:pRg st="4" end="4"/>
                                             </p:txEl>
                                           </p:spTgt>
                                         </p:tgtEl>
@@ -16534,11 +21203,11 @@
                                     </p:set>
                                     <p:animEffect transition="in" filter="fade">
                                       <p:cBhvr>
-                                        <p:cTn id="12" dur="500"/>
+                                        <p:cTn id="17" dur="500"/>
                                         <p:tgtEl>
                                           <p:spTgt spid="3">
                                             <p:txEl>
-                                              <p:pRg st="2" end="2"/>
+                                              <p:pRg st="4" end="4"/>
                                             </p:txEl>
                                           </p:spTgt>
                                         </p:tgtEl>
@@ -16611,56 +21280,33 @@
           <a:lstStyle/>
           <a:p>
             <a:r>
-              <a:rPr lang="en-US" dirty="0" smtClean="0"/>
-              <a:t>Đồ thị dòng điều khiển</a:t>
-            </a:r>
-            <a:endParaRPr lang="en-US" dirty="0"/>
-          </a:p>
-        </p:txBody>
-      </p:sp>
-      <p:sp>
-        <p:nvSpPr>
-          <p:cNvPr id="3" name="Content Placeholder 2"/>
-          <p:cNvSpPr>
-            <a:spLocks noGrp="1"/>
-          </p:cNvSpPr>
-          <p:nvPr>
-            <p:ph idx="1"/>
-          </p:nvPr>
-        </p:nvSpPr>
-        <p:spPr/>
-        <p:txBody>
-          <a:bodyPr/>
-          <a:lstStyle/>
-          <a:p>
-            <a:pPr>
-              <a:spcAft>
-                <a:spcPts val="1800"/>
-              </a:spcAft>
-            </a:pPr>
-            <a:endParaRPr lang="en-US" dirty="0" smtClean="0"/>
-          </a:p>
-          <a:p>
-            <a:pPr>
-              <a:spcAft>
-                <a:spcPts val="1800"/>
-              </a:spcAft>
-            </a:pPr>
-            <a:r>
-              <a:rPr lang="en-US" dirty="0" err="1" smtClean="0"/>
-              <a:t>Mô</a:t>
-            </a:r>
-            <a:r>
-              <a:rPr lang="en-US" dirty="0" smtClean="0"/>
-              <a:t> </a:t>
-            </a:r>
-            <a:r>
-              <a:rPr lang="en-US" dirty="0" err="1" smtClean="0"/>
-              <a:t>hình</a:t>
-            </a:r>
-            <a:endParaRPr lang="en-US" dirty="0" smtClean="0"/>
-          </a:p>
-          <a:p>
+              <a:rPr lang="en-US" dirty="0" err="1"/>
+              <a:t>Khái</a:t>
+            </a:r>
+            <a:r>
+              <a:rPr lang="en-US" dirty="0"/>
+              <a:t> </a:t>
+            </a:r>
+            <a:r>
+              <a:rPr lang="en-US" dirty="0" err="1"/>
+              <a:t>niệm</a:t>
+            </a:r>
+            <a:r>
+              <a:rPr lang="en-US" dirty="0"/>
+              <a:t> </a:t>
+            </a:r>
+            <a:r>
+              <a:rPr lang="en-US" dirty="0" err="1"/>
+              <a:t>cơ</a:t>
+            </a:r>
+            <a:r>
+              <a:rPr lang="en-US" dirty="0"/>
+              <a:t> </a:t>
+            </a:r>
+            <a:r>
+              <a:rPr lang="en-US" dirty="0" err="1"/>
+              <a:t>bản</a:t>
+            </a:r>
             <a:endParaRPr lang="en-US" dirty="0"/>
           </a:p>
         </p:txBody>
@@ -16686,6 +21332,847 @@
               <a:t>7</a:t>
             </a:fld>
             <a:endParaRPr lang="en-US"/>
+          </a:p>
+        </p:txBody>
+      </p:sp>
+      <p:sp>
+        <p:nvSpPr>
+          <p:cNvPr id="7" name="TextBox 6"/>
+          <p:cNvSpPr txBox="1"/>
+          <p:nvPr/>
+        </p:nvSpPr>
+        <p:spPr>
+          <a:xfrm>
+            <a:off x="1372590" y="2425243"/>
+            <a:ext cx="3235181" cy="430887"/>
+          </a:xfrm>
+          <a:prstGeom prst="rect">
+            <a:avLst/>
+          </a:prstGeom>
+          <a:noFill/>
+        </p:spPr>
+        <p:txBody>
+          <a:bodyPr wrap="none" rtlCol="0">
+            <a:spAutoFit/>
+          </a:bodyPr>
+          <a:lstStyle/>
+          <a:p>
+            <a:r>
+              <a:rPr lang="en-US" sz="2200" b="1" dirty="0" err="1" smtClean="0">
+                <a:solidFill>
+                  <a:schemeClr val="bg1"/>
+                </a:solidFill>
+                <a:latin typeface="+mn-lt"/>
+              </a:rPr>
+              <a:t>Đồ</a:t>
+            </a:r>
+            <a:r>
+              <a:rPr lang="en-US" sz="2200" b="1" dirty="0" smtClean="0">
+                <a:solidFill>
+                  <a:schemeClr val="bg1"/>
+                </a:solidFill>
+                <a:latin typeface="+mn-lt"/>
+              </a:rPr>
+              <a:t> </a:t>
+            </a:r>
+            <a:r>
+              <a:rPr lang="en-US" sz="2200" b="1" dirty="0" err="1" smtClean="0">
+                <a:solidFill>
+                  <a:schemeClr val="bg1"/>
+                </a:solidFill>
+                <a:latin typeface="+mn-lt"/>
+              </a:rPr>
+              <a:t>thị</a:t>
+            </a:r>
+            <a:r>
+              <a:rPr lang="en-US" sz="2200" b="1" dirty="0" smtClean="0">
+                <a:solidFill>
+                  <a:schemeClr val="bg1"/>
+                </a:solidFill>
+                <a:latin typeface="+mn-lt"/>
+              </a:rPr>
+              <a:t> </a:t>
+            </a:r>
+            <a:r>
+              <a:rPr lang="en-US" sz="2200" b="1" dirty="0" err="1" smtClean="0">
+                <a:solidFill>
+                  <a:schemeClr val="bg1"/>
+                </a:solidFill>
+                <a:latin typeface="+mn-lt"/>
+              </a:rPr>
+              <a:t>dòng</a:t>
+            </a:r>
+            <a:r>
+              <a:rPr lang="en-US" sz="2200" b="1" dirty="0" smtClean="0">
+                <a:solidFill>
+                  <a:schemeClr val="bg1"/>
+                </a:solidFill>
+                <a:latin typeface="+mn-lt"/>
+              </a:rPr>
+              <a:t> </a:t>
+            </a:r>
+            <a:r>
+              <a:rPr lang="en-US" sz="2200" b="1" dirty="0" err="1" smtClean="0">
+                <a:solidFill>
+                  <a:schemeClr val="bg1"/>
+                </a:solidFill>
+                <a:latin typeface="+mn-lt"/>
+              </a:rPr>
+              <a:t>điều</a:t>
+            </a:r>
+            <a:r>
+              <a:rPr lang="en-US" sz="2200" b="1" dirty="0" smtClean="0">
+                <a:solidFill>
+                  <a:schemeClr val="bg1"/>
+                </a:solidFill>
+                <a:latin typeface="+mn-lt"/>
+              </a:rPr>
+              <a:t> </a:t>
+            </a:r>
+            <a:r>
+              <a:rPr lang="en-US" sz="2200" b="1" dirty="0" err="1" smtClean="0">
+                <a:solidFill>
+                  <a:schemeClr val="bg1"/>
+                </a:solidFill>
+                <a:latin typeface="+mn-lt"/>
+              </a:rPr>
+              <a:t>khiển</a:t>
+            </a:r>
+            <a:endParaRPr lang="en-US" sz="2200" b="1" dirty="0">
+              <a:solidFill>
+                <a:schemeClr val="bg1"/>
+              </a:solidFill>
+              <a:latin typeface="+mn-lt"/>
+            </a:endParaRPr>
+          </a:p>
+        </p:txBody>
+      </p:sp>
+      <p:sp>
+        <p:nvSpPr>
+          <p:cNvPr id="8" name="TextBox 7"/>
+          <p:cNvSpPr txBox="1"/>
+          <p:nvPr/>
+        </p:nvSpPr>
+        <p:spPr>
+          <a:xfrm>
+            <a:off x="2042646" y="3581400"/>
+            <a:ext cx="2565125" cy="707886"/>
+          </a:xfrm>
+          <a:prstGeom prst="rect">
+            <a:avLst/>
+          </a:prstGeom>
+          <a:noFill/>
+        </p:spPr>
+        <p:txBody>
+          <a:bodyPr wrap="none" rtlCol="0">
+            <a:spAutoFit/>
+          </a:bodyPr>
+          <a:lstStyle/>
+          <a:p>
+            <a:pPr algn="ctr"/>
+            <a:r>
+              <a:rPr lang="en-US" sz="2000" b="1" dirty="0" smtClean="0">
+                <a:solidFill>
+                  <a:schemeClr val="bg1"/>
+                </a:solidFill>
+                <a:latin typeface="+mn-lt"/>
+              </a:rPr>
+              <a:t>ĐT </a:t>
+            </a:r>
+            <a:r>
+              <a:rPr lang="en-US" sz="2000" b="1" dirty="0" err="1" smtClean="0">
+                <a:solidFill>
+                  <a:schemeClr val="bg1"/>
+                </a:solidFill>
+                <a:latin typeface="+mn-lt"/>
+              </a:rPr>
+              <a:t>dòng</a:t>
+            </a:r>
+            <a:r>
+              <a:rPr lang="en-US" sz="2000" b="1" dirty="0" smtClean="0">
+                <a:solidFill>
+                  <a:schemeClr val="bg1"/>
+                </a:solidFill>
+                <a:latin typeface="+mn-lt"/>
+              </a:rPr>
+              <a:t> </a:t>
+            </a:r>
+            <a:r>
+              <a:rPr lang="en-US" sz="2000" b="1" dirty="0" err="1" smtClean="0">
+                <a:solidFill>
+                  <a:schemeClr val="bg1"/>
+                </a:solidFill>
+                <a:latin typeface="+mn-lt"/>
+              </a:rPr>
+              <a:t>điều</a:t>
+            </a:r>
+            <a:r>
+              <a:rPr lang="en-US" sz="2000" b="1" dirty="0" smtClean="0">
+                <a:solidFill>
+                  <a:schemeClr val="bg1"/>
+                </a:solidFill>
+                <a:latin typeface="+mn-lt"/>
+              </a:rPr>
+              <a:t> </a:t>
+            </a:r>
+            <a:r>
+              <a:rPr lang="en-US" sz="2000" b="1" dirty="0" err="1" smtClean="0">
+                <a:solidFill>
+                  <a:schemeClr val="bg1"/>
+                </a:solidFill>
+                <a:latin typeface="+mn-lt"/>
+              </a:rPr>
+              <a:t>khiển</a:t>
+            </a:r>
+            <a:endParaRPr lang="en-US" sz="2000" b="1" dirty="0">
+              <a:solidFill>
+                <a:schemeClr val="bg1"/>
+              </a:solidFill>
+              <a:latin typeface="+mn-lt"/>
+            </a:endParaRPr>
+          </a:p>
+          <a:p>
+            <a:pPr algn="ctr"/>
+            <a:r>
+              <a:rPr lang="en-US" sz="2000" b="1" dirty="0" err="1" smtClean="0">
+                <a:solidFill>
+                  <a:schemeClr val="bg1"/>
+                </a:solidFill>
+                <a:latin typeface="+mn-lt"/>
+              </a:rPr>
+              <a:t>nhị</a:t>
+            </a:r>
+            <a:r>
+              <a:rPr lang="en-US" sz="2000" b="1" dirty="0" smtClean="0">
+                <a:solidFill>
+                  <a:schemeClr val="bg1"/>
+                </a:solidFill>
+                <a:latin typeface="+mn-lt"/>
+              </a:rPr>
+              <a:t> </a:t>
+            </a:r>
+            <a:r>
+              <a:rPr lang="en-US" sz="2000" b="1" dirty="0" err="1" smtClean="0">
+                <a:solidFill>
+                  <a:schemeClr val="bg1"/>
+                </a:solidFill>
+                <a:latin typeface="+mn-lt"/>
+              </a:rPr>
+              <a:t>phân</a:t>
+            </a:r>
+            <a:endParaRPr lang="en-US" sz="2000" b="1" dirty="0">
+              <a:solidFill>
+                <a:schemeClr val="bg1"/>
+              </a:solidFill>
+              <a:latin typeface="+mn-lt"/>
+            </a:endParaRPr>
+          </a:p>
+        </p:txBody>
+      </p:sp>
+      <p:pic>
+        <p:nvPicPr>
+          <p:cNvPr id="10" name="Content Placeholder 9"/>
+          <p:cNvPicPr>
+            <a:picLocks noGrp="1" noChangeAspect="1"/>
+          </p:cNvPicPr>
+          <p:nvPr>
+            <p:ph idx="1"/>
+          </p:nvPr>
+        </p:nvPicPr>
+        <p:blipFill>
+          <a:blip r:embed="rId2">
+            <a:extLst>
+              <a:ext uri="{28A0092B-C50C-407E-A947-70E740481C1C}">
+                <a14:useLocalDpi xmlns:a14="http://schemas.microsoft.com/office/drawing/2010/main" val="0"/>
+              </a:ext>
+            </a:extLst>
+          </a:blip>
+          <a:stretch>
+            <a:fillRect/>
+          </a:stretch>
+        </p:blipFill>
+        <p:spPr>
+          <a:xfrm>
+            <a:off x="533400" y="1366768"/>
+            <a:ext cx="5338832" cy="5338832"/>
+          </a:xfrm>
+        </p:spPr>
+      </p:pic>
+      <p:sp>
+        <p:nvSpPr>
+          <p:cNvPr id="11" name="TextBox 10"/>
+          <p:cNvSpPr txBox="1"/>
+          <p:nvPr/>
+        </p:nvSpPr>
+        <p:spPr>
+          <a:xfrm>
+            <a:off x="1676400" y="2301446"/>
+            <a:ext cx="2948243" cy="400110"/>
+          </a:xfrm>
+          <a:prstGeom prst="rect">
+            <a:avLst/>
+          </a:prstGeom>
+          <a:noFill/>
+        </p:spPr>
+        <p:txBody>
+          <a:bodyPr wrap="none" rtlCol="0">
+            <a:spAutoFit/>
+          </a:bodyPr>
+          <a:lstStyle/>
+          <a:p>
+            <a:r>
+              <a:rPr lang="en-US" sz="2000" b="1" dirty="0" err="1" smtClean="0">
+                <a:solidFill>
+                  <a:schemeClr val="bg1"/>
+                </a:solidFill>
+                <a:latin typeface="+mn-lt"/>
+              </a:rPr>
+              <a:t>Đồ</a:t>
+            </a:r>
+            <a:r>
+              <a:rPr lang="en-US" sz="2000" b="1" dirty="0" smtClean="0">
+                <a:solidFill>
+                  <a:schemeClr val="bg1"/>
+                </a:solidFill>
+                <a:latin typeface="+mn-lt"/>
+              </a:rPr>
+              <a:t> </a:t>
+            </a:r>
+            <a:r>
+              <a:rPr lang="en-US" sz="2000" b="1" dirty="0" err="1" smtClean="0">
+                <a:solidFill>
+                  <a:schemeClr val="bg1"/>
+                </a:solidFill>
+                <a:latin typeface="+mn-lt"/>
+              </a:rPr>
+              <a:t>thị</a:t>
+            </a:r>
+            <a:r>
+              <a:rPr lang="en-US" sz="2000" b="1" dirty="0" smtClean="0">
+                <a:solidFill>
+                  <a:schemeClr val="bg1"/>
+                </a:solidFill>
+                <a:latin typeface="+mn-lt"/>
+              </a:rPr>
+              <a:t> </a:t>
+            </a:r>
+            <a:r>
+              <a:rPr lang="en-US" sz="2000" b="1" dirty="0" err="1" smtClean="0">
+                <a:solidFill>
+                  <a:schemeClr val="bg1"/>
+                </a:solidFill>
+                <a:latin typeface="+mn-lt"/>
+              </a:rPr>
+              <a:t>dòng</a:t>
+            </a:r>
+            <a:r>
+              <a:rPr lang="en-US" sz="2000" b="1" dirty="0" smtClean="0">
+                <a:solidFill>
+                  <a:schemeClr val="bg1"/>
+                </a:solidFill>
+                <a:latin typeface="+mn-lt"/>
+              </a:rPr>
+              <a:t> </a:t>
+            </a:r>
+            <a:r>
+              <a:rPr lang="en-US" sz="2000" b="1" dirty="0" err="1" smtClean="0">
+                <a:solidFill>
+                  <a:schemeClr val="bg1"/>
+                </a:solidFill>
+                <a:latin typeface="+mn-lt"/>
+              </a:rPr>
+              <a:t>điều</a:t>
+            </a:r>
+            <a:r>
+              <a:rPr lang="en-US" sz="2000" b="1" dirty="0" smtClean="0">
+                <a:solidFill>
+                  <a:schemeClr val="bg1"/>
+                </a:solidFill>
+                <a:latin typeface="+mn-lt"/>
+              </a:rPr>
+              <a:t> </a:t>
+            </a:r>
+            <a:r>
+              <a:rPr lang="en-US" sz="2000" b="1" dirty="0" err="1" smtClean="0">
+                <a:solidFill>
+                  <a:schemeClr val="bg1"/>
+                </a:solidFill>
+                <a:latin typeface="+mn-lt"/>
+              </a:rPr>
+              <a:t>khiển</a:t>
+            </a:r>
+            <a:endParaRPr lang="en-US" sz="2000" b="1" dirty="0">
+              <a:solidFill>
+                <a:schemeClr val="bg1"/>
+              </a:solidFill>
+              <a:latin typeface="+mn-lt"/>
+            </a:endParaRPr>
+          </a:p>
+        </p:txBody>
+      </p:sp>
+      <p:sp>
+        <p:nvSpPr>
+          <p:cNvPr id="12" name="TextBox 11"/>
+          <p:cNvSpPr txBox="1"/>
+          <p:nvPr/>
+        </p:nvSpPr>
+        <p:spPr>
+          <a:xfrm>
+            <a:off x="2667000" y="5007114"/>
+            <a:ext cx="2207656" cy="707886"/>
+          </a:xfrm>
+          <a:prstGeom prst="rect">
+            <a:avLst/>
+          </a:prstGeom>
+          <a:noFill/>
+        </p:spPr>
+        <p:txBody>
+          <a:bodyPr wrap="none" rtlCol="0">
+            <a:spAutoFit/>
+          </a:bodyPr>
+          <a:lstStyle/>
+          <a:p>
+            <a:pPr algn="ctr"/>
+            <a:r>
+              <a:rPr lang="en-US" sz="2000" b="1" dirty="0" err="1" smtClean="0">
+                <a:solidFill>
+                  <a:schemeClr val="bg1"/>
+                </a:solidFill>
+              </a:rPr>
+              <a:t>Đồ</a:t>
+            </a:r>
+            <a:r>
+              <a:rPr lang="en-US" sz="2000" b="1" dirty="0" smtClean="0">
+                <a:solidFill>
+                  <a:schemeClr val="bg1"/>
+                </a:solidFill>
+              </a:rPr>
+              <a:t> </a:t>
+            </a:r>
+            <a:r>
+              <a:rPr lang="en-US" sz="2000" b="1" dirty="0" err="1" smtClean="0">
+                <a:solidFill>
+                  <a:schemeClr val="bg1"/>
+                </a:solidFill>
+              </a:rPr>
+              <a:t>thị</a:t>
+            </a:r>
+            <a:r>
+              <a:rPr lang="en-US" sz="2000" b="1" dirty="0" smtClean="0">
+                <a:solidFill>
+                  <a:schemeClr val="bg1"/>
+                </a:solidFill>
+              </a:rPr>
+              <a:t> </a:t>
+            </a:r>
+            <a:r>
+              <a:rPr lang="en-US" sz="2000" b="1" dirty="0" err="1" smtClean="0">
+                <a:solidFill>
+                  <a:schemeClr val="bg1"/>
+                </a:solidFill>
+              </a:rPr>
+              <a:t>dòng</a:t>
+            </a:r>
+            <a:r>
+              <a:rPr lang="en-US" sz="2000" b="1" dirty="0" smtClean="0">
+                <a:solidFill>
+                  <a:schemeClr val="bg1"/>
+                </a:solidFill>
+              </a:rPr>
+              <a:t> </a:t>
+            </a:r>
+            <a:r>
+              <a:rPr lang="en-US" sz="2000" b="1" dirty="0" err="1" smtClean="0">
+                <a:solidFill>
+                  <a:schemeClr val="bg1"/>
+                </a:solidFill>
+              </a:rPr>
+              <a:t>điều</a:t>
+            </a:r>
+            <a:endParaRPr lang="en-US" sz="2000" b="1" dirty="0">
+              <a:solidFill>
+                <a:schemeClr val="bg1"/>
+              </a:solidFill>
+            </a:endParaRPr>
+          </a:p>
+          <a:p>
+            <a:pPr algn="ctr"/>
+            <a:r>
+              <a:rPr lang="en-US" sz="2000" b="1" dirty="0" err="1" smtClean="0">
+                <a:solidFill>
+                  <a:schemeClr val="bg1"/>
+                </a:solidFill>
+              </a:rPr>
+              <a:t>khiển</a:t>
+            </a:r>
+            <a:r>
+              <a:rPr lang="en-US" sz="2000" b="1" dirty="0" smtClean="0">
+                <a:solidFill>
+                  <a:schemeClr val="bg1"/>
+                </a:solidFill>
+              </a:rPr>
+              <a:t> </a:t>
+            </a:r>
+            <a:r>
+              <a:rPr lang="en-US" sz="2000" b="1" dirty="0" err="1" smtClean="0">
+                <a:solidFill>
+                  <a:schemeClr val="bg1"/>
+                </a:solidFill>
+              </a:rPr>
+              <a:t>cơ</a:t>
+            </a:r>
+            <a:r>
+              <a:rPr lang="en-US" sz="2000" b="1" dirty="0" smtClean="0">
+                <a:solidFill>
+                  <a:schemeClr val="bg1"/>
+                </a:solidFill>
+              </a:rPr>
+              <a:t> </a:t>
+            </a:r>
+            <a:r>
+              <a:rPr lang="en-US" sz="2000" b="1" dirty="0" err="1" smtClean="0">
+                <a:solidFill>
+                  <a:schemeClr val="bg1"/>
+                </a:solidFill>
+              </a:rPr>
+              <a:t>bản</a:t>
+            </a:r>
+            <a:endParaRPr lang="en-US" sz="2000" b="1" dirty="0">
+              <a:solidFill>
+                <a:schemeClr val="bg1"/>
+              </a:solidFill>
+            </a:endParaRPr>
+          </a:p>
+        </p:txBody>
+      </p:sp>
+      <p:sp>
+        <p:nvSpPr>
+          <p:cNvPr id="13" name="TextBox 12"/>
+          <p:cNvSpPr txBox="1"/>
+          <p:nvPr/>
+        </p:nvSpPr>
+        <p:spPr>
+          <a:xfrm>
+            <a:off x="2362200" y="3505200"/>
+            <a:ext cx="2207656" cy="707886"/>
+          </a:xfrm>
+          <a:prstGeom prst="rect">
+            <a:avLst/>
+          </a:prstGeom>
+          <a:noFill/>
+        </p:spPr>
+        <p:txBody>
+          <a:bodyPr wrap="none" rtlCol="0">
+            <a:spAutoFit/>
+          </a:bodyPr>
+          <a:lstStyle/>
+          <a:p>
+            <a:pPr algn="ctr"/>
+            <a:r>
+              <a:rPr lang="en-US" sz="2000" b="1" dirty="0" err="1" smtClean="0">
+                <a:solidFill>
+                  <a:schemeClr val="bg1"/>
+                </a:solidFill>
+              </a:rPr>
+              <a:t>Đồ</a:t>
+            </a:r>
+            <a:r>
+              <a:rPr lang="en-US" sz="2000" b="1" dirty="0" smtClean="0">
+                <a:solidFill>
+                  <a:schemeClr val="bg1"/>
+                </a:solidFill>
+              </a:rPr>
+              <a:t> </a:t>
+            </a:r>
+            <a:r>
+              <a:rPr lang="en-US" sz="2000" b="1" dirty="0" err="1" smtClean="0">
+                <a:solidFill>
+                  <a:schemeClr val="bg1"/>
+                </a:solidFill>
+              </a:rPr>
+              <a:t>thị</a:t>
+            </a:r>
+            <a:r>
+              <a:rPr lang="en-US" sz="2000" b="1" dirty="0" smtClean="0">
+                <a:solidFill>
+                  <a:schemeClr val="bg1"/>
+                </a:solidFill>
+              </a:rPr>
+              <a:t> </a:t>
+            </a:r>
+            <a:r>
+              <a:rPr lang="en-US" sz="2000" b="1" dirty="0" err="1" smtClean="0">
+                <a:solidFill>
+                  <a:schemeClr val="bg1"/>
+                </a:solidFill>
+              </a:rPr>
+              <a:t>dòng</a:t>
+            </a:r>
+            <a:r>
+              <a:rPr lang="en-US" sz="2000" b="1" dirty="0" smtClean="0">
+                <a:solidFill>
+                  <a:schemeClr val="bg1"/>
+                </a:solidFill>
+              </a:rPr>
+              <a:t> </a:t>
+            </a:r>
+            <a:r>
+              <a:rPr lang="en-US" sz="2000" b="1" dirty="0" err="1" smtClean="0">
+                <a:solidFill>
+                  <a:schemeClr val="bg1"/>
+                </a:solidFill>
+              </a:rPr>
+              <a:t>điều</a:t>
+            </a:r>
+            <a:endParaRPr lang="en-US" sz="2000" b="1" dirty="0">
+              <a:solidFill>
+                <a:schemeClr val="bg1"/>
+              </a:solidFill>
+            </a:endParaRPr>
+          </a:p>
+          <a:p>
+            <a:pPr algn="ctr"/>
+            <a:r>
+              <a:rPr lang="en-US" sz="2000" b="1" dirty="0" err="1" smtClean="0">
+                <a:solidFill>
+                  <a:schemeClr val="bg1"/>
+                </a:solidFill>
+              </a:rPr>
+              <a:t>khiển</a:t>
+            </a:r>
+            <a:r>
+              <a:rPr lang="en-US" sz="2000" b="1" dirty="0" smtClean="0">
+                <a:solidFill>
+                  <a:schemeClr val="bg1"/>
+                </a:solidFill>
+              </a:rPr>
+              <a:t> </a:t>
+            </a:r>
+            <a:r>
+              <a:rPr lang="en-US" sz="2000" b="1" dirty="0" err="1" smtClean="0">
+                <a:solidFill>
+                  <a:schemeClr val="bg1"/>
+                </a:solidFill>
+              </a:rPr>
+              <a:t>nhị</a:t>
+            </a:r>
+            <a:r>
+              <a:rPr lang="en-US" sz="2000" b="1" dirty="0" smtClean="0">
+                <a:solidFill>
+                  <a:schemeClr val="bg1"/>
+                </a:solidFill>
+              </a:rPr>
+              <a:t> </a:t>
+            </a:r>
+            <a:r>
+              <a:rPr lang="en-US" sz="2000" b="1" dirty="0" err="1" smtClean="0">
+                <a:solidFill>
+                  <a:schemeClr val="bg1"/>
+                </a:solidFill>
+              </a:rPr>
+              <a:t>phân</a:t>
+            </a:r>
+            <a:endParaRPr lang="en-US" sz="2000" b="1" dirty="0">
+              <a:solidFill>
+                <a:schemeClr val="bg1"/>
+              </a:solidFill>
+            </a:endParaRPr>
+          </a:p>
+        </p:txBody>
+      </p:sp>
+      <p:sp>
+        <p:nvSpPr>
+          <p:cNvPr id="19" name="Right Arrow 18"/>
+          <p:cNvSpPr/>
+          <p:nvPr/>
+        </p:nvSpPr>
+        <p:spPr>
+          <a:xfrm>
+            <a:off x="4800600" y="5440681"/>
+            <a:ext cx="1371600" cy="45719"/>
+          </a:xfrm>
+          <a:prstGeom prst="rightArrow">
+            <a:avLst/>
+          </a:prstGeom>
+          <a:ln>
+            <a:solidFill>
+              <a:srgbClr val="FF0000"/>
+            </a:solidFill>
+          </a:ln>
+        </p:spPr>
+        <p:style>
+          <a:lnRef idx="2">
+            <a:schemeClr val="accent1">
+              <a:shade val="50000"/>
+            </a:schemeClr>
+          </a:lnRef>
+          <a:fillRef idx="1">
+            <a:schemeClr val="accent1"/>
+          </a:fillRef>
+          <a:effectRef idx="0">
+            <a:schemeClr val="accent1"/>
+          </a:effectRef>
+          <a:fontRef idx="minor">
+            <a:schemeClr val="lt1"/>
+          </a:fontRef>
+        </p:style>
+        <p:txBody>
+          <a:bodyPr rtlCol="0" anchor="ctr"/>
+          <a:lstStyle/>
+          <a:p>
+            <a:pPr algn="ctr"/>
+            <a:endParaRPr lang="en-US"/>
+          </a:p>
+        </p:txBody>
+      </p:sp>
+      <p:sp>
+        <p:nvSpPr>
+          <p:cNvPr id="20" name="TextBox 19"/>
+          <p:cNvSpPr txBox="1"/>
+          <p:nvPr/>
+        </p:nvSpPr>
+        <p:spPr>
+          <a:xfrm>
+            <a:off x="6096000" y="5029200"/>
+            <a:ext cx="2619628" cy="707886"/>
+          </a:xfrm>
+          <a:prstGeom prst="rect">
+            <a:avLst/>
+          </a:prstGeom>
+          <a:noFill/>
+        </p:spPr>
+        <p:txBody>
+          <a:bodyPr wrap="none" rtlCol="0">
+            <a:spAutoFit/>
+          </a:bodyPr>
+          <a:lstStyle/>
+          <a:p>
+            <a:pPr algn="ctr"/>
+            <a:r>
+              <a:rPr lang="en-US" sz="2000" b="1" dirty="0" err="1" smtClean="0">
+                <a:solidFill>
+                  <a:schemeClr val="tx2"/>
+                </a:solidFill>
+              </a:rPr>
+              <a:t>Tập</a:t>
+            </a:r>
+            <a:r>
+              <a:rPr lang="en-US" sz="2000" b="1" dirty="0" smtClean="0">
+                <a:solidFill>
+                  <a:schemeClr val="tx2"/>
+                </a:solidFill>
+              </a:rPr>
+              <a:t> </a:t>
+            </a:r>
+            <a:r>
+              <a:rPr lang="en-US" sz="2000" b="1" dirty="0" err="1" smtClean="0">
+                <a:solidFill>
+                  <a:schemeClr val="tx2"/>
+                </a:solidFill>
+              </a:rPr>
+              <a:t>đường</a:t>
+            </a:r>
+            <a:r>
+              <a:rPr lang="en-US" sz="2000" b="1" dirty="0" smtClean="0">
+                <a:solidFill>
+                  <a:schemeClr val="tx2"/>
+                </a:solidFill>
+              </a:rPr>
+              <a:t> </a:t>
+            </a:r>
+            <a:r>
+              <a:rPr lang="en-US" sz="2000" b="1" dirty="0" err="1" smtClean="0">
+                <a:solidFill>
+                  <a:schemeClr val="tx2"/>
+                </a:solidFill>
+              </a:rPr>
+              <a:t>thi</a:t>
+            </a:r>
+            <a:r>
+              <a:rPr lang="en-US" sz="2000" b="1" dirty="0" smtClean="0">
+                <a:solidFill>
+                  <a:schemeClr val="tx2"/>
+                </a:solidFill>
+              </a:rPr>
+              <a:t> </a:t>
+            </a:r>
+            <a:r>
+              <a:rPr lang="en-US" sz="2000" b="1" dirty="0" err="1" smtClean="0">
+                <a:solidFill>
+                  <a:schemeClr val="tx2"/>
+                </a:solidFill>
+              </a:rPr>
+              <a:t>hành</a:t>
+            </a:r>
+            <a:endParaRPr lang="en-US" sz="2000" b="1" dirty="0">
+              <a:solidFill>
+                <a:schemeClr val="tx2"/>
+              </a:solidFill>
+            </a:endParaRPr>
+          </a:p>
+          <a:p>
+            <a:pPr algn="ctr"/>
+            <a:r>
+              <a:rPr lang="en-US" sz="2000" b="1" dirty="0" err="1" smtClean="0">
+                <a:solidFill>
+                  <a:schemeClr val="tx2"/>
+                </a:solidFill>
+              </a:rPr>
+              <a:t>độc</a:t>
+            </a:r>
+            <a:r>
+              <a:rPr lang="en-US" sz="2000" b="1" dirty="0" smtClean="0">
+                <a:solidFill>
+                  <a:schemeClr val="tx2"/>
+                </a:solidFill>
+              </a:rPr>
+              <a:t> </a:t>
+            </a:r>
+            <a:r>
+              <a:rPr lang="en-US" sz="2000" b="1" dirty="0" err="1" smtClean="0">
+                <a:solidFill>
+                  <a:schemeClr val="tx2"/>
+                </a:solidFill>
+              </a:rPr>
+              <a:t>lập</a:t>
+            </a:r>
+            <a:r>
+              <a:rPr lang="en-US" sz="2000" b="1" dirty="0" smtClean="0">
+                <a:solidFill>
+                  <a:schemeClr val="tx2"/>
+                </a:solidFill>
+              </a:rPr>
+              <a:t> </a:t>
+            </a:r>
+            <a:r>
+              <a:rPr lang="en-US" sz="2000" b="1" dirty="0" err="1" smtClean="0">
+                <a:solidFill>
+                  <a:schemeClr val="tx2"/>
+                </a:solidFill>
+              </a:rPr>
+              <a:t>cơ</a:t>
+            </a:r>
+            <a:r>
+              <a:rPr lang="en-US" sz="2000" b="1" dirty="0" smtClean="0">
+                <a:solidFill>
+                  <a:schemeClr val="tx2"/>
+                </a:solidFill>
+              </a:rPr>
+              <a:t> </a:t>
+            </a:r>
+            <a:r>
+              <a:rPr lang="en-US" sz="2000" b="1" dirty="0" err="1" smtClean="0">
+                <a:solidFill>
+                  <a:schemeClr val="tx2"/>
+                </a:solidFill>
+              </a:rPr>
+              <a:t>bản</a:t>
+            </a:r>
+            <a:endParaRPr lang="en-US" sz="2000" b="1" dirty="0">
+              <a:solidFill>
+                <a:schemeClr val="tx2"/>
+              </a:solidFill>
+            </a:endParaRPr>
           </a:p>
         </p:txBody>
       </p:sp>
@@ -16711,9 +22198,6 @@
                     <p:cTn id="3" fill="hold">
                       <p:stCondLst>
                         <p:cond delay="indefinite"/>
-                        <p:cond evt="onBegin" delay="0">
-                          <p:tn val="2"/>
-                        </p:cond>
                       </p:stCondLst>
                       <p:childTnLst>
                         <p:par>
@@ -16723,7 +22207,7 @@
                             </p:stCondLst>
                             <p:childTnLst>
                               <p:par>
-                                <p:cTn id="5" presetID="10" presetClass="entr" presetSubtype="0" fill="hold" nodeType="withEffect">
+                                <p:cTn id="5" presetID="10" presetClass="entr" presetSubtype="0" fill="hold" grpId="0" nodeType="clickEffect">
                                   <p:stCondLst>
                                     <p:cond delay="0"/>
                                   </p:stCondLst>
@@ -16736,11 +22220,7 @@
                                           </p:stCondLst>
                                         </p:cTn>
                                         <p:tgtEl>
-                                          <p:spTgt spid="3">
-                                            <p:txEl>
-                                              <p:pRg st="1" end="1"/>
-                                            </p:txEl>
-                                          </p:spTgt>
+                                          <p:spTgt spid="13"/>
                                         </p:tgtEl>
                                         <p:attrNameLst>
                                           <p:attrName>style.visibility</p:attrName>
@@ -16754,11 +22234,148 @@
                                       <p:cBhvr>
                                         <p:cTn id="7" dur="500"/>
                                         <p:tgtEl>
-                                          <p:spTgt spid="3">
-                                            <p:txEl>
-                                              <p:pRg st="1" end="1"/>
-                                            </p:txEl>
-                                          </p:spTgt>
+                                          <p:spTgt spid="13"/>
+                                        </p:tgtEl>
+                                      </p:cBhvr>
+                                    </p:animEffect>
+                                  </p:childTnLst>
+                                </p:cTn>
+                              </p:par>
+                            </p:childTnLst>
+                          </p:cTn>
+                        </p:par>
+                      </p:childTnLst>
+                    </p:cTn>
+                  </p:par>
+                  <p:par>
+                    <p:cTn id="8" fill="hold">
+                      <p:stCondLst>
+                        <p:cond delay="indefinite"/>
+                      </p:stCondLst>
+                      <p:childTnLst>
+                        <p:par>
+                          <p:cTn id="9" fill="hold">
+                            <p:stCondLst>
+                              <p:cond delay="0"/>
+                            </p:stCondLst>
+                            <p:childTnLst>
+                              <p:par>
+                                <p:cTn id="10" presetID="10" presetClass="entr" presetSubtype="0" fill="hold" grpId="0" nodeType="clickEffect">
+                                  <p:stCondLst>
+                                    <p:cond delay="0"/>
+                                  </p:stCondLst>
+                                  <p:childTnLst>
+                                    <p:set>
+                                      <p:cBhvr>
+                                        <p:cTn id="11" dur="1" fill="hold">
+                                          <p:stCondLst>
+                                            <p:cond delay="0"/>
+                                          </p:stCondLst>
+                                        </p:cTn>
+                                        <p:tgtEl>
+                                          <p:spTgt spid="12"/>
+                                        </p:tgtEl>
+                                        <p:attrNameLst>
+                                          <p:attrName>style.visibility</p:attrName>
+                                        </p:attrNameLst>
+                                      </p:cBhvr>
+                                      <p:to>
+                                        <p:strVal val="visible"/>
+                                      </p:to>
+                                    </p:set>
+                                    <p:animEffect transition="in" filter="fade">
+                                      <p:cBhvr>
+                                        <p:cTn id="12" dur="500"/>
+                                        <p:tgtEl>
+                                          <p:spTgt spid="12"/>
+                                        </p:tgtEl>
+                                      </p:cBhvr>
+                                    </p:animEffect>
+                                  </p:childTnLst>
+                                </p:cTn>
+                              </p:par>
+                            </p:childTnLst>
+                          </p:cTn>
+                        </p:par>
+                      </p:childTnLst>
+                    </p:cTn>
+                  </p:par>
+                  <p:par>
+                    <p:cTn id="13" fill="hold">
+                      <p:stCondLst>
+                        <p:cond delay="indefinite"/>
+                      </p:stCondLst>
+                      <p:childTnLst>
+                        <p:par>
+                          <p:cTn id="14" fill="hold">
+                            <p:stCondLst>
+                              <p:cond delay="0"/>
+                            </p:stCondLst>
+                            <p:childTnLst>
+                              <p:par>
+                                <p:cTn id="15" presetID="10" presetClass="entr" presetSubtype="0" fill="hold" grpId="0" nodeType="clickEffect">
+                                  <p:stCondLst>
+                                    <p:cond delay="0"/>
+                                  </p:stCondLst>
+                                  <p:childTnLst>
+                                    <p:set>
+                                      <p:cBhvr>
+                                        <p:cTn id="16" dur="1" fill="hold">
+                                          <p:stCondLst>
+                                            <p:cond delay="0"/>
+                                          </p:stCondLst>
+                                        </p:cTn>
+                                        <p:tgtEl>
+                                          <p:spTgt spid="19"/>
+                                        </p:tgtEl>
+                                        <p:attrNameLst>
+                                          <p:attrName>style.visibility</p:attrName>
+                                        </p:attrNameLst>
+                                      </p:cBhvr>
+                                      <p:to>
+                                        <p:strVal val="visible"/>
+                                      </p:to>
+                                    </p:set>
+                                    <p:animEffect transition="in" filter="fade">
+                                      <p:cBhvr>
+                                        <p:cTn id="17" dur="500"/>
+                                        <p:tgtEl>
+                                          <p:spTgt spid="19"/>
+                                        </p:tgtEl>
+                                      </p:cBhvr>
+                                    </p:animEffect>
+                                  </p:childTnLst>
+                                </p:cTn>
+                              </p:par>
+                              <p:par>
+                                <p:cTn id="18" presetID="10" presetClass="entr" presetSubtype="0" fill="hold" grpId="0" nodeType="withEffect">
+                                  <p:stCondLst>
+                                    <p:cond delay="0"/>
+                                  </p:stCondLst>
+                                  <p:childTnLst>
+                                    <p:set>
+                                      <p:cBhvr>
+                                        <p:cTn id="19" dur="1" fill="hold">
+                                          <p:stCondLst>
+                                            <p:cond delay="0"/>
+                                          </p:stCondLst>
+                                        </p:cTn>
+                                        <p:tgtEl>
+                                          <p:spTgt spid="20"/>
+                                        </p:tgtEl>
+                                        <p:attrNameLst>
+                                          <p:attrName>style.visibility</p:attrName>
+                                        </p:attrNameLst>
+                                      </p:cBhvr>
+                                      <p:to>
+                                        <p:strVal val="visible"/>
+                                      </p:to>
+                                    </p:set>
+                                    <p:animEffect transition="in" filter="fade">
+                                      <p:cBhvr>
+                                        <p:cTn id="20" dur="500"/>
+                                        <p:tgtEl>
+                                          <p:spTgt spid="20"/>
                                         </p:tgtEl>
                                       </p:cBhvr>
                                     </p:animEffect>
@@ -16792,6 +22409,12 @@
         </p:cTn>
       </p:par>
     </p:tnLst>
+    <p:bldLst>
+      <p:bldP spid="12" grpId="0"/>
+      <p:bldP spid="13" grpId="0"/>
+      <p:bldP spid="19" grpId="0" animBg="1"/>
+      <p:bldP spid="20" grpId="0"/>
+    </p:bldLst>
   </p:timing>
 </p:sld>
 </file>
@@ -16829,8 +22452,32 @@
           <a:lstStyle/>
           <a:p>
             <a:r>
-              <a:rPr lang="en-US" dirty="0" smtClean="0"/>
-              <a:t>Đồ thị dòng điều khiển</a:t>
+              <a:rPr lang="en-US" dirty="0" err="1"/>
+              <a:t>Khái</a:t>
+            </a:r>
+            <a:r>
+              <a:rPr lang="en-US" dirty="0"/>
+              <a:t> </a:t>
+            </a:r>
+            <a:r>
+              <a:rPr lang="en-US" dirty="0" err="1"/>
+              <a:t>niệm</a:t>
+            </a:r>
+            <a:r>
+              <a:rPr lang="en-US" dirty="0"/>
+              <a:t> </a:t>
+            </a:r>
+            <a:r>
+              <a:rPr lang="en-US" dirty="0" err="1"/>
+              <a:t>cơ</a:t>
+            </a:r>
+            <a:r>
+              <a:rPr lang="en-US" dirty="0"/>
+              <a:t> </a:t>
+            </a:r>
+            <a:r>
+              <a:rPr lang="en-US" dirty="0" err="1"/>
+              <a:t>bản</a:t>
             </a:r>
             <a:endParaRPr lang="en-US" sz="1800" dirty="0"/>
           </a:p>
@@ -17915,7 +23562,51 @@
           <a:bodyPr/>
           <a:lstStyle/>
           <a:p>
-            <a:endParaRPr lang="vi-VN"/>
+            <a:r>
+              <a:rPr lang="en-US" dirty="0" err="1"/>
+              <a:t>Phân</a:t>
+            </a:r>
+            <a:r>
+              <a:rPr lang="en-US" dirty="0"/>
+              <a:t> </a:t>
+            </a:r>
+            <a:r>
+              <a:rPr lang="en-US" dirty="0" err="1" smtClean="0"/>
+              <a:t>tích</a:t>
+            </a:r>
+            <a:r>
+              <a:rPr lang="en-US" dirty="0" smtClean="0"/>
+              <a:t>, </a:t>
+            </a:r>
+            <a:r>
+              <a:rPr lang="en-US" dirty="0" err="1" smtClean="0"/>
+              <a:t>thiết</a:t>
+            </a:r>
+            <a:r>
+              <a:rPr lang="en-US" dirty="0" smtClean="0"/>
+              <a:t> </a:t>
+            </a:r>
+            <a:r>
+              <a:rPr lang="en-US" dirty="0" err="1"/>
+              <a:t>kế</a:t>
+            </a:r>
+            <a:r>
+              <a:rPr lang="en-US" dirty="0"/>
+              <a:t> </a:t>
+            </a:r>
+            <a:r>
+              <a:rPr lang="en-US" dirty="0" err="1"/>
+              <a:t>phần</a:t>
+            </a:r>
+            <a:r>
+              <a:rPr lang="en-US" dirty="0"/>
+              <a:t> </a:t>
+            </a:r>
+            <a:r>
+              <a:rPr lang="en-US" dirty="0" err="1" smtClean="0"/>
+              <a:t>mềm</a:t>
+            </a:r>
+            <a:endParaRPr lang="vi-VN" dirty="0"/>
           </a:p>
         </p:txBody>
       </p:sp>
@@ -17943,15 +23634,48 @@
           </a:p>
         </p:txBody>
       </p:sp>
-      <p:pic>
-        <p:nvPicPr>
-          <p:cNvPr id="5" name="Content Placeholder 4"/>
-          <p:cNvPicPr>
-            <a:picLocks noGrp="1"/>
-          </p:cNvPicPr>
+      <p:sp>
+        <p:nvSpPr>
+          <p:cNvPr id="7" name="Content Placeholder 6"/>
+          <p:cNvSpPr>
+            <a:spLocks noGrp="1"/>
+          </p:cNvSpPr>
           <p:nvPr>
             <p:ph idx="1"/>
           </p:nvPr>
+        </p:nvSpPr>
+        <p:spPr/>
+        <p:txBody>
+          <a:bodyPr/>
+          <a:lstStyle/>
+          <a:p>
+            <a:r>
+              <a:rPr lang="en-US" dirty="0" err="1" smtClean="0"/>
+              <a:t>Sơ</a:t>
+            </a:r>
+            <a:r>
+              <a:rPr lang="en-US" dirty="0" smtClean="0"/>
+              <a:t> </a:t>
+            </a:r>
+            <a:r>
+              <a:rPr lang="en-US" dirty="0" err="1" smtClean="0"/>
+              <a:t>đồ</a:t>
+            </a:r>
+            <a:r>
+              <a:rPr lang="en-US" dirty="0" smtClean="0"/>
+              <a:t> use-case:</a:t>
+            </a:r>
+            <a:endParaRPr lang="en-US" dirty="0"/>
+          </a:p>
+        </p:txBody>
+      </p:sp>
+      <p:pic>
+        <p:nvPicPr>
+          <p:cNvPr id="9" name="Picture 8"/>
+          <p:cNvPicPr>
+            <a:picLocks noChangeAspect="1"/>
+          </p:cNvPicPr>
+          <p:nvPr/>
         </p:nvPicPr>
         <p:blipFill>
           <a:blip r:embed="rId2">
@@ -17967,8 +23691,8 @@
         </p:blipFill>
         <p:spPr>
           <a:xfrm>
-            <a:off x="1219200" y="1447800"/>
-            <a:ext cx="6367462" cy="5039547"/>
+            <a:off x="1785937" y="1990725"/>
+            <a:ext cx="5572125" cy="4410075"/>
           </a:xfrm>
           <a:prstGeom prst="rect">
             <a:avLst/>
@@ -17985,6 +23709,13 @@
   <p:clrMapOvr>
     <a:masterClrMapping/>
   </p:clrMapOvr>
+  <p:timing>
+    <p:tnLst>
+      <p:par>
+        <p:cTn id="1" dur="indefinite" restart="never" nodeType="tmRoot"/>
+      </p:par>
+    </p:tnLst>
+  </p:timing>
 </p:sld>
 </file>
 

--- a/trunk/Document/Presentation.pptx
+++ b/trunk/Document/Presentation.pptx
@@ -259,7 +259,7 @@
           <a:p>
             <a:fld id="{DA859616-FE6E-4EBF-908D-BFE218AA9A04}" type="datetimeFigureOut">
               <a:rPr lang="vi-VN" smtClean="0"/>
-              <a:t>26/12/2013</a:t>
+              <a:t>27/12/2013</a:t>
             </a:fld>
             <a:endParaRPr lang="vi-VN"/>
           </a:p>
@@ -2520,6 +2520,94 @@
     <p:extLst>
       <p:ext uri="{BB962C8B-B14F-4D97-AF65-F5344CB8AC3E}">
         <p14:creationId xmlns:p14="http://schemas.microsoft.com/office/powerpoint/2010/main" val="3201941219"/>
+      </p:ext>
+    </p:extLst>
+  </p:cSld>
+  <p:clrMapOvr>
+    <a:masterClrMapping/>
+  </p:clrMapOvr>
+</p:notes>
+</file>
+
+<file path=ppt/notesSlides/notesSlide8.xml><?xml version="1.0" encoding="utf-8"?>
+<p:notes xmlns:a="http://schemas.openxmlformats.org/drawingml/2006/main" xmlns:r="http://schemas.openxmlformats.org/officeDocument/2006/relationships" xmlns:p="http://schemas.openxmlformats.org/presentationml/2006/main">
+  <p:cSld>
+    <p:spTree>
+      <p:nvGrpSpPr>
+        <p:cNvPr id="1" name=""/>
+        <p:cNvGrpSpPr/>
+        <p:nvPr/>
+      </p:nvGrpSpPr>
+      <p:grpSpPr>
+        <a:xfrm>
+          <a:off x="0" y="0"/>
+          <a:ext cx="0" cy="0"/>
+          <a:chOff x="0" y="0"/>
+          <a:chExt cx="0" cy="0"/>
+        </a:xfrm>
+      </p:grpSpPr>
+      <p:sp>
+        <p:nvSpPr>
+          <p:cNvPr id="2" name="Slide Image Placeholder 1"/>
+          <p:cNvSpPr>
+            <a:spLocks noGrp="1" noRot="1" noChangeAspect="1"/>
+          </p:cNvSpPr>
+          <p:nvPr>
+            <p:ph type="sldImg"/>
+          </p:nvPr>
+        </p:nvSpPr>
+        <p:spPr/>
+      </p:sp>
+      <p:sp>
+        <p:nvSpPr>
+          <p:cNvPr id="3" name="Notes Placeholder 2"/>
+          <p:cNvSpPr>
+            <a:spLocks noGrp="1"/>
+          </p:cNvSpPr>
+          <p:nvPr>
+            <p:ph type="body" idx="1"/>
+          </p:nvPr>
+        </p:nvSpPr>
+        <p:spPr/>
+        <p:txBody>
+          <a:bodyPr/>
+          <a:lstStyle/>
+          <a:p>
+            <a:r>
+              <a:rPr lang="en-US" smtClean="0"/>
+              <a:t>Ta </a:t>
+            </a:r>
+            <a:endParaRPr lang="en-US" dirty="0"/>
+          </a:p>
+        </p:txBody>
+      </p:sp>
+      <p:sp>
+        <p:nvSpPr>
+          <p:cNvPr id="4" name="Slide Number Placeholder 3"/>
+          <p:cNvSpPr>
+            <a:spLocks noGrp="1"/>
+          </p:cNvSpPr>
+          <p:nvPr>
+            <p:ph type="sldNum" sz="quarter" idx="10"/>
+          </p:nvPr>
+        </p:nvSpPr>
+        <p:spPr/>
+        <p:txBody>
+          <a:bodyPr/>
+          <a:lstStyle/>
+          <a:p>
+            <a:fld id="{B4AA04CE-5BE8-42FA-82A3-78F601CE853C}" type="slidenum">
+              <a:rPr lang="vi-VN" smtClean="0"/>
+              <a:t>15</a:t>
+            </a:fld>
+            <a:endParaRPr lang="vi-VN"/>
+          </a:p>
+        </p:txBody>
+      </p:sp>
+    </p:spTree>
+    <p:extLst>
+      <p:ext uri="{BB962C8B-B14F-4D97-AF65-F5344CB8AC3E}">
+        <p14:creationId xmlns:p14="http://schemas.microsoft.com/office/powerpoint/2010/main" val="3656235073"/>
       </p:ext>
     </p:extLst>
   </p:cSld>
@@ -8322,17 +8410,12 @@
               <a:rPr lang="en-US" dirty="0" smtClean="0"/>
               <a:t>:</a:t>
             </a:r>
-            <a:endParaRPr lang="en-US" dirty="0" smtClean="0"/>
           </a:p>
           <a:p>
             <a:pPr lvl="1"/>
             <a:r>
               <a:rPr lang="en-US" dirty="0" smtClean="0"/>
-              <a:t>ANTLR</a:t>
-            </a:r>
-            <a:r>
-              <a:rPr lang="en-US" dirty="0" smtClean="0"/>
-              <a:t>: </a:t>
+              <a:t>ANTLR: </a:t>
             </a:r>
             <a:r>
               <a:rPr lang="en-US" dirty="0" err="1" smtClean="0"/>
@@ -8462,7 +8545,6 @@
               <a:rPr lang="en-US" dirty="0" smtClean="0"/>
               <a:t>.</a:t>
             </a:r>
-            <a:endParaRPr lang="en-US" dirty="0" smtClean="0"/>
           </a:p>
           <a:p>
             <a:pPr lvl="1"/>
@@ -8764,7 +8846,6 @@
               <a:rPr lang="en-US" dirty="0" smtClean="0"/>
               <a:t>:</a:t>
             </a:r>
-            <a:endParaRPr lang="en-US" dirty="0" smtClean="0"/>
           </a:p>
         </p:txBody>
       </p:sp>
@@ -9876,7 +9957,35 @@
           <a:bodyPr/>
           <a:lstStyle/>
           <a:p>
-            <a:endParaRPr lang="vi-VN"/>
+            <a:r>
+              <a:rPr lang="en-US" dirty="0" err="1"/>
+              <a:t>Thực</a:t>
+            </a:r>
+            <a:r>
+              <a:rPr lang="en-US" dirty="0"/>
+              <a:t> </a:t>
+            </a:r>
+            <a:r>
+              <a:rPr lang="en-US" dirty="0" err="1"/>
+              <a:t>hiện</a:t>
+            </a:r>
+            <a:r>
+              <a:rPr lang="en-US" dirty="0"/>
+              <a:t> </a:t>
+            </a:r>
+            <a:r>
+              <a:rPr lang="en-US" dirty="0" err="1"/>
+              <a:t>phần</a:t>
+            </a:r>
+            <a:r>
+              <a:rPr lang="en-US" dirty="0"/>
+              <a:t> </a:t>
+            </a:r>
+            <a:r>
+              <a:rPr lang="en-US" dirty="0" err="1"/>
+              <a:t>mềm</a:t>
+            </a:r>
+            <a:endParaRPr lang="vi-VN" dirty="0"/>
           </a:p>
         </p:txBody>
       </p:sp>
@@ -9897,7 +10006,7 @@
           <a:p>
             <a:r>
               <a:rPr lang="en-US" dirty="0" err="1" smtClean="0"/>
-              <a:t>Tạo</a:t>
+              <a:t>Câu</a:t>
             </a:r>
             <a:r>
               <a:rPr lang="en-US" dirty="0" smtClean="0"/>
@@ -9905,99 +10014,11 @@
             </a:r>
             <a:r>
               <a:rPr lang="en-US" dirty="0" err="1" smtClean="0"/>
-              <a:t>đồ</a:t>
+              <a:t>lệnh</a:t>
             </a:r>
             <a:r>
               <a:rPr lang="en-US" dirty="0" smtClean="0"/>
-              <a:t> </a:t>
-            </a:r>
-            <a:r>
-              <a:rPr lang="en-US" dirty="0" err="1" smtClean="0"/>
-              <a:t>thị</a:t>
-            </a:r>
-            <a:r>
-              <a:rPr lang="en-US" dirty="0" smtClean="0"/>
-              <a:t> </a:t>
-            </a:r>
-            <a:r>
-              <a:rPr lang="en-US" dirty="0" err="1" smtClean="0"/>
-              <a:t>dòng</a:t>
-            </a:r>
-            <a:r>
-              <a:rPr lang="en-US" dirty="0" smtClean="0"/>
-              <a:t> </a:t>
-            </a:r>
-            <a:r>
-              <a:rPr lang="en-US" dirty="0" err="1" smtClean="0"/>
-              <a:t>điều</a:t>
-            </a:r>
-            <a:r>
-              <a:rPr lang="en-US" dirty="0" smtClean="0"/>
-              <a:t> </a:t>
-            </a:r>
-            <a:r>
-              <a:rPr lang="en-US" dirty="0" err="1" smtClean="0"/>
-              <a:t>khiển</a:t>
-            </a:r>
-            <a:r>
-              <a:rPr lang="en-US" dirty="0" smtClean="0"/>
-              <a:t> </a:t>
-            </a:r>
-            <a:r>
-              <a:rPr lang="en-US" dirty="0" err="1" smtClean="0"/>
-              <a:t>cơ</a:t>
-            </a:r>
-            <a:r>
-              <a:rPr lang="en-US" dirty="0" smtClean="0"/>
-              <a:t> </a:t>
-            </a:r>
-            <a:r>
-              <a:rPr lang="en-US" dirty="0" err="1" smtClean="0"/>
-              <a:t>bản</a:t>
-            </a:r>
-            <a:r>
-              <a:rPr lang="en-US" dirty="0" smtClean="0"/>
-              <a:t>:</a:t>
-            </a:r>
-          </a:p>
-          <a:p>
-            <a:r>
-              <a:rPr lang="en-US" dirty="0" smtClean="0"/>
-              <a:t>Switch:</a:t>
-            </a:r>
-          </a:p>
-          <a:p>
-            <a:r>
-              <a:rPr lang="en-US" dirty="0" err="1" smtClean="0"/>
-              <a:t>Điều</a:t>
-            </a:r>
-            <a:r>
-              <a:rPr lang="en-US" dirty="0" smtClean="0"/>
-              <a:t> </a:t>
-            </a:r>
-            <a:r>
-              <a:rPr lang="en-US" dirty="0" err="1" smtClean="0"/>
-              <a:t>kiện</a:t>
-            </a:r>
-            <a:r>
-              <a:rPr lang="en-US" dirty="0" smtClean="0"/>
-              <a:t> con:</a:t>
-            </a:r>
-          </a:p>
-          <a:p>
-            <a:r>
-              <a:rPr lang="en-US" dirty="0" smtClean="0"/>
-              <a:t>If:</a:t>
-            </a:r>
-          </a:p>
-          <a:p>
-            <a:r>
-              <a:rPr lang="en-US" dirty="0" err="1" smtClean="0"/>
-              <a:t>Lặp</a:t>
-            </a:r>
-            <a:r>
-              <a:rPr lang="en-US" dirty="0" smtClean="0"/>
-              <a:t>:</a:t>
+              <a:t> if-else</a:t>
             </a:r>
             <a:endParaRPr lang="vi-VN" dirty="0"/>
           </a:p>
@@ -10027,6 +10048,282 @@
           </a:p>
         </p:txBody>
       </p:sp>
+      <p:pic>
+        <p:nvPicPr>
+          <p:cNvPr id="6" name="Picture 5"/>
+          <p:cNvPicPr>
+            <a:picLocks noChangeAspect="1"/>
+          </p:cNvPicPr>
+          <p:nvPr/>
+        </p:nvPicPr>
+        <p:blipFill>
+          <a:blip r:embed="rId3">
+            <a:extLst>
+              <a:ext uri="{28A0092B-C50C-407E-A947-70E740481C1C}">
+                <a14:useLocalDpi xmlns:a14="http://schemas.microsoft.com/office/drawing/2010/main" val="0"/>
+              </a:ext>
+            </a:extLst>
+          </a:blip>
+          <a:stretch>
+            <a:fillRect/>
+          </a:stretch>
+        </p:blipFill>
+        <p:spPr>
+          <a:xfrm>
+            <a:off x="2362200" y="1981198"/>
+            <a:ext cx="2057400" cy="1998109"/>
+          </a:xfrm>
+          <a:prstGeom prst="rect">
+            <a:avLst/>
+          </a:prstGeom>
+        </p:spPr>
+      </p:pic>
+      <p:pic>
+        <p:nvPicPr>
+          <p:cNvPr id="7" name="Picture 6"/>
+          <p:cNvPicPr>
+            <a:picLocks noChangeAspect="1"/>
+          </p:cNvPicPr>
+          <p:nvPr/>
+        </p:nvPicPr>
+        <p:blipFill>
+          <a:blip r:embed="rId4">
+            <a:extLst>
+              <a:ext uri="{28A0092B-C50C-407E-A947-70E740481C1C}">
+                <a14:useLocalDpi xmlns:a14="http://schemas.microsoft.com/office/drawing/2010/main" val="0"/>
+              </a:ext>
+            </a:extLst>
+          </a:blip>
+          <a:stretch>
+            <a:fillRect/>
+          </a:stretch>
+        </p:blipFill>
+        <p:spPr>
+          <a:xfrm>
+            <a:off x="2286000" y="4556674"/>
+            <a:ext cx="2133600" cy="1996526"/>
+          </a:xfrm>
+          <a:prstGeom prst="rect">
+            <a:avLst/>
+          </a:prstGeom>
+        </p:spPr>
+      </p:pic>
+      <p:pic>
+        <p:nvPicPr>
+          <p:cNvPr id="8" name="Picture 7"/>
+          <p:cNvPicPr>
+            <a:picLocks noChangeAspect="1"/>
+          </p:cNvPicPr>
+          <p:nvPr/>
+        </p:nvPicPr>
+        <p:blipFill>
+          <a:blip r:embed="rId5">
+            <a:extLst>
+              <a:ext uri="{28A0092B-C50C-407E-A947-70E740481C1C}">
+                <a14:useLocalDpi xmlns:a14="http://schemas.microsoft.com/office/drawing/2010/main" val="0"/>
+              </a:ext>
+            </a:extLst>
+          </a:blip>
+          <a:stretch>
+            <a:fillRect/>
+          </a:stretch>
+        </p:blipFill>
+        <p:spPr>
+          <a:xfrm>
+            <a:off x="5334000" y="2382137"/>
+            <a:ext cx="2362200" cy="3194340"/>
+          </a:xfrm>
+          <a:prstGeom prst="rect">
+            <a:avLst/>
+          </a:prstGeom>
+        </p:spPr>
+      </p:pic>
+      <p:sp>
+        <p:nvSpPr>
+          <p:cNvPr id="9" name="TextBox 8"/>
+          <p:cNvSpPr txBox="1"/>
+          <p:nvPr/>
+        </p:nvSpPr>
+        <p:spPr>
+          <a:xfrm>
+            <a:off x="1195293" y="2796328"/>
+            <a:ext cx="800219" cy="461665"/>
+          </a:xfrm>
+          <a:prstGeom prst="rect">
+            <a:avLst/>
+          </a:prstGeom>
+          <a:noFill/>
+        </p:spPr>
+        <p:txBody>
+          <a:bodyPr wrap="none" rtlCol="0">
+            <a:spAutoFit/>
+          </a:bodyPr>
+          <a:lstStyle/>
+          <a:p>
+            <a:r>
+              <a:rPr lang="en-US" sz="2400" b="1" dirty="0" smtClean="0"/>
+              <a:t>AST</a:t>
+            </a:r>
+            <a:endParaRPr lang="en-US" sz="2400" b="1" dirty="0"/>
+          </a:p>
+        </p:txBody>
+      </p:sp>
+      <p:sp>
+        <p:nvSpPr>
+          <p:cNvPr id="10" name="TextBox 9"/>
+          <p:cNvSpPr txBox="1"/>
+          <p:nvPr/>
+        </p:nvSpPr>
+        <p:spPr>
+          <a:xfrm>
+            <a:off x="1195293" y="5080660"/>
+            <a:ext cx="1039067" cy="461665"/>
+          </a:xfrm>
+          <a:prstGeom prst="rect">
+            <a:avLst/>
+          </a:prstGeom>
+          <a:noFill/>
+        </p:spPr>
+        <p:txBody>
+          <a:bodyPr wrap="none" rtlCol="0">
+            <a:spAutoFit/>
+          </a:bodyPr>
+          <a:lstStyle/>
+          <a:p>
+            <a:r>
+              <a:rPr lang="en-US" sz="2400" b="1" dirty="0" err="1" smtClean="0"/>
+              <a:t>INode</a:t>
+            </a:r>
+            <a:endParaRPr lang="en-US" sz="2400" b="1" dirty="0"/>
+          </a:p>
+        </p:txBody>
+      </p:sp>
+      <p:sp>
+        <p:nvSpPr>
+          <p:cNvPr id="11" name="TextBox 10"/>
+          <p:cNvSpPr txBox="1"/>
+          <p:nvPr/>
+        </p:nvSpPr>
+        <p:spPr>
+          <a:xfrm>
+            <a:off x="7696200" y="3974068"/>
+            <a:ext cx="1090363" cy="461665"/>
+          </a:xfrm>
+          <a:prstGeom prst="rect">
+            <a:avLst/>
+          </a:prstGeom>
+          <a:noFill/>
+        </p:spPr>
+        <p:txBody>
+          <a:bodyPr wrap="none" rtlCol="0">
+            <a:spAutoFit/>
+          </a:bodyPr>
+          <a:lstStyle/>
+          <a:p>
+            <a:r>
+              <a:rPr lang="en-US" sz="2400" b="1" dirty="0" smtClean="0"/>
+              <a:t>Graph</a:t>
+            </a:r>
+            <a:endParaRPr lang="en-US" sz="2400" b="1" dirty="0"/>
+          </a:p>
+        </p:txBody>
+      </p:sp>
+      <p:sp>
+        <p:nvSpPr>
+          <p:cNvPr id="12" name="Down Arrow 11"/>
+          <p:cNvSpPr/>
+          <p:nvPr/>
+        </p:nvSpPr>
+        <p:spPr>
+          <a:xfrm>
+            <a:off x="3345180" y="4092293"/>
+            <a:ext cx="45719" cy="441874"/>
+          </a:xfrm>
+          <a:prstGeom prst="downArrow">
+            <a:avLst/>
+          </a:prstGeom>
+          <a:ln>
+            <a:solidFill>
+              <a:srgbClr val="FF0000"/>
+            </a:solidFill>
+          </a:ln>
+        </p:spPr>
+        <p:style>
+          <a:lnRef idx="2">
+            <a:schemeClr val="accent1">
+              <a:shade val="50000"/>
+            </a:schemeClr>
+          </a:lnRef>
+          <a:fillRef idx="1">
+            <a:schemeClr val="accent1"/>
+          </a:fillRef>
+          <a:effectRef idx="0">
+            <a:schemeClr val="accent1"/>
+          </a:effectRef>
+          <a:fontRef idx="minor">
+            <a:schemeClr val="lt1"/>
+          </a:fontRef>
+        </p:style>
+        <p:txBody>
+          <a:bodyPr rtlCol="0" anchor="ctr"/>
+          <a:lstStyle/>
+          <a:p>
+            <a:pPr algn="ctr"/>
+            <a:endParaRPr lang="en-US">
+              <a:ln>
+                <a:solidFill>
+                  <a:srgbClr val="FF0000"/>
+                </a:solidFill>
+              </a:ln>
+            </a:endParaRPr>
+          </a:p>
+        </p:txBody>
+      </p:sp>
+      <p:sp>
+        <p:nvSpPr>
+          <p:cNvPr id="13" name="Right Arrow 12"/>
+          <p:cNvSpPr/>
+          <p:nvPr/>
+        </p:nvSpPr>
+        <p:spPr>
+          <a:xfrm rot="20271877">
+            <a:off x="4084100" y="5048781"/>
+            <a:ext cx="1066800" cy="45719"/>
+          </a:xfrm>
+          <a:prstGeom prst="rightArrow">
+            <a:avLst/>
+          </a:prstGeom>
+          <a:ln>
+            <a:solidFill>
+              <a:srgbClr val="FF0000"/>
+            </a:solidFill>
+          </a:ln>
+        </p:spPr>
+        <p:style>
+          <a:lnRef idx="2">
+            <a:schemeClr val="accent1">
+              <a:shade val="50000"/>
+            </a:schemeClr>
+          </a:lnRef>
+          <a:fillRef idx="1">
+            <a:schemeClr val="accent1"/>
+          </a:fillRef>
+          <a:effectRef idx="0">
+            <a:schemeClr val="accent1"/>
+          </a:effectRef>
+          <a:fontRef idx="minor">
+            <a:schemeClr val="lt1"/>
+          </a:fontRef>
+        </p:style>
+        <p:txBody>
+          <a:bodyPr rtlCol="0" anchor="ctr"/>
+          <a:lstStyle/>
+          <a:p>
+            <a:pPr algn="ctr"/>
+            <a:endParaRPr lang="en-US"/>
+          </a:p>
+        </p:txBody>
+      </p:sp>
     </p:spTree>
     <p:extLst>
       <p:ext uri="{BB962C8B-B14F-4D97-AF65-F5344CB8AC3E}">
@@ -10040,9 +10337,373 @@
   <p:timing>
     <p:tnLst>
       <p:par>
-        <p:cTn id="1" dur="indefinite" restart="never" nodeType="tmRoot"/>
+        <p:cTn id="1" dur="indefinite" restart="never" nodeType="tmRoot">
+          <p:childTnLst>
+            <p:seq concurrent="1" nextAc="seek">
+              <p:cTn id="2" dur="indefinite" nodeType="mainSeq">
+                <p:childTnLst>
+                  <p:par>
+                    <p:cTn id="3" fill="hold">
+                      <p:stCondLst>
+                        <p:cond delay="indefinite"/>
+                      </p:stCondLst>
+                      <p:childTnLst>
+                        <p:par>
+                          <p:cTn id="4" fill="hold">
+                            <p:stCondLst>
+                              <p:cond delay="0"/>
+                            </p:stCondLst>
+                            <p:childTnLst>
+                              <p:par>
+                                <p:cTn id="5" presetID="10" presetClass="entr" presetSubtype="0" fill="hold" nodeType="clickEffect">
+                                  <p:stCondLst>
+                                    <p:cond delay="0"/>
+                                  </p:stCondLst>
+                                  <p:childTnLst>
+                                    <p:set>
+                                      <p:cBhvr>
+                                        <p:cTn id="6" dur="1" fill="hold">
+                                          <p:stCondLst>
+                                            <p:cond delay="0"/>
+                                          </p:stCondLst>
+                                        </p:cTn>
+                                        <p:tgtEl>
+                                          <p:spTgt spid="6"/>
+                                        </p:tgtEl>
+                                        <p:attrNameLst>
+                                          <p:attrName>style.visibility</p:attrName>
+                                        </p:attrNameLst>
+                                      </p:cBhvr>
+                                      <p:to>
+                                        <p:strVal val="visible"/>
+                                      </p:to>
+                                    </p:set>
+                                    <p:animEffect transition="in" filter="fade">
+                                      <p:cBhvr>
+                                        <p:cTn id="7" dur="500"/>
+                                        <p:tgtEl>
+                                          <p:spTgt spid="6"/>
+                                        </p:tgtEl>
+                                      </p:cBhvr>
+                                    </p:animEffect>
+                                  </p:childTnLst>
+                                </p:cTn>
+                              </p:par>
+                              <p:par>
+                                <p:cTn id="8" presetID="10" presetClass="entr" presetSubtype="0" fill="hold" grpId="0" nodeType="withEffect">
+                                  <p:stCondLst>
+                                    <p:cond delay="0"/>
+                                  </p:stCondLst>
+                                  <p:childTnLst>
+                                    <p:set>
+                                      <p:cBhvr>
+                                        <p:cTn id="9" dur="1" fill="hold">
+                                          <p:stCondLst>
+                                            <p:cond delay="0"/>
+                                          </p:stCondLst>
+                                        </p:cTn>
+                                        <p:tgtEl>
+                                          <p:spTgt spid="9"/>
+                                        </p:tgtEl>
+                                        <p:attrNameLst>
+                                          <p:attrName>style.visibility</p:attrName>
+                                        </p:attrNameLst>
+                                      </p:cBhvr>
+                                      <p:to>
+                                        <p:strVal val="visible"/>
+                                      </p:to>
+                                    </p:set>
+                                    <p:animEffect transition="in" filter="fade">
+                                      <p:cBhvr>
+                                        <p:cTn id="10" dur="500"/>
+                                        <p:tgtEl>
+                                          <p:spTgt spid="9"/>
+                                        </p:tgtEl>
+                                      </p:cBhvr>
+                                    </p:animEffect>
+                                  </p:childTnLst>
+                                </p:cTn>
+                              </p:par>
+                            </p:childTnLst>
+                          </p:cTn>
+                        </p:par>
+                      </p:childTnLst>
+                    </p:cTn>
+                  </p:par>
+                  <p:par>
+                    <p:cTn id="11" fill="hold">
+                      <p:stCondLst>
+                        <p:cond delay="indefinite"/>
+                      </p:stCondLst>
+                      <p:childTnLst>
+                        <p:par>
+                          <p:cTn id="12" fill="hold">
+                            <p:stCondLst>
+                              <p:cond delay="0"/>
+                            </p:stCondLst>
+                            <p:childTnLst>
+                              <p:par>
+                                <p:cTn id="13" presetID="10" presetClass="entr" presetSubtype="0" fill="hold" nodeType="clickEffect">
+                                  <p:stCondLst>
+                                    <p:cond delay="0"/>
+                                  </p:stCondLst>
+                                  <p:childTnLst>
+                                    <p:set>
+                                      <p:cBhvr>
+                                        <p:cTn id="14" dur="1" fill="hold">
+                                          <p:stCondLst>
+                                            <p:cond delay="0"/>
+                                          </p:stCondLst>
+                                        </p:cTn>
+                                        <p:tgtEl>
+                                          <p:spTgt spid="7"/>
+                                        </p:tgtEl>
+                                        <p:attrNameLst>
+                                          <p:attrName>style.visibility</p:attrName>
+                                        </p:attrNameLst>
+                                      </p:cBhvr>
+                                      <p:to>
+                                        <p:strVal val="visible"/>
+                                      </p:to>
+                                    </p:set>
+                                    <p:animEffect transition="in" filter="fade">
+                                      <p:cBhvr>
+                                        <p:cTn id="15" dur="500"/>
+                                        <p:tgtEl>
+                                          <p:spTgt spid="7"/>
+                                        </p:tgtEl>
+                                      </p:cBhvr>
+                                    </p:animEffect>
+                                  </p:childTnLst>
+                                </p:cTn>
+                              </p:par>
+                              <p:par>
+                                <p:cTn id="16" presetID="10" presetClass="entr" presetSubtype="0" fill="hold" grpId="0" nodeType="withEffect">
+                                  <p:stCondLst>
+                                    <p:cond delay="0"/>
+                                  </p:stCondLst>
+                                  <p:childTnLst>
+                                    <p:set>
+                                      <p:cBhvr>
+                                        <p:cTn id="17" dur="1" fill="hold">
+                                          <p:stCondLst>
+                                            <p:cond delay="0"/>
+                                          </p:stCondLst>
+                                        </p:cTn>
+                                        <p:tgtEl>
+                                          <p:spTgt spid="12"/>
+                                        </p:tgtEl>
+                                        <p:attrNameLst>
+                                          <p:attrName>style.visibility</p:attrName>
+                                        </p:attrNameLst>
+                                      </p:cBhvr>
+                                      <p:to>
+                                        <p:strVal val="visible"/>
+                                      </p:to>
+                                    </p:set>
+                                    <p:animEffect transition="in" filter="fade">
+                                      <p:cBhvr>
+                                        <p:cTn id="18" dur="500"/>
+                                        <p:tgtEl>
+                                          <p:spTgt spid="12"/>
+                                        </p:tgtEl>
+                                      </p:cBhvr>
+                                    </p:animEffect>
+                                  </p:childTnLst>
+                                </p:cTn>
+                              </p:par>
+                              <p:par>
+                                <p:cTn id="19" presetID="10" presetClass="entr" presetSubtype="0" fill="hold" grpId="0" nodeType="withEffect">
+                                  <p:stCondLst>
+                                    <p:cond delay="0"/>
+                                  </p:stCondLst>
+                                  <p:childTnLst>
+                                    <p:set>
+                                      <p:cBhvr>
+                                        <p:cTn id="20" dur="1" fill="hold">
+                                          <p:stCondLst>
+                                            <p:cond delay="0"/>
+                                          </p:stCondLst>
+                                        </p:cTn>
+                                        <p:tgtEl>
+                                          <p:spTgt spid="10"/>
+                                        </p:tgtEl>
+                                        <p:attrNameLst>
+                                          <p:attrName>style.visibility</p:attrName>
+                                        </p:attrNameLst>
+                                      </p:cBhvr>
+                                      <p:to>
+                                        <p:strVal val="visible"/>
+                                      </p:to>
+                                    </p:set>
+                                    <p:animEffect transition="in" filter="fade">
+                                      <p:cBhvr>
+                                        <p:cTn id="21" dur="500"/>
+                                        <p:tgtEl>
+                                          <p:spTgt spid="10"/>
+                                        </p:tgtEl>
+                                      </p:cBhvr>
+                                    </p:animEffect>
+                                  </p:childTnLst>
+                                </p:cTn>
+                              </p:par>
+                            </p:childTnLst>
+                          </p:cTn>
+                        </p:par>
+                      </p:childTnLst>
+                    </p:cTn>
+                  </p:par>
+                  <p:par>
+                    <p:cTn id="22" fill="hold">
+                      <p:stCondLst>
+                        <p:cond delay="indefinite"/>
+                      </p:stCondLst>
+                      <p:childTnLst>
+                        <p:par>
+                          <p:cTn id="23" fill="hold">
+                            <p:stCondLst>
+                              <p:cond delay="0"/>
+                            </p:stCondLst>
+                            <p:childTnLst>
+                              <p:par>
+                                <p:cTn id="24" presetID="10" presetClass="entr" presetSubtype="0" fill="hold" grpId="0" nodeType="clickEffect">
+                                  <p:stCondLst>
+                                    <p:cond delay="0"/>
+                                  </p:stCondLst>
+                                  <p:childTnLst>
+                                    <p:set>
+                                      <p:cBhvr>
+                                        <p:cTn id="25" dur="1" fill="hold">
+                                          <p:stCondLst>
+                                            <p:cond delay="0"/>
+                                          </p:stCondLst>
+                                        </p:cTn>
+                                        <p:tgtEl>
+                                          <p:spTgt spid="13"/>
+                                        </p:tgtEl>
+                                        <p:attrNameLst>
+                                          <p:attrName>style.visibility</p:attrName>
+                                        </p:attrNameLst>
+                                      </p:cBhvr>
+                                      <p:to>
+                                        <p:strVal val="visible"/>
+                                      </p:to>
+                                    </p:set>
+                                    <p:animEffect transition="in" filter="fade">
+                                      <p:cBhvr>
+                                        <p:cTn id="26" dur="500"/>
+                                        <p:tgtEl>
+                                          <p:spTgt spid="13"/>
+                                        </p:tgtEl>
+                                      </p:cBhvr>
+                                    </p:animEffect>
+                                  </p:childTnLst>
+                                </p:cTn>
+                              </p:par>
+                              <p:par>
+                                <p:cTn id="27" presetID="10" presetClass="entr" presetSubtype="0" fill="hold" nodeType="withEffect">
+                                  <p:stCondLst>
+                                    <p:cond delay="0"/>
+                                  </p:stCondLst>
+                                  <p:childTnLst>
+                                    <p:set>
+                                      <p:cBhvr>
+                                        <p:cTn id="28" dur="1" fill="hold">
+                                          <p:stCondLst>
+                                            <p:cond delay="0"/>
+                                          </p:stCondLst>
+                                        </p:cTn>
+                                        <p:tgtEl>
+                                          <p:spTgt spid="8"/>
+                                        </p:tgtEl>
+                                        <p:attrNameLst>
+                                          <p:attrName>style.visibility</p:attrName>
+                                        </p:attrNameLst>
+                                      </p:cBhvr>
+                                      <p:to>
+                                        <p:strVal val="visible"/>
+                                      </p:to>
+                                    </p:set>
+                                    <p:animEffect transition="in" filter="fade">
+                                      <p:cBhvr>
+                                        <p:cTn id="29" dur="500"/>
+                                        <p:tgtEl>
+                                          <p:spTgt spid="8"/>
+                                        </p:tgtEl>
+                                      </p:cBhvr>
+                                    </p:animEffect>
+                                  </p:childTnLst>
+                                </p:cTn>
+                              </p:par>
+                              <p:par>
+                                <p:cTn id="30" presetID="10" presetClass="entr" presetSubtype="0" fill="hold" grpId="0" nodeType="withEffect">
+                                  <p:stCondLst>
+                                    <p:cond delay="0"/>
+                                  </p:stCondLst>
+                                  <p:childTnLst>
+                                    <p:set>
+                                      <p:cBhvr>
+                                        <p:cTn id="31" dur="1" fill="hold">
+                                          <p:stCondLst>
+                                            <p:cond delay="0"/>
+                                          </p:stCondLst>
+                                        </p:cTn>
+                                        <p:tgtEl>
+                                          <p:spTgt spid="11"/>
+                                        </p:tgtEl>
+                                        <p:attrNameLst>
+                                          <p:attrName>style.visibility</p:attrName>
+                                        </p:attrNameLst>
+                                      </p:cBhvr>
+                                      <p:to>
+                                        <p:strVal val="visible"/>
+                                      </p:to>
+                                    </p:set>
+                                    <p:animEffect transition="in" filter="fade">
+                                      <p:cBhvr>
+                                        <p:cTn id="32" dur="500"/>
+                                        <p:tgtEl>
+                                          <p:spTgt spid="11"/>
+                                        </p:tgtEl>
+                                      </p:cBhvr>
+                                    </p:animEffect>
+                                  </p:childTnLst>
+                                </p:cTn>
+                              </p:par>
+                            </p:childTnLst>
+                          </p:cTn>
+                        </p:par>
+                      </p:childTnLst>
+                    </p:cTn>
+                  </p:par>
+                </p:childTnLst>
+              </p:cTn>
+              <p:prevCondLst>
+                <p:cond evt="onPrev" delay="0">
+                  <p:tgtEl>
+                    <p:sldTgt/>
+                  </p:tgtEl>
+                </p:cond>
+              </p:prevCondLst>
+              <p:nextCondLst>
+                <p:cond evt="onNext" delay="0">
+                  <p:tgtEl>
+                    <p:sldTgt/>
+                  </p:tgtEl>
+                </p:cond>
+              </p:nextCondLst>
+            </p:seq>
+          </p:childTnLst>
+        </p:cTn>
       </p:par>
     </p:tnLst>
+    <p:bldLst>
+      <p:bldP spid="9" grpId="0"/>
+      <p:bldP spid="10" grpId="0"/>
+      <p:bldP spid="11" grpId="0"/>
+      <p:bldP spid="12" grpId="0" animBg="1"/>
+      <p:bldP spid="13" grpId="0" animBg="1"/>
+    </p:bldLst>
   </p:timing>
 </p:sld>
 </file>

--- a/trunk/Document/Presentation.pptx
+++ b/trunk/Document/Presentation.pptx
@@ -838,6 +838,466 @@
 </p:notes>
 </file>
 
+<file path=ppt/notesSlides/notesSlide10.xml><?xml version="1.0" encoding="utf-8"?>
+<p:notes xmlns:a="http://schemas.openxmlformats.org/drawingml/2006/main" xmlns:r="http://schemas.openxmlformats.org/officeDocument/2006/relationships" xmlns:p="http://schemas.openxmlformats.org/presentationml/2006/main">
+  <p:cSld>
+    <p:spTree>
+      <p:nvGrpSpPr>
+        <p:cNvPr id="1" name=""/>
+        <p:cNvGrpSpPr/>
+        <p:nvPr/>
+      </p:nvGrpSpPr>
+      <p:grpSpPr>
+        <a:xfrm>
+          <a:off x="0" y="0"/>
+          <a:ext cx="0" cy="0"/>
+          <a:chOff x="0" y="0"/>
+          <a:chExt cx="0" cy="0"/>
+        </a:xfrm>
+      </p:grpSpPr>
+      <p:sp>
+        <p:nvSpPr>
+          <p:cNvPr id="2" name="Slide Image Placeholder 1"/>
+          <p:cNvSpPr>
+            <a:spLocks noGrp="1" noRot="1" noChangeAspect="1"/>
+          </p:cNvSpPr>
+          <p:nvPr>
+            <p:ph type="sldImg"/>
+          </p:nvPr>
+        </p:nvSpPr>
+        <p:spPr/>
+      </p:sp>
+      <p:sp>
+        <p:nvSpPr>
+          <p:cNvPr id="3" name="Notes Placeholder 2"/>
+          <p:cNvSpPr>
+            <a:spLocks noGrp="1"/>
+          </p:cNvSpPr>
+          <p:nvPr>
+            <p:ph type="body" idx="1"/>
+          </p:nvPr>
+        </p:nvSpPr>
+        <p:spPr/>
+        <p:txBody>
+          <a:bodyPr/>
+          <a:lstStyle/>
+          <a:p>
+            <a:r>
+              <a:rPr lang="en-US" dirty="0" err="1" smtClean="0"/>
+              <a:t>Nếu</a:t>
+            </a:r>
+            <a:r>
+              <a:rPr lang="en-US" baseline="0" dirty="0" smtClean="0"/>
+              <a:t> </a:t>
+            </a:r>
+            <a:r>
+              <a:rPr lang="en-US" baseline="0" dirty="0" err="1" smtClean="0"/>
+              <a:t>vòng</a:t>
+            </a:r>
+            <a:r>
+              <a:rPr lang="en-US" baseline="0" dirty="0" smtClean="0"/>
+              <a:t> </a:t>
+            </a:r>
+            <a:r>
+              <a:rPr lang="en-US" baseline="0" dirty="0" err="1" smtClean="0"/>
+              <a:t>lặp</a:t>
+            </a:r>
+            <a:r>
+              <a:rPr lang="en-US" baseline="0" dirty="0" smtClean="0"/>
+              <a:t> for </a:t>
+            </a:r>
+            <a:r>
+              <a:rPr lang="en-US" baseline="0" dirty="0" err="1" smtClean="0"/>
+              <a:t>thì</a:t>
+            </a:r>
+            <a:r>
+              <a:rPr lang="en-US" baseline="0" dirty="0" smtClean="0"/>
+              <a:t> </a:t>
+            </a:r>
+            <a:r>
+              <a:rPr lang="en-US" baseline="0" dirty="0" err="1" smtClean="0"/>
+              <a:t>cây</a:t>
+            </a:r>
+            <a:r>
+              <a:rPr lang="en-US" baseline="0" dirty="0" smtClean="0"/>
+              <a:t> AST </a:t>
+            </a:r>
+            <a:r>
+              <a:rPr lang="en-US" baseline="0" dirty="0" err="1" smtClean="0"/>
+              <a:t>có</a:t>
+            </a:r>
+            <a:r>
+              <a:rPr lang="en-US" baseline="0" dirty="0" smtClean="0"/>
+              <a:t> </a:t>
+            </a:r>
+            <a:r>
+              <a:rPr lang="en-US" baseline="0" dirty="0" err="1" smtClean="0"/>
+              <a:t>thêm</a:t>
+            </a:r>
+            <a:r>
+              <a:rPr lang="en-US" baseline="0" dirty="0" smtClean="0"/>
+              <a:t> </a:t>
+            </a:r>
+            <a:r>
+              <a:rPr lang="en-US" baseline="0" dirty="0" err="1" smtClean="0"/>
+              <a:t>các</a:t>
+            </a:r>
+            <a:r>
+              <a:rPr lang="en-US" baseline="0" dirty="0" smtClean="0"/>
+              <a:t> node </a:t>
+            </a:r>
+            <a:r>
+              <a:rPr lang="en-US" baseline="0" dirty="0" err="1" smtClean="0"/>
+              <a:t>init</a:t>
+            </a:r>
+            <a:r>
+              <a:rPr lang="en-US" baseline="0" dirty="0" smtClean="0"/>
+              <a:t> </a:t>
+            </a:r>
+            <a:r>
+              <a:rPr lang="en-US" baseline="0" dirty="0" err="1" smtClean="0"/>
+              <a:t>chứa</a:t>
+            </a:r>
+            <a:r>
+              <a:rPr lang="en-US" baseline="0" dirty="0" smtClean="0"/>
+              <a:t> </a:t>
+            </a:r>
+            <a:r>
+              <a:rPr lang="en-US" baseline="0" dirty="0" err="1" smtClean="0"/>
+              <a:t>câu</a:t>
+            </a:r>
+            <a:r>
+              <a:rPr lang="en-US" baseline="0" dirty="0" smtClean="0"/>
+              <a:t> </a:t>
+            </a:r>
+            <a:r>
+              <a:rPr lang="en-US" baseline="0" dirty="0" err="1" smtClean="0"/>
+              <a:t>lệnh</a:t>
+            </a:r>
+            <a:r>
+              <a:rPr lang="en-US" baseline="0" dirty="0" smtClean="0"/>
+              <a:t> </a:t>
+            </a:r>
+            <a:r>
+              <a:rPr lang="en-US" baseline="0" dirty="0" err="1" smtClean="0"/>
+              <a:t>khởi</a:t>
+            </a:r>
+            <a:r>
+              <a:rPr lang="en-US" baseline="0" dirty="0" smtClean="0"/>
+              <a:t> </a:t>
+            </a:r>
+            <a:r>
+              <a:rPr lang="en-US" baseline="0" dirty="0" err="1" smtClean="0"/>
+              <a:t>tạo</a:t>
+            </a:r>
+            <a:r>
+              <a:rPr lang="en-US" baseline="0" dirty="0" smtClean="0"/>
+              <a:t> </a:t>
+            </a:r>
+            <a:r>
+              <a:rPr lang="en-US" baseline="0" dirty="0" err="1" smtClean="0"/>
+              <a:t>giá</a:t>
+            </a:r>
+            <a:r>
+              <a:rPr lang="en-US" baseline="0" dirty="0" smtClean="0"/>
+              <a:t> </a:t>
+            </a:r>
+            <a:r>
+              <a:rPr lang="en-US" baseline="0" dirty="0" err="1" smtClean="0"/>
+              <a:t>trị</a:t>
+            </a:r>
+            <a:r>
+              <a:rPr lang="en-US" baseline="0" dirty="0" smtClean="0"/>
+              <a:t> ban </a:t>
+            </a:r>
+            <a:r>
+              <a:rPr lang="en-US" baseline="0" dirty="0" err="1" smtClean="0"/>
+              <a:t>đầu</a:t>
+            </a:r>
+            <a:r>
+              <a:rPr lang="en-US" baseline="0" dirty="0" smtClean="0"/>
+              <a:t> </a:t>
+            </a:r>
+            <a:r>
+              <a:rPr lang="en-US" baseline="0" dirty="0" err="1" smtClean="0"/>
+              <a:t>và</a:t>
+            </a:r>
+            <a:r>
+              <a:rPr lang="en-US" baseline="0" dirty="0" smtClean="0"/>
+              <a:t> node update </a:t>
+            </a:r>
+            <a:r>
+              <a:rPr lang="en-US" baseline="0" dirty="0" err="1" smtClean="0"/>
+              <a:t>chứa</a:t>
+            </a:r>
+            <a:r>
+              <a:rPr lang="en-US" baseline="0" dirty="0" smtClean="0"/>
+              <a:t> </a:t>
+            </a:r>
+            <a:r>
+              <a:rPr lang="en-US" baseline="0" dirty="0" err="1" smtClean="0"/>
+              <a:t>câu</a:t>
+            </a:r>
+            <a:r>
+              <a:rPr lang="en-US" baseline="0" dirty="0" smtClean="0"/>
+              <a:t> </a:t>
+            </a:r>
+            <a:r>
+              <a:rPr lang="en-US" baseline="0" dirty="0" err="1" smtClean="0"/>
+              <a:t>lệnh</a:t>
+            </a:r>
+            <a:r>
+              <a:rPr lang="en-US" baseline="0" dirty="0" smtClean="0"/>
+              <a:t> </a:t>
+            </a:r>
+            <a:r>
+              <a:rPr lang="en-US" baseline="0" dirty="0" err="1" smtClean="0"/>
+              <a:t>thay</a:t>
+            </a:r>
+            <a:r>
+              <a:rPr lang="en-US" baseline="0" dirty="0" smtClean="0"/>
+              <a:t> </a:t>
+            </a:r>
+            <a:r>
+              <a:rPr lang="en-US" baseline="0" dirty="0" err="1" smtClean="0"/>
+              <a:t>đổi</a:t>
+            </a:r>
+            <a:r>
+              <a:rPr lang="en-US" baseline="0" dirty="0" smtClean="0"/>
+              <a:t> </a:t>
+            </a:r>
+            <a:r>
+              <a:rPr lang="en-US" baseline="0" dirty="0" err="1" smtClean="0"/>
+              <a:t>giá</a:t>
+            </a:r>
+            <a:r>
+              <a:rPr lang="en-US" baseline="0" dirty="0" smtClean="0"/>
+              <a:t> </a:t>
+            </a:r>
+            <a:r>
+              <a:rPr lang="en-US" baseline="0" dirty="0" err="1" smtClean="0"/>
+              <a:t>trị</a:t>
+            </a:r>
+            <a:r>
+              <a:rPr lang="en-US" baseline="0" dirty="0" smtClean="0"/>
+              <a:t> </a:t>
+            </a:r>
+            <a:r>
+              <a:rPr lang="en-US" baseline="0" dirty="0" err="1" smtClean="0"/>
+              <a:t>sau</a:t>
+            </a:r>
+            <a:r>
+              <a:rPr lang="en-US" baseline="0" dirty="0" smtClean="0"/>
+              <a:t> </a:t>
+            </a:r>
+            <a:r>
+              <a:rPr lang="en-US" baseline="0" dirty="0" err="1" smtClean="0"/>
+              <a:t>mỗi</a:t>
+            </a:r>
+            <a:r>
+              <a:rPr lang="en-US" baseline="0" dirty="0" smtClean="0"/>
+              <a:t> </a:t>
+            </a:r>
+            <a:r>
+              <a:rPr lang="en-US" baseline="0" dirty="0" err="1" smtClean="0"/>
+              <a:t>vòng</a:t>
+            </a:r>
+            <a:r>
+              <a:rPr lang="en-US" baseline="0" dirty="0" smtClean="0"/>
+              <a:t> </a:t>
+            </a:r>
+            <a:r>
+              <a:rPr lang="en-US" baseline="0" dirty="0" err="1" smtClean="0"/>
+              <a:t>lặp</a:t>
+            </a:r>
+            <a:r>
+              <a:rPr lang="en-US" baseline="0" dirty="0" smtClean="0"/>
+              <a:t>.</a:t>
+            </a:r>
+            <a:endParaRPr lang="en-US" dirty="0"/>
+          </a:p>
+        </p:txBody>
+      </p:sp>
+      <p:sp>
+        <p:nvSpPr>
+          <p:cNvPr id="4" name="Slide Number Placeholder 3"/>
+          <p:cNvSpPr>
+            <a:spLocks noGrp="1"/>
+          </p:cNvSpPr>
+          <p:nvPr>
+            <p:ph type="sldNum" sz="quarter" idx="10"/>
+          </p:nvPr>
+        </p:nvSpPr>
+        <p:spPr/>
+        <p:txBody>
+          <a:bodyPr/>
+          <a:lstStyle/>
+          <a:p>
+            <a:fld id="{B4AA04CE-5BE8-42FA-82A3-78F601CE853C}" type="slidenum">
+              <a:rPr lang="vi-VN" smtClean="0"/>
+              <a:t>16</a:t>
+            </a:fld>
+            <a:endParaRPr lang="vi-VN"/>
+          </a:p>
+        </p:txBody>
+      </p:sp>
+    </p:spTree>
+    <p:extLst>
+      <p:ext uri="{BB962C8B-B14F-4D97-AF65-F5344CB8AC3E}">
+        <p14:creationId xmlns:p14="http://schemas.microsoft.com/office/powerpoint/2010/main" val="760147906"/>
+      </p:ext>
+    </p:extLst>
+  </p:cSld>
+  <p:clrMapOvr>
+    <a:masterClrMapping/>
+  </p:clrMapOvr>
+</p:notes>
+</file>
+
+<file path=ppt/notesSlides/notesSlide11.xml><?xml version="1.0" encoding="utf-8"?>
+<p:notes xmlns:a="http://schemas.openxmlformats.org/drawingml/2006/main" xmlns:r="http://schemas.openxmlformats.org/officeDocument/2006/relationships" xmlns:p="http://schemas.openxmlformats.org/presentationml/2006/main">
+  <p:cSld>
+    <p:spTree>
+      <p:nvGrpSpPr>
+        <p:cNvPr id="1" name=""/>
+        <p:cNvGrpSpPr/>
+        <p:nvPr/>
+      </p:nvGrpSpPr>
+      <p:grpSpPr>
+        <a:xfrm>
+          <a:off x="0" y="0"/>
+          <a:ext cx="0" cy="0"/>
+          <a:chOff x="0" y="0"/>
+          <a:chExt cx="0" cy="0"/>
+        </a:xfrm>
+      </p:grpSpPr>
+      <p:sp>
+        <p:nvSpPr>
+          <p:cNvPr id="2" name="Slide Image Placeholder 1"/>
+          <p:cNvSpPr>
+            <a:spLocks noGrp="1" noRot="1" noChangeAspect="1"/>
+          </p:cNvSpPr>
+          <p:nvPr>
+            <p:ph type="sldImg"/>
+          </p:nvPr>
+        </p:nvSpPr>
+        <p:spPr/>
+      </p:sp>
+      <p:sp>
+        <p:nvSpPr>
+          <p:cNvPr id="3" name="Notes Placeholder 2"/>
+          <p:cNvSpPr>
+            <a:spLocks noGrp="1"/>
+          </p:cNvSpPr>
+          <p:nvPr>
+            <p:ph type="body" idx="1"/>
+          </p:nvPr>
+        </p:nvSpPr>
+        <p:spPr/>
+        <p:txBody>
+          <a:bodyPr/>
+          <a:lstStyle/>
+          <a:p>
+            <a:r>
+              <a:rPr lang="en-US" dirty="0" err="1" smtClean="0"/>
+              <a:t>Để</a:t>
+            </a:r>
+            <a:r>
+              <a:rPr lang="en-US" baseline="0" dirty="0" smtClean="0"/>
+              <a:t> </a:t>
+            </a:r>
+            <a:r>
+              <a:rPr lang="en-US" baseline="0" dirty="0" err="1" smtClean="0"/>
+              <a:t>xử</a:t>
+            </a:r>
+            <a:r>
+              <a:rPr lang="en-US" baseline="0" dirty="0" smtClean="0"/>
+              <a:t> </a:t>
+            </a:r>
+            <a:r>
+              <a:rPr lang="en-US" baseline="0" dirty="0" err="1" smtClean="0"/>
+              <a:t>lý</a:t>
+            </a:r>
+            <a:r>
+              <a:rPr lang="en-US" baseline="0" dirty="0" smtClean="0"/>
+              <a:t> </a:t>
+            </a:r>
+            <a:r>
+              <a:rPr lang="en-US" baseline="0" dirty="0" err="1" smtClean="0"/>
+              <a:t>đồ</a:t>
+            </a:r>
+            <a:r>
+              <a:rPr lang="en-US" baseline="0" dirty="0" smtClean="0"/>
+              <a:t> </a:t>
+            </a:r>
+            <a:r>
+              <a:rPr lang="en-US" baseline="0" dirty="0" err="1" smtClean="0"/>
+              <a:t>thị</a:t>
+            </a:r>
+            <a:r>
+              <a:rPr lang="en-US" baseline="0" dirty="0" smtClean="0"/>
+              <a:t> </a:t>
+            </a:r>
+            <a:r>
+              <a:rPr lang="en-US" baseline="0" dirty="0" err="1" smtClean="0"/>
+              <a:t>thành</a:t>
+            </a:r>
+            <a:r>
+              <a:rPr lang="en-US" baseline="0" dirty="0" smtClean="0"/>
+              <a:t> </a:t>
+            </a:r>
+            <a:r>
+              <a:rPr lang="en-US" baseline="0" dirty="0" err="1" smtClean="0"/>
+              <a:t>nhị</a:t>
+            </a:r>
+            <a:r>
+              <a:rPr lang="en-US" baseline="0" dirty="0" smtClean="0"/>
+              <a:t> </a:t>
+            </a:r>
+            <a:r>
+              <a:rPr lang="en-US" baseline="0" dirty="0" err="1" smtClean="0"/>
+              <a:t>phân</a:t>
+            </a:r>
+            <a:endParaRPr lang="en-US" dirty="0"/>
+          </a:p>
+        </p:txBody>
+      </p:sp>
+      <p:sp>
+        <p:nvSpPr>
+          <p:cNvPr id="4" name="Slide Number Placeholder 3"/>
+          <p:cNvSpPr>
+            <a:spLocks noGrp="1"/>
+          </p:cNvSpPr>
+          <p:nvPr>
+            <p:ph type="sldNum" sz="quarter" idx="10"/>
+          </p:nvPr>
+        </p:nvSpPr>
+        <p:spPr/>
+        <p:txBody>
+          <a:bodyPr/>
+          <a:lstStyle/>
+          <a:p>
+            <a:fld id="{B4AA04CE-5BE8-42FA-82A3-78F601CE853C}" type="slidenum">
+              <a:rPr lang="vi-VN" smtClean="0"/>
+              <a:t>17</a:t>
+            </a:fld>
+            <a:endParaRPr lang="vi-VN"/>
+          </a:p>
+        </p:txBody>
+      </p:sp>
+    </p:spTree>
+    <p:extLst>
+      <p:ext uri="{BB962C8B-B14F-4D97-AF65-F5344CB8AC3E}">
+        <p14:creationId xmlns:p14="http://schemas.microsoft.com/office/powerpoint/2010/main" val="1927931180"/>
+      </p:ext>
+    </p:extLst>
+  </p:cSld>
+  <p:clrMapOvr>
+    <a:masterClrMapping/>
+  </p:clrMapOvr>
+</p:notes>
+</file>
+
 <file path=ppt/notesSlides/notesSlide2.xml><?xml version="1.0" encoding="utf-8"?>
 <p:notes xmlns:a="http://schemas.openxmlformats.org/drawingml/2006/main" xmlns:r="http://schemas.openxmlformats.org/officeDocument/2006/relationships" xmlns:p="http://schemas.openxmlformats.org/presentationml/2006/main">
   <p:cSld>
@@ -1064,7 +1524,7 @@
           <a:p>
             <a:r>
               <a:rPr lang="en-US" dirty="0" err="1" smtClean="0"/>
-              <a:t>Từ</a:t>
+              <a:t>Để</a:t>
             </a:r>
             <a:r>
               <a:rPr lang="en-US" baseline="0" dirty="0" smtClean="0"/>
@@ -1072,7 +1532,257 @@
             </a:r>
             <a:r>
               <a:rPr lang="en-US" baseline="0" dirty="0" err="1" smtClean="0"/>
-              <a:t>sơ</a:t>
+              <a:t>đạt</a:t>
+            </a:r>
+            <a:r>
+              <a:rPr lang="en-US" baseline="0" dirty="0" smtClean="0"/>
+              <a:t> </a:t>
+            </a:r>
+            <a:r>
+              <a:rPr lang="en-US" baseline="0" dirty="0" err="1" smtClean="0"/>
+              <a:t>được</a:t>
+            </a:r>
+            <a:r>
+              <a:rPr lang="en-US" baseline="0" dirty="0" smtClean="0"/>
+              <a:t> </a:t>
+            </a:r>
+            <a:r>
+              <a:rPr lang="en-US" baseline="0" dirty="0" err="1" smtClean="0"/>
+              <a:t>độ</a:t>
+            </a:r>
+            <a:r>
+              <a:rPr lang="en-US" baseline="0" dirty="0" smtClean="0"/>
+              <a:t> </a:t>
+            </a:r>
+            <a:r>
+              <a:rPr lang="en-US" baseline="0" dirty="0" err="1" smtClean="0"/>
+              <a:t>kiểm</a:t>
+            </a:r>
+            <a:r>
+              <a:rPr lang="en-US" baseline="0" dirty="0" smtClean="0"/>
+              <a:t> </a:t>
+            </a:r>
+            <a:r>
+              <a:rPr lang="en-US" baseline="0" dirty="0" err="1" smtClean="0"/>
+              <a:t>thử</a:t>
+            </a:r>
+            <a:r>
+              <a:rPr lang="en-US" baseline="0" dirty="0" smtClean="0"/>
+              <a:t> </a:t>
+            </a:r>
+            <a:r>
+              <a:rPr lang="en-US" baseline="0" dirty="0" err="1" smtClean="0"/>
+              <a:t>tốt</a:t>
+            </a:r>
+            <a:r>
+              <a:rPr lang="en-US" baseline="0" dirty="0" smtClean="0"/>
+              <a:t> </a:t>
+            </a:r>
+            <a:r>
+              <a:rPr lang="en-US" baseline="0" dirty="0" err="1" smtClean="0"/>
+              <a:t>nhất</a:t>
+            </a:r>
+            <a:r>
+              <a:rPr lang="en-US" baseline="0" dirty="0" smtClean="0"/>
+              <a:t> </a:t>
+            </a:r>
+            <a:r>
+              <a:rPr lang="en-US" baseline="0" dirty="0" err="1" smtClean="0"/>
+              <a:t>mà</a:t>
+            </a:r>
+            <a:r>
+              <a:rPr lang="en-US" baseline="0" dirty="0" smtClean="0"/>
+              <a:t> </a:t>
+            </a:r>
+            <a:r>
+              <a:rPr lang="en-US" baseline="0" dirty="0" err="1" smtClean="0"/>
+              <a:t>tốt</a:t>
+            </a:r>
+            <a:r>
+              <a:rPr lang="en-US" baseline="0" dirty="0" smtClean="0"/>
+              <a:t> </a:t>
+            </a:r>
+            <a:r>
+              <a:rPr lang="en-US" baseline="0" dirty="0" err="1" smtClean="0"/>
+              <a:t>ít</a:t>
+            </a:r>
+            <a:r>
+              <a:rPr lang="en-US" baseline="0" dirty="0" smtClean="0"/>
+              <a:t> chi </a:t>
+            </a:r>
+            <a:r>
+              <a:rPr lang="en-US" baseline="0" dirty="0" err="1" smtClean="0"/>
+              <a:t>phí</a:t>
+            </a:r>
+            <a:r>
+              <a:rPr lang="en-US" baseline="0" dirty="0" smtClean="0"/>
+              <a:t> ta </a:t>
+            </a:r>
+            <a:r>
+              <a:rPr lang="en-US" baseline="0" dirty="0" err="1" smtClean="0"/>
+              <a:t>sẽ</a:t>
+            </a:r>
+            <a:r>
+              <a:rPr lang="en-US" baseline="0" dirty="0" smtClean="0"/>
+              <a:t> </a:t>
+            </a:r>
+            <a:r>
+              <a:rPr lang="en-US" baseline="0" dirty="0" err="1" smtClean="0"/>
+              <a:t>dựa</a:t>
+            </a:r>
+            <a:r>
+              <a:rPr lang="en-US" baseline="0" dirty="0" smtClean="0"/>
+              <a:t> </a:t>
+            </a:r>
+            <a:r>
+              <a:rPr lang="en-US" baseline="0" dirty="0" err="1" smtClean="0"/>
+              <a:t>trên</a:t>
+            </a:r>
+            <a:r>
+              <a:rPr lang="en-US" baseline="0" dirty="0" smtClean="0"/>
+              <a:t> </a:t>
+            </a:r>
+            <a:r>
+              <a:rPr lang="en-US" baseline="0" dirty="0" err="1" smtClean="0"/>
+              <a:t>tập</a:t>
+            </a:r>
+            <a:r>
+              <a:rPr lang="en-US" baseline="0" dirty="0" smtClean="0"/>
+              <a:t> </a:t>
+            </a:r>
+            <a:r>
+              <a:rPr lang="en-US" baseline="0" dirty="0" err="1" smtClean="0"/>
+              <a:t>đường</a:t>
+            </a:r>
+            <a:r>
+              <a:rPr lang="en-US" baseline="0" dirty="0" smtClean="0"/>
+              <a:t> </a:t>
+            </a:r>
+            <a:r>
+              <a:rPr lang="en-US" baseline="0" dirty="0" err="1" smtClean="0"/>
+              <a:t>thi</a:t>
+            </a:r>
+            <a:r>
+              <a:rPr lang="en-US" baseline="0" dirty="0" smtClean="0"/>
+              <a:t> </a:t>
+            </a:r>
+            <a:r>
+              <a:rPr lang="en-US" baseline="0" dirty="0" err="1" smtClean="0"/>
+              <a:t>hành</a:t>
+            </a:r>
+            <a:r>
+              <a:rPr lang="en-US" baseline="0" dirty="0" smtClean="0"/>
+              <a:t> </a:t>
+            </a:r>
+            <a:r>
+              <a:rPr lang="en-US" baseline="0" dirty="0" err="1" smtClean="0"/>
+              <a:t>độc</a:t>
+            </a:r>
+            <a:r>
+              <a:rPr lang="en-US" baseline="0" dirty="0" smtClean="0"/>
+              <a:t> </a:t>
+            </a:r>
+            <a:r>
+              <a:rPr lang="en-US" baseline="0" dirty="0" err="1" smtClean="0"/>
+              <a:t>lập</a:t>
+            </a:r>
+            <a:r>
+              <a:rPr lang="en-US" baseline="0" dirty="0" smtClean="0"/>
+              <a:t> </a:t>
+            </a:r>
+            <a:r>
+              <a:rPr lang="en-US" baseline="0" dirty="0" err="1" smtClean="0"/>
+              <a:t>cơ</a:t>
+            </a:r>
+            <a:r>
+              <a:rPr lang="en-US" baseline="0" dirty="0" smtClean="0"/>
+              <a:t> </a:t>
+            </a:r>
+            <a:r>
+              <a:rPr lang="en-US" baseline="0" dirty="0" err="1" smtClean="0"/>
+              <a:t>bản</a:t>
+            </a:r>
+            <a:r>
+              <a:rPr lang="en-US" baseline="0" dirty="0" smtClean="0"/>
+              <a:t>.</a:t>
+            </a:r>
+          </a:p>
+          <a:p>
+            <a:r>
+              <a:rPr lang="en-US" baseline="0" dirty="0" err="1" smtClean="0"/>
+              <a:t>Vì</a:t>
+            </a:r>
+            <a:r>
+              <a:rPr lang="en-US" baseline="0" dirty="0" smtClean="0"/>
+              <a:t> </a:t>
+            </a:r>
+            <a:r>
+              <a:rPr lang="en-US" baseline="0" dirty="0" err="1" smtClean="0"/>
+              <a:t>vậy</a:t>
+            </a:r>
+            <a:r>
+              <a:rPr lang="en-US" baseline="0" dirty="0" smtClean="0"/>
+              <a:t> </a:t>
+            </a:r>
+            <a:r>
+              <a:rPr lang="en-US" baseline="0" dirty="0" err="1" smtClean="0"/>
+              <a:t>nhiệm</a:t>
+            </a:r>
+            <a:r>
+              <a:rPr lang="en-US" baseline="0" dirty="0" smtClean="0"/>
+              <a:t> </a:t>
+            </a:r>
+            <a:r>
+              <a:rPr lang="en-US" baseline="0" dirty="0" err="1" smtClean="0"/>
+              <a:t>vụ</a:t>
+            </a:r>
+            <a:r>
+              <a:rPr lang="en-US" baseline="0" dirty="0" smtClean="0"/>
+              <a:t> </a:t>
+            </a:r>
+            <a:r>
+              <a:rPr lang="en-US" baseline="0" dirty="0" err="1" smtClean="0"/>
+              <a:t>của</a:t>
+            </a:r>
+            <a:r>
+              <a:rPr lang="en-US" baseline="0" dirty="0" smtClean="0"/>
+              <a:t> </a:t>
+            </a:r>
+            <a:r>
+              <a:rPr lang="en-US" baseline="0" dirty="0" err="1" smtClean="0"/>
+              <a:t>chúng</a:t>
+            </a:r>
+            <a:r>
+              <a:rPr lang="en-US" baseline="0" dirty="0" smtClean="0"/>
+              <a:t> ta </a:t>
+            </a:r>
+            <a:r>
+              <a:rPr lang="en-US" baseline="0" dirty="0" err="1" smtClean="0"/>
+              <a:t>là</a:t>
+            </a:r>
+            <a:r>
+              <a:rPr lang="en-US" baseline="0" dirty="0" smtClean="0"/>
+              <a:t> </a:t>
+            </a:r>
+            <a:r>
+              <a:rPr lang="en-US" baseline="0" dirty="0" err="1" smtClean="0"/>
+              <a:t>xây</a:t>
+            </a:r>
+            <a:r>
+              <a:rPr lang="en-US" baseline="0" dirty="0" smtClean="0"/>
+              <a:t> </a:t>
+            </a:r>
+            <a:r>
+              <a:rPr lang="en-US" baseline="0" dirty="0" err="1" smtClean="0"/>
+              <a:t>dựng</a:t>
+            </a:r>
+            <a:r>
+              <a:rPr lang="en-US" baseline="0" dirty="0" smtClean="0"/>
+              <a:t> </a:t>
+            </a:r>
+            <a:r>
+              <a:rPr lang="en-US" baseline="0" dirty="0" err="1" smtClean="0"/>
+              <a:t>được</a:t>
             </a:r>
             <a:r>
               <a:rPr lang="en-US" baseline="0" dirty="0" smtClean="0"/>
@@ -1084,11 +1794,11 @@
             </a:r>
             <a:r>
               <a:rPr lang="en-US" baseline="0" dirty="0" smtClean="0"/>
-              <a:t> ta chia </a:t>
+              <a:t> </a:t>
             </a:r>
             <a:r>
               <a:rPr lang="en-US" baseline="0" dirty="0" err="1" smtClean="0"/>
-              <a:t>quá</a:t>
+              <a:t>thị</a:t>
             </a:r>
             <a:r>
               <a:rPr lang="en-US" baseline="0" dirty="0" smtClean="0"/>
@@ -1096,7 +1806,7 @@
             </a:r>
             <a:r>
               <a:rPr lang="en-US" baseline="0" dirty="0" err="1" smtClean="0"/>
-              <a:t>trình</a:t>
+              <a:t>dòng</a:t>
             </a:r>
             <a:r>
               <a:rPr lang="en-US" baseline="0" dirty="0" smtClean="0"/>
@@ -1104,7 +1814,7 @@
             </a:r>
             <a:r>
               <a:rPr lang="en-US" baseline="0" dirty="0" err="1" smtClean="0"/>
-              <a:t>hiện</a:t>
+              <a:t>điều</a:t>
             </a:r>
             <a:r>
               <a:rPr lang="en-US" baseline="0" dirty="0" smtClean="0"/>
@@ -1112,7 +1822,7 @@
             </a:r>
             <a:r>
               <a:rPr lang="en-US" baseline="0" dirty="0" err="1" smtClean="0"/>
-              <a:t>thực</a:t>
+              <a:t>khiển</a:t>
             </a:r>
             <a:r>
               <a:rPr lang="en-US" baseline="0" dirty="0" smtClean="0"/>
@@ -1120,26 +1830,18 @@
             </a:r>
             <a:r>
               <a:rPr lang="en-US" baseline="0" dirty="0" err="1" smtClean="0"/>
-              <a:t>thành</a:t>
+              <a:t>cơ</a:t>
             </a:r>
             <a:r>
               <a:rPr lang="en-US" baseline="0" dirty="0" smtClean="0"/>
-              <a:t> 3 </a:t>
+              <a:t> </a:t>
             </a:r>
             <a:r>
               <a:rPr lang="en-US" baseline="0" dirty="0" err="1" smtClean="0"/>
-              <a:t>bước</a:t>
-            </a:r>
-            <a:r>
-              <a:rPr lang="en-US" baseline="0" dirty="0" smtClean="0"/>
-              <a:t> </a:t>
-            </a:r>
-            <a:r>
-              <a:rPr lang="en-US" baseline="0" dirty="0" err="1" smtClean="0"/>
-              <a:t>chính</a:t>
-            </a:r>
-            <a:r>
-              <a:rPr lang="en-US" baseline="0" dirty="0" smtClean="0"/>
+              <a:t>bản</a:t>
+            </a:r>
+            <a:r>
+              <a:rPr lang="en-US" baseline="0" smtClean="0"/>
               <a:t>.</a:t>
             </a:r>
             <a:endParaRPr lang="en-US" dirty="0"/>
@@ -1163,7 +1865,7 @@
           <a:p>
             <a:fld id="{B4AA04CE-5BE8-42FA-82A3-78F601CE853C}" type="slidenum">
               <a:rPr lang="vi-VN" smtClean="0"/>
-              <a:t>10</a:t>
+              <a:t>7</a:t>
             </a:fld>
             <a:endParaRPr lang="vi-VN"/>
           </a:p>
@@ -1172,7 +1874,7 @@
     </p:spTree>
     <p:extLst>
       <p:ext uri="{BB962C8B-B14F-4D97-AF65-F5344CB8AC3E}">
-        <p14:creationId xmlns:p14="http://schemas.microsoft.com/office/powerpoint/2010/main" val="166382072"/>
+        <p14:creationId xmlns:p14="http://schemas.microsoft.com/office/powerpoint/2010/main" val="616568777"/>
       </p:ext>
     </p:extLst>
   </p:cSld>
@@ -1226,6 +1928,86 @@
           <a:bodyPr/>
           <a:lstStyle/>
           <a:p>
+            <a:r>
+              <a:rPr lang="en-US" dirty="0" err="1" smtClean="0"/>
+              <a:t>Từ</a:t>
+            </a:r>
+            <a:r>
+              <a:rPr lang="en-US" baseline="0" dirty="0" smtClean="0"/>
+              <a:t> </a:t>
+            </a:r>
+            <a:r>
+              <a:rPr lang="en-US" baseline="0" dirty="0" err="1" smtClean="0"/>
+              <a:t>sơ</a:t>
+            </a:r>
+            <a:r>
+              <a:rPr lang="en-US" baseline="0" dirty="0" smtClean="0"/>
+              <a:t> </a:t>
+            </a:r>
+            <a:r>
+              <a:rPr lang="en-US" baseline="0" dirty="0" err="1" smtClean="0"/>
+              <a:t>đồ</a:t>
+            </a:r>
+            <a:r>
+              <a:rPr lang="en-US" baseline="0" dirty="0" smtClean="0"/>
+              <a:t> ta chia </a:t>
+            </a:r>
+            <a:r>
+              <a:rPr lang="en-US" baseline="0" dirty="0" err="1" smtClean="0"/>
+              <a:t>quá</a:t>
+            </a:r>
+            <a:r>
+              <a:rPr lang="en-US" baseline="0" dirty="0" smtClean="0"/>
+              <a:t> </a:t>
+            </a:r>
+            <a:r>
+              <a:rPr lang="en-US" baseline="0" dirty="0" err="1" smtClean="0"/>
+              <a:t>trình</a:t>
+            </a:r>
+            <a:r>
+              <a:rPr lang="en-US" baseline="0" dirty="0" smtClean="0"/>
+              <a:t> </a:t>
+            </a:r>
+            <a:r>
+              <a:rPr lang="en-US" baseline="0" dirty="0" err="1" smtClean="0"/>
+              <a:t>hiện</a:t>
+            </a:r>
+            <a:r>
+              <a:rPr lang="en-US" baseline="0" dirty="0" smtClean="0"/>
+              <a:t> </a:t>
+            </a:r>
+            <a:r>
+              <a:rPr lang="en-US" baseline="0" dirty="0" err="1" smtClean="0"/>
+              <a:t>thực</a:t>
+            </a:r>
+            <a:r>
+              <a:rPr lang="en-US" baseline="0" dirty="0" smtClean="0"/>
+              <a:t> </a:t>
+            </a:r>
+            <a:r>
+              <a:rPr lang="en-US" baseline="0" dirty="0" err="1" smtClean="0"/>
+              <a:t>thành</a:t>
+            </a:r>
+            <a:r>
+              <a:rPr lang="en-US" baseline="0" dirty="0" smtClean="0"/>
+              <a:t> 3 </a:t>
+            </a:r>
+            <a:r>
+              <a:rPr lang="en-US" baseline="0" dirty="0" err="1" smtClean="0"/>
+              <a:t>bước</a:t>
+            </a:r>
+            <a:r>
+              <a:rPr lang="en-US" baseline="0" dirty="0" smtClean="0"/>
+              <a:t> </a:t>
+            </a:r>
+            <a:r>
+              <a:rPr lang="en-US" baseline="0" dirty="0" err="1" smtClean="0"/>
+              <a:t>chính</a:t>
+            </a:r>
+            <a:r>
+              <a:rPr lang="en-US" baseline="0" dirty="0" smtClean="0"/>
+              <a:t>.</a:t>
+            </a:r>
             <a:endParaRPr lang="en-US" dirty="0"/>
           </a:p>
         </p:txBody>
@@ -1247,7 +2029,7 @@
           <a:p>
             <a:fld id="{B4AA04CE-5BE8-42FA-82A3-78F601CE853C}" type="slidenum">
               <a:rPr lang="vi-VN" smtClean="0"/>
-              <a:t>11</a:t>
+              <a:t>10</a:t>
             </a:fld>
             <a:endParaRPr lang="vi-VN"/>
           </a:p>
@@ -1256,7 +2038,7 @@
     </p:spTree>
     <p:extLst>
       <p:ext uri="{BB962C8B-B14F-4D97-AF65-F5344CB8AC3E}">
-        <p14:creationId xmlns:p14="http://schemas.microsoft.com/office/powerpoint/2010/main" val="4144077301"/>
+        <p14:creationId xmlns:p14="http://schemas.microsoft.com/office/powerpoint/2010/main" val="166382072"/>
       </p:ext>
     </p:extLst>
   </p:cSld>
@@ -1310,118 +2092,6 @@
           <a:bodyPr/>
           <a:lstStyle/>
           <a:p>
-            <a:r>
-              <a:rPr lang="en-US" dirty="0" err="1" smtClean="0"/>
-              <a:t>Trong</a:t>
-            </a:r>
-            <a:r>
-              <a:rPr lang="en-US" baseline="0" dirty="0" smtClean="0"/>
-              <a:t> </a:t>
-            </a:r>
-            <a:r>
-              <a:rPr lang="en-US" baseline="0" dirty="0" err="1" smtClean="0"/>
-              <a:t>đó</a:t>
-            </a:r>
-            <a:r>
-              <a:rPr lang="en-US" baseline="0" dirty="0" smtClean="0"/>
-              <a:t> class </a:t>
-            </a:r>
-            <a:r>
-              <a:rPr lang="en-US" baseline="0" dirty="0" err="1" smtClean="0"/>
-              <a:t>TestcaseController</a:t>
-            </a:r>
-            <a:r>
-              <a:rPr lang="en-US" baseline="0" dirty="0" smtClean="0"/>
-              <a:t> </a:t>
-            </a:r>
-            <a:r>
-              <a:rPr lang="en-US" baseline="0" dirty="0" err="1" smtClean="0"/>
-              <a:t>là</a:t>
-            </a:r>
-            <a:r>
-              <a:rPr lang="en-US" baseline="0" dirty="0" smtClean="0"/>
-              <a:t> </a:t>
-            </a:r>
-            <a:r>
-              <a:rPr lang="en-US" baseline="0" dirty="0" err="1" smtClean="0"/>
-              <a:t>chính</a:t>
-            </a:r>
-            <a:r>
-              <a:rPr lang="en-US" baseline="0" dirty="0" smtClean="0"/>
-              <a:t>, class </a:t>
-            </a:r>
-            <a:r>
-              <a:rPr lang="en-US" baseline="0" dirty="0" err="1" smtClean="0"/>
-              <a:t>này</a:t>
-            </a:r>
-            <a:r>
-              <a:rPr lang="en-US" baseline="0" dirty="0" smtClean="0"/>
-              <a:t> </a:t>
-            </a:r>
-            <a:r>
-              <a:rPr lang="en-US" baseline="0" dirty="0" err="1" smtClean="0"/>
-              <a:t>điều</a:t>
-            </a:r>
-            <a:r>
-              <a:rPr lang="en-US" baseline="0" dirty="0" smtClean="0"/>
-              <a:t> </a:t>
-            </a:r>
-            <a:r>
-              <a:rPr lang="en-US" baseline="0" dirty="0" err="1" smtClean="0"/>
-              <a:t>kiển</a:t>
-            </a:r>
-            <a:r>
-              <a:rPr lang="en-US" baseline="0" dirty="0" smtClean="0"/>
-              <a:t> </a:t>
-            </a:r>
-            <a:r>
-              <a:rPr lang="en-US" baseline="0" dirty="0" err="1" smtClean="0"/>
-              <a:t>luồng</a:t>
-            </a:r>
-            <a:r>
-              <a:rPr lang="en-US" baseline="0" dirty="0" smtClean="0"/>
-              <a:t> </a:t>
-            </a:r>
-            <a:r>
-              <a:rPr lang="en-US" baseline="0" dirty="0" err="1" smtClean="0"/>
-              <a:t>thi</a:t>
-            </a:r>
-            <a:r>
-              <a:rPr lang="en-US" baseline="0" dirty="0" smtClean="0"/>
-              <a:t> </a:t>
-            </a:r>
-            <a:r>
-              <a:rPr lang="en-US" baseline="0" dirty="0" err="1" smtClean="0"/>
-              <a:t>hành</a:t>
-            </a:r>
-            <a:r>
-              <a:rPr lang="en-US" baseline="0" dirty="0" smtClean="0"/>
-              <a:t> </a:t>
-            </a:r>
-            <a:r>
-              <a:rPr lang="en-US" baseline="0" dirty="0" err="1" smtClean="0"/>
-              <a:t>của</a:t>
-            </a:r>
-            <a:r>
-              <a:rPr lang="en-US" baseline="0" dirty="0" smtClean="0"/>
-              <a:t> </a:t>
-            </a:r>
-            <a:r>
-              <a:rPr lang="en-US" baseline="0" dirty="0" err="1" smtClean="0"/>
-              <a:t>chương</a:t>
-            </a:r>
-            <a:r>
-              <a:rPr lang="en-US" baseline="0" dirty="0" smtClean="0"/>
-              <a:t> </a:t>
-            </a:r>
-            <a:r>
-              <a:rPr lang="en-US" baseline="0" dirty="0" err="1" smtClean="0"/>
-              <a:t>trình</a:t>
-            </a:r>
-            <a:r>
-              <a:rPr lang="en-US" baseline="0" dirty="0" smtClean="0"/>
-              <a:t>.</a:t>
-            </a:r>
             <a:endParaRPr lang="en-US" dirty="0"/>
           </a:p>
         </p:txBody>
@@ -1443,7 +2113,7 @@
           <a:p>
             <a:fld id="{B4AA04CE-5BE8-42FA-82A3-78F601CE853C}" type="slidenum">
               <a:rPr lang="vi-VN" smtClean="0"/>
-              <a:t>12</a:t>
+              <a:t>11</a:t>
             </a:fld>
             <a:endParaRPr lang="vi-VN"/>
           </a:p>
@@ -1452,7 +2122,7 @@
     </p:spTree>
     <p:extLst>
       <p:ext uri="{BB962C8B-B14F-4D97-AF65-F5344CB8AC3E}">
-        <p14:creationId xmlns:p14="http://schemas.microsoft.com/office/powerpoint/2010/main" val="2636121570"/>
+        <p14:creationId xmlns:p14="http://schemas.microsoft.com/office/powerpoint/2010/main" val="4144077301"/>
       </p:ext>
     </p:extLst>
   </p:cSld>
@@ -1508,7 +2178,7 @@
           <a:p>
             <a:r>
               <a:rPr lang="en-US" dirty="0" err="1" smtClean="0"/>
-              <a:t>Mỗi</a:t>
+              <a:t>Trong</a:t>
             </a:r>
             <a:r>
               <a:rPr lang="en-US" baseline="0" dirty="0" smtClean="0"/>
@@ -1516,15 +2186,15 @@
             </a:r>
             <a:r>
               <a:rPr lang="en-US" baseline="0" dirty="0" err="1" smtClean="0"/>
-              <a:t>phương</a:t>
+              <a:t>đó</a:t>
             </a:r>
             <a:r>
               <a:rPr lang="en-US" baseline="0" dirty="0" smtClean="0"/>
-              <a:t> </a:t>
+              <a:t> class </a:t>
             </a:r>
             <a:r>
               <a:rPr lang="en-US" baseline="0" dirty="0" err="1" smtClean="0"/>
-              <a:t>pháp</a:t>
+              <a:t>TestcaseController</a:t>
             </a:r>
             <a:r>
               <a:rPr lang="en-US" baseline="0" dirty="0" smtClean="0"/>
@@ -1532,7 +2202,7 @@
             </a:r>
             <a:r>
               <a:rPr lang="en-US" baseline="0" dirty="0" err="1" smtClean="0"/>
-              <a:t>có</a:t>
+              <a:t>là</a:t>
             </a:r>
             <a:r>
               <a:rPr lang="en-US" baseline="0" dirty="0" smtClean="0"/>
@@ -1540,15 +2210,15 @@
             </a:r>
             <a:r>
               <a:rPr lang="en-US" baseline="0" dirty="0" err="1" smtClean="0"/>
-              <a:t>ưu</a:t>
+              <a:t>chính</a:t>
             </a:r>
             <a:r>
               <a:rPr lang="en-US" baseline="0" dirty="0" smtClean="0"/>
-              <a:t> </a:t>
+              <a:t>, class </a:t>
             </a:r>
             <a:r>
               <a:rPr lang="en-US" baseline="0" dirty="0" err="1" smtClean="0"/>
-              <a:t>và</a:t>
+              <a:t>này</a:t>
             </a:r>
             <a:r>
               <a:rPr lang="en-US" baseline="0" dirty="0" smtClean="0"/>
@@ -1556,7 +2226,7 @@
             </a:r>
             <a:r>
               <a:rPr lang="en-US" baseline="0" dirty="0" err="1" smtClean="0"/>
-              <a:t>khuyết</a:t>
+              <a:t>điều</a:t>
             </a:r>
             <a:r>
               <a:rPr lang="en-US" baseline="0" dirty="0" smtClean="0"/>
@@ -1564,7 +2234,7 @@
             </a:r>
             <a:r>
               <a:rPr lang="en-US" baseline="0" dirty="0" err="1" smtClean="0"/>
-              <a:t>điểm</a:t>
+              <a:t>kiển</a:t>
             </a:r>
             <a:r>
               <a:rPr lang="en-US" baseline="0" dirty="0" smtClean="0"/>
@@ -1572,7 +2242,7 @@
             </a:r>
             <a:r>
               <a:rPr lang="en-US" baseline="0" dirty="0" err="1" smtClean="0"/>
-              <a:t>khác</a:t>
+              <a:t>luồng</a:t>
             </a:r>
             <a:r>
               <a:rPr lang="en-US" baseline="0" dirty="0" smtClean="0"/>
@@ -1580,15 +2250,15 @@
             </a:r>
             <a:r>
               <a:rPr lang="en-US" baseline="0" dirty="0" err="1" smtClean="0"/>
-              <a:t>nhau</a:t>
+              <a:t>thi</a:t>
             </a:r>
             <a:r>
               <a:rPr lang="en-US" baseline="0" dirty="0" smtClean="0"/>
-              <a:t>. </a:t>
+              <a:t> </a:t>
             </a:r>
             <a:r>
               <a:rPr lang="en-US" baseline="0" dirty="0" err="1" smtClean="0"/>
-              <a:t>Vì</a:t>
+              <a:t>hành</a:t>
             </a:r>
             <a:r>
               <a:rPr lang="en-US" baseline="0" dirty="0" smtClean="0"/>
@@ -1596,7 +2266,7 @@
             </a:r>
             <a:r>
               <a:rPr lang="en-US" baseline="0" dirty="0" err="1" smtClean="0"/>
-              <a:t>thấy</a:t>
+              <a:t>của</a:t>
             </a:r>
             <a:r>
               <a:rPr lang="en-US" baseline="0" dirty="0" smtClean="0"/>
@@ -1604,127 +2274,7 @@
             </a:r>
             <a:r>
               <a:rPr lang="en-US" baseline="0" dirty="0" err="1" smtClean="0"/>
-              <a:t>phương</a:t>
-            </a:r>
-            <a:r>
-              <a:rPr lang="en-US" baseline="0" dirty="0" smtClean="0"/>
-              <a:t> </a:t>
-            </a:r>
-            <a:r>
-              <a:rPr lang="en-US" baseline="0" dirty="0" err="1" smtClean="0"/>
-              <a:t>pháp</a:t>
-            </a:r>
-            <a:r>
-              <a:rPr lang="en-US" baseline="0" dirty="0" smtClean="0"/>
-              <a:t> </a:t>
-            </a:r>
-            <a:r>
-              <a:rPr lang="en-US" baseline="0" dirty="0" err="1" smtClean="0"/>
-              <a:t>sử</a:t>
-            </a:r>
-            <a:r>
-              <a:rPr lang="en-US" baseline="0" dirty="0" smtClean="0"/>
-              <a:t> </a:t>
-            </a:r>
-            <a:r>
-              <a:rPr lang="en-US" baseline="0" dirty="0" err="1" smtClean="0"/>
-              <a:t>dụng</a:t>
-            </a:r>
-            <a:r>
-              <a:rPr lang="en-US" baseline="0" dirty="0" smtClean="0"/>
-              <a:t> AST </a:t>
-            </a:r>
-            <a:r>
-              <a:rPr lang="en-US" baseline="0" dirty="0" err="1" smtClean="0"/>
-              <a:t>phù</a:t>
-            </a:r>
-            <a:r>
-              <a:rPr lang="en-US" baseline="0" dirty="0" smtClean="0"/>
-              <a:t> </a:t>
-            </a:r>
-            <a:r>
-              <a:rPr lang="en-US" baseline="0" dirty="0" err="1" smtClean="0"/>
-              <a:t>hợp</a:t>
-            </a:r>
-            <a:r>
-              <a:rPr lang="en-US" baseline="0" dirty="0" smtClean="0"/>
-              <a:t> </a:t>
-            </a:r>
-            <a:r>
-              <a:rPr lang="en-US" baseline="0" dirty="0" err="1" smtClean="0"/>
-              <a:t>với</a:t>
-            </a:r>
-            <a:r>
-              <a:rPr lang="en-US" baseline="0" dirty="0" smtClean="0"/>
-              <a:t> </a:t>
-            </a:r>
-            <a:r>
-              <a:rPr lang="en-US" baseline="0" dirty="0" err="1" smtClean="0"/>
-              <a:t>mục</a:t>
-            </a:r>
-            <a:r>
-              <a:rPr lang="en-US" baseline="0" dirty="0" smtClean="0"/>
-              <a:t> </a:t>
-            </a:r>
-            <a:r>
-              <a:rPr lang="en-US" baseline="0" dirty="0" err="1" smtClean="0"/>
-              <a:t>đích</a:t>
-            </a:r>
-            <a:r>
-              <a:rPr lang="en-US" baseline="0" dirty="0" smtClean="0"/>
-              <a:t> </a:t>
-            </a:r>
-            <a:r>
-              <a:rPr lang="en-US" baseline="0" dirty="0" err="1" smtClean="0"/>
-              <a:t>sử</a:t>
-            </a:r>
-            <a:r>
-              <a:rPr lang="en-US" baseline="0" dirty="0" smtClean="0"/>
-              <a:t> </a:t>
-            </a:r>
-            <a:r>
-              <a:rPr lang="en-US" baseline="0" dirty="0" err="1" smtClean="0"/>
-              <a:t>dụng</a:t>
-            </a:r>
-            <a:r>
-              <a:rPr lang="en-US" baseline="0" dirty="0" smtClean="0"/>
-              <a:t> </a:t>
-            </a:r>
-            <a:r>
-              <a:rPr lang="en-US" baseline="0" dirty="0" err="1" smtClean="0"/>
-              <a:t>và</a:t>
-            </a:r>
-            <a:r>
-              <a:rPr lang="en-US" baseline="0" dirty="0" smtClean="0"/>
-              <a:t> </a:t>
-            </a:r>
-            <a:r>
-              <a:rPr lang="en-US" baseline="0" dirty="0" err="1" smtClean="0"/>
-              <a:t>tiện</a:t>
-            </a:r>
-            <a:r>
-              <a:rPr lang="en-US" baseline="0" dirty="0" smtClean="0"/>
-              <a:t> </a:t>
-            </a:r>
-            <a:r>
-              <a:rPr lang="en-US" baseline="0" dirty="0" err="1" smtClean="0"/>
-              <a:t>lợi</a:t>
-            </a:r>
-            <a:r>
-              <a:rPr lang="en-US" baseline="0" dirty="0" smtClean="0"/>
-              <a:t> </a:t>
-            </a:r>
-            <a:r>
-              <a:rPr lang="en-US" baseline="0" dirty="0" err="1" smtClean="0"/>
-              <a:t>cho</a:t>
-            </a:r>
-            <a:r>
-              <a:rPr lang="en-US" baseline="0" dirty="0" smtClean="0"/>
-              <a:t> </a:t>
-            </a:r>
-            <a:r>
-              <a:rPr lang="en-US" baseline="0" dirty="0" err="1" smtClean="0"/>
-              <a:t>quá</a:t>
+              <a:t>chương</a:t>
             </a:r>
             <a:r>
               <a:rPr lang="en-US" baseline="0" dirty="0" smtClean="0"/>
@@ -1733,206 +2283,6 @@
             <a:r>
               <a:rPr lang="en-US" baseline="0" dirty="0" err="1" smtClean="0"/>
               <a:t>trình</a:t>
-            </a:r>
-            <a:r>
-              <a:rPr lang="en-US" baseline="0" dirty="0" smtClean="0"/>
-              <a:t> </a:t>
-            </a:r>
-            <a:r>
-              <a:rPr lang="en-US" baseline="0" dirty="0" err="1" smtClean="0"/>
-              <a:t>xây</a:t>
-            </a:r>
-            <a:r>
-              <a:rPr lang="en-US" baseline="0" dirty="0" smtClean="0"/>
-              <a:t> </a:t>
-            </a:r>
-            <a:r>
-              <a:rPr lang="en-US" baseline="0" dirty="0" err="1" smtClean="0"/>
-              <a:t>dựng</a:t>
-            </a:r>
-            <a:r>
-              <a:rPr lang="en-US" baseline="0" dirty="0" smtClean="0"/>
-              <a:t> </a:t>
-            </a:r>
-            <a:r>
-              <a:rPr lang="en-US" baseline="0" dirty="0" err="1" smtClean="0"/>
-              <a:t>phần</a:t>
-            </a:r>
-            <a:r>
-              <a:rPr lang="en-US" baseline="0" dirty="0" smtClean="0"/>
-              <a:t> </a:t>
-            </a:r>
-            <a:r>
-              <a:rPr lang="en-US" baseline="0" dirty="0" err="1" smtClean="0"/>
-              <a:t>mềm</a:t>
-            </a:r>
-            <a:r>
-              <a:rPr lang="en-US" baseline="0" dirty="0" smtClean="0"/>
-              <a:t> </a:t>
-            </a:r>
-            <a:r>
-              <a:rPr lang="en-US" baseline="0" dirty="0" err="1" smtClean="0"/>
-              <a:t>nên</a:t>
-            </a:r>
-            <a:r>
-              <a:rPr lang="en-US" baseline="0" dirty="0" smtClean="0"/>
-              <a:t> </a:t>
-            </a:r>
-            <a:r>
-              <a:rPr lang="en-US" baseline="0" dirty="0" err="1" smtClean="0"/>
-              <a:t>nhóm</a:t>
-            </a:r>
-            <a:r>
-              <a:rPr lang="en-US" baseline="0" dirty="0" smtClean="0"/>
-              <a:t> </a:t>
-            </a:r>
-            <a:r>
-              <a:rPr lang="en-US" baseline="0" dirty="0" err="1" smtClean="0"/>
-              <a:t>đã</a:t>
-            </a:r>
-            <a:r>
-              <a:rPr lang="en-US" baseline="0" dirty="0" smtClean="0"/>
-              <a:t> </a:t>
-            </a:r>
-            <a:r>
-              <a:rPr lang="en-US" baseline="0" dirty="0" err="1" smtClean="0"/>
-              <a:t>chọn</a:t>
-            </a:r>
-            <a:r>
-              <a:rPr lang="en-US" baseline="0" dirty="0" smtClean="0"/>
-              <a:t> </a:t>
-            </a:r>
-            <a:r>
-              <a:rPr lang="en-US" baseline="0" dirty="0" err="1" smtClean="0"/>
-              <a:t>phương</a:t>
-            </a:r>
-            <a:r>
-              <a:rPr lang="en-US" baseline="0" dirty="0" smtClean="0"/>
-              <a:t> </a:t>
-            </a:r>
-            <a:r>
-              <a:rPr lang="en-US" baseline="0" dirty="0" err="1" smtClean="0"/>
-              <a:t>pháp</a:t>
-            </a:r>
-            <a:r>
-              <a:rPr lang="en-US" baseline="0" dirty="0" smtClean="0"/>
-              <a:t> </a:t>
-            </a:r>
-            <a:r>
-              <a:rPr lang="en-US" baseline="0" dirty="0" err="1" smtClean="0"/>
-              <a:t>này</a:t>
-            </a:r>
-            <a:r>
-              <a:rPr lang="en-US" baseline="0" dirty="0" smtClean="0"/>
-              <a:t>. AST </a:t>
-            </a:r>
-            <a:r>
-              <a:rPr lang="en-US" baseline="0" dirty="0" err="1" smtClean="0"/>
-              <a:t>này</a:t>
-            </a:r>
-            <a:r>
-              <a:rPr lang="en-US" baseline="0" dirty="0" smtClean="0"/>
-              <a:t> </a:t>
-            </a:r>
-            <a:r>
-              <a:rPr lang="en-US" baseline="0" dirty="0" err="1" smtClean="0"/>
-              <a:t>sử</a:t>
-            </a:r>
-            <a:r>
-              <a:rPr lang="en-US" baseline="0" dirty="0" smtClean="0"/>
-              <a:t> </a:t>
-            </a:r>
-            <a:r>
-              <a:rPr lang="en-US" baseline="0" dirty="0" err="1" smtClean="0"/>
-              <a:t>dụng</a:t>
-            </a:r>
-            <a:r>
-              <a:rPr lang="en-US" baseline="0" dirty="0" smtClean="0"/>
-              <a:t> class </a:t>
-            </a:r>
-            <a:r>
-              <a:rPr lang="en-US" baseline="0" dirty="0" err="1" smtClean="0"/>
-              <a:t>ASTParser</a:t>
-            </a:r>
-            <a:r>
-              <a:rPr lang="en-US" baseline="0" dirty="0" smtClean="0"/>
-              <a:t> </a:t>
-            </a:r>
-            <a:r>
-              <a:rPr lang="en-US" baseline="0" dirty="0" err="1" smtClean="0"/>
-              <a:t>để</a:t>
-            </a:r>
-            <a:r>
-              <a:rPr lang="en-US" baseline="0" dirty="0" smtClean="0"/>
-              <a:t> </a:t>
-            </a:r>
-            <a:r>
-              <a:rPr lang="en-US" baseline="0" dirty="0" err="1" smtClean="0"/>
-              <a:t>tạo</a:t>
-            </a:r>
-            <a:r>
-              <a:rPr lang="en-US" baseline="0" dirty="0" smtClean="0"/>
-              <a:t> </a:t>
-            </a:r>
-            <a:r>
-              <a:rPr lang="en-US" baseline="0" dirty="0" err="1" smtClean="0"/>
-              <a:t>cây</a:t>
-            </a:r>
-            <a:r>
-              <a:rPr lang="en-US" baseline="0" dirty="0" smtClean="0"/>
-              <a:t> </a:t>
-            </a:r>
-            <a:r>
-              <a:rPr lang="en-US" baseline="0" dirty="0" err="1" smtClean="0"/>
-              <a:t>cú</a:t>
-            </a:r>
-            <a:r>
-              <a:rPr lang="en-US" baseline="0" dirty="0" smtClean="0"/>
-              <a:t> </a:t>
-            </a:r>
-            <a:r>
-              <a:rPr lang="en-US" baseline="0" dirty="0" err="1" smtClean="0"/>
-              <a:t>pháp</a:t>
-            </a:r>
-            <a:r>
-              <a:rPr lang="en-US" baseline="0" dirty="0" smtClean="0"/>
-              <a:t> </a:t>
-            </a:r>
-            <a:r>
-              <a:rPr lang="en-US" baseline="0" dirty="0" err="1" smtClean="0"/>
-              <a:t>trừu</a:t>
-            </a:r>
-            <a:r>
-              <a:rPr lang="en-US" baseline="0" dirty="0" smtClean="0"/>
-              <a:t> </a:t>
-            </a:r>
-            <a:r>
-              <a:rPr lang="en-US" baseline="0" dirty="0" err="1" smtClean="0"/>
-              <a:t>tượng</a:t>
-            </a:r>
-            <a:r>
-              <a:rPr lang="en-US" baseline="0" dirty="0" smtClean="0"/>
-              <a:t> </a:t>
-            </a:r>
-            <a:r>
-              <a:rPr lang="en-US" baseline="0" dirty="0" err="1" smtClean="0"/>
-              <a:t>từ</a:t>
-            </a:r>
-            <a:r>
-              <a:rPr lang="en-US" baseline="0" dirty="0" smtClean="0"/>
-              <a:t> </a:t>
-            </a:r>
-            <a:r>
-              <a:rPr lang="en-US" baseline="0" dirty="0" err="1" smtClean="0"/>
-              <a:t>mã</a:t>
-            </a:r>
-            <a:r>
-              <a:rPr lang="en-US" baseline="0" dirty="0" smtClean="0"/>
-              <a:t> </a:t>
-            </a:r>
-            <a:r>
-              <a:rPr lang="en-US" baseline="0" dirty="0" err="1" smtClean="0"/>
-              <a:t>nguồn</a:t>
             </a:r>
             <a:r>
               <a:rPr lang="en-US" baseline="0" dirty="0" smtClean="0"/>
@@ -1959,7 +2309,7 @@
           <a:p>
             <a:fld id="{B4AA04CE-5BE8-42FA-82A3-78F601CE853C}" type="slidenum">
               <a:rPr lang="vi-VN" smtClean="0"/>
-              <a:t>13</a:t>
+              <a:t>12</a:t>
             </a:fld>
             <a:endParaRPr lang="vi-VN"/>
           </a:p>
@@ -1968,7 +2318,7 @@
     </p:spTree>
     <p:extLst>
       <p:ext uri="{BB962C8B-B14F-4D97-AF65-F5344CB8AC3E}">
-        <p14:creationId xmlns:p14="http://schemas.microsoft.com/office/powerpoint/2010/main" val="2402138135"/>
+        <p14:creationId xmlns:p14="http://schemas.microsoft.com/office/powerpoint/2010/main" val="2636121570"/>
       </p:ext>
     </p:extLst>
   </p:cSld>
@@ -2024,6 +2374,86 @@
           <a:p>
             <a:r>
               <a:rPr lang="en-US" dirty="0" err="1" smtClean="0"/>
+              <a:t>Mỗi</a:t>
+            </a:r>
+            <a:r>
+              <a:rPr lang="en-US" baseline="0" dirty="0" smtClean="0"/>
+              <a:t> </a:t>
+            </a:r>
+            <a:r>
+              <a:rPr lang="en-US" baseline="0" dirty="0" err="1" smtClean="0"/>
+              <a:t>phương</a:t>
+            </a:r>
+            <a:r>
+              <a:rPr lang="en-US" baseline="0" dirty="0" smtClean="0"/>
+              <a:t> </a:t>
+            </a:r>
+            <a:r>
+              <a:rPr lang="en-US" baseline="0" dirty="0" err="1" smtClean="0"/>
+              <a:t>pháp</a:t>
+            </a:r>
+            <a:r>
+              <a:rPr lang="en-US" baseline="0" dirty="0" smtClean="0"/>
+              <a:t> </a:t>
+            </a:r>
+            <a:r>
+              <a:rPr lang="en-US" baseline="0" dirty="0" err="1" smtClean="0"/>
+              <a:t>có</a:t>
+            </a:r>
+            <a:r>
+              <a:rPr lang="en-US" baseline="0" dirty="0" smtClean="0"/>
+              <a:t> </a:t>
+            </a:r>
+            <a:r>
+              <a:rPr lang="en-US" baseline="0" dirty="0" err="1" smtClean="0"/>
+              <a:t>ưu</a:t>
+            </a:r>
+            <a:r>
+              <a:rPr lang="en-US" baseline="0" dirty="0" smtClean="0"/>
+              <a:t> </a:t>
+            </a:r>
+            <a:r>
+              <a:rPr lang="en-US" baseline="0" dirty="0" err="1" smtClean="0"/>
+              <a:t>và</a:t>
+            </a:r>
+            <a:r>
+              <a:rPr lang="en-US" baseline="0" dirty="0" smtClean="0"/>
+              <a:t> </a:t>
+            </a:r>
+            <a:r>
+              <a:rPr lang="en-US" baseline="0" dirty="0" err="1" smtClean="0"/>
+              <a:t>khuyết</a:t>
+            </a:r>
+            <a:r>
+              <a:rPr lang="en-US" baseline="0" dirty="0" smtClean="0"/>
+              <a:t> </a:t>
+            </a:r>
+            <a:r>
+              <a:rPr lang="en-US" baseline="0" dirty="0" err="1" smtClean="0"/>
+              <a:t>điểm</a:t>
+            </a:r>
+            <a:r>
+              <a:rPr lang="en-US" baseline="0" dirty="0" smtClean="0"/>
+              <a:t> </a:t>
+            </a:r>
+            <a:r>
+              <a:rPr lang="en-US" baseline="0" dirty="0" err="1" smtClean="0"/>
+              <a:t>khác</a:t>
+            </a:r>
+            <a:r>
+              <a:rPr lang="en-US" baseline="0" dirty="0" smtClean="0"/>
+              <a:t> </a:t>
+            </a:r>
+            <a:r>
+              <a:rPr lang="en-US" baseline="0" dirty="0" err="1" smtClean="0"/>
+              <a:t>nhau</a:t>
+            </a:r>
+            <a:r>
+              <a:rPr lang="en-US" baseline="0" dirty="0" smtClean="0"/>
+              <a:t>. </a:t>
+            </a:r>
+            <a:r>
+              <a:rPr lang="en-US" baseline="0" dirty="0" err="1" smtClean="0"/>
               <a:t>Vì</a:t>
             </a:r>
             <a:r>
@@ -2032,11 +2462,7 @@
             </a:r>
             <a:r>
               <a:rPr lang="en-US" baseline="0" dirty="0" err="1" smtClean="0"/>
-              <a:t>c</a:t>
-            </a:r>
-            <a:r>
-              <a:rPr lang="en-US" dirty="0" err="1" smtClean="0"/>
-              <a:t>ấu</a:t>
+              <a:t>thấy</a:t>
             </a:r>
             <a:r>
               <a:rPr lang="en-US" baseline="0" dirty="0" smtClean="0"/>
@@ -2044,7 +2470,31 @@
             </a:r>
             <a:r>
               <a:rPr lang="en-US" baseline="0" dirty="0" err="1" smtClean="0"/>
-              <a:t>trúc</a:t>
+              <a:t>phương</a:t>
+            </a:r>
+            <a:r>
+              <a:rPr lang="en-US" baseline="0" dirty="0" smtClean="0"/>
+              <a:t> </a:t>
+            </a:r>
+            <a:r>
+              <a:rPr lang="en-US" baseline="0" dirty="0" err="1" smtClean="0"/>
+              <a:t>pháp</a:t>
+            </a:r>
+            <a:r>
+              <a:rPr lang="en-US" baseline="0" dirty="0" smtClean="0"/>
+              <a:t> </a:t>
+            </a:r>
+            <a:r>
+              <a:rPr lang="en-US" baseline="0" dirty="0" err="1" smtClean="0"/>
+              <a:t>sử</a:t>
+            </a:r>
+            <a:r>
+              <a:rPr lang="en-US" baseline="0" dirty="0" smtClean="0"/>
+              <a:t> </a:t>
+            </a:r>
+            <a:r>
+              <a:rPr lang="en-US" baseline="0" dirty="0" err="1" smtClean="0"/>
+              <a:t>dụng</a:t>
             </a:r>
             <a:r>
               <a:rPr lang="en-US" baseline="0" dirty="0" smtClean="0"/>
@@ -2052,7 +2502,7 @@
             </a:r>
             <a:r>
               <a:rPr lang="en-US" baseline="0" dirty="0" err="1" smtClean="0"/>
-              <a:t>quá</a:t>
+              <a:t>phù</a:t>
             </a:r>
             <a:r>
               <a:rPr lang="en-US" baseline="0" dirty="0" smtClean="0"/>
@@ -2060,7 +2510,7 @@
             </a:r>
             <a:r>
               <a:rPr lang="en-US" baseline="0" dirty="0" err="1" smtClean="0"/>
-              <a:t>phức</a:t>
+              <a:t>hợp</a:t>
             </a:r>
             <a:r>
               <a:rPr lang="en-US" baseline="0" dirty="0" smtClean="0"/>
@@ -2068,7 +2518,39 @@
             </a:r>
             <a:r>
               <a:rPr lang="en-US" baseline="0" dirty="0" err="1" smtClean="0"/>
-              <a:t>tạp</a:t>
+              <a:t>với</a:t>
+            </a:r>
+            <a:r>
+              <a:rPr lang="en-US" baseline="0" dirty="0" smtClean="0"/>
+              <a:t> </a:t>
+            </a:r>
+            <a:r>
+              <a:rPr lang="en-US" baseline="0" dirty="0" err="1" smtClean="0"/>
+              <a:t>mục</a:t>
+            </a:r>
+            <a:r>
+              <a:rPr lang="en-US" baseline="0" dirty="0" smtClean="0"/>
+              <a:t> </a:t>
+            </a:r>
+            <a:r>
+              <a:rPr lang="en-US" baseline="0" dirty="0" err="1" smtClean="0"/>
+              <a:t>đích</a:t>
+            </a:r>
+            <a:r>
+              <a:rPr lang="en-US" baseline="0" dirty="0" smtClean="0"/>
+              <a:t> </a:t>
+            </a:r>
+            <a:r>
+              <a:rPr lang="en-US" baseline="0" dirty="0" err="1" smtClean="0"/>
+              <a:t>sử</a:t>
+            </a:r>
+            <a:r>
+              <a:rPr lang="en-US" baseline="0" dirty="0" smtClean="0"/>
+              <a:t> </a:t>
+            </a:r>
+            <a:r>
+              <a:rPr lang="en-US" baseline="0" dirty="0" err="1" smtClean="0"/>
+              <a:t>dụng</a:t>
             </a:r>
             <a:r>
               <a:rPr lang="en-US" baseline="0" dirty="0" smtClean="0"/>
@@ -2084,7 +2566,7 @@
             </a:r>
             <a:r>
               <a:rPr lang="en-US" baseline="0" dirty="0" err="1" smtClean="0"/>
-              <a:t>rất</a:t>
+              <a:t>tiện</a:t>
             </a:r>
             <a:r>
               <a:rPr lang="en-US" baseline="0" dirty="0" smtClean="0"/>
@@ -2092,7 +2574,151 @@
             </a:r>
             <a:r>
               <a:rPr lang="en-US" baseline="0" dirty="0" err="1" smtClean="0"/>
-              <a:t>khó</a:t>
+              <a:t>lợi</a:t>
+            </a:r>
+            <a:r>
+              <a:rPr lang="en-US" baseline="0" dirty="0" smtClean="0"/>
+              <a:t> </a:t>
+            </a:r>
+            <a:r>
+              <a:rPr lang="en-US" baseline="0" dirty="0" err="1" smtClean="0"/>
+              <a:t>cho</a:t>
+            </a:r>
+            <a:r>
+              <a:rPr lang="en-US" baseline="0" dirty="0" smtClean="0"/>
+              <a:t> </a:t>
+            </a:r>
+            <a:r>
+              <a:rPr lang="en-US" baseline="0" dirty="0" err="1" smtClean="0"/>
+              <a:t>quá</a:t>
+            </a:r>
+            <a:r>
+              <a:rPr lang="en-US" baseline="0" dirty="0" smtClean="0"/>
+              <a:t> </a:t>
+            </a:r>
+            <a:r>
+              <a:rPr lang="en-US" baseline="0" dirty="0" err="1" smtClean="0"/>
+              <a:t>trình</a:t>
+            </a:r>
+            <a:r>
+              <a:rPr lang="en-US" baseline="0" dirty="0" smtClean="0"/>
+              <a:t> </a:t>
+            </a:r>
+            <a:r>
+              <a:rPr lang="en-US" baseline="0" dirty="0" err="1" smtClean="0"/>
+              <a:t>xây</a:t>
+            </a:r>
+            <a:r>
+              <a:rPr lang="en-US" baseline="0" dirty="0" smtClean="0"/>
+              <a:t> </a:t>
+            </a:r>
+            <a:r>
+              <a:rPr lang="en-US" baseline="0" dirty="0" err="1" smtClean="0"/>
+              <a:t>dựng</a:t>
+            </a:r>
+            <a:r>
+              <a:rPr lang="en-US" baseline="0" dirty="0" smtClean="0"/>
+              <a:t> </a:t>
+            </a:r>
+            <a:r>
+              <a:rPr lang="en-US" baseline="0" dirty="0" err="1" smtClean="0"/>
+              <a:t>phần</a:t>
+            </a:r>
+            <a:r>
+              <a:rPr lang="en-US" baseline="0" dirty="0" smtClean="0"/>
+              <a:t> </a:t>
+            </a:r>
+            <a:r>
+              <a:rPr lang="en-US" baseline="0" dirty="0" err="1" smtClean="0"/>
+              <a:t>mềm</a:t>
+            </a:r>
+            <a:r>
+              <a:rPr lang="en-US" baseline="0" dirty="0" smtClean="0"/>
+              <a:t> </a:t>
+            </a:r>
+            <a:r>
+              <a:rPr lang="en-US" baseline="0" dirty="0" err="1" smtClean="0"/>
+              <a:t>nên</a:t>
+            </a:r>
+            <a:r>
+              <a:rPr lang="en-US" baseline="0" dirty="0" smtClean="0"/>
+              <a:t> </a:t>
+            </a:r>
+            <a:r>
+              <a:rPr lang="en-US" baseline="0" dirty="0" err="1" smtClean="0"/>
+              <a:t>nhóm</a:t>
+            </a:r>
+            <a:r>
+              <a:rPr lang="en-US" baseline="0" dirty="0" smtClean="0"/>
+              <a:t> </a:t>
+            </a:r>
+            <a:r>
+              <a:rPr lang="en-US" baseline="0" dirty="0" err="1" smtClean="0"/>
+              <a:t>đã</a:t>
+            </a:r>
+            <a:r>
+              <a:rPr lang="en-US" baseline="0" dirty="0" smtClean="0"/>
+              <a:t> </a:t>
+            </a:r>
+            <a:r>
+              <a:rPr lang="en-US" baseline="0" dirty="0" err="1" smtClean="0"/>
+              <a:t>chọn</a:t>
+            </a:r>
+            <a:r>
+              <a:rPr lang="en-US" baseline="0" dirty="0" smtClean="0"/>
+              <a:t> </a:t>
+            </a:r>
+            <a:r>
+              <a:rPr lang="en-US" baseline="0" dirty="0" err="1" smtClean="0"/>
+              <a:t>phương</a:t>
+            </a:r>
+            <a:r>
+              <a:rPr lang="en-US" baseline="0" dirty="0" smtClean="0"/>
+              <a:t> </a:t>
+            </a:r>
+            <a:r>
+              <a:rPr lang="en-US" baseline="0" dirty="0" err="1" smtClean="0"/>
+              <a:t>pháp</a:t>
+            </a:r>
+            <a:r>
+              <a:rPr lang="en-US" baseline="0" dirty="0" smtClean="0"/>
+              <a:t> </a:t>
+            </a:r>
+            <a:r>
+              <a:rPr lang="en-US" baseline="0" dirty="0" err="1" smtClean="0"/>
+              <a:t>này</a:t>
+            </a:r>
+            <a:r>
+              <a:rPr lang="en-US" baseline="0" dirty="0" smtClean="0"/>
+              <a:t>. AST </a:t>
+            </a:r>
+            <a:r>
+              <a:rPr lang="en-US" baseline="0" dirty="0" err="1" smtClean="0"/>
+              <a:t>này</a:t>
+            </a:r>
+            <a:r>
+              <a:rPr lang="en-US" baseline="0" dirty="0" smtClean="0"/>
+              <a:t> </a:t>
+            </a:r>
+            <a:r>
+              <a:rPr lang="en-US" baseline="0" dirty="0" err="1" smtClean="0"/>
+              <a:t>sử</a:t>
+            </a:r>
+            <a:r>
+              <a:rPr lang="en-US" baseline="0" dirty="0" smtClean="0"/>
+              <a:t> </a:t>
+            </a:r>
+            <a:r>
+              <a:rPr lang="en-US" baseline="0" dirty="0" err="1" smtClean="0"/>
+              <a:t>dụng</a:t>
+            </a:r>
+            <a:r>
+              <a:rPr lang="en-US" baseline="0" dirty="0" smtClean="0"/>
+              <a:t> class </a:t>
+            </a:r>
+            <a:r>
+              <a:rPr lang="en-US" baseline="0" dirty="0" err="1" smtClean="0"/>
+              <a:t>ASTParser</a:t>
             </a:r>
             <a:r>
               <a:rPr lang="en-US" baseline="0" dirty="0" smtClean="0"/>
@@ -2116,7 +2742,7 @@
             </a:r>
             <a:r>
               <a:rPr lang="en-US" baseline="0" dirty="0" err="1" smtClean="0"/>
-              <a:t>liên</a:t>
+              <a:t>cây</a:t>
             </a:r>
             <a:r>
               <a:rPr lang="en-US" baseline="0" dirty="0" smtClean="0"/>
@@ -2124,7 +2750,7 @@
             </a:r>
             <a:r>
               <a:rPr lang="en-US" baseline="0" dirty="0" err="1" smtClean="0"/>
-              <a:t>kết</a:t>
+              <a:t>cú</a:t>
             </a:r>
             <a:r>
               <a:rPr lang="en-US" baseline="0" dirty="0" smtClean="0"/>
@@ -2132,7 +2758,7 @@
             </a:r>
             <a:r>
               <a:rPr lang="en-US" baseline="0" dirty="0" err="1" smtClean="0"/>
-              <a:t>giữa</a:t>
+              <a:t>pháp</a:t>
             </a:r>
             <a:r>
               <a:rPr lang="en-US" baseline="0" dirty="0" smtClean="0"/>
@@ -2140,7 +2766,7 @@
             </a:r>
             <a:r>
               <a:rPr lang="en-US" baseline="0" dirty="0" err="1" smtClean="0"/>
-              <a:t>các</a:t>
+              <a:t>trừu</a:t>
             </a:r>
             <a:r>
               <a:rPr lang="en-US" baseline="0" dirty="0" smtClean="0"/>
@@ -2148,23 +2774,23 @@
             </a:r>
             <a:r>
               <a:rPr lang="en-US" baseline="0" dirty="0" err="1" smtClean="0"/>
-              <a:t>nhánh</a:t>
+              <a:t>tượng</a:t>
             </a:r>
             <a:r>
               <a:rPr lang="en-US" baseline="0" dirty="0" smtClean="0"/>
-              <a:t> con, </a:t>
+              <a:t> </a:t>
             </a:r>
             <a:r>
               <a:rPr lang="en-US" baseline="0" dirty="0" err="1" smtClean="0"/>
-              <a:t>nên</a:t>
+              <a:t>từ</a:t>
             </a:r>
             <a:r>
               <a:rPr lang="en-US" baseline="0" dirty="0" smtClean="0"/>
-              <a:t> ta </a:t>
+              <a:t> </a:t>
             </a:r>
             <a:r>
               <a:rPr lang="en-US" baseline="0" dirty="0" err="1" smtClean="0"/>
-              <a:t>sẽ</a:t>
+              <a:t>mã</a:t>
             </a:r>
             <a:r>
               <a:rPr lang="en-US" baseline="0" dirty="0" smtClean="0"/>
@@ -2172,324 +2798,13 @@
             </a:r>
             <a:r>
               <a:rPr lang="en-US" baseline="0" dirty="0" err="1" smtClean="0"/>
-              <a:t>xây</a:t>
-            </a:r>
-            <a:r>
-              <a:rPr lang="en-US" baseline="0" dirty="0" smtClean="0"/>
-              <a:t> </a:t>
-            </a:r>
-            <a:r>
-              <a:rPr lang="en-US" baseline="0" dirty="0" err="1" smtClean="0"/>
-              <a:t>dựng</a:t>
-            </a:r>
-            <a:r>
-              <a:rPr lang="en-US" baseline="0" dirty="0" smtClean="0"/>
-              <a:t> </a:t>
-            </a:r>
-            <a:r>
-              <a:rPr lang="en-US" baseline="0" dirty="0" err="1" smtClean="0"/>
-              <a:t>mô</a:t>
-            </a:r>
-            <a:r>
-              <a:rPr lang="en-US" baseline="0" dirty="0" smtClean="0"/>
-              <a:t> </a:t>
-            </a:r>
-            <a:r>
-              <a:rPr lang="en-US" baseline="0" dirty="0" err="1" smtClean="0"/>
-              <a:t>hình</a:t>
-            </a:r>
-            <a:r>
-              <a:rPr lang="en-US" baseline="0" dirty="0" smtClean="0"/>
-              <a:t> </a:t>
-            </a:r>
-            <a:r>
-              <a:rPr lang="en-US" baseline="0" dirty="0" err="1" smtClean="0"/>
-              <a:t>cây</a:t>
-            </a:r>
-            <a:r>
-              <a:rPr lang="en-US" baseline="0" dirty="0" smtClean="0"/>
-              <a:t> </a:t>
-            </a:r>
-            <a:r>
-              <a:rPr lang="en-US" baseline="0" dirty="0" err="1" smtClean="0"/>
-              <a:t>mới</a:t>
-            </a:r>
-            <a:r>
-              <a:rPr lang="en-US" baseline="0" dirty="0" smtClean="0"/>
-              <a:t> </a:t>
-            </a:r>
-            <a:r>
-              <a:rPr lang="en-US" baseline="0" dirty="0" err="1" smtClean="0"/>
-              <a:t>INode</a:t>
+              <a:t>nguồn</a:t>
             </a:r>
             <a:r>
               <a:rPr lang="en-US" baseline="0" dirty="0" smtClean="0"/>
               <a:t>.</a:t>
             </a:r>
-          </a:p>
-          <a:p>
-            <a:r>
-              <a:rPr lang="en-US" baseline="0" dirty="0" smtClean="0"/>
-              <a:t>Class </a:t>
-            </a:r>
-            <a:r>
-              <a:rPr lang="en-US" baseline="0" dirty="0" err="1" smtClean="0"/>
-              <a:t>TestcaseController</a:t>
-            </a:r>
-            <a:r>
-              <a:rPr lang="en-US" baseline="0" dirty="0" smtClean="0"/>
-              <a:t> </a:t>
-            </a:r>
-            <a:r>
-              <a:rPr lang="en-US" baseline="0" dirty="0" err="1" smtClean="0"/>
-              <a:t>gọi</a:t>
-            </a:r>
-            <a:r>
-              <a:rPr lang="en-US" baseline="0" dirty="0" smtClean="0"/>
-              <a:t> </a:t>
-            </a:r>
-            <a:r>
-              <a:rPr lang="en-US" baseline="0" dirty="0" err="1" smtClean="0"/>
-              <a:t>hàm</a:t>
-            </a:r>
-            <a:r>
-              <a:rPr lang="en-US" baseline="0" dirty="0" smtClean="0"/>
-              <a:t> </a:t>
-            </a:r>
-            <a:r>
-              <a:rPr lang="en-US" baseline="0" dirty="0" err="1" smtClean="0"/>
-              <a:t>sử</a:t>
-            </a:r>
-            <a:r>
-              <a:rPr lang="en-US" baseline="0" dirty="0" smtClean="0"/>
-              <a:t> </a:t>
-            </a:r>
-            <a:r>
-              <a:rPr lang="en-US" baseline="0" dirty="0" err="1" smtClean="0"/>
-              <a:t>dụng</a:t>
-            </a:r>
-            <a:r>
-              <a:rPr lang="en-US" baseline="0" dirty="0" smtClean="0"/>
-              <a:t> class </a:t>
-            </a:r>
-            <a:r>
-              <a:rPr lang="en-US" baseline="0" dirty="0" err="1" smtClean="0"/>
-              <a:t>ASTNodeMainVisitor</a:t>
-            </a:r>
-            <a:r>
-              <a:rPr lang="en-US" baseline="0" dirty="0" smtClean="0"/>
-              <a:t> </a:t>
-            </a:r>
-            <a:r>
-              <a:rPr lang="en-US" baseline="0" dirty="0" err="1" smtClean="0"/>
-              <a:t>để</a:t>
-            </a:r>
-            <a:r>
-              <a:rPr lang="en-US" baseline="0" dirty="0" smtClean="0"/>
-              <a:t> </a:t>
-            </a:r>
-            <a:r>
-              <a:rPr lang="en-US" baseline="0" dirty="0" err="1" smtClean="0"/>
-              <a:t>duyệt</a:t>
-            </a:r>
-            <a:r>
-              <a:rPr lang="en-US" baseline="0" dirty="0" smtClean="0"/>
-              <a:t> AST </a:t>
-            </a:r>
-            <a:r>
-              <a:rPr lang="en-US" baseline="0" dirty="0" err="1" smtClean="0"/>
-              <a:t>và</a:t>
-            </a:r>
-            <a:r>
-              <a:rPr lang="en-US" baseline="0" dirty="0" smtClean="0"/>
-              <a:t> </a:t>
-            </a:r>
-            <a:r>
-              <a:rPr lang="en-US" baseline="0" dirty="0" err="1" smtClean="0"/>
-              <a:t>tạo</a:t>
-            </a:r>
-            <a:r>
-              <a:rPr lang="en-US" baseline="0" dirty="0" smtClean="0"/>
-              <a:t> </a:t>
-            </a:r>
-            <a:r>
-              <a:rPr lang="en-US" baseline="0" dirty="0" err="1" smtClean="0"/>
-              <a:t>mô</a:t>
-            </a:r>
-            <a:r>
-              <a:rPr lang="en-US" baseline="0" dirty="0" smtClean="0"/>
-              <a:t> </a:t>
-            </a:r>
-            <a:r>
-              <a:rPr lang="en-US" baseline="0" dirty="0" err="1" smtClean="0"/>
-              <a:t>hình</a:t>
-            </a:r>
-            <a:r>
-              <a:rPr lang="en-US" baseline="0" dirty="0" smtClean="0"/>
-              <a:t> </a:t>
-            </a:r>
-            <a:r>
-              <a:rPr lang="en-US" baseline="0" dirty="0" err="1" smtClean="0"/>
-              <a:t>cây</a:t>
-            </a:r>
-            <a:r>
-              <a:rPr lang="en-US" baseline="0" dirty="0" smtClean="0"/>
-              <a:t> </a:t>
-            </a:r>
-            <a:r>
-              <a:rPr lang="en-US" baseline="0" dirty="0" err="1" smtClean="0"/>
-              <a:t>mới</a:t>
-            </a:r>
-            <a:r>
-              <a:rPr lang="en-US" baseline="0" dirty="0" smtClean="0"/>
-              <a:t>.</a:t>
-            </a:r>
-          </a:p>
-          <a:p>
-            <a:r>
-              <a:rPr lang="en-US" baseline="0" dirty="0" err="1" smtClean="0"/>
-              <a:t>Sau</a:t>
-            </a:r>
-            <a:r>
-              <a:rPr lang="en-US" baseline="0" dirty="0" smtClean="0"/>
-              <a:t> </a:t>
-            </a:r>
-            <a:r>
-              <a:rPr lang="en-US" baseline="0" dirty="0" err="1" smtClean="0"/>
-              <a:t>đó</a:t>
-            </a:r>
-            <a:r>
-              <a:rPr lang="en-US" baseline="0" dirty="0" smtClean="0"/>
-              <a:t> class </a:t>
-            </a:r>
-            <a:r>
-              <a:rPr lang="en-US" baseline="0" dirty="0" err="1" smtClean="0"/>
-              <a:t>TestcaseGraphBuilder</a:t>
-            </a:r>
-            <a:r>
-              <a:rPr lang="en-US" baseline="0" dirty="0" smtClean="0"/>
-              <a:t> </a:t>
-            </a:r>
-            <a:r>
-              <a:rPr lang="en-US" baseline="0" dirty="0" err="1" smtClean="0"/>
-              <a:t>sử</a:t>
-            </a:r>
-            <a:r>
-              <a:rPr lang="en-US" baseline="0" dirty="0" smtClean="0"/>
-              <a:t> </a:t>
-            </a:r>
-            <a:r>
-              <a:rPr lang="en-US" baseline="0" dirty="0" err="1" smtClean="0"/>
-              <a:t>dụng</a:t>
-            </a:r>
-            <a:r>
-              <a:rPr lang="en-US" baseline="0" dirty="0" smtClean="0"/>
-              <a:t> </a:t>
-            </a:r>
-            <a:r>
-              <a:rPr lang="en-US" baseline="0" dirty="0" err="1" smtClean="0"/>
-              <a:t>mô</a:t>
-            </a:r>
-            <a:r>
-              <a:rPr lang="en-US" baseline="0" dirty="0" smtClean="0"/>
-              <a:t> </a:t>
-            </a:r>
-            <a:r>
-              <a:rPr lang="en-US" baseline="0" dirty="0" err="1" smtClean="0"/>
-              <a:t>hình</a:t>
-            </a:r>
-            <a:r>
-              <a:rPr lang="en-US" baseline="0" dirty="0" smtClean="0"/>
-              <a:t> </a:t>
-            </a:r>
-            <a:r>
-              <a:rPr lang="en-US" baseline="0" dirty="0" err="1" smtClean="0"/>
-              <a:t>cây</a:t>
-            </a:r>
-            <a:r>
-              <a:rPr lang="en-US" baseline="0" dirty="0" smtClean="0"/>
-              <a:t> </a:t>
-            </a:r>
-            <a:r>
-              <a:rPr lang="en-US" baseline="0" dirty="0" err="1" smtClean="0"/>
-              <a:t>này</a:t>
-            </a:r>
-            <a:r>
-              <a:rPr lang="en-US" baseline="0" dirty="0" smtClean="0"/>
-              <a:t> </a:t>
-            </a:r>
-            <a:r>
-              <a:rPr lang="en-US" baseline="0" dirty="0" err="1" smtClean="0"/>
-              <a:t>để</a:t>
-            </a:r>
-            <a:r>
-              <a:rPr lang="en-US" baseline="0" dirty="0" smtClean="0"/>
-              <a:t> </a:t>
-            </a:r>
-            <a:r>
-              <a:rPr lang="en-US" baseline="0" dirty="0" err="1" smtClean="0"/>
-              <a:t>tạo</a:t>
-            </a:r>
-            <a:r>
-              <a:rPr lang="en-US" baseline="0" dirty="0" smtClean="0"/>
-              <a:t> </a:t>
-            </a:r>
-            <a:r>
-              <a:rPr lang="en-US" baseline="0" dirty="0" err="1" smtClean="0"/>
-              <a:t>đồ</a:t>
-            </a:r>
-            <a:r>
-              <a:rPr lang="en-US" baseline="0" dirty="0" smtClean="0"/>
-              <a:t> </a:t>
-            </a:r>
-            <a:r>
-              <a:rPr lang="en-US" baseline="0" dirty="0" err="1" smtClean="0"/>
-              <a:t>thị</a:t>
-            </a:r>
-            <a:r>
-              <a:rPr lang="en-US" baseline="0" dirty="0" smtClean="0"/>
-              <a:t> </a:t>
-            </a:r>
-            <a:r>
-              <a:rPr lang="en-US" baseline="0" dirty="0" err="1" smtClean="0"/>
-              <a:t>dòng</a:t>
-            </a:r>
-            <a:r>
-              <a:rPr lang="en-US" baseline="0" dirty="0" smtClean="0"/>
-              <a:t> </a:t>
-            </a:r>
-            <a:r>
-              <a:rPr lang="en-US" baseline="0" dirty="0" err="1" smtClean="0"/>
-              <a:t>điều</a:t>
-            </a:r>
-            <a:r>
-              <a:rPr lang="en-US" baseline="0" dirty="0" smtClean="0"/>
-              <a:t> </a:t>
-            </a:r>
-            <a:r>
-              <a:rPr lang="en-US" baseline="0" dirty="0" err="1" smtClean="0"/>
-              <a:t>khiển</a:t>
-            </a:r>
-            <a:r>
-              <a:rPr lang="en-US" baseline="0" dirty="0" smtClean="0"/>
-              <a:t> </a:t>
-            </a:r>
-            <a:r>
-              <a:rPr lang="en-US" baseline="0" dirty="0" err="1" smtClean="0"/>
-              <a:t>cơ</a:t>
-            </a:r>
-            <a:r>
-              <a:rPr lang="en-US" baseline="0" dirty="0" smtClean="0"/>
-              <a:t> </a:t>
-            </a:r>
-            <a:r>
-              <a:rPr lang="en-US" baseline="0" dirty="0" err="1" smtClean="0"/>
-              <a:t>bản</a:t>
-            </a:r>
-            <a:r>
-              <a:rPr lang="en-US" baseline="0" dirty="0" smtClean="0"/>
-              <a:t>.</a:t>
-            </a:r>
+            <a:endParaRPr lang="en-US" dirty="0"/>
           </a:p>
         </p:txBody>
       </p:sp>
@@ -2510,7 +2825,7 @@
           <a:p>
             <a:fld id="{B4AA04CE-5BE8-42FA-82A3-78F601CE853C}" type="slidenum">
               <a:rPr lang="vi-VN" smtClean="0"/>
-              <a:t>14</a:t>
+              <a:t>13</a:t>
             </a:fld>
             <a:endParaRPr lang="vi-VN"/>
           </a:p>
@@ -2519,7 +2834,7 @@
     </p:spTree>
     <p:extLst>
       <p:ext uri="{BB962C8B-B14F-4D97-AF65-F5344CB8AC3E}">
-        <p14:creationId xmlns:p14="http://schemas.microsoft.com/office/powerpoint/2010/main" val="3201941219"/>
+        <p14:creationId xmlns:p14="http://schemas.microsoft.com/office/powerpoint/2010/main" val="2402138135"/>
       </p:ext>
     </p:extLst>
   </p:cSld>
@@ -2574,8 +2889,717 @@
           <a:lstStyle/>
           <a:p>
             <a:r>
-              <a:rPr lang="en-US" smtClean="0"/>
-              <a:t>Ta </a:t>
+              <a:rPr lang="en-US" dirty="0" err="1" smtClean="0"/>
+              <a:t>Vì</a:t>
+            </a:r>
+            <a:r>
+              <a:rPr lang="en-US" baseline="0" dirty="0" smtClean="0"/>
+              <a:t> </a:t>
+            </a:r>
+            <a:r>
+              <a:rPr lang="en-US" baseline="0" dirty="0" err="1" smtClean="0"/>
+              <a:t>c</a:t>
+            </a:r>
+            <a:r>
+              <a:rPr lang="en-US" dirty="0" err="1" smtClean="0"/>
+              <a:t>ấu</a:t>
+            </a:r>
+            <a:r>
+              <a:rPr lang="en-US" baseline="0" dirty="0" smtClean="0"/>
+              <a:t> </a:t>
+            </a:r>
+            <a:r>
+              <a:rPr lang="en-US" baseline="0" dirty="0" err="1" smtClean="0"/>
+              <a:t>trúc</a:t>
+            </a:r>
+            <a:r>
+              <a:rPr lang="en-US" baseline="0" dirty="0" smtClean="0"/>
+              <a:t> AST </a:t>
+            </a:r>
+            <a:r>
+              <a:rPr lang="en-US" baseline="0" dirty="0" err="1" smtClean="0"/>
+              <a:t>quá</a:t>
+            </a:r>
+            <a:r>
+              <a:rPr lang="en-US" baseline="0" dirty="0" smtClean="0"/>
+              <a:t> </a:t>
+            </a:r>
+            <a:r>
+              <a:rPr lang="en-US" baseline="0" dirty="0" err="1" smtClean="0"/>
+              <a:t>phức</a:t>
+            </a:r>
+            <a:r>
+              <a:rPr lang="en-US" baseline="0" dirty="0" smtClean="0"/>
+              <a:t> </a:t>
+            </a:r>
+            <a:r>
+              <a:rPr lang="en-US" baseline="0" dirty="0" err="1" smtClean="0"/>
+              <a:t>tạp</a:t>
+            </a:r>
+            <a:r>
+              <a:rPr lang="en-US" baseline="0" dirty="0" smtClean="0"/>
+              <a:t> </a:t>
+            </a:r>
+            <a:r>
+              <a:rPr lang="en-US" baseline="0" dirty="0" err="1" smtClean="0"/>
+              <a:t>và</a:t>
+            </a:r>
+            <a:r>
+              <a:rPr lang="en-US" baseline="0" dirty="0" smtClean="0"/>
+              <a:t> </a:t>
+            </a:r>
+            <a:r>
+              <a:rPr lang="en-US" baseline="0" dirty="0" err="1" smtClean="0"/>
+              <a:t>rất</a:t>
+            </a:r>
+            <a:r>
+              <a:rPr lang="en-US" baseline="0" dirty="0" smtClean="0"/>
+              <a:t> </a:t>
+            </a:r>
+            <a:r>
+              <a:rPr lang="en-US" baseline="0" dirty="0" err="1" smtClean="0"/>
+              <a:t>khó</a:t>
+            </a:r>
+            <a:r>
+              <a:rPr lang="en-US" baseline="0" dirty="0" smtClean="0"/>
+              <a:t> </a:t>
+            </a:r>
+            <a:r>
+              <a:rPr lang="en-US" baseline="0" dirty="0" err="1" smtClean="0"/>
+              <a:t>để</a:t>
+            </a:r>
+            <a:r>
+              <a:rPr lang="en-US" baseline="0" dirty="0" smtClean="0"/>
+              <a:t> </a:t>
+            </a:r>
+            <a:r>
+              <a:rPr lang="en-US" baseline="0" dirty="0" err="1" smtClean="0"/>
+              <a:t>tạo</a:t>
+            </a:r>
+            <a:r>
+              <a:rPr lang="en-US" baseline="0" dirty="0" smtClean="0"/>
+              <a:t> </a:t>
+            </a:r>
+            <a:r>
+              <a:rPr lang="en-US" baseline="0" dirty="0" err="1" smtClean="0"/>
+              <a:t>liên</a:t>
+            </a:r>
+            <a:r>
+              <a:rPr lang="en-US" baseline="0" dirty="0" smtClean="0"/>
+              <a:t> </a:t>
+            </a:r>
+            <a:r>
+              <a:rPr lang="en-US" baseline="0" dirty="0" err="1" smtClean="0"/>
+              <a:t>kết</a:t>
+            </a:r>
+            <a:r>
+              <a:rPr lang="en-US" baseline="0" dirty="0" smtClean="0"/>
+              <a:t> </a:t>
+            </a:r>
+            <a:r>
+              <a:rPr lang="en-US" baseline="0" dirty="0" err="1" smtClean="0"/>
+              <a:t>giữa</a:t>
+            </a:r>
+            <a:r>
+              <a:rPr lang="en-US" baseline="0" dirty="0" smtClean="0"/>
+              <a:t> </a:t>
+            </a:r>
+            <a:r>
+              <a:rPr lang="en-US" baseline="0" dirty="0" err="1" smtClean="0"/>
+              <a:t>các</a:t>
+            </a:r>
+            <a:r>
+              <a:rPr lang="en-US" baseline="0" dirty="0" smtClean="0"/>
+              <a:t> </a:t>
+            </a:r>
+            <a:r>
+              <a:rPr lang="en-US" baseline="0" dirty="0" err="1" smtClean="0"/>
+              <a:t>nhánh</a:t>
+            </a:r>
+            <a:r>
+              <a:rPr lang="en-US" baseline="0" dirty="0" smtClean="0"/>
+              <a:t> con, </a:t>
+            </a:r>
+            <a:r>
+              <a:rPr lang="en-US" baseline="0" dirty="0" err="1" smtClean="0"/>
+              <a:t>nên</a:t>
+            </a:r>
+            <a:r>
+              <a:rPr lang="en-US" baseline="0" dirty="0" smtClean="0"/>
+              <a:t> ta </a:t>
+            </a:r>
+            <a:r>
+              <a:rPr lang="en-US" baseline="0" dirty="0" err="1" smtClean="0"/>
+              <a:t>sẽ</a:t>
+            </a:r>
+            <a:r>
+              <a:rPr lang="en-US" baseline="0" dirty="0" smtClean="0"/>
+              <a:t> </a:t>
+            </a:r>
+            <a:r>
+              <a:rPr lang="en-US" baseline="0" dirty="0" err="1" smtClean="0"/>
+              <a:t>xây</a:t>
+            </a:r>
+            <a:r>
+              <a:rPr lang="en-US" baseline="0" dirty="0" smtClean="0"/>
+              <a:t> </a:t>
+            </a:r>
+            <a:r>
+              <a:rPr lang="en-US" baseline="0" dirty="0" err="1" smtClean="0"/>
+              <a:t>dựng</a:t>
+            </a:r>
+            <a:r>
+              <a:rPr lang="en-US" baseline="0" dirty="0" smtClean="0"/>
+              <a:t> </a:t>
+            </a:r>
+            <a:r>
+              <a:rPr lang="en-US" baseline="0" dirty="0" err="1" smtClean="0"/>
+              <a:t>mô</a:t>
+            </a:r>
+            <a:r>
+              <a:rPr lang="en-US" baseline="0" dirty="0" smtClean="0"/>
+              <a:t> </a:t>
+            </a:r>
+            <a:r>
+              <a:rPr lang="en-US" baseline="0" dirty="0" err="1" smtClean="0"/>
+              <a:t>hình</a:t>
+            </a:r>
+            <a:r>
+              <a:rPr lang="en-US" baseline="0" dirty="0" smtClean="0"/>
+              <a:t> </a:t>
+            </a:r>
+            <a:r>
+              <a:rPr lang="en-US" baseline="0" dirty="0" err="1" smtClean="0"/>
+              <a:t>cây</a:t>
+            </a:r>
+            <a:r>
+              <a:rPr lang="en-US" baseline="0" dirty="0" smtClean="0"/>
+              <a:t> </a:t>
+            </a:r>
+            <a:r>
+              <a:rPr lang="en-US" baseline="0" dirty="0" err="1" smtClean="0"/>
+              <a:t>mới</a:t>
+            </a:r>
+            <a:r>
+              <a:rPr lang="en-US" baseline="0" dirty="0" smtClean="0"/>
+              <a:t> </a:t>
+            </a:r>
+            <a:r>
+              <a:rPr lang="en-US" baseline="0" dirty="0" err="1" smtClean="0"/>
+              <a:t>INode</a:t>
+            </a:r>
+            <a:r>
+              <a:rPr lang="en-US" baseline="0" dirty="0" smtClean="0"/>
+              <a:t>.</a:t>
+            </a:r>
+          </a:p>
+          <a:p>
+            <a:r>
+              <a:rPr lang="en-US" baseline="0" dirty="0" smtClean="0"/>
+              <a:t>Class </a:t>
+            </a:r>
+            <a:r>
+              <a:rPr lang="en-US" baseline="0" dirty="0" err="1" smtClean="0"/>
+              <a:t>TestcaseController</a:t>
+            </a:r>
+            <a:r>
+              <a:rPr lang="en-US" baseline="0" dirty="0" smtClean="0"/>
+              <a:t> </a:t>
+            </a:r>
+            <a:r>
+              <a:rPr lang="en-US" baseline="0" dirty="0" err="1" smtClean="0"/>
+              <a:t>gọi</a:t>
+            </a:r>
+            <a:r>
+              <a:rPr lang="en-US" baseline="0" dirty="0" smtClean="0"/>
+              <a:t> </a:t>
+            </a:r>
+            <a:r>
+              <a:rPr lang="en-US" baseline="0" dirty="0" err="1" smtClean="0"/>
+              <a:t>hàm</a:t>
+            </a:r>
+            <a:r>
+              <a:rPr lang="en-US" baseline="0" dirty="0" smtClean="0"/>
+              <a:t> </a:t>
+            </a:r>
+            <a:r>
+              <a:rPr lang="en-US" baseline="0" dirty="0" err="1" smtClean="0"/>
+              <a:t>sử</a:t>
+            </a:r>
+            <a:r>
+              <a:rPr lang="en-US" baseline="0" dirty="0" smtClean="0"/>
+              <a:t> </a:t>
+            </a:r>
+            <a:r>
+              <a:rPr lang="en-US" baseline="0" dirty="0" err="1" smtClean="0"/>
+              <a:t>dụng</a:t>
+            </a:r>
+            <a:r>
+              <a:rPr lang="en-US" baseline="0" dirty="0" smtClean="0"/>
+              <a:t> class </a:t>
+            </a:r>
+            <a:r>
+              <a:rPr lang="en-US" baseline="0" dirty="0" err="1" smtClean="0"/>
+              <a:t>ASTNodeMainVisitor</a:t>
+            </a:r>
+            <a:r>
+              <a:rPr lang="en-US" baseline="0" dirty="0" smtClean="0"/>
+              <a:t> </a:t>
+            </a:r>
+            <a:r>
+              <a:rPr lang="en-US" baseline="0" dirty="0" err="1" smtClean="0"/>
+              <a:t>để</a:t>
+            </a:r>
+            <a:r>
+              <a:rPr lang="en-US" baseline="0" dirty="0" smtClean="0"/>
+              <a:t> </a:t>
+            </a:r>
+            <a:r>
+              <a:rPr lang="en-US" baseline="0" dirty="0" err="1" smtClean="0"/>
+              <a:t>duyệt</a:t>
+            </a:r>
+            <a:r>
+              <a:rPr lang="en-US" baseline="0" dirty="0" smtClean="0"/>
+              <a:t> AST </a:t>
+            </a:r>
+            <a:r>
+              <a:rPr lang="en-US" baseline="0" dirty="0" err="1" smtClean="0"/>
+              <a:t>và</a:t>
+            </a:r>
+            <a:r>
+              <a:rPr lang="en-US" baseline="0" dirty="0" smtClean="0"/>
+              <a:t> </a:t>
+            </a:r>
+            <a:r>
+              <a:rPr lang="en-US" baseline="0" dirty="0" err="1" smtClean="0"/>
+              <a:t>tạo</a:t>
+            </a:r>
+            <a:r>
+              <a:rPr lang="en-US" baseline="0" dirty="0" smtClean="0"/>
+              <a:t> </a:t>
+            </a:r>
+            <a:r>
+              <a:rPr lang="en-US" baseline="0" dirty="0" err="1" smtClean="0"/>
+              <a:t>mô</a:t>
+            </a:r>
+            <a:r>
+              <a:rPr lang="en-US" baseline="0" dirty="0" smtClean="0"/>
+              <a:t> </a:t>
+            </a:r>
+            <a:r>
+              <a:rPr lang="en-US" baseline="0" dirty="0" err="1" smtClean="0"/>
+              <a:t>hình</a:t>
+            </a:r>
+            <a:r>
+              <a:rPr lang="en-US" baseline="0" dirty="0" smtClean="0"/>
+              <a:t> </a:t>
+            </a:r>
+            <a:r>
+              <a:rPr lang="en-US" baseline="0" dirty="0" err="1" smtClean="0"/>
+              <a:t>cây</a:t>
+            </a:r>
+            <a:r>
+              <a:rPr lang="en-US" baseline="0" dirty="0" smtClean="0"/>
+              <a:t> </a:t>
+            </a:r>
+            <a:r>
+              <a:rPr lang="en-US" baseline="0" dirty="0" err="1" smtClean="0"/>
+              <a:t>mới</a:t>
+            </a:r>
+            <a:r>
+              <a:rPr lang="en-US" baseline="0" dirty="0" smtClean="0"/>
+              <a:t>.</a:t>
+            </a:r>
+          </a:p>
+          <a:p>
+            <a:r>
+              <a:rPr lang="en-US" baseline="0" dirty="0" err="1" smtClean="0"/>
+              <a:t>Sau</a:t>
+            </a:r>
+            <a:r>
+              <a:rPr lang="en-US" baseline="0" dirty="0" smtClean="0"/>
+              <a:t> </a:t>
+            </a:r>
+            <a:r>
+              <a:rPr lang="en-US" baseline="0" dirty="0" err="1" smtClean="0"/>
+              <a:t>đó</a:t>
+            </a:r>
+            <a:r>
+              <a:rPr lang="en-US" baseline="0" dirty="0" smtClean="0"/>
+              <a:t> class </a:t>
+            </a:r>
+            <a:r>
+              <a:rPr lang="en-US" baseline="0" dirty="0" err="1" smtClean="0"/>
+              <a:t>TestcaseGraphBuilder</a:t>
+            </a:r>
+            <a:r>
+              <a:rPr lang="en-US" baseline="0" dirty="0" smtClean="0"/>
+              <a:t> </a:t>
+            </a:r>
+            <a:r>
+              <a:rPr lang="en-US" baseline="0" dirty="0" err="1" smtClean="0"/>
+              <a:t>sử</a:t>
+            </a:r>
+            <a:r>
+              <a:rPr lang="en-US" baseline="0" dirty="0" smtClean="0"/>
+              <a:t> </a:t>
+            </a:r>
+            <a:r>
+              <a:rPr lang="en-US" baseline="0" dirty="0" err="1" smtClean="0"/>
+              <a:t>dụng</a:t>
+            </a:r>
+            <a:r>
+              <a:rPr lang="en-US" baseline="0" dirty="0" smtClean="0"/>
+              <a:t> </a:t>
+            </a:r>
+            <a:r>
+              <a:rPr lang="en-US" baseline="0" dirty="0" err="1" smtClean="0"/>
+              <a:t>mô</a:t>
+            </a:r>
+            <a:r>
+              <a:rPr lang="en-US" baseline="0" dirty="0" smtClean="0"/>
+              <a:t> </a:t>
+            </a:r>
+            <a:r>
+              <a:rPr lang="en-US" baseline="0" dirty="0" err="1" smtClean="0"/>
+              <a:t>hình</a:t>
+            </a:r>
+            <a:r>
+              <a:rPr lang="en-US" baseline="0" dirty="0" smtClean="0"/>
+              <a:t> </a:t>
+            </a:r>
+            <a:r>
+              <a:rPr lang="en-US" baseline="0" dirty="0" err="1" smtClean="0"/>
+              <a:t>cây</a:t>
+            </a:r>
+            <a:r>
+              <a:rPr lang="en-US" baseline="0" dirty="0" smtClean="0"/>
+              <a:t> </a:t>
+            </a:r>
+            <a:r>
+              <a:rPr lang="en-US" baseline="0" dirty="0" err="1" smtClean="0"/>
+              <a:t>này</a:t>
+            </a:r>
+            <a:r>
+              <a:rPr lang="en-US" baseline="0" dirty="0" smtClean="0"/>
+              <a:t> </a:t>
+            </a:r>
+            <a:r>
+              <a:rPr lang="en-US" baseline="0" dirty="0" err="1" smtClean="0"/>
+              <a:t>để</a:t>
+            </a:r>
+            <a:r>
+              <a:rPr lang="en-US" baseline="0" dirty="0" smtClean="0"/>
+              <a:t> </a:t>
+            </a:r>
+            <a:r>
+              <a:rPr lang="en-US" baseline="0" dirty="0" err="1" smtClean="0"/>
+              <a:t>tạo</a:t>
+            </a:r>
+            <a:r>
+              <a:rPr lang="en-US" baseline="0" dirty="0" smtClean="0"/>
+              <a:t> </a:t>
+            </a:r>
+            <a:r>
+              <a:rPr lang="en-US" baseline="0" dirty="0" err="1" smtClean="0"/>
+              <a:t>đồ</a:t>
+            </a:r>
+            <a:r>
+              <a:rPr lang="en-US" baseline="0" dirty="0" smtClean="0"/>
+              <a:t> </a:t>
+            </a:r>
+            <a:r>
+              <a:rPr lang="en-US" baseline="0" dirty="0" err="1" smtClean="0"/>
+              <a:t>thị</a:t>
+            </a:r>
+            <a:r>
+              <a:rPr lang="en-US" baseline="0" dirty="0" smtClean="0"/>
+              <a:t> </a:t>
+            </a:r>
+            <a:r>
+              <a:rPr lang="en-US" baseline="0" dirty="0" err="1" smtClean="0"/>
+              <a:t>dòng</a:t>
+            </a:r>
+            <a:r>
+              <a:rPr lang="en-US" baseline="0" dirty="0" smtClean="0"/>
+              <a:t> </a:t>
+            </a:r>
+            <a:r>
+              <a:rPr lang="en-US" baseline="0" dirty="0" err="1" smtClean="0"/>
+              <a:t>điều</a:t>
+            </a:r>
+            <a:r>
+              <a:rPr lang="en-US" baseline="0" dirty="0" smtClean="0"/>
+              <a:t> </a:t>
+            </a:r>
+            <a:r>
+              <a:rPr lang="en-US" baseline="0" dirty="0" err="1" smtClean="0"/>
+              <a:t>khiển</a:t>
+            </a:r>
+            <a:r>
+              <a:rPr lang="en-US" baseline="0" dirty="0" smtClean="0"/>
+              <a:t> </a:t>
+            </a:r>
+            <a:r>
+              <a:rPr lang="en-US" baseline="0" dirty="0" err="1" smtClean="0"/>
+              <a:t>cơ</a:t>
+            </a:r>
+            <a:r>
+              <a:rPr lang="en-US" baseline="0" dirty="0" smtClean="0"/>
+              <a:t> </a:t>
+            </a:r>
+            <a:r>
+              <a:rPr lang="en-US" baseline="0" dirty="0" err="1" smtClean="0"/>
+              <a:t>bản</a:t>
+            </a:r>
+            <a:r>
+              <a:rPr lang="en-US" baseline="0" dirty="0" smtClean="0"/>
+              <a:t>.</a:t>
+            </a:r>
+          </a:p>
+        </p:txBody>
+      </p:sp>
+      <p:sp>
+        <p:nvSpPr>
+          <p:cNvPr id="4" name="Slide Number Placeholder 3"/>
+          <p:cNvSpPr>
+            <a:spLocks noGrp="1"/>
+          </p:cNvSpPr>
+          <p:nvPr>
+            <p:ph type="sldNum" sz="quarter" idx="10"/>
+          </p:nvPr>
+        </p:nvSpPr>
+        <p:spPr/>
+        <p:txBody>
+          <a:bodyPr/>
+          <a:lstStyle/>
+          <a:p>
+            <a:fld id="{B4AA04CE-5BE8-42FA-82A3-78F601CE853C}" type="slidenum">
+              <a:rPr lang="vi-VN" smtClean="0"/>
+              <a:t>14</a:t>
+            </a:fld>
+            <a:endParaRPr lang="vi-VN"/>
+          </a:p>
+        </p:txBody>
+      </p:sp>
+    </p:spTree>
+    <p:extLst>
+      <p:ext uri="{BB962C8B-B14F-4D97-AF65-F5344CB8AC3E}">
+        <p14:creationId xmlns:p14="http://schemas.microsoft.com/office/powerpoint/2010/main" val="3201941219"/>
+      </p:ext>
+    </p:extLst>
+  </p:cSld>
+  <p:clrMapOvr>
+    <a:masterClrMapping/>
+  </p:clrMapOvr>
+</p:notes>
+</file>
+
+<file path=ppt/notesSlides/notesSlide9.xml><?xml version="1.0" encoding="utf-8"?>
+<p:notes xmlns:a="http://schemas.openxmlformats.org/drawingml/2006/main" xmlns:r="http://schemas.openxmlformats.org/officeDocument/2006/relationships" xmlns:p="http://schemas.openxmlformats.org/presentationml/2006/main">
+  <p:cSld>
+    <p:spTree>
+      <p:nvGrpSpPr>
+        <p:cNvPr id="1" name=""/>
+        <p:cNvGrpSpPr/>
+        <p:nvPr/>
+      </p:nvGrpSpPr>
+      <p:grpSpPr>
+        <a:xfrm>
+          <a:off x="0" y="0"/>
+          <a:ext cx="0" cy="0"/>
+          <a:chOff x="0" y="0"/>
+          <a:chExt cx="0" cy="0"/>
+        </a:xfrm>
+      </p:grpSpPr>
+      <p:sp>
+        <p:nvSpPr>
+          <p:cNvPr id="2" name="Slide Image Placeholder 1"/>
+          <p:cNvSpPr>
+            <a:spLocks noGrp="1" noRot="1" noChangeAspect="1"/>
+          </p:cNvSpPr>
+          <p:nvPr>
+            <p:ph type="sldImg"/>
+          </p:nvPr>
+        </p:nvSpPr>
+        <p:spPr/>
+      </p:sp>
+      <p:sp>
+        <p:nvSpPr>
+          <p:cNvPr id="3" name="Notes Placeholder 2"/>
+          <p:cNvSpPr>
+            <a:spLocks noGrp="1"/>
+          </p:cNvSpPr>
+          <p:nvPr>
+            <p:ph type="body" idx="1"/>
+          </p:nvPr>
+        </p:nvSpPr>
+        <p:spPr/>
+        <p:txBody>
+          <a:bodyPr/>
+          <a:lstStyle/>
+          <a:p>
+            <a:r>
+              <a:rPr lang="en-US" dirty="0" err="1" smtClean="0"/>
+              <a:t>Xử</a:t>
+            </a:r>
+            <a:r>
+              <a:rPr lang="en-US" baseline="0" dirty="0" smtClean="0"/>
+              <a:t> </a:t>
+            </a:r>
+            <a:r>
+              <a:rPr lang="en-US" baseline="0" dirty="0" err="1" smtClean="0"/>
+              <a:t>lý</a:t>
+            </a:r>
+            <a:r>
+              <a:rPr lang="en-US" baseline="0" dirty="0" smtClean="0"/>
+              <a:t> </a:t>
+            </a:r>
+            <a:r>
+              <a:rPr lang="en-US" baseline="0" dirty="0" err="1" smtClean="0"/>
+              <a:t>một</a:t>
+            </a:r>
+            <a:r>
+              <a:rPr lang="en-US" baseline="0" dirty="0" smtClean="0"/>
+              <a:t> </a:t>
+            </a:r>
+            <a:r>
+              <a:rPr lang="en-US" baseline="0" dirty="0" err="1" smtClean="0"/>
+              <a:t>số</a:t>
+            </a:r>
+            <a:r>
+              <a:rPr lang="en-US" baseline="0" dirty="0" smtClean="0"/>
+              <a:t> </a:t>
+            </a:r>
+            <a:r>
+              <a:rPr lang="en-US" baseline="0" dirty="0" err="1" smtClean="0"/>
+              <a:t>cấu</a:t>
+            </a:r>
+            <a:r>
+              <a:rPr lang="en-US" baseline="0" dirty="0" smtClean="0"/>
+              <a:t> </a:t>
+            </a:r>
+            <a:r>
+              <a:rPr lang="en-US" baseline="0" dirty="0" err="1" smtClean="0"/>
+              <a:t>trúc</a:t>
+            </a:r>
+            <a:r>
+              <a:rPr lang="en-US" baseline="0" dirty="0" smtClean="0"/>
+              <a:t> </a:t>
+            </a:r>
+            <a:r>
+              <a:rPr lang="en-US" baseline="0" dirty="0" err="1" smtClean="0"/>
+              <a:t>lệnh</a:t>
+            </a:r>
+            <a:r>
+              <a:rPr lang="en-US" baseline="0" dirty="0" smtClean="0"/>
+              <a:t> </a:t>
+            </a:r>
+            <a:r>
+              <a:rPr lang="en-US" baseline="0" dirty="0" err="1" smtClean="0"/>
+              <a:t>phổ</a:t>
+            </a:r>
+            <a:r>
+              <a:rPr lang="en-US" baseline="0" dirty="0" smtClean="0"/>
+              <a:t> </a:t>
+            </a:r>
+            <a:r>
+              <a:rPr lang="en-US" baseline="0" dirty="0" err="1" smtClean="0"/>
+              <a:t>biến</a:t>
+            </a:r>
+            <a:r>
+              <a:rPr lang="en-US" baseline="0" dirty="0" smtClean="0"/>
+              <a:t> </a:t>
+            </a:r>
+            <a:r>
+              <a:rPr lang="en-US" baseline="0" dirty="0" err="1" smtClean="0"/>
+              <a:t>như</a:t>
+            </a:r>
+            <a:r>
+              <a:rPr lang="en-US" baseline="0" dirty="0" smtClean="0"/>
+              <a:t> if-else, for-while.</a:t>
+            </a:r>
+          </a:p>
+          <a:p>
+            <a:r>
+              <a:rPr lang="en-US" baseline="0" dirty="0" err="1" smtClean="0"/>
+              <a:t>Câu</a:t>
+            </a:r>
+            <a:r>
+              <a:rPr lang="en-US" baseline="0" dirty="0" smtClean="0"/>
+              <a:t> </a:t>
+            </a:r>
+            <a:r>
+              <a:rPr lang="en-US" baseline="0" dirty="0" err="1" smtClean="0"/>
+              <a:t>lệnh</a:t>
+            </a:r>
+            <a:r>
+              <a:rPr lang="en-US" baseline="0" dirty="0" smtClean="0"/>
+              <a:t> if </a:t>
+            </a:r>
+            <a:r>
+              <a:rPr lang="en-US" baseline="0" dirty="0" err="1" smtClean="0"/>
+              <a:t>tùy</a:t>
+            </a:r>
+            <a:r>
+              <a:rPr lang="en-US" baseline="0" dirty="0" smtClean="0"/>
+              <a:t> </a:t>
+            </a:r>
+            <a:r>
+              <a:rPr lang="en-US" baseline="0" dirty="0" err="1" smtClean="0"/>
+              <a:t>vào</a:t>
+            </a:r>
+            <a:r>
+              <a:rPr lang="en-US" baseline="0" dirty="0" smtClean="0"/>
+              <a:t> </a:t>
+            </a:r>
+            <a:r>
+              <a:rPr lang="en-US" baseline="0" dirty="0" err="1" smtClean="0"/>
+              <a:t>có</a:t>
+            </a:r>
+            <a:r>
+              <a:rPr lang="en-US" baseline="0" dirty="0" smtClean="0"/>
+              <a:t> </a:t>
+            </a:r>
+            <a:r>
+              <a:rPr lang="en-US" baseline="0" dirty="0" err="1" smtClean="0"/>
+              <a:t>nhánh</a:t>
+            </a:r>
+            <a:r>
+              <a:rPr lang="en-US" baseline="0" dirty="0" smtClean="0"/>
+              <a:t> else hay </a:t>
+            </a:r>
+            <a:r>
+              <a:rPr lang="en-US" baseline="0" dirty="0" err="1" smtClean="0"/>
+              <a:t>không</a:t>
+            </a:r>
+            <a:r>
+              <a:rPr lang="en-US" baseline="0" dirty="0" smtClean="0"/>
+              <a:t> </a:t>
+            </a:r>
+            <a:r>
+              <a:rPr lang="en-US" baseline="0" dirty="0" err="1" smtClean="0"/>
+              <a:t>mà</a:t>
+            </a:r>
+            <a:r>
+              <a:rPr lang="en-US" baseline="0" dirty="0" smtClean="0"/>
+              <a:t> </a:t>
+            </a:r>
+            <a:r>
+              <a:rPr lang="en-US" baseline="0" dirty="0" err="1" smtClean="0"/>
+              <a:t>có</a:t>
+            </a:r>
+            <a:r>
+              <a:rPr lang="en-US" baseline="0" dirty="0" smtClean="0"/>
+              <a:t> </a:t>
+            </a:r>
+            <a:r>
+              <a:rPr lang="en-US" baseline="0" dirty="0" err="1" smtClean="0"/>
+              <a:t>thêm</a:t>
+            </a:r>
+            <a:r>
+              <a:rPr lang="en-US" baseline="0" dirty="0" smtClean="0"/>
+              <a:t> node else.</a:t>
             </a:r>
             <a:endParaRPr lang="en-US" dirty="0"/>
           </a:p>
@@ -10108,36 +11132,6 @@
           </a:prstGeom>
         </p:spPr>
       </p:pic>
-      <p:pic>
-        <p:nvPicPr>
-          <p:cNvPr id="8" name="Picture 7"/>
-          <p:cNvPicPr>
-            <a:picLocks noChangeAspect="1"/>
-          </p:cNvPicPr>
-          <p:nvPr/>
-        </p:nvPicPr>
-        <p:blipFill>
-          <a:blip r:embed="rId5">
-            <a:extLst>
-              <a:ext uri="{28A0092B-C50C-407E-A947-70E740481C1C}">
-                <a14:useLocalDpi xmlns:a14="http://schemas.microsoft.com/office/drawing/2010/main" val="0"/>
-              </a:ext>
-            </a:extLst>
-          </a:blip>
-          <a:stretch>
-            <a:fillRect/>
-          </a:stretch>
-        </p:blipFill>
-        <p:spPr>
-          <a:xfrm>
-            <a:off x="5334000" y="2382137"/>
-            <a:ext cx="2362200" cy="3194340"/>
-          </a:xfrm>
-          <a:prstGeom prst="rect">
-            <a:avLst/>
-          </a:prstGeom>
-        </p:spPr>
-      </p:pic>
       <p:sp>
         <p:nvSpPr>
           <p:cNvPr id="9" name="TextBox 8"/>
@@ -10324,6 +11318,36 @@
           </a:p>
         </p:txBody>
       </p:sp>
+      <p:pic>
+        <p:nvPicPr>
+          <p:cNvPr id="14" name="Picture 13"/>
+          <p:cNvPicPr>
+            <a:picLocks noChangeAspect="1"/>
+          </p:cNvPicPr>
+          <p:nvPr/>
+        </p:nvPicPr>
+        <p:blipFill>
+          <a:blip r:embed="rId5">
+            <a:extLst>
+              <a:ext uri="{28A0092B-C50C-407E-A947-70E740481C1C}">
+                <a14:useLocalDpi xmlns:a14="http://schemas.microsoft.com/office/drawing/2010/main" val="0"/>
+              </a:ext>
+            </a:extLst>
+          </a:blip>
+          <a:stretch>
+            <a:fillRect/>
+          </a:stretch>
+        </p:blipFill>
+        <p:spPr>
+          <a:xfrm>
+            <a:off x="5257800" y="2440622"/>
+            <a:ext cx="2438400" cy="3303341"/>
+          </a:xfrm>
+          <a:prstGeom prst="rect">
+            <a:avLst/>
+          </a:prstGeom>
+        </p:spPr>
+      </p:pic>
     </p:spTree>
     <p:extLst>
       <p:ext uri="{BB962C8B-B14F-4D97-AF65-F5344CB8AC3E}">
@@ -10601,7 +11625,7 @@
                                 </p:cTn>
                               </p:par>
                               <p:par>
-                                <p:cTn id="27" presetID="10" presetClass="entr" presetSubtype="0" fill="hold" nodeType="withEffect">
+                                <p:cTn id="27" presetID="10" presetClass="entr" presetSubtype="0" fill="hold" grpId="0" nodeType="withEffect">
                                   <p:stCondLst>
                                     <p:cond delay="0"/>
                                   </p:stCondLst>
@@ -10609,41 +11633,6 @@
                                     <p:set>
                                       <p:cBhvr>
                                         <p:cTn id="28" dur="1" fill="hold">
-                                          <p:stCondLst>
-                                            <p:cond delay="0"/>
-                                          </p:stCondLst>
-                                        </p:cTn>
-                                        <p:tgtEl>
-                                          <p:spTgt spid="8"/>
-                                        </p:tgtEl>
-                                        <p:attrNameLst>
-                                          <p:attrName>style.visibility</p:attrName>
-                                        </p:attrNameLst>
-                                      </p:cBhvr>
-                                      <p:to>
-                                        <p:strVal val="visible"/>
-                                      </p:to>
-                                    </p:set>
-                                    <p:animEffect transition="in" filter="fade">
-                                      <p:cBhvr>
-                                        <p:cTn id="29" dur="500"/>
-                                        <p:tgtEl>
-                                          <p:spTgt spid="8"/>
-                                        </p:tgtEl>
-                                      </p:cBhvr>
-                                    </p:animEffect>
-                                  </p:childTnLst>
-                                </p:cTn>
-                              </p:par>
-                              <p:par>
-                                <p:cTn id="30" presetID="10" presetClass="entr" presetSubtype="0" fill="hold" grpId="0" nodeType="withEffect">
-                                  <p:stCondLst>
-                                    <p:cond delay="0"/>
-                                  </p:stCondLst>
-                                  <p:childTnLst>
-                                    <p:set>
-                                      <p:cBhvr>
-                                        <p:cTn id="31" dur="1" fill="hold">
                                           <p:stCondLst>
                                             <p:cond delay="0"/>
                                           </p:stCondLst>
@@ -10661,7 +11650,7 @@
                                     </p:set>
                                     <p:animEffect transition="in" filter="fade">
                                       <p:cBhvr>
-                                        <p:cTn id="32" dur="500"/>
+                                        <p:cTn id="29" dur="500"/>
                                         <p:tgtEl>
                                           <p:spTgt spid="11"/>
                                         </p:tgtEl>
@@ -10740,7 +11729,35 @@
           <a:bodyPr/>
           <a:lstStyle/>
           <a:p>
-            <a:endParaRPr lang="vi-VN"/>
+            <a:r>
+              <a:rPr lang="en-US" dirty="0" err="1"/>
+              <a:t>Thực</a:t>
+            </a:r>
+            <a:r>
+              <a:rPr lang="en-US" dirty="0"/>
+              <a:t> </a:t>
+            </a:r>
+            <a:r>
+              <a:rPr lang="en-US" dirty="0" err="1"/>
+              <a:t>hiện</a:t>
+            </a:r>
+            <a:r>
+              <a:rPr lang="en-US" dirty="0"/>
+              <a:t> </a:t>
+            </a:r>
+            <a:r>
+              <a:rPr lang="en-US" dirty="0" err="1"/>
+              <a:t>phần</a:t>
+            </a:r>
+            <a:r>
+              <a:rPr lang="en-US" dirty="0"/>
+              <a:t> </a:t>
+            </a:r>
+            <a:r>
+              <a:rPr lang="en-US" dirty="0" err="1"/>
+              <a:t>mềm</a:t>
+            </a:r>
+            <a:endParaRPr lang="vi-VN" dirty="0"/>
           </a:p>
         </p:txBody>
       </p:sp>
@@ -10761,7 +11778,7 @@
           <a:p>
             <a:r>
               <a:rPr lang="en-US" dirty="0" err="1" smtClean="0"/>
-              <a:t>Tạo</a:t>
+              <a:t>Câu</a:t>
             </a:r>
             <a:r>
               <a:rPr lang="en-US" dirty="0" smtClean="0"/>
@@ -10769,7 +11786,7 @@
             </a:r>
             <a:r>
               <a:rPr lang="en-US" dirty="0" err="1" smtClean="0"/>
-              <a:t>đồ</a:t>
+              <a:t>lệnh</a:t>
             </a:r>
             <a:r>
               <a:rPr lang="en-US" dirty="0" smtClean="0"/>
@@ -10777,7 +11794,7 @@
             </a:r>
             <a:r>
               <a:rPr lang="en-US" dirty="0" err="1" smtClean="0"/>
-              <a:t>thị</a:t>
+              <a:t>vòng</a:t>
             </a:r>
             <a:r>
               <a:rPr lang="en-US" dirty="0" smtClean="0"/>
@@ -10785,84 +11802,14 @@
             </a:r>
             <a:r>
               <a:rPr lang="en-US" dirty="0" err="1" smtClean="0"/>
-              <a:t>dòng</a:t>
+              <a:t>lặp</a:t>
             </a:r>
             <a:r>
               <a:rPr lang="en-US" dirty="0" smtClean="0"/>
-              <a:t> </a:t>
-            </a:r>
-            <a:r>
-              <a:rPr lang="en-US" dirty="0" err="1" smtClean="0"/>
-              <a:t>điều</a:t>
-            </a:r>
-            <a:r>
-              <a:rPr lang="en-US" dirty="0" smtClean="0"/>
-              <a:t> </a:t>
-            </a:r>
-            <a:r>
-              <a:rPr lang="en-US" dirty="0" err="1" smtClean="0"/>
-              <a:t>khiển</a:t>
-            </a:r>
-            <a:r>
-              <a:rPr lang="en-US" dirty="0" smtClean="0"/>
-              <a:t> </a:t>
-            </a:r>
-            <a:r>
-              <a:rPr lang="en-US" dirty="0" err="1" smtClean="0"/>
-              <a:t>cơ</a:t>
-            </a:r>
-            <a:r>
-              <a:rPr lang="en-US" dirty="0" smtClean="0"/>
-              <a:t> </a:t>
-            </a:r>
-            <a:r>
-              <a:rPr lang="en-US" dirty="0" err="1" smtClean="0"/>
-              <a:t>bản</a:t>
-            </a:r>
-            <a:r>
-              <a:rPr lang="en-US" dirty="0" smtClean="0"/>
-              <a:t>:</a:t>
-            </a:r>
-          </a:p>
-          <a:p>
-            <a:r>
-              <a:rPr lang="en-US" dirty="0" smtClean="0"/>
-              <a:t>Switch:</a:t>
-            </a:r>
-          </a:p>
-          <a:p>
-            <a:r>
-              <a:rPr lang="en-US" dirty="0" err="1" smtClean="0"/>
-              <a:t>Điều</a:t>
-            </a:r>
-            <a:r>
-              <a:rPr lang="en-US" dirty="0" smtClean="0"/>
-              <a:t> </a:t>
-            </a:r>
-            <a:r>
-              <a:rPr lang="en-US" dirty="0" err="1" smtClean="0"/>
-              <a:t>kiện</a:t>
-            </a:r>
-            <a:r>
-              <a:rPr lang="en-US" dirty="0" smtClean="0"/>
-              <a:t> con:</a:t>
-            </a:r>
-          </a:p>
-          <a:p>
-            <a:r>
-              <a:rPr lang="en-US" dirty="0" smtClean="0"/>
-              <a:t>If:</a:t>
-            </a:r>
-          </a:p>
-          <a:p>
-            <a:r>
-              <a:rPr lang="en-US" dirty="0" err="1" smtClean="0"/>
-              <a:t>Lặp</a:t>
-            </a:r>
-            <a:r>
-              <a:rPr lang="en-US" dirty="0" smtClean="0"/>
-              <a:t>:</a:t>
-            </a:r>
+              <a:t> for-while:</a:t>
+            </a:r>
+          </a:p>
+          <a:p>
             <a:endParaRPr lang="vi-VN" dirty="0"/>
           </a:p>
         </p:txBody>
@@ -10888,6 +11835,186 @@
               <a:t>16</a:t>
             </a:fld>
             <a:endParaRPr lang="en-US"/>
+          </a:p>
+        </p:txBody>
+      </p:sp>
+      <p:pic>
+        <p:nvPicPr>
+          <p:cNvPr id="5" name="Picture 4"/>
+          <p:cNvPicPr>
+            <a:picLocks noChangeAspect="1"/>
+          </p:cNvPicPr>
+          <p:nvPr/>
+        </p:nvPicPr>
+        <p:blipFill>
+          <a:blip r:embed="rId3">
+            <a:extLst>
+              <a:ext uri="{28A0092B-C50C-407E-A947-70E740481C1C}">
+                <a14:useLocalDpi xmlns:a14="http://schemas.microsoft.com/office/drawing/2010/main" val="0"/>
+              </a:ext>
+            </a:extLst>
+          </a:blip>
+          <a:stretch>
+            <a:fillRect/>
+          </a:stretch>
+        </p:blipFill>
+        <p:spPr>
+          <a:xfrm>
+            <a:off x="1962397" y="2057401"/>
+            <a:ext cx="2304803" cy="1685507"/>
+          </a:xfrm>
+          <a:prstGeom prst="rect">
+            <a:avLst/>
+          </a:prstGeom>
+        </p:spPr>
+      </p:pic>
+      <p:pic>
+        <p:nvPicPr>
+          <p:cNvPr id="6" name="Picture 5"/>
+          <p:cNvPicPr>
+            <a:picLocks noChangeAspect="1"/>
+          </p:cNvPicPr>
+          <p:nvPr/>
+        </p:nvPicPr>
+        <p:blipFill>
+          <a:blip r:embed="rId4">
+            <a:extLst>
+              <a:ext uri="{28A0092B-C50C-407E-A947-70E740481C1C}">
+                <a14:useLocalDpi xmlns:a14="http://schemas.microsoft.com/office/drawing/2010/main" val="0"/>
+              </a:ext>
+            </a:extLst>
+          </a:blip>
+          <a:stretch>
+            <a:fillRect/>
+          </a:stretch>
+        </p:blipFill>
+        <p:spPr>
+          <a:xfrm>
+            <a:off x="1981200" y="4191000"/>
+            <a:ext cx="2133599" cy="2094689"/>
+          </a:xfrm>
+          <a:prstGeom prst="rect">
+            <a:avLst/>
+          </a:prstGeom>
+        </p:spPr>
+      </p:pic>
+      <p:pic>
+        <p:nvPicPr>
+          <p:cNvPr id="7" name="Picture 6"/>
+          <p:cNvPicPr>
+            <a:picLocks noChangeAspect="1"/>
+          </p:cNvPicPr>
+          <p:nvPr/>
+        </p:nvPicPr>
+        <p:blipFill>
+          <a:blip r:embed="rId5">
+            <a:extLst>
+              <a:ext uri="{28A0092B-C50C-407E-A947-70E740481C1C}">
+                <a14:useLocalDpi xmlns:a14="http://schemas.microsoft.com/office/drawing/2010/main" val="0"/>
+              </a:ext>
+            </a:extLst>
+          </a:blip>
+          <a:stretch>
+            <a:fillRect/>
+          </a:stretch>
+        </p:blipFill>
+        <p:spPr>
+          <a:xfrm>
+            <a:off x="5410198" y="2489414"/>
+            <a:ext cx="2159609" cy="3572286"/>
+          </a:xfrm>
+          <a:prstGeom prst="rect">
+            <a:avLst/>
+          </a:prstGeom>
+        </p:spPr>
+      </p:pic>
+      <p:sp>
+        <p:nvSpPr>
+          <p:cNvPr id="8" name="TextBox 7"/>
+          <p:cNvSpPr txBox="1"/>
+          <p:nvPr/>
+        </p:nvSpPr>
+        <p:spPr>
+          <a:xfrm>
+            <a:off x="1173064" y="2683771"/>
+            <a:ext cx="800219" cy="461665"/>
+          </a:xfrm>
+          <a:prstGeom prst="rect">
+            <a:avLst/>
+          </a:prstGeom>
+          <a:noFill/>
+        </p:spPr>
+        <p:txBody>
+          <a:bodyPr wrap="none" rtlCol="0">
+            <a:spAutoFit/>
+          </a:bodyPr>
+          <a:lstStyle/>
+          <a:p>
+            <a:r>
+              <a:rPr lang="en-US" sz="2400" b="1" dirty="0" smtClean="0"/>
+              <a:t>AST</a:t>
+            </a:r>
+            <a:endParaRPr lang="en-US" sz="2400" b="1" dirty="0"/>
+          </a:p>
+        </p:txBody>
+      </p:sp>
+      <p:sp>
+        <p:nvSpPr>
+          <p:cNvPr id="9" name="TextBox 8"/>
+          <p:cNvSpPr txBox="1"/>
+          <p:nvPr/>
+        </p:nvSpPr>
+        <p:spPr>
+          <a:xfrm>
+            <a:off x="1119318" y="5007511"/>
+            <a:ext cx="1039067" cy="461665"/>
+          </a:xfrm>
+          <a:prstGeom prst="rect">
+            <a:avLst/>
+          </a:prstGeom>
+          <a:noFill/>
+        </p:spPr>
+        <p:txBody>
+          <a:bodyPr wrap="none" rtlCol="0">
+            <a:spAutoFit/>
+          </a:bodyPr>
+          <a:lstStyle/>
+          <a:p>
+            <a:r>
+              <a:rPr lang="en-US" sz="2400" b="1" dirty="0" err="1" smtClean="0"/>
+              <a:t>INode</a:t>
+            </a:r>
+            <a:endParaRPr lang="en-US" sz="2400" b="1" dirty="0"/>
+          </a:p>
+        </p:txBody>
+      </p:sp>
+      <p:sp>
+        <p:nvSpPr>
+          <p:cNvPr id="10" name="TextBox 9"/>
+          <p:cNvSpPr txBox="1"/>
+          <p:nvPr/>
+        </p:nvSpPr>
+        <p:spPr>
+          <a:xfrm>
+            <a:off x="7596526" y="4045164"/>
+            <a:ext cx="1090363" cy="461665"/>
+          </a:xfrm>
+          <a:prstGeom prst="rect">
+            <a:avLst/>
+          </a:prstGeom>
+          <a:noFill/>
+        </p:spPr>
+        <p:txBody>
+          <a:bodyPr wrap="none" rtlCol="0">
+            <a:spAutoFit/>
+          </a:bodyPr>
+          <a:lstStyle/>
+          <a:p>
+            <a:r>
+              <a:rPr lang="en-US" sz="2400" b="1" dirty="0" smtClean="0"/>
+              <a:t>Graph</a:t>
+            </a:r>
+            <a:endParaRPr lang="en-US" sz="2400" b="1" dirty="0"/>
           </a:p>
         </p:txBody>
       </p:sp>
@@ -10943,7 +12070,35 @@
           <a:bodyPr/>
           <a:lstStyle/>
           <a:p>
-            <a:endParaRPr lang="vi-VN"/>
+            <a:r>
+              <a:rPr lang="en-US" dirty="0" err="1"/>
+              <a:t>Thực</a:t>
+            </a:r>
+            <a:r>
+              <a:rPr lang="en-US" dirty="0"/>
+              <a:t> </a:t>
+            </a:r>
+            <a:r>
+              <a:rPr lang="en-US" dirty="0" err="1"/>
+              <a:t>hiện</a:t>
+            </a:r>
+            <a:r>
+              <a:rPr lang="en-US" dirty="0"/>
+              <a:t> </a:t>
+            </a:r>
+            <a:r>
+              <a:rPr lang="en-US" dirty="0" err="1"/>
+              <a:t>phần</a:t>
+            </a:r>
+            <a:r>
+              <a:rPr lang="en-US" dirty="0"/>
+              <a:t> </a:t>
+            </a:r>
+            <a:r>
+              <a:rPr lang="en-US" dirty="0" err="1"/>
+              <a:t>mềm</a:t>
+            </a:r>
+            <a:endParaRPr lang="vi-VN" dirty="0"/>
           </a:p>
         </p:txBody>
       </p:sp>
@@ -10964,7 +12119,15 @@
           <a:p>
             <a:r>
               <a:rPr lang="en-US" dirty="0" err="1" smtClean="0"/>
-              <a:t>Tạo</a:t>
+              <a:t>Xử</a:t>
+            </a:r>
+            <a:r>
+              <a:rPr lang="en-US" dirty="0" smtClean="0"/>
+              <a:t> </a:t>
+            </a:r>
+            <a:r>
+              <a:rPr lang="en-US" dirty="0" err="1" smtClean="0"/>
+              <a:t>lý</a:t>
             </a:r>
             <a:r>
               <a:rPr lang="en-US" dirty="0" smtClean="0"/>
@@ -10988,7 +12151,7 @@
             </a:r>
             <a:r>
               <a:rPr lang="en-US" dirty="0" err="1" smtClean="0"/>
-              <a:t>dòng</a:t>
+              <a:t>thành</a:t>
             </a:r>
             <a:r>
               <a:rPr lang="en-US" dirty="0" smtClean="0"/>
@@ -10996,7 +12159,7 @@
             </a:r>
             <a:r>
               <a:rPr lang="en-US" dirty="0" err="1" smtClean="0"/>
-              <a:t>điều</a:t>
+              <a:t>nhị</a:t>
             </a:r>
             <a:r>
               <a:rPr lang="en-US" dirty="0" smtClean="0"/>
@@ -11004,63 +12167,7 @@
             </a:r>
             <a:r>
               <a:rPr lang="en-US" dirty="0" err="1" smtClean="0"/>
-              <a:t>khiển</a:t>
-            </a:r>
-            <a:r>
-              <a:rPr lang="en-US" dirty="0" smtClean="0"/>
-              <a:t> </a:t>
-            </a:r>
-            <a:r>
-              <a:rPr lang="en-US" dirty="0" err="1" smtClean="0"/>
-              <a:t>cơ</a:t>
-            </a:r>
-            <a:r>
-              <a:rPr lang="en-US" dirty="0" smtClean="0"/>
-              <a:t> </a:t>
-            </a:r>
-            <a:r>
-              <a:rPr lang="en-US" dirty="0" err="1" smtClean="0"/>
-              <a:t>bản</a:t>
-            </a:r>
-            <a:r>
-              <a:rPr lang="en-US" dirty="0" smtClean="0"/>
-              <a:t>:</a:t>
-            </a:r>
-          </a:p>
-          <a:p>
-            <a:r>
-              <a:rPr lang="en-US" dirty="0" smtClean="0"/>
-              <a:t>Switch:</a:t>
-            </a:r>
-          </a:p>
-          <a:p>
-            <a:r>
-              <a:rPr lang="en-US" dirty="0" err="1" smtClean="0"/>
-              <a:t>Điều</a:t>
-            </a:r>
-            <a:r>
-              <a:rPr lang="en-US" dirty="0" smtClean="0"/>
-              <a:t> </a:t>
-            </a:r>
-            <a:r>
-              <a:rPr lang="en-US" dirty="0" err="1" smtClean="0"/>
-              <a:t>kiện</a:t>
-            </a:r>
-            <a:r>
-              <a:rPr lang="en-US" dirty="0" smtClean="0"/>
-              <a:t> con:</a:t>
-            </a:r>
-          </a:p>
-          <a:p>
-            <a:r>
-              <a:rPr lang="en-US" dirty="0" smtClean="0"/>
-              <a:t>If:</a:t>
-            </a:r>
-          </a:p>
-          <a:p>
-            <a:r>
-              <a:rPr lang="en-US" dirty="0" err="1" smtClean="0"/>
-              <a:t>Lặp</a:t>
+              <a:t>phân</a:t>
             </a:r>
             <a:r>
               <a:rPr lang="en-US" dirty="0" smtClean="0"/>
@@ -22241,7 +23348,7 @@
           </p:nvPr>
         </p:nvPicPr>
         <p:blipFill>
-          <a:blip r:embed="rId2">
+          <a:blip r:embed="rId3">
             <a:extLst>
               <a:ext uri="{28A0092B-C50C-407E-A947-70E740481C1C}">
                 <a14:useLocalDpi xmlns:a14="http://schemas.microsoft.com/office/drawing/2010/main" val="0"/>

--- a/trunk/Document/Presentation.pptx
+++ b/trunk/Document/Presentation.pptx
@@ -5,7 +5,7 @@
     <p:sldMasterId id="2147483648" r:id="rId1"/>
   </p:sldMasterIdLst>
   <p:notesMasterIdLst>
-    <p:notesMasterId r:id="rId35"/>
+    <p:notesMasterId r:id="rId36"/>
   </p:notesMasterIdLst>
   <p:sldIdLst>
     <p:sldId id="256" r:id="rId2"/>
@@ -38,9 +38,10 @@
     <p:sldId id="335" r:id="rId29"/>
     <p:sldId id="338" r:id="rId30"/>
     <p:sldId id="341" r:id="rId31"/>
-    <p:sldId id="342" r:id="rId32"/>
-    <p:sldId id="324" r:id="rId33"/>
-    <p:sldId id="276" r:id="rId34"/>
+    <p:sldId id="344" r:id="rId32"/>
+    <p:sldId id="342" r:id="rId33"/>
+    <p:sldId id="324" r:id="rId34"/>
+    <p:sldId id="276" r:id="rId35"/>
   </p:sldIdLst>
   <p:sldSz cx="9144000" cy="6858000" type="screen4x3"/>
   <p:notesSz cx="6858000" cy="9144000"/>
@@ -40177,6 +40178,141 @@
       </p:grpSpPr>
       <p:sp>
         <p:nvSpPr>
+          <p:cNvPr id="2" name="Title 1"/>
+          <p:cNvSpPr>
+            <a:spLocks noGrp="1"/>
+          </p:cNvSpPr>
+          <p:nvPr>
+            <p:ph type="title"/>
+          </p:nvPr>
+        </p:nvSpPr>
+        <p:spPr/>
+        <p:txBody>
+          <a:bodyPr/>
+          <a:lstStyle/>
+          <a:p>
+            <a:r>
+              <a:rPr lang="en-US" dirty="0" err="1" smtClean="0"/>
+              <a:t>Thực</a:t>
+            </a:r>
+            <a:r>
+              <a:rPr lang="en-US" dirty="0" smtClean="0"/>
+              <a:t> </a:t>
+            </a:r>
+            <a:r>
+              <a:rPr lang="en-US" dirty="0" err="1" smtClean="0"/>
+              <a:t>nghiệm</a:t>
+            </a:r>
+            <a:r>
+              <a:rPr lang="en-US" dirty="0" smtClean="0"/>
+              <a:t> </a:t>
+            </a:r>
+            <a:r>
+              <a:rPr lang="en-US" dirty="0" err="1" smtClean="0"/>
+              <a:t>và</a:t>
+            </a:r>
+            <a:r>
+              <a:rPr lang="en-US" dirty="0" smtClean="0"/>
+              <a:t> </a:t>
+            </a:r>
+            <a:r>
+              <a:rPr lang="en-US" dirty="0" err="1" smtClean="0"/>
+              <a:t>đánh</a:t>
+            </a:r>
+            <a:r>
+              <a:rPr lang="en-US" dirty="0" smtClean="0"/>
+              <a:t> </a:t>
+            </a:r>
+            <a:r>
+              <a:rPr lang="en-US" dirty="0" err="1" smtClean="0"/>
+              <a:t>giá</a:t>
+            </a:r>
+            <a:endParaRPr lang="en-US" dirty="0"/>
+          </a:p>
+        </p:txBody>
+      </p:sp>
+      <p:sp>
+        <p:nvSpPr>
+          <p:cNvPr id="3" name="Content Placeholder 2"/>
+          <p:cNvSpPr>
+            <a:spLocks noGrp="1"/>
+          </p:cNvSpPr>
+          <p:nvPr>
+            <p:ph idx="1"/>
+          </p:nvPr>
+        </p:nvSpPr>
+        <p:spPr/>
+        <p:txBody>
+          <a:bodyPr/>
+          <a:lstStyle/>
+          <a:p>
+            <a:endParaRPr lang="en-US"/>
+          </a:p>
+        </p:txBody>
+      </p:sp>
+      <p:sp>
+        <p:nvSpPr>
+          <p:cNvPr id="4" name="Slide Number Placeholder 3"/>
+          <p:cNvSpPr>
+            <a:spLocks noGrp="1"/>
+          </p:cNvSpPr>
+          <p:nvPr>
+            <p:ph type="sldNum" sz="quarter" idx="12"/>
+          </p:nvPr>
+        </p:nvSpPr>
+        <p:spPr/>
+        <p:txBody>
+          <a:bodyPr/>
+          <a:lstStyle/>
+          <a:p>
+            <a:fld id="{753E8AF1-3FDC-433A-B115-6A0A382D9A1A}" type="slidenum">
+              <a:rPr lang="en-US" smtClean="0"/>
+              <a:pPr/>
+              <a:t>31</a:t>
+            </a:fld>
+            <a:endParaRPr lang="en-US"/>
+          </a:p>
+        </p:txBody>
+      </p:sp>
+    </p:spTree>
+    <p:extLst>
+      <p:ext uri="{BB962C8B-B14F-4D97-AF65-F5344CB8AC3E}">
+        <p14:creationId xmlns:p14="http://schemas.microsoft.com/office/powerpoint/2010/main" val="184973099"/>
+      </p:ext>
+    </p:extLst>
+  </p:cSld>
+  <p:clrMapOvr>
+    <a:masterClrMapping/>
+  </p:clrMapOvr>
+  <p:timing>
+    <p:tnLst>
+      <p:par>
+        <p:cTn id="1" dur="indefinite" restart="never" nodeType="tmRoot"/>
+      </p:par>
+    </p:tnLst>
+  </p:timing>
+</p:sld>
+</file>
+
+<file path=ppt/slides/slide32.xml><?xml version="1.0" encoding="utf-8"?>
+<p:sld xmlns:a="http://schemas.openxmlformats.org/drawingml/2006/main" xmlns:r="http://schemas.openxmlformats.org/officeDocument/2006/relationships" xmlns:p="http://schemas.openxmlformats.org/presentationml/2006/main">
+  <p:cSld>
+    <p:spTree>
+      <p:nvGrpSpPr>
+        <p:cNvPr id="1" name=""/>
+        <p:cNvGrpSpPr/>
+        <p:nvPr/>
+      </p:nvGrpSpPr>
+      <p:grpSpPr>
+        <a:xfrm>
+          <a:off x="0" y="0"/>
+          <a:ext cx="0" cy="0"/>
+          <a:chOff x="0" y="0"/>
+          <a:chExt cx="0" cy="0"/>
+        </a:xfrm>
+      </p:grpSpPr>
+      <p:sp>
+        <p:nvSpPr>
           <p:cNvPr id="86018" name="Rectangle 2"/>
           <p:cNvSpPr>
             <a:spLocks noGrp="1" noChangeArrowheads="1"/>
@@ -42374,7 +42510,7 @@
             <a:fld id="{753E8AF1-3FDC-433A-B115-6A0A382D9A1A}" type="slidenum">
               <a:rPr lang="en-US" smtClean="0"/>
               <a:pPr/>
-              <a:t>31</a:t>
+              <a:t>32</a:t>
             </a:fld>
             <a:endParaRPr lang="en-US"/>
           </a:p>
@@ -42928,7 +43064,7 @@
 </p:sld>
 </file>
 
-<file path=ppt/slides/slide32.xml><?xml version="1.0" encoding="utf-8"?>
+<file path=ppt/slides/slide33.xml><?xml version="1.0" encoding="utf-8"?>
 <p:sld xmlns:a="http://schemas.openxmlformats.org/drawingml/2006/main" xmlns:r="http://schemas.openxmlformats.org/officeDocument/2006/relationships" xmlns:p="http://schemas.openxmlformats.org/presentationml/2006/main">
   <p:cSld>
     <p:spTree>
@@ -43389,7 +43525,7 @@
             <a:fld id="{753E8AF1-3FDC-433A-B115-6A0A382D9A1A}" type="slidenum">
               <a:rPr lang="en-US" smtClean="0"/>
               <a:pPr/>
-              <a:t>32</a:t>
+              <a:t>33</a:t>
             </a:fld>
             <a:endParaRPr lang="en-US"/>
           </a:p>
@@ -43793,7 +43929,7 @@
 </p:sld>
 </file>
 
-<file path=ppt/slides/slide33.xml><?xml version="1.0" encoding="utf-8"?>
+<file path=ppt/slides/slide34.xml><?xml version="1.0" encoding="utf-8"?>
 <p:sld xmlns:a="http://schemas.openxmlformats.org/drawingml/2006/main" xmlns:r="http://schemas.openxmlformats.org/officeDocument/2006/relationships" xmlns:p="http://schemas.openxmlformats.org/presentationml/2006/main">
   <p:cSld>
     <p:spTree>

--- a/trunk/Document/Presentation.pptx
+++ b/trunk/Document/Presentation.pptx
@@ -254,7 +254,7 @@
           <a:p>
             <a:fld id="{DA859616-FE6E-4EBF-908D-BFE218AA9A04}" type="datetimeFigureOut">
               <a:rPr lang="vi-VN" smtClean="0"/>
-              <a:t>07/01/2014</a:t>
+              <a:t>08/01/2014</a:t>
             </a:fld>
             <a:endParaRPr lang="vi-VN"/>
           </a:p>
@@ -22066,7 +22066,7 @@
                 </a:srgbClr>
               </a:gs>
               <a:gs pos="49000">
-                <a:srgbClr val="0F4127">
+                <a:srgbClr val="166039">
                   <a:alpha val="60000"/>
                 </a:srgbClr>
               </a:gs>
@@ -26011,7 +26011,7 @@
                                 </p:cTn>
                               </p:par>
                               <p:par>
-                                <p:cTn id="8" presetID="22" presetClass="entr" presetSubtype="1" fill="remove" nodeType="withEffect">
+                                <p:cTn id="8" presetID="1" presetClass="entr" presetSubtype="0" fill="hold" nodeType="withEffect">
                                   <p:stCondLst>
                                     <p:cond delay="0"/>
                                   </p:stCondLst>
@@ -26034,15 +26034,23 @@
                                         <p:strVal val="visible"/>
                                       </p:to>
                                     </p:set>
-                                    <p:animEffect transition="in" filter="wipe(up)">
-                                      <p:cBhvr>
-                                        <p:cTn id="10" dur="1500"/>
+                                  </p:childTnLst>
+                                  <p:subTnLst>
+                                    <p:set>
+                                      <p:cBhvr override="childStyle">
+                                        <p:cTn dur="1" fill="hold" display="0" masterRel="nextClick" afterEffect="1"/>
                                         <p:tgtEl>
                                           <p:spTgt spid="11"/>
                                         </p:tgtEl>
+                                        <p:attrNameLst>
+                                          <p:attrName>style.visibility</p:attrName>
+                                        </p:attrNameLst>
                                       </p:cBhvr>
-                                    </p:animEffect>
-                                  </p:childTnLst>
+                                      <p:to>
+                                        <p:strVal val="hidden"/>
+                                      </p:to>
+                                    </p:set>
+                                  </p:subTnLst>
                                 </p:cTn>
                               </p:par>
                             </p:childTnLst>
@@ -26052,26 +26060,26 @@
                     </p:cTn>
                   </p:par>
                   <p:par>
-                    <p:cTn id="11" fill="hold">
+                    <p:cTn id="10" fill="hold">
                       <p:stCondLst>
                         <p:cond delay="indefinite"/>
                       </p:stCondLst>
                       <p:childTnLst>
                         <p:par>
-                          <p:cTn id="12" fill="hold">
+                          <p:cTn id="11" fill="hold">
                             <p:stCondLst>
                               <p:cond delay="0"/>
                             </p:stCondLst>
                             <p:childTnLst>
                               <p:par>
-                                <p:cTn id="13" presetID="10" presetClass="entr" presetSubtype="0" fill="hold" nodeType="clickEffect">
+                                <p:cTn id="12" presetID="10" presetClass="entr" presetSubtype="0" fill="hold" nodeType="clickEffect">
                                   <p:stCondLst>
                                     <p:cond delay="0"/>
                                   </p:stCondLst>
                                   <p:childTnLst>
                                     <p:set>
                                       <p:cBhvr>
-                                        <p:cTn id="14" dur="1" fill="hold">
+                                        <p:cTn id="13" dur="1" fill="hold">
                                           <p:stCondLst>
                                             <p:cond delay="0"/>
                                           </p:stCondLst>
@@ -26093,7 +26101,7 @@
                                     </p:set>
                                     <p:animEffect transition="in" filter="fade">
                                       <p:cBhvr>
-                                        <p:cTn id="15" dur="500"/>
+                                        <p:cTn id="14" dur="500"/>
                                         <p:tgtEl>
                                           <p:spTgt spid="7">
                                             <p:txEl>
@@ -26107,14 +26115,14 @@
                                 </p:cTn>
                               </p:par>
                               <p:par>
-                                <p:cTn id="16" presetID="22" presetClass="entr" presetSubtype="1" fill="remove" nodeType="withEffect">
+                                <p:cTn id="15" presetID="1" presetClass="entr" presetSubtype="0" fill="hold" nodeType="withEffect">
                                   <p:stCondLst>
                                     <p:cond delay="0"/>
                                   </p:stCondLst>
                                   <p:childTnLst>
                                     <p:set>
                                       <p:cBhvr>
-                                        <p:cTn id="17" dur="1" fill="hold">
+                                        <p:cTn id="16" dur="1" fill="hold">
                                           <p:stCondLst>
                                             <p:cond delay="0"/>
                                           </p:stCondLst>
@@ -26130,15 +26138,23 @@
                                         <p:strVal val="visible"/>
                                       </p:to>
                                     </p:set>
-                                    <p:animEffect transition="in" filter="wipe(up)">
-                                      <p:cBhvr>
-                                        <p:cTn id="18" dur="1500"/>
+                                  </p:childTnLst>
+                                  <p:subTnLst>
+                                    <p:set>
+                                      <p:cBhvr override="childStyle">
+                                        <p:cTn dur="1" fill="hold" display="0" masterRel="nextClick" afterEffect="1"/>
                                         <p:tgtEl>
                                           <p:spTgt spid="12"/>
                                         </p:tgtEl>
+                                        <p:attrNameLst>
+                                          <p:attrName>style.visibility</p:attrName>
+                                        </p:attrNameLst>
                                       </p:cBhvr>
-                                    </p:animEffect>
-                                  </p:childTnLst>
+                                      <p:to>
+                                        <p:strVal val="hidden"/>
+                                      </p:to>
+                                    </p:set>
+                                  </p:subTnLst>
                                 </p:cTn>
                               </p:par>
                             </p:childTnLst>
@@ -26148,26 +26164,26 @@
                     </p:cTn>
                   </p:par>
                   <p:par>
-                    <p:cTn id="19" fill="hold">
+                    <p:cTn id="17" fill="hold">
                       <p:stCondLst>
                         <p:cond delay="indefinite"/>
                       </p:stCondLst>
                       <p:childTnLst>
                         <p:par>
-                          <p:cTn id="20" fill="hold">
+                          <p:cTn id="18" fill="hold">
                             <p:stCondLst>
                               <p:cond delay="0"/>
                             </p:stCondLst>
                             <p:childTnLst>
                               <p:par>
-                                <p:cTn id="21" presetID="10" presetClass="entr" presetSubtype="0" fill="hold" nodeType="clickEffect">
+                                <p:cTn id="19" presetID="10" presetClass="entr" presetSubtype="0" fill="hold" nodeType="clickEffect">
                                   <p:stCondLst>
                                     <p:cond delay="0"/>
                                   </p:stCondLst>
                                   <p:childTnLst>
                                     <p:set>
                                       <p:cBhvr>
-                                        <p:cTn id="22" dur="1" fill="hold">
+                                        <p:cTn id="20" dur="1" fill="hold">
                                           <p:stCondLst>
                                             <p:cond delay="0"/>
                                           </p:stCondLst>
@@ -26189,7 +26205,7 @@
                                     </p:set>
                                     <p:animEffect transition="in" filter="fade">
                                       <p:cBhvr>
-                                        <p:cTn id="23" dur="500"/>
+                                        <p:cTn id="21" dur="500"/>
                                         <p:tgtEl>
                                           <p:spTgt spid="7">
                                             <p:txEl>
@@ -26203,14 +26219,14 @@
                                 </p:cTn>
                               </p:par>
                               <p:par>
-                                <p:cTn id="24" presetID="22" presetClass="entr" presetSubtype="1" fill="remove" nodeType="withEffect">
+                                <p:cTn id="22" presetID="1" presetClass="entr" presetSubtype="0" fill="hold" nodeType="withEffect">
                                   <p:stCondLst>
                                     <p:cond delay="0"/>
                                   </p:stCondLst>
                                   <p:childTnLst>
                                     <p:set>
                                       <p:cBhvr>
-                                        <p:cTn id="25" dur="1" fill="hold">
+                                        <p:cTn id="23" dur="1" fill="hold">
                                           <p:stCondLst>
                                             <p:cond delay="0"/>
                                           </p:stCondLst>
@@ -26226,15 +26242,23 @@
                                         <p:strVal val="visible"/>
                                       </p:to>
                                     </p:set>
-                                    <p:animEffect transition="in" filter="wipe(up)">
-                                      <p:cBhvr>
-                                        <p:cTn id="26" dur="1500"/>
+                                  </p:childTnLst>
+                                  <p:subTnLst>
+                                    <p:set>
+                                      <p:cBhvr override="childStyle">
+                                        <p:cTn dur="1" fill="hold" display="0" masterRel="nextClick" afterEffect="1"/>
                                         <p:tgtEl>
                                           <p:spTgt spid="13"/>
                                         </p:tgtEl>
+                                        <p:attrNameLst>
+                                          <p:attrName>style.visibility</p:attrName>
+                                        </p:attrNameLst>
                                       </p:cBhvr>
-                                    </p:animEffect>
-                                  </p:childTnLst>
+                                      <p:to>
+                                        <p:strVal val="hidden"/>
+                                      </p:to>
+                                    </p:set>
+                                  </p:subTnLst>
                                 </p:cTn>
                               </p:par>
                             </p:childTnLst>
@@ -28676,9 +28700,264 @@
   <p:timing>
     <p:tnLst>
       <p:par>
-        <p:cTn id="1" dur="indefinite" restart="never" nodeType="tmRoot"/>
+        <p:cTn id="1" dur="indefinite" restart="never" nodeType="tmRoot">
+          <p:childTnLst>
+            <p:seq concurrent="1" nextAc="seek">
+              <p:cTn id="2" dur="indefinite" nodeType="mainSeq">
+                <p:childTnLst>
+                  <p:par>
+                    <p:cTn id="3" fill="hold">
+                      <p:stCondLst>
+                        <p:cond delay="indefinite"/>
+                      </p:stCondLst>
+                      <p:childTnLst>
+                        <p:par>
+                          <p:cTn id="4" fill="hold">
+                            <p:stCondLst>
+                              <p:cond delay="0"/>
+                            </p:stCondLst>
+                            <p:childTnLst>
+                              <p:par>
+                                <p:cTn id="5" presetID="1" presetClass="entr" presetSubtype="0" fill="hold" grpId="0" nodeType="clickEffect">
+                                  <p:stCondLst>
+                                    <p:cond delay="0"/>
+                                  </p:stCondLst>
+                                  <p:childTnLst>
+                                    <p:set>
+                                      <p:cBhvr>
+                                        <p:cTn id="6" dur="1" fill="hold">
+                                          <p:stCondLst>
+                                            <p:cond delay="0"/>
+                                          </p:stCondLst>
+                                        </p:cTn>
+                                        <p:tgtEl>
+                                          <p:spTgt spid="12"/>
+                                        </p:tgtEl>
+                                        <p:attrNameLst>
+                                          <p:attrName>style.visibility</p:attrName>
+                                        </p:attrNameLst>
+                                      </p:cBhvr>
+                                      <p:to>
+                                        <p:strVal val="visible"/>
+                                      </p:to>
+                                    </p:set>
+                                  </p:childTnLst>
+                                </p:cTn>
+                              </p:par>
+                              <p:par>
+                                <p:cTn id="7" presetID="1" presetClass="entr" presetSubtype="0" fill="hold" nodeType="withEffect">
+                                  <p:stCondLst>
+                                    <p:cond delay="0"/>
+                                  </p:stCondLst>
+                                  <p:childTnLst>
+                                    <p:set>
+                                      <p:cBhvr>
+                                        <p:cTn id="8" dur="1" fill="hold">
+                                          <p:stCondLst>
+                                            <p:cond delay="0"/>
+                                          </p:stCondLst>
+                                        </p:cTn>
+                                        <p:tgtEl>
+                                          <p:spTgt spid="7"/>
+                                        </p:tgtEl>
+                                        <p:attrNameLst>
+                                          <p:attrName>style.visibility</p:attrName>
+                                        </p:attrNameLst>
+                                      </p:cBhvr>
+                                      <p:to>
+                                        <p:strVal val="visible"/>
+                                      </p:to>
+                                    </p:set>
+                                  </p:childTnLst>
+                                </p:cTn>
+                              </p:par>
+                              <p:par>
+                                <p:cTn id="9" presetID="1" presetClass="entr" presetSubtype="0" fill="hold" grpId="0" nodeType="withEffect">
+                                  <p:stCondLst>
+                                    <p:cond delay="0"/>
+                                  </p:stCondLst>
+                                  <p:childTnLst>
+                                    <p:set>
+                                      <p:cBhvr>
+                                        <p:cTn id="10" dur="1" fill="hold">
+                                          <p:stCondLst>
+                                            <p:cond delay="0"/>
+                                          </p:stCondLst>
+                                        </p:cTn>
+                                        <p:tgtEl>
+                                          <p:spTgt spid="10"/>
+                                        </p:tgtEl>
+                                        <p:attrNameLst>
+                                          <p:attrName>style.visibility</p:attrName>
+                                        </p:attrNameLst>
+                                      </p:cBhvr>
+                                      <p:to>
+                                        <p:strVal val="visible"/>
+                                      </p:to>
+                                    </p:set>
+                                  </p:childTnLst>
+                                </p:cTn>
+                              </p:par>
+                              <p:par>
+                                <p:cTn id="11" presetID="1" presetClass="entr" presetSubtype="0" fill="hold" grpId="0" nodeType="withEffect">
+                                  <p:stCondLst>
+                                    <p:cond delay="0"/>
+                                  </p:stCondLst>
+                                  <p:childTnLst>
+                                    <p:set>
+                                      <p:cBhvr>
+                                        <p:cTn id="12" dur="1" fill="hold">
+                                          <p:stCondLst>
+                                            <p:cond delay="0"/>
+                                          </p:stCondLst>
+                                        </p:cTn>
+                                        <p:tgtEl>
+                                          <p:spTgt spid="5"/>
+                                        </p:tgtEl>
+                                        <p:attrNameLst>
+                                          <p:attrName>style.visibility</p:attrName>
+                                        </p:attrNameLst>
+                                      </p:cBhvr>
+                                      <p:to>
+                                        <p:strVal val="visible"/>
+                                      </p:to>
+                                    </p:set>
+                                  </p:childTnLst>
+                                </p:cTn>
+                              </p:par>
+                            </p:childTnLst>
+                          </p:cTn>
+                        </p:par>
+                      </p:childTnLst>
+                    </p:cTn>
+                  </p:par>
+                  <p:par>
+                    <p:cTn id="13" fill="hold">
+                      <p:stCondLst>
+                        <p:cond delay="indefinite"/>
+                      </p:stCondLst>
+                      <p:childTnLst>
+                        <p:par>
+                          <p:cTn id="14" fill="hold">
+                            <p:stCondLst>
+                              <p:cond delay="0"/>
+                            </p:stCondLst>
+                            <p:childTnLst>
+                              <p:par>
+                                <p:cTn id="15" presetID="1" presetClass="entr" presetSubtype="0" fill="hold" nodeType="clickEffect">
+                                  <p:stCondLst>
+                                    <p:cond delay="0"/>
+                                  </p:stCondLst>
+                                  <p:childTnLst>
+                                    <p:set>
+                                      <p:cBhvr>
+                                        <p:cTn id="16" dur="1" fill="hold">
+                                          <p:stCondLst>
+                                            <p:cond delay="0"/>
+                                          </p:stCondLst>
+                                        </p:cTn>
+                                        <p:tgtEl>
+                                          <p:spTgt spid="14"/>
+                                        </p:tgtEl>
+                                        <p:attrNameLst>
+                                          <p:attrName>style.visibility</p:attrName>
+                                        </p:attrNameLst>
+                                      </p:cBhvr>
+                                      <p:to>
+                                        <p:strVal val="visible"/>
+                                      </p:to>
+                                    </p:set>
+                                  </p:childTnLst>
+                                </p:cTn>
+                              </p:par>
+                              <p:par>
+                                <p:cTn id="17" presetID="1" presetClass="entr" presetSubtype="0" fill="hold" grpId="0" nodeType="withEffect">
+                                  <p:stCondLst>
+                                    <p:cond delay="0"/>
+                                  </p:stCondLst>
+                                  <p:childTnLst>
+                                    <p:set>
+                                      <p:cBhvr>
+                                        <p:cTn id="18" dur="1" fill="hold">
+                                          <p:stCondLst>
+                                            <p:cond delay="0"/>
+                                          </p:stCondLst>
+                                        </p:cTn>
+                                        <p:tgtEl>
+                                          <p:spTgt spid="13"/>
+                                        </p:tgtEl>
+                                        <p:attrNameLst>
+                                          <p:attrName>style.visibility</p:attrName>
+                                        </p:attrNameLst>
+                                      </p:cBhvr>
+                                      <p:to>
+                                        <p:strVal val="visible"/>
+                                      </p:to>
+                                    </p:set>
+                                  </p:childTnLst>
+                                </p:cTn>
+                              </p:par>
+                              <p:par>
+                                <p:cTn id="19" presetID="1" presetClass="entr" presetSubtype="0" fill="hold" grpId="0" nodeType="withEffect">
+                                  <p:stCondLst>
+                                    <p:cond delay="0"/>
+                                  </p:stCondLst>
+                                  <p:childTnLst>
+                                    <p:set>
+                                      <p:cBhvr>
+                                        <p:cTn id="20" dur="1" fill="hold">
+                                          <p:stCondLst>
+                                            <p:cond delay="0"/>
+                                          </p:stCondLst>
+                                        </p:cTn>
+                                        <p:tgtEl>
+                                          <p:spTgt spid="11"/>
+                                        </p:tgtEl>
+                                        <p:attrNameLst>
+                                          <p:attrName>style.visibility</p:attrName>
+                                        </p:attrNameLst>
+                                      </p:cBhvr>
+                                      <p:to>
+                                        <p:strVal val="visible"/>
+                                      </p:to>
+                                    </p:set>
+                                  </p:childTnLst>
+                                </p:cTn>
+                              </p:par>
+                            </p:childTnLst>
+                          </p:cTn>
+                        </p:par>
+                      </p:childTnLst>
+                    </p:cTn>
+                  </p:par>
+                </p:childTnLst>
+              </p:cTn>
+              <p:prevCondLst>
+                <p:cond evt="onPrev" delay="0">
+                  <p:tgtEl>
+                    <p:sldTgt/>
+                  </p:tgtEl>
+                </p:cond>
+              </p:prevCondLst>
+              <p:nextCondLst>
+                <p:cond evt="onNext" delay="0">
+                  <p:tgtEl>
+                    <p:sldTgt/>
+                  </p:tgtEl>
+                </p:cond>
+              </p:nextCondLst>
+            </p:seq>
+          </p:childTnLst>
+        </p:cTn>
       </p:par>
     </p:tnLst>
+    <p:bldLst>
+      <p:bldP spid="10" grpId="0"/>
+      <p:bldP spid="11" grpId="0"/>
+      <p:bldP spid="12" grpId="0" animBg="1"/>
+      <p:bldP spid="13" grpId="0" animBg="1"/>
+      <p:bldP spid="5" grpId="0"/>
+    </p:bldLst>
   </p:timing>
 </p:sld>
 </file>
@@ -30021,8 +30300,8 @@
         </p:blipFill>
         <p:spPr>
           <a:xfrm>
-            <a:off x="4953000" y="3124200"/>
-            <a:ext cx="2895600" cy="3048000"/>
+            <a:off x="4518660" y="2667000"/>
+            <a:ext cx="3329940" cy="3505200"/>
           </a:xfrm>
           <a:prstGeom prst="rect">
             <a:avLst/>
@@ -33170,8 +33449,8 @@
         </p:blipFill>
         <p:spPr>
           <a:xfrm>
-            <a:off x="5257800" y="3124200"/>
-            <a:ext cx="2590800" cy="3220994"/>
+            <a:off x="5105400" y="2934730"/>
+            <a:ext cx="2743200" cy="3410464"/>
           </a:xfrm>
           <a:prstGeom prst="rect">
             <a:avLst/>
@@ -33545,8 +33824,8 @@
         </p:blipFill>
         <p:spPr>
           <a:xfrm>
-            <a:off x="5105400" y="3124200"/>
-            <a:ext cx="2567824" cy="3048000"/>
+            <a:off x="4953000" y="2943302"/>
+            <a:ext cx="2971800" cy="3527518"/>
           </a:xfrm>
           <a:prstGeom prst="rect">
             <a:avLst/>
@@ -48543,15 +48822,7 @@
                   <a:schemeClr val="tx2"/>
                 </a:solidFill>
               </a:rPr>
-              <a:t>đ</a:t>
-            </a:r>
-            <a:r>
-              <a:rPr lang="en-US" sz="2000" dirty="0" err="1" smtClean="0">
-                <a:solidFill>
-                  <a:schemeClr val="tx2"/>
-                </a:solidFill>
-              </a:rPr>
-              <a:t>ường</a:t>
+              <a:t>đường</a:t>
             </a:r>
             <a:r>
               <a:rPr lang="en-US" sz="2000" dirty="0" smtClean="0">
@@ -49058,8 +49329,8 @@
         </p:nvSpPr>
         <p:spPr>
           <a:xfrm>
-            <a:off x="6954718" y="4057471"/>
-            <a:ext cx="1155124" cy="1200329"/>
+            <a:off x="7048814" y="4057471"/>
+            <a:ext cx="966931" cy="646331"/>
           </a:xfrm>
           <a:prstGeom prst="rect">
             <a:avLst/>
@@ -49074,12 +49345,12 @@
           <a:p>
             <a:pPr algn="ctr"/>
             <a:r>
-              <a:rPr lang="en-US" dirty="0" smtClean="0">
+              <a:rPr lang="en-US" dirty="0" err="1">
                 <a:solidFill>
                   <a:schemeClr val="tx2"/>
                 </a:solidFill>
               </a:rPr>
-              <a:t>C </a:t>
+              <a:t>Độc</a:t>
             </a:r>
             <a:r>
               <a:rPr lang="en-US" dirty="0">
@@ -49087,47 +49358,17 @@
                   <a:schemeClr val="tx2"/>
                 </a:solidFill>
               </a:rPr>
-              <a:t>= P + 1</a:t>
-            </a:r>
-          </a:p>
-          <a:p>
-            <a:pPr algn="ctr"/>
-            <a:r>
-              <a:rPr lang="en-US" dirty="0" smtClean="0">
+              <a:t> </a:t>
+            </a:r>
+            <a:r>
+              <a:rPr lang="en-US" dirty="0" err="1">
                 <a:solidFill>
                   <a:schemeClr val="tx2"/>
                 </a:solidFill>
               </a:rPr>
-              <a:t>+</a:t>
-            </a:r>
-          </a:p>
-          <a:p>
-            <a:pPr algn="ctr"/>
-            <a:r>
-              <a:rPr lang="en-US" dirty="0" err="1" smtClean="0">
-                <a:solidFill>
-                  <a:schemeClr val="tx2"/>
-                </a:solidFill>
-              </a:rPr>
-              <a:t>Độc</a:t>
-            </a:r>
-            <a:r>
-              <a:rPr lang="en-US" dirty="0" smtClean="0">
-                <a:solidFill>
-                  <a:schemeClr val="tx2"/>
-                </a:solidFill>
-              </a:rPr>
-              <a:t> </a:t>
-            </a:r>
-            <a:r>
-              <a:rPr lang="en-US" dirty="0" err="1" smtClean="0">
-                <a:solidFill>
-                  <a:schemeClr val="tx2"/>
-                </a:solidFill>
-              </a:rPr>
               <a:t>lập</a:t>
             </a:r>
-            <a:endParaRPr lang="en-US" dirty="0" smtClean="0">
+            <a:endParaRPr lang="en-US" dirty="0">
               <a:solidFill>
                 <a:schemeClr val="tx2"/>
               </a:solidFill>
@@ -49136,14 +49377,18 @@
           <a:p>
             <a:pPr algn="ctr"/>
             <a:r>
-              <a:rPr lang="en-US" dirty="0">
+              <a:rPr lang="en-US" dirty="0" smtClean="0">
                 <a:solidFill>
                   <a:schemeClr val="tx2"/>
                 </a:solidFill>
               </a:rPr>
               <a:t>+</a:t>
             </a:r>
-            <a:endParaRPr lang="en-US" dirty="0"/>
+            <a:endParaRPr lang="en-US" dirty="0">
+              <a:solidFill>
+                <a:schemeClr val="tx2"/>
+              </a:solidFill>
+            </a:endParaRPr>
           </a:p>
         </p:txBody>
       </p:sp>
@@ -49383,6 +49628,52 @@
                 <a:srgbClr val="FF0000"/>
               </a:solidFill>
             </a:endParaRPr>
+          </a:p>
+        </p:txBody>
+      </p:sp>
+      <p:sp>
+        <p:nvSpPr>
+          <p:cNvPr id="3" name="TextBox 2"/>
+          <p:cNvSpPr txBox="1"/>
+          <p:nvPr/>
+        </p:nvSpPr>
+        <p:spPr>
+          <a:xfrm>
+            <a:off x="6946034" y="4611469"/>
+            <a:ext cx="1155124" cy="646331"/>
+          </a:xfrm>
+          <a:prstGeom prst="rect">
+            <a:avLst/>
+          </a:prstGeom>
+          <a:noFill/>
+        </p:spPr>
+        <p:txBody>
+          <a:bodyPr wrap="none" rtlCol="0">
+            <a:spAutoFit/>
+          </a:bodyPr>
+          <a:lstStyle/>
+          <a:p>
+            <a:pPr algn="ctr"/>
+            <a:r>
+              <a:rPr lang="en-US" dirty="0">
+                <a:solidFill>
+                  <a:schemeClr val="tx2"/>
+                </a:solidFill>
+              </a:rPr>
+              <a:t>C = P + 1</a:t>
+            </a:r>
+          </a:p>
+          <a:p>
+            <a:pPr algn="ctr"/>
+            <a:r>
+              <a:rPr lang="en-US" dirty="0" smtClean="0">
+                <a:solidFill>
+                  <a:schemeClr val="tx2"/>
+                </a:solidFill>
+              </a:rPr>
+              <a:t>+</a:t>
+            </a:r>
+            <a:endParaRPr lang="en-US" dirty="0"/>
           </a:p>
         </p:txBody>
       </p:sp>
@@ -49694,7 +49985,7 @@
                                           </p:stCondLst>
                                         </p:cTn>
                                         <p:tgtEl>
-                                          <p:spTgt spid="21"/>
+                                          <p:spTgt spid="3"/>
                                         </p:tgtEl>
                                         <p:attrNameLst>
                                           <p:attrName>style.visibility</p:attrName>
@@ -49708,6 +49999,59 @@
                                       <p:cBhvr>
                                         <p:cTn id="31" dur="500"/>
                                         <p:tgtEl>
+                                          <p:spTgt spid="3"/>
+                                        </p:tgtEl>
+                                      </p:cBhvr>
+                                    </p:animEffect>
+                                  </p:childTnLst>
+                                </p:cTn>
+                              </p:par>
+                            </p:childTnLst>
+                          </p:cTn>
+                        </p:par>
+                      </p:childTnLst>
+                    </p:cTn>
+                  </p:par>
+                  <p:par>
+                    <p:cTn id="32" fill="hold">
+                      <p:stCondLst>
+                        <p:cond delay="indefinite"/>
+                      </p:stCondLst>
+                      <p:childTnLst>
+                        <p:par>
+                          <p:cTn id="33" fill="hold">
+                            <p:stCondLst>
+                              <p:cond delay="0"/>
+                            </p:stCondLst>
+                            <p:childTnLst>
+                              <p:par>
+                                <p:cTn id="34" presetID="10" presetClass="entr" presetSubtype="0" fill="hold" grpId="0" nodeType="clickEffect">
+                                  <p:stCondLst>
+                                    <p:cond delay="0"/>
+                                  </p:stCondLst>
+                                  <p:childTnLst>
+                                    <p:set>
+                                      <p:cBhvr>
+                                        <p:cTn id="35" dur="1" fill="hold">
+                                          <p:stCondLst>
+                                            <p:cond delay="0"/>
+                                          </p:stCondLst>
+                                        </p:cTn>
+                                        <p:tgtEl>
+                                          <p:spTgt spid="21"/>
+                                        </p:tgtEl>
+                                        <p:attrNameLst>
+                                          <p:attrName>style.visibility</p:attrName>
+                                        </p:attrNameLst>
+                                      </p:cBhvr>
+                                      <p:to>
+                                        <p:strVal val="visible"/>
+                                      </p:to>
+                                    </p:set>
+                                    <p:animEffect transition="in" filter="fade">
+                                      <p:cBhvr>
+                                        <p:cTn id="36" dur="500"/>
+                                        <p:tgtEl>
                                           <p:spTgt spid="21"/>
                                         </p:tgtEl>
                                       </p:cBhvr>
@@ -49716,14 +50060,14 @@
                                 </p:cTn>
                               </p:par>
                               <p:par>
-                                <p:cTn id="32" presetID="10" presetClass="entr" presetSubtype="0" fill="hold" grpId="0" nodeType="withEffect">
+                                <p:cTn id="37" presetID="10" presetClass="entr" presetSubtype="0" fill="hold" grpId="0" nodeType="withEffect">
                                   <p:stCondLst>
                                     <p:cond delay="0"/>
                                   </p:stCondLst>
                                   <p:childTnLst>
                                     <p:set>
                                       <p:cBhvr>
-                                        <p:cTn id="33" dur="1" fill="hold">
+                                        <p:cTn id="38" dur="1" fill="hold">
                                           <p:stCondLst>
                                             <p:cond delay="0"/>
                                           </p:stCondLst>
@@ -49741,7 +50085,7 @@
                                     </p:set>
                                     <p:animEffect transition="in" filter="fade">
                                       <p:cBhvr>
-                                        <p:cTn id="34" dur="500"/>
+                                        <p:cTn id="39" dur="500"/>
                                         <p:tgtEl>
                                           <p:spTgt spid="22"/>
                                         </p:tgtEl>
@@ -49757,26 +50101,26 @@
                     </p:cTn>
                   </p:par>
                   <p:par>
-                    <p:cTn id="35" fill="hold">
+                    <p:cTn id="40" fill="hold">
                       <p:stCondLst>
                         <p:cond delay="indefinite"/>
                       </p:stCondLst>
                       <p:childTnLst>
                         <p:par>
-                          <p:cTn id="36" fill="hold">
+                          <p:cTn id="41" fill="hold">
                             <p:stCondLst>
                               <p:cond delay="0"/>
                             </p:stCondLst>
                             <p:childTnLst>
                               <p:par>
-                                <p:cTn id="37" presetID="10" presetClass="entr" presetSubtype="0" fill="hold" grpId="0" nodeType="clickEffect">
+                                <p:cTn id="42" presetID="10" presetClass="entr" presetSubtype="0" fill="hold" grpId="0" nodeType="clickEffect">
                                   <p:stCondLst>
                                     <p:cond delay="0"/>
                                   </p:stCondLst>
                                   <p:childTnLst>
                                     <p:set>
                                       <p:cBhvr>
-                                        <p:cTn id="38" dur="1" fill="hold">
+                                        <p:cTn id="43" dur="1" fill="hold">
                                           <p:stCondLst>
                                             <p:cond delay="0"/>
                                           </p:stCondLst>
@@ -49794,7 +50138,7 @@
                                     </p:set>
                                     <p:animEffect transition="in" filter="fade">
                                       <p:cBhvr>
-                                        <p:cTn id="39" dur="500"/>
+                                        <p:cTn id="44" dur="500"/>
                                         <p:tgtEl>
                                           <p:spTgt spid="23"/>
                                         </p:tgtEl>
@@ -49804,14 +50148,14 @@
                                 </p:cTn>
                               </p:par>
                               <p:par>
-                                <p:cTn id="40" presetID="10" presetClass="entr" presetSubtype="0" fill="hold" grpId="0" nodeType="withEffect">
+                                <p:cTn id="45" presetID="10" presetClass="entr" presetSubtype="0" fill="hold" grpId="0" nodeType="withEffect">
                                   <p:stCondLst>
                                     <p:cond delay="0"/>
                                   </p:stCondLst>
                                   <p:childTnLst>
                                     <p:set>
                                       <p:cBhvr>
-                                        <p:cTn id="41" dur="1" fill="hold">
+                                        <p:cTn id="46" dur="1" fill="hold">
                                           <p:stCondLst>
                                             <p:cond delay="0"/>
                                           </p:stCondLst>
@@ -49829,7 +50173,7 @@
                                     </p:set>
                                     <p:animEffect transition="in" filter="fade">
                                       <p:cBhvr>
-                                        <p:cTn id="42" dur="500"/>
+                                        <p:cTn id="47" dur="500"/>
                                         <p:tgtEl>
                                           <p:spTgt spid="24"/>
                                         </p:tgtEl>
@@ -49876,6 +50220,7 @@
       <p:bldP spid="22" grpId="0"/>
       <p:bldP spid="23" grpId="0" animBg="1"/>
       <p:bldP spid="24" grpId="0"/>
+      <p:bldP spid="3" grpId="0"/>
     </p:bldLst>
   </p:timing>
 </p:sld>

--- a/trunk/Document/Presentation.pptx
+++ b/trunk/Document/Presentation.pptx
@@ -15183,6 +15183,150 @@
     <p:extLst>
       <p:ext uri="{BB962C8B-B14F-4D97-AF65-F5344CB8AC3E}">
         <p14:creationId xmlns:p14="http://schemas.microsoft.com/office/powerpoint/2010/main" val="3908953935"/>
+      </p:ext>
+    </p:extLst>
+  </p:cSld>
+  <p:clrMapOvr>
+    <a:masterClrMapping/>
+  </p:clrMapOvr>
+</p:notes>
+</file>
+
+<file path=ppt/notesSlides/notesSlide25.xml><?xml version="1.0" encoding="utf-8"?>
+<p:notes xmlns:a="http://schemas.openxmlformats.org/drawingml/2006/main" xmlns:r="http://schemas.openxmlformats.org/officeDocument/2006/relationships" xmlns:p="http://schemas.openxmlformats.org/presentationml/2006/main">
+  <p:cSld>
+    <p:spTree>
+      <p:nvGrpSpPr>
+        <p:cNvPr id="1" name=""/>
+        <p:cNvGrpSpPr/>
+        <p:nvPr/>
+      </p:nvGrpSpPr>
+      <p:grpSpPr>
+        <a:xfrm>
+          <a:off x="0" y="0"/>
+          <a:ext cx="0" cy="0"/>
+          <a:chOff x="0" y="0"/>
+          <a:chExt cx="0" cy="0"/>
+        </a:xfrm>
+      </p:grpSpPr>
+      <p:sp>
+        <p:nvSpPr>
+          <p:cNvPr id="2" name="Slide Image Placeholder 1"/>
+          <p:cNvSpPr>
+            <a:spLocks noGrp="1" noRot="1" noChangeAspect="1"/>
+          </p:cNvSpPr>
+          <p:nvPr>
+            <p:ph type="sldImg"/>
+          </p:nvPr>
+        </p:nvSpPr>
+        <p:spPr/>
+      </p:sp>
+      <p:sp>
+        <p:nvSpPr>
+          <p:cNvPr id="3" name="Notes Placeholder 2"/>
+          <p:cNvSpPr>
+            <a:spLocks noGrp="1"/>
+          </p:cNvSpPr>
+          <p:nvPr>
+            <p:ph type="body" idx="1"/>
+          </p:nvPr>
+        </p:nvSpPr>
+        <p:spPr/>
+        <p:txBody>
+          <a:bodyPr/>
+          <a:lstStyle/>
+          <a:p>
+            <a:pPr lvl="0"/>
+            <a:r>
+              <a:rPr lang="vi-VN" sz="1200" kern="1200" dirty="0" smtClean="0">
+                <a:solidFill>
+                  <a:schemeClr val="tx1"/>
+                </a:solidFill>
+                <a:effectLst/>
+                <a:latin typeface="+mn-lt"/>
+                <a:ea typeface="+mn-ea"/>
+                <a:cs typeface="+mn-cs"/>
+              </a:rPr>
+              <a:t>Testcase sinh ra đúng theo các đường thi hành tuyến tính độc lập.</a:t>
+            </a:r>
+          </a:p>
+          <a:p>
+            <a:pPr lvl="0"/>
+            <a:r>
+              <a:rPr lang="vi-VN" sz="1200" kern="1200" dirty="0" smtClean="0">
+                <a:solidFill>
+                  <a:schemeClr val="tx1"/>
+                </a:solidFill>
+                <a:effectLst/>
+                <a:latin typeface="+mn-lt"/>
+                <a:ea typeface="+mn-ea"/>
+                <a:cs typeface="+mn-cs"/>
+              </a:rPr>
+              <a:t>Kết quả trả về do chương trình tính được theo mỗi đường thi hành đúng chính xác với kết quả khi thực hiện hàm với các testcase được sinh ra.</a:t>
+            </a:r>
+          </a:p>
+          <a:p>
+            <a:pPr lvl="0"/>
+            <a:r>
+              <a:rPr lang="vi-VN" sz="1200" kern="1200" dirty="0" smtClean="0">
+                <a:solidFill>
+                  <a:schemeClr val="tx1"/>
+                </a:solidFill>
+                <a:effectLst/>
+                <a:latin typeface="+mn-lt"/>
+                <a:ea typeface="+mn-ea"/>
+                <a:cs typeface="+mn-cs"/>
+              </a:rPr>
+              <a:t>Thời gian thực hiện việc tạo testcase biến thiên theo độ số tham số, giới hạn các tham số, độ sâu của vòng lặp cũng như độ phức tạp của các điều kiện trong các câu lệnh điều khiển dòng dữ liệu.</a:t>
+            </a:r>
+          </a:p>
+          <a:p>
+            <a:pPr lvl="0"/>
+            <a:r>
+              <a:rPr lang="vi-VN" sz="1200" kern="1200" dirty="0" smtClean="0">
+                <a:solidFill>
+                  <a:schemeClr val="tx1"/>
+                </a:solidFill>
+                <a:effectLst/>
+                <a:latin typeface="+mn-lt"/>
+                <a:ea typeface="+mn-ea"/>
+                <a:cs typeface="+mn-cs"/>
+              </a:rPr>
+              <a:t>Chương trình không thể xác định giá trị input trong giới hạn thời gian nhất định cho các hàm chức năng chứa nhiều vòng lặp lồng nhau, giới hạn giá trị của tham số quá lớn,  có nhiều tham số với các điều kiện phức tạp.</a:t>
+            </a:r>
+          </a:p>
+          <a:p>
+            <a:endParaRPr lang="vi-VN" dirty="0"/>
+          </a:p>
+        </p:txBody>
+      </p:sp>
+      <p:sp>
+        <p:nvSpPr>
+          <p:cNvPr id="4" name="Slide Number Placeholder 3"/>
+          <p:cNvSpPr>
+            <a:spLocks noGrp="1"/>
+          </p:cNvSpPr>
+          <p:nvPr>
+            <p:ph type="sldNum" sz="quarter" idx="10"/>
+          </p:nvPr>
+        </p:nvSpPr>
+        <p:spPr/>
+        <p:txBody>
+          <a:bodyPr/>
+          <a:lstStyle/>
+          <a:p>
+            <a:fld id="{B4AA04CE-5BE8-42FA-82A3-78F601CE853C}" type="slidenum">
+              <a:rPr lang="vi-VN" smtClean="0"/>
+              <a:t>31</a:t>
+            </a:fld>
+            <a:endParaRPr lang="vi-VN"/>
+          </a:p>
+        </p:txBody>
+      </p:sp>
+    </p:spTree>
+    <p:extLst>
+      <p:ext uri="{BB962C8B-B14F-4D97-AF65-F5344CB8AC3E}">
+        <p14:creationId xmlns:p14="http://schemas.microsoft.com/office/powerpoint/2010/main" val="660090667"/>
       </p:ext>
     </p:extLst>
   </p:cSld>
@@ -22257,8 +22401,13 @@
             </a:r>
             <a:r>
               <a:rPr lang="en-US" dirty="0" smtClean="0"/>
-              <a:t>	50900500</a:t>
-            </a:r>
+              <a:t>	</a:t>
+            </a:r>
+            <a:r>
+              <a:rPr lang="en-US" dirty="0" smtClean="0"/>
+              <a:t>  50900500</a:t>
+            </a:r>
+            <a:endParaRPr lang="en-US" dirty="0" smtClean="0"/>
           </a:p>
           <a:p>
             <a:pPr marL="3257550" lvl="6">
@@ -22283,7 +22432,11 @@
             </a:r>
             <a:r>
               <a:rPr lang="en-US" dirty="0" smtClean="0"/>
-              <a:t>	50900286</a:t>
+              <a:t>	</a:t>
+            </a:r>
+            <a:r>
+              <a:rPr lang="en-US" dirty="0" smtClean="0"/>
+              <a:t>  50900286</a:t>
             </a:r>
             <a:endParaRPr lang="en-US" dirty="0"/>
           </a:p>
@@ -34727,6 +34880,640 @@
           </a:prstGeom>
         </p:spPr>
       </p:pic>
+      <p:cxnSp>
+        <p:nvCxnSpPr>
+          <p:cNvPr id="6" name="Elbow Connector 5"/>
+          <p:cNvCxnSpPr/>
+          <p:nvPr/>
+        </p:nvCxnSpPr>
+        <p:spPr>
+          <a:xfrm rot="16200000" flipH="1">
+            <a:off x="6432737" y="3308537"/>
+            <a:ext cx="2907925" cy="1600200"/>
+          </a:xfrm>
+          <a:prstGeom prst="bentConnector3">
+            <a:avLst/>
+          </a:prstGeom>
+          <a:ln w="38100">
+            <a:solidFill>
+              <a:srgbClr val="FF0000"/>
+            </a:solidFill>
+            <a:tailEnd type="arrow"/>
+          </a:ln>
+        </p:spPr>
+        <p:style>
+          <a:lnRef idx="1">
+            <a:schemeClr val="accent1"/>
+          </a:lnRef>
+          <a:fillRef idx="0">
+            <a:schemeClr val="accent1"/>
+          </a:fillRef>
+          <a:effectRef idx="0">
+            <a:schemeClr val="accent1"/>
+          </a:effectRef>
+          <a:fontRef idx="minor">
+            <a:schemeClr val="tx1"/>
+          </a:fontRef>
+        </p:style>
+      </p:cxnSp>
+      <p:cxnSp>
+        <p:nvCxnSpPr>
+          <p:cNvPr id="21" name="Straight Connector 20"/>
+          <p:cNvCxnSpPr/>
+          <p:nvPr/>
+        </p:nvCxnSpPr>
+        <p:spPr>
+          <a:xfrm>
+            <a:off x="7086599" y="2761001"/>
+            <a:ext cx="0" cy="2298325"/>
+          </a:xfrm>
+          <a:prstGeom prst="line">
+            <a:avLst/>
+          </a:prstGeom>
+          <a:ln w="38100">
+            <a:solidFill>
+              <a:srgbClr val="FF0000"/>
+            </a:solidFill>
+          </a:ln>
+        </p:spPr>
+        <p:style>
+          <a:lnRef idx="1">
+            <a:schemeClr val="accent1"/>
+          </a:lnRef>
+          <a:fillRef idx="0">
+            <a:schemeClr val="accent1"/>
+          </a:fillRef>
+          <a:effectRef idx="0">
+            <a:schemeClr val="accent1"/>
+          </a:effectRef>
+          <a:fontRef idx="minor">
+            <a:schemeClr val="tx1"/>
+          </a:fontRef>
+        </p:style>
+      </p:cxnSp>
+      <p:cxnSp>
+        <p:nvCxnSpPr>
+          <p:cNvPr id="25" name="Straight Connector 24"/>
+          <p:cNvCxnSpPr/>
+          <p:nvPr/>
+        </p:nvCxnSpPr>
+        <p:spPr>
+          <a:xfrm flipV="1">
+            <a:off x="7086599" y="4572000"/>
+            <a:ext cx="990601" cy="487326"/>
+          </a:xfrm>
+          <a:prstGeom prst="line">
+            <a:avLst/>
+          </a:prstGeom>
+          <a:ln w="38100">
+            <a:solidFill>
+              <a:srgbClr val="FF0000"/>
+            </a:solidFill>
+          </a:ln>
+        </p:spPr>
+        <p:style>
+          <a:lnRef idx="1">
+            <a:schemeClr val="accent1"/>
+          </a:lnRef>
+          <a:fillRef idx="0">
+            <a:schemeClr val="accent1"/>
+          </a:fillRef>
+          <a:effectRef idx="0">
+            <a:schemeClr val="accent1"/>
+          </a:effectRef>
+          <a:fontRef idx="minor">
+            <a:schemeClr val="tx1"/>
+          </a:fontRef>
+        </p:style>
+      </p:cxnSp>
+      <p:cxnSp>
+        <p:nvCxnSpPr>
+          <p:cNvPr id="27" name="Straight Arrow Connector 26"/>
+          <p:cNvCxnSpPr/>
+          <p:nvPr/>
+        </p:nvCxnSpPr>
+        <p:spPr>
+          <a:xfrm>
+            <a:off x="8077200" y="4572000"/>
+            <a:ext cx="0" cy="990600"/>
+          </a:xfrm>
+          <a:prstGeom prst="straightConnector1">
+            <a:avLst/>
+          </a:prstGeom>
+          <a:ln w="38100">
+            <a:solidFill>
+              <a:srgbClr val="FF0000"/>
+            </a:solidFill>
+            <a:tailEnd type="arrow"/>
+          </a:ln>
+        </p:spPr>
+        <p:style>
+          <a:lnRef idx="1">
+            <a:schemeClr val="accent1"/>
+          </a:lnRef>
+          <a:fillRef idx="0">
+            <a:schemeClr val="accent1"/>
+          </a:fillRef>
+          <a:effectRef idx="0">
+            <a:schemeClr val="accent1"/>
+          </a:effectRef>
+          <a:fontRef idx="minor">
+            <a:schemeClr val="tx1"/>
+          </a:fontRef>
+        </p:style>
+      </p:cxnSp>
+      <p:cxnSp>
+        <p:nvCxnSpPr>
+          <p:cNvPr id="30" name="Straight Connector 29"/>
+          <p:cNvCxnSpPr/>
+          <p:nvPr/>
+        </p:nvCxnSpPr>
+        <p:spPr>
+          <a:xfrm>
+            <a:off x="7086599" y="2654675"/>
+            <a:ext cx="0" cy="3288925"/>
+          </a:xfrm>
+          <a:prstGeom prst="line">
+            <a:avLst/>
+          </a:prstGeom>
+          <a:ln w="38100">
+            <a:solidFill>
+              <a:srgbClr val="FF0000"/>
+            </a:solidFill>
+          </a:ln>
+        </p:spPr>
+        <p:style>
+          <a:lnRef idx="1">
+            <a:schemeClr val="accent1"/>
+          </a:lnRef>
+          <a:fillRef idx="0">
+            <a:schemeClr val="accent1"/>
+          </a:fillRef>
+          <a:effectRef idx="0">
+            <a:schemeClr val="accent1"/>
+          </a:effectRef>
+          <a:fontRef idx="minor">
+            <a:schemeClr val="tx1"/>
+          </a:fontRef>
+        </p:style>
+      </p:cxnSp>
+      <p:cxnSp>
+        <p:nvCxnSpPr>
+          <p:cNvPr id="32" name="Straight Connector 31"/>
+          <p:cNvCxnSpPr/>
+          <p:nvPr/>
+        </p:nvCxnSpPr>
+        <p:spPr>
+          <a:xfrm flipH="1">
+            <a:off x="5126665" y="5943600"/>
+            <a:ext cx="1959934" cy="0"/>
+          </a:xfrm>
+          <a:prstGeom prst="line">
+            <a:avLst/>
+          </a:prstGeom>
+          <a:ln w="38100">
+            <a:solidFill>
+              <a:srgbClr val="FF0000"/>
+            </a:solidFill>
+          </a:ln>
+        </p:spPr>
+        <p:style>
+          <a:lnRef idx="1">
+            <a:schemeClr val="accent1"/>
+          </a:lnRef>
+          <a:fillRef idx="0">
+            <a:schemeClr val="accent1"/>
+          </a:fillRef>
+          <a:effectRef idx="0">
+            <a:schemeClr val="accent1"/>
+          </a:effectRef>
+          <a:fontRef idx="minor">
+            <a:schemeClr val="tx1"/>
+          </a:fontRef>
+        </p:style>
+      </p:cxnSp>
+      <p:cxnSp>
+        <p:nvCxnSpPr>
+          <p:cNvPr id="34" name="Straight Connector 33"/>
+          <p:cNvCxnSpPr/>
+          <p:nvPr/>
+        </p:nvCxnSpPr>
+        <p:spPr>
+          <a:xfrm flipV="1">
+            <a:off x="5105400" y="3352800"/>
+            <a:ext cx="0" cy="2590800"/>
+          </a:xfrm>
+          <a:prstGeom prst="line">
+            <a:avLst/>
+          </a:prstGeom>
+          <a:ln w="38100">
+            <a:solidFill>
+              <a:srgbClr val="FF0000"/>
+            </a:solidFill>
+          </a:ln>
+        </p:spPr>
+        <p:style>
+          <a:lnRef idx="1">
+            <a:schemeClr val="accent1"/>
+          </a:lnRef>
+          <a:fillRef idx="0">
+            <a:schemeClr val="accent1"/>
+          </a:fillRef>
+          <a:effectRef idx="0">
+            <a:schemeClr val="accent1"/>
+          </a:effectRef>
+          <a:fontRef idx="minor">
+            <a:schemeClr val="tx1"/>
+          </a:fontRef>
+        </p:style>
+      </p:cxnSp>
+      <p:cxnSp>
+        <p:nvCxnSpPr>
+          <p:cNvPr id="36" name="Straight Connector 35"/>
+          <p:cNvCxnSpPr/>
+          <p:nvPr/>
+        </p:nvCxnSpPr>
+        <p:spPr>
+          <a:xfrm>
+            <a:off x="5105400" y="3352800"/>
+            <a:ext cx="2133600" cy="0"/>
+          </a:xfrm>
+          <a:prstGeom prst="line">
+            <a:avLst/>
+          </a:prstGeom>
+          <a:ln w="38100">
+            <a:solidFill>
+              <a:srgbClr val="FF0000"/>
+            </a:solidFill>
+          </a:ln>
+        </p:spPr>
+        <p:style>
+          <a:lnRef idx="1">
+            <a:schemeClr val="accent1"/>
+          </a:lnRef>
+          <a:fillRef idx="0">
+            <a:schemeClr val="accent1"/>
+          </a:fillRef>
+          <a:effectRef idx="0">
+            <a:schemeClr val="accent1"/>
+          </a:effectRef>
+          <a:fontRef idx="minor">
+            <a:schemeClr val="tx1"/>
+          </a:fontRef>
+        </p:style>
+      </p:cxnSp>
+      <p:cxnSp>
+        <p:nvCxnSpPr>
+          <p:cNvPr id="38" name="Straight Connector 37"/>
+          <p:cNvCxnSpPr/>
+          <p:nvPr/>
+        </p:nvCxnSpPr>
+        <p:spPr>
+          <a:xfrm>
+            <a:off x="7239000" y="3352800"/>
+            <a:ext cx="0" cy="871535"/>
+          </a:xfrm>
+          <a:prstGeom prst="line">
+            <a:avLst/>
+          </a:prstGeom>
+          <a:ln w="38100">
+            <a:solidFill>
+              <a:srgbClr val="FF0000"/>
+            </a:solidFill>
+          </a:ln>
+        </p:spPr>
+        <p:style>
+          <a:lnRef idx="1">
+            <a:schemeClr val="accent1"/>
+          </a:lnRef>
+          <a:fillRef idx="0">
+            <a:schemeClr val="accent1"/>
+          </a:fillRef>
+          <a:effectRef idx="0">
+            <a:schemeClr val="accent1"/>
+          </a:effectRef>
+          <a:fontRef idx="minor">
+            <a:schemeClr val="tx1"/>
+          </a:fontRef>
+        </p:style>
+      </p:cxnSp>
+      <p:cxnSp>
+        <p:nvCxnSpPr>
+          <p:cNvPr id="40" name="Straight Connector 39"/>
+          <p:cNvCxnSpPr/>
+          <p:nvPr/>
+        </p:nvCxnSpPr>
+        <p:spPr>
+          <a:xfrm>
+            <a:off x="7239000" y="4224335"/>
+            <a:ext cx="1524000" cy="0"/>
+          </a:xfrm>
+          <a:prstGeom prst="line">
+            <a:avLst/>
+          </a:prstGeom>
+          <a:ln w="38100">
+            <a:solidFill>
+              <a:srgbClr val="FF0000"/>
+            </a:solidFill>
+          </a:ln>
+        </p:spPr>
+        <p:style>
+          <a:lnRef idx="1">
+            <a:schemeClr val="accent1"/>
+          </a:lnRef>
+          <a:fillRef idx="0">
+            <a:schemeClr val="accent1"/>
+          </a:fillRef>
+          <a:effectRef idx="0">
+            <a:schemeClr val="accent1"/>
+          </a:effectRef>
+          <a:fontRef idx="minor">
+            <a:schemeClr val="tx1"/>
+          </a:fontRef>
+        </p:style>
+      </p:cxnSp>
+      <p:cxnSp>
+        <p:nvCxnSpPr>
+          <p:cNvPr id="42" name="Straight Arrow Connector 41"/>
+          <p:cNvCxnSpPr/>
+          <p:nvPr/>
+        </p:nvCxnSpPr>
+        <p:spPr>
+          <a:xfrm>
+            <a:off x="8763000" y="4224336"/>
+            <a:ext cx="0" cy="1414464"/>
+          </a:xfrm>
+          <a:prstGeom prst="straightConnector1">
+            <a:avLst/>
+          </a:prstGeom>
+          <a:ln w="38100">
+            <a:solidFill>
+              <a:srgbClr val="FF0000"/>
+            </a:solidFill>
+            <a:tailEnd type="arrow"/>
+          </a:ln>
+        </p:spPr>
+        <p:style>
+          <a:lnRef idx="1">
+            <a:schemeClr val="accent1"/>
+          </a:lnRef>
+          <a:fillRef idx="0">
+            <a:schemeClr val="accent1"/>
+          </a:fillRef>
+          <a:effectRef idx="0">
+            <a:schemeClr val="accent1"/>
+          </a:effectRef>
+          <a:fontRef idx="minor">
+            <a:schemeClr val="tx1"/>
+          </a:fontRef>
+        </p:style>
+      </p:cxnSp>
+      <p:cxnSp>
+        <p:nvCxnSpPr>
+          <p:cNvPr id="44" name="Straight Connector 43"/>
+          <p:cNvCxnSpPr/>
+          <p:nvPr/>
+        </p:nvCxnSpPr>
+        <p:spPr>
+          <a:xfrm>
+            <a:off x="7086599" y="2654675"/>
+            <a:ext cx="0" cy="3365125"/>
+          </a:xfrm>
+          <a:prstGeom prst="line">
+            <a:avLst/>
+          </a:prstGeom>
+          <a:ln w="38100">
+            <a:solidFill>
+              <a:srgbClr val="FF0000"/>
+            </a:solidFill>
+          </a:ln>
+        </p:spPr>
+        <p:style>
+          <a:lnRef idx="1">
+            <a:schemeClr val="accent1"/>
+          </a:lnRef>
+          <a:fillRef idx="0">
+            <a:schemeClr val="accent1"/>
+          </a:fillRef>
+          <a:effectRef idx="0">
+            <a:schemeClr val="accent1"/>
+          </a:effectRef>
+          <a:fontRef idx="minor">
+            <a:schemeClr val="tx1"/>
+          </a:fontRef>
+        </p:style>
+      </p:cxnSp>
+      <p:cxnSp>
+        <p:nvCxnSpPr>
+          <p:cNvPr id="47" name="Straight Connector 46"/>
+          <p:cNvCxnSpPr/>
+          <p:nvPr/>
+        </p:nvCxnSpPr>
+        <p:spPr>
+          <a:xfrm flipH="1" flipV="1">
+            <a:off x="5105400" y="3352801"/>
+            <a:ext cx="1524000" cy="2667000"/>
+          </a:xfrm>
+          <a:prstGeom prst="line">
+            <a:avLst/>
+          </a:prstGeom>
+          <a:ln w="38100">
+            <a:solidFill>
+              <a:srgbClr val="FF0000"/>
+            </a:solidFill>
+          </a:ln>
+        </p:spPr>
+        <p:style>
+          <a:lnRef idx="1">
+            <a:schemeClr val="accent1"/>
+          </a:lnRef>
+          <a:fillRef idx="0">
+            <a:schemeClr val="accent1"/>
+          </a:fillRef>
+          <a:effectRef idx="0">
+            <a:schemeClr val="accent1"/>
+          </a:effectRef>
+          <a:fontRef idx="minor">
+            <a:schemeClr val="tx1"/>
+          </a:fontRef>
+        </p:style>
+      </p:cxnSp>
+      <p:cxnSp>
+        <p:nvCxnSpPr>
+          <p:cNvPr id="53" name="Straight Connector 52"/>
+          <p:cNvCxnSpPr/>
+          <p:nvPr/>
+        </p:nvCxnSpPr>
+        <p:spPr>
+          <a:xfrm flipH="1">
+            <a:off x="6629400" y="6019801"/>
+            <a:ext cx="457199" cy="0"/>
+          </a:xfrm>
+          <a:prstGeom prst="line">
+            <a:avLst/>
+          </a:prstGeom>
+          <a:ln w="38100">
+            <a:solidFill>
+              <a:srgbClr val="FF0000"/>
+            </a:solidFill>
+          </a:ln>
+        </p:spPr>
+        <p:style>
+          <a:lnRef idx="1">
+            <a:schemeClr val="accent1"/>
+          </a:lnRef>
+          <a:fillRef idx="0">
+            <a:schemeClr val="accent1"/>
+          </a:fillRef>
+          <a:effectRef idx="0">
+            <a:schemeClr val="accent1"/>
+          </a:effectRef>
+          <a:fontRef idx="minor">
+            <a:schemeClr val="tx1"/>
+          </a:fontRef>
+        </p:style>
+      </p:cxnSp>
+      <p:cxnSp>
+        <p:nvCxnSpPr>
+          <p:cNvPr id="56" name="Straight Connector 55"/>
+          <p:cNvCxnSpPr/>
+          <p:nvPr/>
+        </p:nvCxnSpPr>
+        <p:spPr>
+          <a:xfrm>
+            <a:off x="5105400" y="3352801"/>
+            <a:ext cx="2286000" cy="0"/>
+          </a:xfrm>
+          <a:prstGeom prst="line">
+            <a:avLst/>
+          </a:prstGeom>
+          <a:ln w="38100">
+            <a:solidFill>
+              <a:srgbClr val="FF0000"/>
+            </a:solidFill>
+          </a:ln>
+        </p:spPr>
+        <p:style>
+          <a:lnRef idx="1">
+            <a:schemeClr val="accent1"/>
+          </a:lnRef>
+          <a:fillRef idx="0">
+            <a:schemeClr val="accent1"/>
+          </a:fillRef>
+          <a:effectRef idx="0">
+            <a:schemeClr val="accent1"/>
+          </a:effectRef>
+          <a:fontRef idx="minor">
+            <a:schemeClr val="tx1"/>
+          </a:fontRef>
+        </p:style>
+      </p:cxnSp>
+      <p:cxnSp>
+        <p:nvCxnSpPr>
+          <p:cNvPr id="59" name="Straight Connector 58"/>
+          <p:cNvCxnSpPr/>
+          <p:nvPr/>
+        </p:nvCxnSpPr>
+        <p:spPr>
+          <a:xfrm>
+            <a:off x="7391400" y="3352801"/>
+            <a:ext cx="0" cy="755836"/>
+          </a:xfrm>
+          <a:prstGeom prst="line">
+            <a:avLst/>
+          </a:prstGeom>
+          <a:ln w="38100">
+            <a:solidFill>
+              <a:srgbClr val="FF0000"/>
+            </a:solidFill>
+          </a:ln>
+        </p:spPr>
+        <p:style>
+          <a:lnRef idx="1">
+            <a:schemeClr val="accent1"/>
+          </a:lnRef>
+          <a:fillRef idx="0">
+            <a:schemeClr val="accent1"/>
+          </a:fillRef>
+          <a:effectRef idx="0">
+            <a:schemeClr val="accent1"/>
+          </a:effectRef>
+          <a:fontRef idx="minor">
+            <a:schemeClr val="tx1"/>
+          </a:fontRef>
+        </p:style>
+      </p:cxnSp>
+      <p:cxnSp>
+        <p:nvCxnSpPr>
+          <p:cNvPr id="62" name="Straight Connector 61"/>
+          <p:cNvCxnSpPr/>
+          <p:nvPr/>
+        </p:nvCxnSpPr>
+        <p:spPr>
+          <a:xfrm>
+            <a:off x="7391400" y="4108637"/>
+            <a:ext cx="1295400" cy="0"/>
+          </a:xfrm>
+          <a:prstGeom prst="line">
+            <a:avLst/>
+          </a:prstGeom>
+          <a:ln w="38100">
+            <a:solidFill>
+              <a:srgbClr val="FF0000"/>
+            </a:solidFill>
+          </a:ln>
+        </p:spPr>
+        <p:style>
+          <a:lnRef idx="1">
+            <a:schemeClr val="accent1"/>
+          </a:lnRef>
+          <a:fillRef idx="0">
+            <a:schemeClr val="accent1"/>
+          </a:fillRef>
+          <a:effectRef idx="0">
+            <a:schemeClr val="accent1"/>
+          </a:effectRef>
+          <a:fontRef idx="minor">
+            <a:schemeClr val="tx1"/>
+          </a:fontRef>
+        </p:style>
+      </p:cxnSp>
+      <p:cxnSp>
+        <p:nvCxnSpPr>
+          <p:cNvPr id="65" name="Straight Arrow Connector 64"/>
+          <p:cNvCxnSpPr/>
+          <p:nvPr/>
+        </p:nvCxnSpPr>
+        <p:spPr>
+          <a:xfrm>
+            <a:off x="8686800" y="4114800"/>
+            <a:ext cx="0" cy="1685359"/>
+          </a:xfrm>
+          <a:prstGeom prst="straightConnector1">
+            <a:avLst/>
+          </a:prstGeom>
+          <a:ln w="38100">
+            <a:solidFill>
+              <a:srgbClr val="FF0000"/>
+            </a:solidFill>
+            <a:tailEnd type="arrow"/>
+          </a:ln>
+        </p:spPr>
+        <p:style>
+          <a:lnRef idx="1">
+            <a:schemeClr val="accent1"/>
+          </a:lnRef>
+          <a:fillRef idx="0">
+            <a:schemeClr val="accent1"/>
+          </a:fillRef>
+          <a:effectRef idx="0">
+            <a:schemeClr val="accent1"/>
+          </a:effectRef>
+          <a:fontRef idx="minor">
+            <a:schemeClr val="tx1"/>
+          </a:fontRef>
+        </p:style>
+      </p:cxnSp>
     </p:spTree>
     <p:extLst>
       <p:ext uri="{BB962C8B-B14F-4D97-AF65-F5344CB8AC3E}">
@@ -34740,7 +35527,888 @@
   <p:timing>
     <p:tnLst>
       <p:par>
-        <p:cTn id="1" dur="indefinite" restart="never" nodeType="tmRoot"/>
+        <p:cTn id="1" dur="indefinite" restart="never" nodeType="tmRoot">
+          <p:childTnLst>
+            <p:seq concurrent="1" nextAc="seek">
+              <p:cTn id="2" dur="indefinite" nodeType="mainSeq">
+                <p:childTnLst>
+                  <p:par>
+                    <p:cTn id="3" fill="hold">
+                      <p:stCondLst>
+                        <p:cond delay="indefinite"/>
+                      </p:stCondLst>
+                      <p:childTnLst>
+                        <p:par>
+                          <p:cTn id="4" fill="hold">
+                            <p:stCondLst>
+                              <p:cond delay="0"/>
+                            </p:stCondLst>
+                            <p:childTnLst>
+                              <p:par>
+                                <p:cTn id="5" presetID="1" presetClass="entr" presetSubtype="0" fill="hold" nodeType="clickEffect">
+                                  <p:stCondLst>
+                                    <p:cond delay="0"/>
+                                  </p:stCondLst>
+                                  <p:childTnLst>
+                                    <p:set>
+                                      <p:cBhvr>
+                                        <p:cTn id="6" dur="1" fill="hold">
+                                          <p:stCondLst>
+                                            <p:cond delay="0"/>
+                                          </p:stCondLst>
+                                        </p:cTn>
+                                        <p:tgtEl>
+                                          <p:spTgt spid="10">
+                                            <p:txEl>
+                                              <p:pRg st="0" end="0"/>
+                                            </p:txEl>
+                                          </p:spTgt>
+                                        </p:tgtEl>
+                                        <p:attrNameLst>
+                                          <p:attrName>style.visibility</p:attrName>
+                                        </p:attrNameLst>
+                                      </p:cBhvr>
+                                      <p:to>
+                                        <p:strVal val="visible"/>
+                                      </p:to>
+                                    </p:set>
+                                  </p:childTnLst>
+                                </p:cTn>
+                              </p:par>
+                              <p:par>
+                                <p:cTn id="7" presetID="1" presetClass="entr" presetSubtype="0" fill="hold" nodeType="withEffect">
+                                  <p:stCondLst>
+                                    <p:cond delay="0"/>
+                                  </p:stCondLst>
+                                  <p:childTnLst>
+                                    <p:set>
+                                      <p:cBhvr>
+                                        <p:cTn id="8" dur="1" fill="hold">
+                                          <p:stCondLst>
+                                            <p:cond delay="0"/>
+                                          </p:stCondLst>
+                                        </p:cTn>
+                                        <p:tgtEl>
+                                          <p:spTgt spid="6"/>
+                                        </p:tgtEl>
+                                        <p:attrNameLst>
+                                          <p:attrName>style.visibility</p:attrName>
+                                        </p:attrNameLst>
+                                      </p:cBhvr>
+                                      <p:to>
+                                        <p:strVal val="visible"/>
+                                      </p:to>
+                                    </p:set>
+                                  </p:childTnLst>
+                                  <p:subTnLst>
+                                    <p:set>
+                                      <p:cBhvr override="childStyle">
+                                        <p:cTn dur="1" fill="hold" display="0" masterRel="nextClick" afterEffect="1"/>
+                                        <p:tgtEl>
+                                          <p:spTgt spid="6"/>
+                                        </p:tgtEl>
+                                        <p:attrNameLst>
+                                          <p:attrName>style.visibility</p:attrName>
+                                        </p:attrNameLst>
+                                      </p:cBhvr>
+                                      <p:to>
+                                        <p:strVal val="hidden"/>
+                                      </p:to>
+                                    </p:set>
+                                  </p:subTnLst>
+                                </p:cTn>
+                              </p:par>
+                            </p:childTnLst>
+                          </p:cTn>
+                        </p:par>
+                      </p:childTnLst>
+                    </p:cTn>
+                  </p:par>
+                  <p:par>
+                    <p:cTn id="9" fill="hold">
+                      <p:stCondLst>
+                        <p:cond delay="indefinite"/>
+                      </p:stCondLst>
+                      <p:childTnLst>
+                        <p:par>
+                          <p:cTn id="10" fill="hold">
+                            <p:stCondLst>
+                              <p:cond delay="0"/>
+                            </p:stCondLst>
+                            <p:childTnLst>
+                              <p:par>
+                                <p:cTn id="11" presetID="1" presetClass="entr" presetSubtype="0" fill="hold" nodeType="clickEffect">
+                                  <p:stCondLst>
+                                    <p:cond delay="0"/>
+                                  </p:stCondLst>
+                                  <p:childTnLst>
+                                    <p:set>
+                                      <p:cBhvr>
+                                        <p:cTn id="12" dur="1" fill="hold">
+                                          <p:stCondLst>
+                                            <p:cond delay="0"/>
+                                          </p:stCondLst>
+                                        </p:cTn>
+                                        <p:tgtEl>
+                                          <p:spTgt spid="10">
+                                            <p:txEl>
+                                              <p:pRg st="1" end="1"/>
+                                            </p:txEl>
+                                          </p:spTgt>
+                                        </p:tgtEl>
+                                        <p:attrNameLst>
+                                          <p:attrName>style.visibility</p:attrName>
+                                        </p:attrNameLst>
+                                      </p:cBhvr>
+                                      <p:to>
+                                        <p:strVal val="visible"/>
+                                      </p:to>
+                                    </p:set>
+                                  </p:childTnLst>
+                                </p:cTn>
+                              </p:par>
+                              <p:par>
+                                <p:cTn id="13" presetID="1" presetClass="entr" presetSubtype="0" fill="hold" nodeType="withEffect">
+                                  <p:stCondLst>
+                                    <p:cond delay="0"/>
+                                  </p:stCondLst>
+                                  <p:childTnLst>
+                                    <p:set>
+                                      <p:cBhvr>
+                                        <p:cTn id="14" dur="1" fill="hold">
+                                          <p:stCondLst>
+                                            <p:cond delay="0"/>
+                                          </p:stCondLst>
+                                        </p:cTn>
+                                        <p:tgtEl>
+                                          <p:spTgt spid="21"/>
+                                        </p:tgtEl>
+                                        <p:attrNameLst>
+                                          <p:attrName>style.visibility</p:attrName>
+                                        </p:attrNameLst>
+                                      </p:cBhvr>
+                                      <p:to>
+                                        <p:strVal val="visible"/>
+                                      </p:to>
+                                    </p:set>
+                                  </p:childTnLst>
+                                  <p:subTnLst>
+                                    <p:set>
+                                      <p:cBhvr override="childStyle">
+                                        <p:cTn dur="1" fill="hold" display="0" masterRel="nextClick" afterEffect="1"/>
+                                        <p:tgtEl>
+                                          <p:spTgt spid="21"/>
+                                        </p:tgtEl>
+                                        <p:attrNameLst>
+                                          <p:attrName>style.visibility</p:attrName>
+                                        </p:attrNameLst>
+                                      </p:cBhvr>
+                                      <p:to>
+                                        <p:strVal val="hidden"/>
+                                      </p:to>
+                                    </p:set>
+                                  </p:subTnLst>
+                                </p:cTn>
+                              </p:par>
+                              <p:par>
+                                <p:cTn id="15" presetID="1" presetClass="entr" presetSubtype="0" fill="hold" nodeType="withEffect">
+                                  <p:stCondLst>
+                                    <p:cond delay="0"/>
+                                  </p:stCondLst>
+                                  <p:childTnLst>
+                                    <p:set>
+                                      <p:cBhvr>
+                                        <p:cTn id="16" dur="1" fill="hold">
+                                          <p:stCondLst>
+                                            <p:cond delay="0"/>
+                                          </p:stCondLst>
+                                        </p:cTn>
+                                        <p:tgtEl>
+                                          <p:spTgt spid="25"/>
+                                        </p:tgtEl>
+                                        <p:attrNameLst>
+                                          <p:attrName>style.visibility</p:attrName>
+                                        </p:attrNameLst>
+                                      </p:cBhvr>
+                                      <p:to>
+                                        <p:strVal val="visible"/>
+                                      </p:to>
+                                    </p:set>
+                                  </p:childTnLst>
+                                  <p:subTnLst>
+                                    <p:set>
+                                      <p:cBhvr override="childStyle">
+                                        <p:cTn dur="1" fill="hold" display="0" masterRel="nextClick" afterEffect="1"/>
+                                        <p:tgtEl>
+                                          <p:spTgt spid="25"/>
+                                        </p:tgtEl>
+                                        <p:attrNameLst>
+                                          <p:attrName>style.visibility</p:attrName>
+                                        </p:attrNameLst>
+                                      </p:cBhvr>
+                                      <p:to>
+                                        <p:strVal val="hidden"/>
+                                      </p:to>
+                                    </p:set>
+                                  </p:subTnLst>
+                                </p:cTn>
+                              </p:par>
+                              <p:par>
+                                <p:cTn id="17" presetID="1" presetClass="entr" presetSubtype="0" fill="hold" nodeType="withEffect">
+                                  <p:stCondLst>
+                                    <p:cond delay="0"/>
+                                  </p:stCondLst>
+                                  <p:childTnLst>
+                                    <p:set>
+                                      <p:cBhvr>
+                                        <p:cTn id="18" dur="1" fill="hold">
+                                          <p:stCondLst>
+                                            <p:cond delay="0"/>
+                                          </p:stCondLst>
+                                        </p:cTn>
+                                        <p:tgtEl>
+                                          <p:spTgt spid="27"/>
+                                        </p:tgtEl>
+                                        <p:attrNameLst>
+                                          <p:attrName>style.visibility</p:attrName>
+                                        </p:attrNameLst>
+                                      </p:cBhvr>
+                                      <p:to>
+                                        <p:strVal val="visible"/>
+                                      </p:to>
+                                    </p:set>
+                                  </p:childTnLst>
+                                  <p:subTnLst>
+                                    <p:set>
+                                      <p:cBhvr override="childStyle">
+                                        <p:cTn dur="1" fill="hold" display="0" masterRel="nextClick" afterEffect="1"/>
+                                        <p:tgtEl>
+                                          <p:spTgt spid="27"/>
+                                        </p:tgtEl>
+                                        <p:attrNameLst>
+                                          <p:attrName>style.visibility</p:attrName>
+                                        </p:attrNameLst>
+                                      </p:cBhvr>
+                                      <p:to>
+                                        <p:strVal val="hidden"/>
+                                      </p:to>
+                                    </p:set>
+                                  </p:subTnLst>
+                                </p:cTn>
+                              </p:par>
+                            </p:childTnLst>
+                          </p:cTn>
+                        </p:par>
+                      </p:childTnLst>
+                    </p:cTn>
+                  </p:par>
+                  <p:par>
+                    <p:cTn id="19" fill="hold">
+                      <p:stCondLst>
+                        <p:cond delay="indefinite"/>
+                      </p:stCondLst>
+                      <p:childTnLst>
+                        <p:par>
+                          <p:cTn id="20" fill="hold">
+                            <p:stCondLst>
+                              <p:cond delay="0"/>
+                            </p:stCondLst>
+                            <p:childTnLst>
+                              <p:par>
+                                <p:cTn id="21" presetID="1" presetClass="entr" presetSubtype="0" fill="hold" nodeType="clickEffect">
+                                  <p:stCondLst>
+                                    <p:cond delay="0"/>
+                                  </p:stCondLst>
+                                  <p:childTnLst>
+                                    <p:set>
+                                      <p:cBhvr>
+                                        <p:cTn id="22" dur="1" fill="hold">
+                                          <p:stCondLst>
+                                            <p:cond delay="0"/>
+                                          </p:stCondLst>
+                                        </p:cTn>
+                                        <p:tgtEl>
+                                          <p:spTgt spid="10">
+                                            <p:txEl>
+                                              <p:pRg st="2" end="2"/>
+                                            </p:txEl>
+                                          </p:spTgt>
+                                        </p:tgtEl>
+                                        <p:attrNameLst>
+                                          <p:attrName>style.visibility</p:attrName>
+                                        </p:attrNameLst>
+                                      </p:cBhvr>
+                                      <p:to>
+                                        <p:strVal val="visible"/>
+                                      </p:to>
+                                    </p:set>
+                                  </p:childTnLst>
+                                </p:cTn>
+                              </p:par>
+                              <p:par>
+                                <p:cTn id="23" presetID="1" presetClass="entr" presetSubtype="0" fill="hold" nodeType="withEffect">
+                                  <p:stCondLst>
+                                    <p:cond delay="0"/>
+                                  </p:stCondLst>
+                                  <p:childTnLst>
+                                    <p:set>
+                                      <p:cBhvr>
+                                        <p:cTn id="24" dur="1" fill="hold">
+                                          <p:stCondLst>
+                                            <p:cond delay="0"/>
+                                          </p:stCondLst>
+                                        </p:cTn>
+                                        <p:tgtEl>
+                                          <p:spTgt spid="30"/>
+                                        </p:tgtEl>
+                                        <p:attrNameLst>
+                                          <p:attrName>style.visibility</p:attrName>
+                                        </p:attrNameLst>
+                                      </p:cBhvr>
+                                      <p:to>
+                                        <p:strVal val="visible"/>
+                                      </p:to>
+                                    </p:set>
+                                  </p:childTnLst>
+                                  <p:subTnLst>
+                                    <p:set>
+                                      <p:cBhvr override="childStyle">
+                                        <p:cTn dur="1" fill="hold" display="0" masterRel="nextClick" afterEffect="1"/>
+                                        <p:tgtEl>
+                                          <p:spTgt spid="30"/>
+                                        </p:tgtEl>
+                                        <p:attrNameLst>
+                                          <p:attrName>style.visibility</p:attrName>
+                                        </p:attrNameLst>
+                                      </p:cBhvr>
+                                      <p:to>
+                                        <p:strVal val="hidden"/>
+                                      </p:to>
+                                    </p:set>
+                                  </p:subTnLst>
+                                </p:cTn>
+                              </p:par>
+                              <p:par>
+                                <p:cTn id="25" presetID="1" presetClass="entr" presetSubtype="0" fill="hold" nodeType="withEffect">
+                                  <p:stCondLst>
+                                    <p:cond delay="0"/>
+                                  </p:stCondLst>
+                                  <p:childTnLst>
+                                    <p:set>
+                                      <p:cBhvr>
+                                        <p:cTn id="26" dur="1" fill="hold">
+                                          <p:stCondLst>
+                                            <p:cond delay="0"/>
+                                          </p:stCondLst>
+                                        </p:cTn>
+                                        <p:tgtEl>
+                                          <p:spTgt spid="32"/>
+                                        </p:tgtEl>
+                                        <p:attrNameLst>
+                                          <p:attrName>style.visibility</p:attrName>
+                                        </p:attrNameLst>
+                                      </p:cBhvr>
+                                      <p:to>
+                                        <p:strVal val="visible"/>
+                                      </p:to>
+                                    </p:set>
+                                  </p:childTnLst>
+                                  <p:subTnLst>
+                                    <p:set>
+                                      <p:cBhvr override="childStyle">
+                                        <p:cTn dur="1" fill="hold" display="0" masterRel="nextClick" afterEffect="1"/>
+                                        <p:tgtEl>
+                                          <p:spTgt spid="32"/>
+                                        </p:tgtEl>
+                                        <p:attrNameLst>
+                                          <p:attrName>style.visibility</p:attrName>
+                                        </p:attrNameLst>
+                                      </p:cBhvr>
+                                      <p:to>
+                                        <p:strVal val="hidden"/>
+                                      </p:to>
+                                    </p:set>
+                                  </p:subTnLst>
+                                </p:cTn>
+                              </p:par>
+                              <p:par>
+                                <p:cTn id="27" presetID="1" presetClass="entr" presetSubtype="0" fill="hold" nodeType="withEffect">
+                                  <p:stCondLst>
+                                    <p:cond delay="0"/>
+                                  </p:stCondLst>
+                                  <p:childTnLst>
+                                    <p:set>
+                                      <p:cBhvr>
+                                        <p:cTn id="28" dur="1" fill="hold">
+                                          <p:stCondLst>
+                                            <p:cond delay="0"/>
+                                          </p:stCondLst>
+                                        </p:cTn>
+                                        <p:tgtEl>
+                                          <p:spTgt spid="34"/>
+                                        </p:tgtEl>
+                                        <p:attrNameLst>
+                                          <p:attrName>style.visibility</p:attrName>
+                                        </p:attrNameLst>
+                                      </p:cBhvr>
+                                      <p:to>
+                                        <p:strVal val="visible"/>
+                                      </p:to>
+                                    </p:set>
+                                  </p:childTnLst>
+                                  <p:subTnLst>
+                                    <p:set>
+                                      <p:cBhvr override="childStyle">
+                                        <p:cTn dur="1" fill="hold" display="0" masterRel="nextClick" afterEffect="1"/>
+                                        <p:tgtEl>
+                                          <p:spTgt spid="34"/>
+                                        </p:tgtEl>
+                                        <p:attrNameLst>
+                                          <p:attrName>style.visibility</p:attrName>
+                                        </p:attrNameLst>
+                                      </p:cBhvr>
+                                      <p:to>
+                                        <p:strVal val="hidden"/>
+                                      </p:to>
+                                    </p:set>
+                                  </p:subTnLst>
+                                </p:cTn>
+                              </p:par>
+                              <p:par>
+                                <p:cTn id="29" presetID="1" presetClass="entr" presetSubtype="0" fill="hold" nodeType="withEffect">
+                                  <p:stCondLst>
+                                    <p:cond delay="0"/>
+                                  </p:stCondLst>
+                                  <p:childTnLst>
+                                    <p:set>
+                                      <p:cBhvr>
+                                        <p:cTn id="30" dur="1" fill="hold">
+                                          <p:stCondLst>
+                                            <p:cond delay="0"/>
+                                          </p:stCondLst>
+                                        </p:cTn>
+                                        <p:tgtEl>
+                                          <p:spTgt spid="36"/>
+                                        </p:tgtEl>
+                                        <p:attrNameLst>
+                                          <p:attrName>style.visibility</p:attrName>
+                                        </p:attrNameLst>
+                                      </p:cBhvr>
+                                      <p:to>
+                                        <p:strVal val="visible"/>
+                                      </p:to>
+                                    </p:set>
+                                  </p:childTnLst>
+                                  <p:subTnLst>
+                                    <p:set>
+                                      <p:cBhvr override="childStyle">
+                                        <p:cTn dur="1" fill="hold" display="0" masterRel="nextClick" afterEffect="1"/>
+                                        <p:tgtEl>
+                                          <p:spTgt spid="36"/>
+                                        </p:tgtEl>
+                                        <p:attrNameLst>
+                                          <p:attrName>style.visibility</p:attrName>
+                                        </p:attrNameLst>
+                                      </p:cBhvr>
+                                      <p:to>
+                                        <p:strVal val="hidden"/>
+                                      </p:to>
+                                    </p:set>
+                                  </p:subTnLst>
+                                </p:cTn>
+                              </p:par>
+                              <p:par>
+                                <p:cTn id="31" presetID="1" presetClass="entr" presetSubtype="0" fill="hold" nodeType="withEffect">
+                                  <p:stCondLst>
+                                    <p:cond delay="0"/>
+                                  </p:stCondLst>
+                                  <p:childTnLst>
+                                    <p:set>
+                                      <p:cBhvr>
+                                        <p:cTn id="32" dur="1" fill="hold">
+                                          <p:stCondLst>
+                                            <p:cond delay="0"/>
+                                          </p:stCondLst>
+                                        </p:cTn>
+                                        <p:tgtEl>
+                                          <p:spTgt spid="38"/>
+                                        </p:tgtEl>
+                                        <p:attrNameLst>
+                                          <p:attrName>style.visibility</p:attrName>
+                                        </p:attrNameLst>
+                                      </p:cBhvr>
+                                      <p:to>
+                                        <p:strVal val="visible"/>
+                                      </p:to>
+                                    </p:set>
+                                  </p:childTnLst>
+                                  <p:subTnLst>
+                                    <p:set>
+                                      <p:cBhvr override="childStyle">
+                                        <p:cTn dur="1" fill="hold" display="0" masterRel="nextClick" afterEffect="1"/>
+                                        <p:tgtEl>
+                                          <p:spTgt spid="38"/>
+                                        </p:tgtEl>
+                                        <p:attrNameLst>
+                                          <p:attrName>style.visibility</p:attrName>
+                                        </p:attrNameLst>
+                                      </p:cBhvr>
+                                      <p:to>
+                                        <p:strVal val="hidden"/>
+                                      </p:to>
+                                    </p:set>
+                                  </p:subTnLst>
+                                </p:cTn>
+                              </p:par>
+                              <p:par>
+                                <p:cTn id="33" presetID="1" presetClass="entr" presetSubtype="0" fill="hold" nodeType="withEffect">
+                                  <p:stCondLst>
+                                    <p:cond delay="0"/>
+                                  </p:stCondLst>
+                                  <p:childTnLst>
+                                    <p:set>
+                                      <p:cBhvr>
+                                        <p:cTn id="34" dur="1" fill="hold">
+                                          <p:stCondLst>
+                                            <p:cond delay="0"/>
+                                          </p:stCondLst>
+                                        </p:cTn>
+                                        <p:tgtEl>
+                                          <p:spTgt spid="40"/>
+                                        </p:tgtEl>
+                                        <p:attrNameLst>
+                                          <p:attrName>style.visibility</p:attrName>
+                                        </p:attrNameLst>
+                                      </p:cBhvr>
+                                      <p:to>
+                                        <p:strVal val="visible"/>
+                                      </p:to>
+                                    </p:set>
+                                  </p:childTnLst>
+                                  <p:subTnLst>
+                                    <p:set>
+                                      <p:cBhvr override="childStyle">
+                                        <p:cTn dur="1" fill="hold" display="0" masterRel="nextClick" afterEffect="1"/>
+                                        <p:tgtEl>
+                                          <p:spTgt spid="40"/>
+                                        </p:tgtEl>
+                                        <p:attrNameLst>
+                                          <p:attrName>style.visibility</p:attrName>
+                                        </p:attrNameLst>
+                                      </p:cBhvr>
+                                      <p:to>
+                                        <p:strVal val="hidden"/>
+                                      </p:to>
+                                    </p:set>
+                                  </p:subTnLst>
+                                </p:cTn>
+                              </p:par>
+                              <p:par>
+                                <p:cTn id="35" presetID="1" presetClass="entr" presetSubtype="0" fill="hold" nodeType="withEffect">
+                                  <p:stCondLst>
+                                    <p:cond delay="0"/>
+                                  </p:stCondLst>
+                                  <p:childTnLst>
+                                    <p:set>
+                                      <p:cBhvr>
+                                        <p:cTn id="36" dur="1" fill="hold">
+                                          <p:stCondLst>
+                                            <p:cond delay="0"/>
+                                          </p:stCondLst>
+                                        </p:cTn>
+                                        <p:tgtEl>
+                                          <p:spTgt spid="42"/>
+                                        </p:tgtEl>
+                                        <p:attrNameLst>
+                                          <p:attrName>style.visibility</p:attrName>
+                                        </p:attrNameLst>
+                                      </p:cBhvr>
+                                      <p:to>
+                                        <p:strVal val="visible"/>
+                                      </p:to>
+                                    </p:set>
+                                  </p:childTnLst>
+                                  <p:subTnLst>
+                                    <p:set>
+                                      <p:cBhvr override="childStyle">
+                                        <p:cTn dur="1" fill="hold" display="0" masterRel="nextClick" afterEffect="1"/>
+                                        <p:tgtEl>
+                                          <p:spTgt spid="42"/>
+                                        </p:tgtEl>
+                                        <p:attrNameLst>
+                                          <p:attrName>style.visibility</p:attrName>
+                                        </p:attrNameLst>
+                                      </p:cBhvr>
+                                      <p:to>
+                                        <p:strVal val="hidden"/>
+                                      </p:to>
+                                    </p:set>
+                                  </p:subTnLst>
+                                </p:cTn>
+                              </p:par>
+                            </p:childTnLst>
+                          </p:cTn>
+                        </p:par>
+                      </p:childTnLst>
+                    </p:cTn>
+                  </p:par>
+                  <p:par>
+                    <p:cTn id="37" fill="hold">
+                      <p:stCondLst>
+                        <p:cond delay="indefinite"/>
+                      </p:stCondLst>
+                      <p:childTnLst>
+                        <p:par>
+                          <p:cTn id="38" fill="hold">
+                            <p:stCondLst>
+                              <p:cond delay="0"/>
+                            </p:stCondLst>
+                            <p:childTnLst>
+                              <p:par>
+                                <p:cTn id="39" presetID="1" presetClass="entr" presetSubtype="0" fill="hold" nodeType="clickEffect">
+                                  <p:stCondLst>
+                                    <p:cond delay="0"/>
+                                  </p:stCondLst>
+                                  <p:childTnLst>
+                                    <p:set>
+                                      <p:cBhvr>
+                                        <p:cTn id="40" dur="1" fill="hold">
+                                          <p:stCondLst>
+                                            <p:cond delay="0"/>
+                                          </p:stCondLst>
+                                        </p:cTn>
+                                        <p:tgtEl>
+                                          <p:spTgt spid="10">
+                                            <p:txEl>
+                                              <p:pRg st="3" end="3"/>
+                                            </p:txEl>
+                                          </p:spTgt>
+                                        </p:tgtEl>
+                                        <p:attrNameLst>
+                                          <p:attrName>style.visibility</p:attrName>
+                                        </p:attrNameLst>
+                                      </p:cBhvr>
+                                      <p:to>
+                                        <p:strVal val="visible"/>
+                                      </p:to>
+                                    </p:set>
+                                  </p:childTnLst>
+                                </p:cTn>
+                              </p:par>
+                              <p:par>
+                                <p:cTn id="41" presetID="1" presetClass="entr" presetSubtype="0" fill="hold" nodeType="withEffect">
+                                  <p:stCondLst>
+                                    <p:cond delay="0"/>
+                                  </p:stCondLst>
+                                  <p:childTnLst>
+                                    <p:set>
+                                      <p:cBhvr>
+                                        <p:cTn id="42" dur="1" fill="hold">
+                                          <p:stCondLst>
+                                            <p:cond delay="0"/>
+                                          </p:stCondLst>
+                                        </p:cTn>
+                                        <p:tgtEl>
+                                          <p:spTgt spid="53"/>
+                                        </p:tgtEl>
+                                        <p:attrNameLst>
+                                          <p:attrName>style.visibility</p:attrName>
+                                        </p:attrNameLst>
+                                      </p:cBhvr>
+                                      <p:to>
+                                        <p:strVal val="visible"/>
+                                      </p:to>
+                                    </p:set>
+                                  </p:childTnLst>
+                                </p:cTn>
+                              </p:par>
+                              <p:par>
+                                <p:cTn id="43" presetID="1" presetClass="entr" presetSubtype="0" fill="hold" nodeType="withEffect">
+                                  <p:stCondLst>
+                                    <p:cond delay="0"/>
+                                  </p:stCondLst>
+                                  <p:childTnLst>
+                                    <p:set>
+                                      <p:cBhvr>
+                                        <p:cTn id="44" dur="1" fill="hold">
+                                          <p:stCondLst>
+                                            <p:cond delay="0"/>
+                                          </p:stCondLst>
+                                        </p:cTn>
+                                        <p:tgtEl>
+                                          <p:spTgt spid="44"/>
+                                        </p:tgtEl>
+                                        <p:attrNameLst>
+                                          <p:attrName>style.visibility</p:attrName>
+                                        </p:attrNameLst>
+                                      </p:cBhvr>
+                                      <p:to>
+                                        <p:strVal val="visible"/>
+                                      </p:to>
+                                    </p:set>
+                                  </p:childTnLst>
+                                </p:cTn>
+                              </p:par>
+                              <p:par>
+                                <p:cTn id="45" presetID="1" presetClass="entr" presetSubtype="0" fill="hold" nodeType="withEffect">
+                                  <p:stCondLst>
+                                    <p:cond delay="0"/>
+                                  </p:stCondLst>
+                                  <p:childTnLst>
+                                    <p:set>
+                                      <p:cBhvr>
+                                        <p:cTn id="46" dur="1" fill="hold">
+                                          <p:stCondLst>
+                                            <p:cond delay="0"/>
+                                          </p:stCondLst>
+                                        </p:cTn>
+                                        <p:tgtEl>
+                                          <p:spTgt spid="47"/>
+                                        </p:tgtEl>
+                                        <p:attrNameLst>
+                                          <p:attrName>style.visibility</p:attrName>
+                                        </p:attrNameLst>
+                                      </p:cBhvr>
+                                      <p:to>
+                                        <p:strVal val="visible"/>
+                                      </p:to>
+                                    </p:set>
+                                  </p:childTnLst>
+                                </p:cTn>
+                              </p:par>
+                              <p:par>
+                                <p:cTn id="47" presetID="1" presetClass="entr" presetSubtype="0" fill="hold" nodeType="withEffect">
+                                  <p:stCondLst>
+                                    <p:cond delay="0"/>
+                                  </p:stCondLst>
+                                  <p:childTnLst>
+                                    <p:set>
+                                      <p:cBhvr>
+                                        <p:cTn id="48" dur="1" fill="hold">
+                                          <p:stCondLst>
+                                            <p:cond delay="0"/>
+                                          </p:stCondLst>
+                                        </p:cTn>
+                                        <p:tgtEl>
+                                          <p:spTgt spid="56"/>
+                                        </p:tgtEl>
+                                        <p:attrNameLst>
+                                          <p:attrName>style.visibility</p:attrName>
+                                        </p:attrNameLst>
+                                      </p:cBhvr>
+                                      <p:to>
+                                        <p:strVal val="visible"/>
+                                      </p:to>
+                                    </p:set>
+                                  </p:childTnLst>
+                                </p:cTn>
+                              </p:par>
+                              <p:par>
+                                <p:cTn id="49" presetID="1" presetClass="entr" presetSubtype="0" fill="hold" nodeType="withEffect">
+                                  <p:stCondLst>
+                                    <p:cond delay="0"/>
+                                  </p:stCondLst>
+                                  <p:childTnLst>
+                                    <p:set>
+                                      <p:cBhvr>
+                                        <p:cTn id="50" dur="1" fill="hold">
+                                          <p:stCondLst>
+                                            <p:cond delay="0"/>
+                                          </p:stCondLst>
+                                        </p:cTn>
+                                        <p:tgtEl>
+                                          <p:spTgt spid="59"/>
+                                        </p:tgtEl>
+                                        <p:attrNameLst>
+                                          <p:attrName>style.visibility</p:attrName>
+                                        </p:attrNameLst>
+                                      </p:cBhvr>
+                                      <p:to>
+                                        <p:strVal val="visible"/>
+                                      </p:to>
+                                    </p:set>
+                                  </p:childTnLst>
+                                </p:cTn>
+                              </p:par>
+                              <p:par>
+                                <p:cTn id="51" presetID="1" presetClass="entr" presetSubtype="0" fill="hold" nodeType="withEffect">
+                                  <p:stCondLst>
+                                    <p:cond delay="0"/>
+                                  </p:stCondLst>
+                                  <p:childTnLst>
+                                    <p:set>
+                                      <p:cBhvr>
+                                        <p:cTn id="52" dur="1" fill="hold">
+                                          <p:stCondLst>
+                                            <p:cond delay="0"/>
+                                          </p:stCondLst>
+                                        </p:cTn>
+                                        <p:tgtEl>
+                                          <p:spTgt spid="62"/>
+                                        </p:tgtEl>
+                                        <p:attrNameLst>
+                                          <p:attrName>style.visibility</p:attrName>
+                                        </p:attrNameLst>
+                                      </p:cBhvr>
+                                      <p:to>
+                                        <p:strVal val="visible"/>
+                                      </p:to>
+                                    </p:set>
+                                  </p:childTnLst>
+                                </p:cTn>
+                              </p:par>
+                              <p:par>
+                                <p:cTn id="53" presetID="1" presetClass="entr" presetSubtype="0" fill="hold" nodeType="withEffect">
+                                  <p:stCondLst>
+                                    <p:cond delay="0"/>
+                                  </p:stCondLst>
+                                  <p:childTnLst>
+                                    <p:set>
+                                      <p:cBhvr>
+                                        <p:cTn id="54" dur="1" fill="hold">
+                                          <p:stCondLst>
+                                            <p:cond delay="0"/>
+                                          </p:stCondLst>
+                                        </p:cTn>
+                                        <p:tgtEl>
+                                          <p:spTgt spid="65"/>
+                                        </p:tgtEl>
+                                        <p:attrNameLst>
+                                          <p:attrName>style.visibility</p:attrName>
+                                        </p:attrNameLst>
+                                      </p:cBhvr>
+                                      <p:to>
+                                        <p:strVal val="visible"/>
+                                      </p:to>
+                                    </p:set>
+                                  </p:childTnLst>
+                                </p:cTn>
+                              </p:par>
+                            </p:childTnLst>
+                          </p:cTn>
+                        </p:par>
+                      </p:childTnLst>
+                    </p:cTn>
+                  </p:par>
+                </p:childTnLst>
+              </p:cTn>
+              <p:prevCondLst>
+                <p:cond evt="onPrev" delay="0">
+                  <p:tgtEl>
+                    <p:sldTgt/>
+                  </p:tgtEl>
+                </p:cond>
+              </p:prevCondLst>
+              <p:nextCondLst>
+                <p:cond evt="onNext" delay="0">
+                  <p:tgtEl>
+                    <p:sldTgt/>
+                  </p:tgtEl>
+                </p:cond>
+              </p:nextCondLst>
+            </p:seq>
+          </p:childTnLst>
+        </p:cTn>
       </p:par>
     </p:tnLst>
   </p:timing>
@@ -39770,26 +41438,26 @@
             </a:r>
             <a:r>
               <a:rPr lang="en-US" dirty="0" err="1" smtClean="0"/>
-              <a:t>Khách</a:t>
+              <a:t>Người</a:t>
             </a:r>
             <a:r>
               <a:rPr lang="en-US" dirty="0" smtClean="0"/>
               <a:t> </a:t>
             </a:r>
             <a:r>
-              <a:rPr lang="en-US" dirty="0" err="1"/>
-              <a:t>hàng</a:t>
-            </a:r>
-            <a:r>
-              <a:rPr lang="en-US" dirty="0"/>
-              <a:t> </a:t>
-            </a:r>
-            <a:r>
-              <a:rPr lang="en-US" dirty="0" err="1"/>
+              <a:rPr lang="en-US" dirty="0" err="1" smtClean="0"/>
+              <a:t>dùng</a:t>
+            </a:r>
+            <a:r>
+              <a:rPr lang="en-US" dirty="0" smtClean="0"/>
+              <a:t> </a:t>
+            </a:r>
+            <a:r>
+              <a:rPr lang="en-US" dirty="0" err="1" smtClean="0"/>
               <a:t>ngày</a:t>
             </a:r>
             <a:r>
-              <a:rPr lang="en-US" dirty="0"/>
+              <a:rPr lang="en-US" dirty="0" smtClean="0"/>
               <a:t> </a:t>
             </a:r>
             <a:r>
@@ -40094,307 +41762,9 @@
   <p:timing>
     <p:tnLst>
       <p:par>
-        <p:cTn id="1" dur="indefinite" restart="never" nodeType="tmRoot">
-          <p:childTnLst>
-            <p:seq concurrent="1" nextAc="seek">
-              <p:cTn id="2" dur="indefinite" nodeType="mainSeq">
-                <p:childTnLst>
-                  <p:par>
-                    <p:cTn id="3" fill="hold">
-                      <p:stCondLst>
-                        <p:cond delay="indefinite"/>
-                      </p:stCondLst>
-                      <p:childTnLst>
-                        <p:par>
-                          <p:cTn id="4" fill="hold">
-                            <p:stCondLst>
-                              <p:cond delay="0"/>
-                            </p:stCondLst>
-                            <p:childTnLst>
-                              <p:par>
-                                <p:cTn id="5" presetID="10" presetClass="entr" presetSubtype="0" fill="hold" grpId="0" nodeType="clickEffect">
-                                  <p:stCondLst>
-                                    <p:cond delay="0"/>
-                                  </p:stCondLst>
-                                  <p:childTnLst>
-                                    <p:set>
-                                      <p:cBhvr>
-                                        <p:cTn id="6" dur="1" fill="hold">
-                                          <p:stCondLst>
-                                            <p:cond delay="0"/>
-                                          </p:stCondLst>
-                                        </p:cTn>
-                                        <p:tgtEl>
-                                          <p:spTgt spid="67587">
-                                            <p:txEl>
-                                              <p:pRg st="0" end="0"/>
-                                            </p:txEl>
-                                          </p:spTgt>
-                                        </p:tgtEl>
-                                        <p:attrNameLst>
-                                          <p:attrName>style.visibility</p:attrName>
-                                        </p:attrNameLst>
-                                      </p:cBhvr>
-                                      <p:to>
-                                        <p:strVal val="visible"/>
-                                      </p:to>
-                                    </p:set>
-                                    <p:animEffect transition="in" filter="fade">
-                                      <p:cBhvr>
-                                        <p:cTn id="7" dur="500"/>
-                                        <p:tgtEl>
-                                          <p:spTgt spid="67587">
-                                            <p:txEl>
-                                              <p:pRg st="0" end="0"/>
-                                            </p:txEl>
-                                          </p:spTgt>
-                                        </p:tgtEl>
-                                      </p:cBhvr>
-                                    </p:animEffect>
-                                  </p:childTnLst>
-                                </p:cTn>
-                              </p:par>
-                            </p:childTnLst>
-                          </p:cTn>
-                        </p:par>
-                      </p:childTnLst>
-                    </p:cTn>
-                  </p:par>
-                  <p:par>
-                    <p:cTn id="8" fill="hold">
-                      <p:stCondLst>
-                        <p:cond delay="indefinite"/>
-                      </p:stCondLst>
-                      <p:childTnLst>
-                        <p:par>
-                          <p:cTn id="9" fill="hold">
-                            <p:stCondLst>
-                              <p:cond delay="0"/>
-                            </p:stCondLst>
-                            <p:childTnLst>
-                              <p:par>
-                                <p:cTn id="10" presetID="10" presetClass="entr" presetSubtype="0" fill="hold" grpId="0" nodeType="clickEffect">
-                                  <p:stCondLst>
-                                    <p:cond delay="0"/>
-                                  </p:stCondLst>
-                                  <p:childTnLst>
-                                    <p:set>
-                                      <p:cBhvr>
-                                        <p:cTn id="11" dur="1" fill="hold">
-                                          <p:stCondLst>
-                                            <p:cond delay="0"/>
-                                          </p:stCondLst>
-                                        </p:cTn>
-                                        <p:tgtEl>
-                                          <p:spTgt spid="67587">
-                                            <p:txEl>
-                                              <p:pRg st="1" end="1"/>
-                                            </p:txEl>
-                                          </p:spTgt>
-                                        </p:tgtEl>
-                                        <p:attrNameLst>
-                                          <p:attrName>style.visibility</p:attrName>
-                                        </p:attrNameLst>
-                                      </p:cBhvr>
-                                      <p:to>
-                                        <p:strVal val="visible"/>
-                                      </p:to>
-                                    </p:set>
-                                    <p:animEffect transition="in" filter="fade">
-                                      <p:cBhvr>
-                                        <p:cTn id="12" dur="500"/>
-                                        <p:tgtEl>
-                                          <p:spTgt spid="67587">
-                                            <p:txEl>
-                                              <p:pRg st="1" end="1"/>
-                                            </p:txEl>
-                                          </p:spTgt>
-                                        </p:tgtEl>
-                                      </p:cBhvr>
-                                    </p:animEffect>
-                                  </p:childTnLst>
-                                </p:cTn>
-                              </p:par>
-                            </p:childTnLst>
-                          </p:cTn>
-                        </p:par>
-                      </p:childTnLst>
-                    </p:cTn>
-                  </p:par>
-                  <p:par>
-                    <p:cTn id="13" fill="hold">
-                      <p:stCondLst>
-                        <p:cond delay="indefinite"/>
-                      </p:stCondLst>
-                      <p:childTnLst>
-                        <p:par>
-                          <p:cTn id="14" fill="hold">
-                            <p:stCondLst>
-                              <p:cond delay="0"/>
-                            </p:stCondLst>
-                            <p:childTnLst>
-                              <p:par>
-                                <p:cTn id="15" presetID="10" presetClass="entr" presetSubtype="0" fill="hold" nodeType="clickEffect">
-                                  <p:stCondLst>
-                                    <p:cond delay="0"/>
-                                  </p:stCondLst>
-                                  <p:childTnLst>
-                                    <p:set>
-                                      <p:cBhvr>
-                                        <p:cTn id="16" dur="1" fill="hold">
-                                          <p:stCondLst>
-                                            <p:cond delay="0"/>
-                                          </p:stCondLst>
-                                        </p:cTn>
-                                        <p:tgtEl>
-                                          <p:spTgt spid="6"/>
-                                        </p:tgtEl>
-                                        <p:attrNameLst>
-                                          <p:attrName>style.visibility</p:attrName>
-                                        </p:attrNameLst>
-                                      </p:cBhvr>
-                                      <p:to>
-                                        <p:strVal val="visible"/>
-                                      </p:to>
-                                    </p:set>
-                                    <p:animEffect transition="in" filter="fade">
-                                      <p:cBhvr>
-                                        <p:cTn id="17" dur="500"/>
-                                        <p:tgtEl>
-                                          <p:spTgt spid="6"/>
-                                        </p:tgtEl>
-                                      </p:cBhvr>
-                                    </p:animEffect>
-                                  </p:childTnLst>
-                                </p:cTn>
-                              </p:par>
-                              <p:par>
-                                <p:cTn id="18" presetID="10" presetClass="entr" presetSubtype="0" fill="hold" grpId="0" nodeType="withEffect">
-                                  <p:stCondLst>
-                                    <p:cond delay="0"/>
-                                  </p:stCondLst>
-                                  <p:childTnLst>
-                                    <p:set>
-                                      <p:cBhvr>
-                                        <p:cTn id="19" dur="1" fill="hold">
-                                          <p:stCondLst>
-                                            <p:cond delay="0"/>
-                                          </p:stCondLst>
-                                        </p:cTn>
-                                        <p:tgtEl>
-                                          <p:spTgt spid="3"/>
-                                        </p:tgtEl>
-                                        <p:attrNameLst>
-                                          <p:attrName>style.visibility</p:attrName>
-                                        </p:attrNameLst>
-                                      </p:cBhvr>
-                                      <p:to>
-                                        <p:strVal val="visible"/>
-                                      </p:to>
-                                    </p:set>
-                                    <p:animEffect transition="in" filter="fade">
-                                      <p:cBhvr>
-                                        <p:cTn id="20" dur="500"/>
-                                        <p:tgtEl>
-                                          <p:spTgt spid="3"/>
-                                        </p:tgtEl>
-                                      </p:cBhvr>
-                                    </p:animEffect>
-                                  </p:childTnLst>
-                                </p:cTn>
-                              </p:par>
-                            </p:childTnLst>
-                          </p:cTn>
-                        </p:par>
-                      </p:childTnLst>
-                    </p:cTn>
-                  </p:par>
-                  <p:par>
-                    <p:cTn id="21" fill="hold">
-                      <p:stCondLst>
-                        <p:cond delay="indefinite"/>
-                      </p:stCondLst>
-                      <p:childTnLst>
-                        <p:par>
-                          <p:cTn id="22" fill="hold">
-                            <p:stCondLst>
-                              <p:cond delay="0"/>
-                            </p:stCondLst>
-                            <p:childTnLst>
-                              <p:par>
-                                <p:cTn id="23" presetID="10" presetClass="entr" presetSubtype="0" fill="hold" grpId="0" nodeType="clickEffect">
-                                  <p:stCondLst>
-                                    <p:cond delay="0"/>
-                                  </p:stCondLst>
-                                  <p:childTnLst>
-                                    <p:set>
-                                      <p:cBhvr>
-                                        <p:cTn id="24" dur="1" fill="hold">
-                                          <p:stCondLst>
-                                            <p:cond delay="0"/>
-                                          </p:stCondLst>
-                                        </p:cTn>
-                                        <p:tgtEl>
-                                          <p:spTgt spid="67587">
-                                            <p:txEl>
-                                              <p:pRg st="2" end="2"/>
-                                            </p:txEl>
-                                          </p:spTgt>
-                                        </p:tgtEl>
-                                        <p:attrNameLst>
-                                          <p:attrName>style.visibility</p:attrName>
-                                        </p:attrNameLst>
-                                      </p:cBhvr>
-                                      <p:to>
-                                        <p:strVal val="visible"/>
-                                      </p:to>
-                                    </p:set>
-                                    <p:animEffect transition="in" filter="fade">
-                                      <p:cBhvr>
-                                        <p:cTn id="25" dur="500"/>
-                                        <p:tgtEl>
-                                          <p:spTgt spid="67587">
-                                            <p:txEl>
-                                              <p:pRg st="2" end="2"/>
-                                            </p:txEl>
-                                          </p:spTgt>
-                                        </p:tgtEl>
-                                      </p:cBhvr>
-                                    </p:animEffect>
-                                  </p:childTnLst>
-                                </p:cTn>
-                              </p:par>
-                            </p:childTnLst>
-                          </p:cTn>
-                        </p:par>
-                      </p:childTnLst>
-                    </p:cTn>
-                  </p:par>
-                </p:childTnLst>
-              </p:cTn>
-              <p:prevCondLst>
-                <p:cond evt="onPrev" delay="0">
-                  <p:tgtEl>
-                    <p:sldTgt/>
-                  </p:tgtEl>
-                </p:cond>
-              </p:prevCondLst>
-              <p:nextCondLst>
-                <p:cond evt="onNext" delay="0">
-                  <p:tgtEl>
-                    <p:sldTgt/>
-                  </p:tgtEl>
-                </p:cond>
-              </p:nextCondLst>
-            </p:seq>
-          </p:childTnLst>
-        </p:cTn>
+        <p:cTn id="1" dur="indefinite" restart="never" nodeType="tmRoot"/>
       </p:par>
     </p:tnLst>
-    <p:bldLst>
-      <p:bldP spid="67587" grpId="0" uiExpand="1" build="p"/>
-      <p:bldP spid="3" grpId="0"/>
-    </p:bldLst>
   </p:timing>
 </p:sld>
 </file>
@@ -40486,7 +41856,273 @@
           <a:bodyPr/>
           <a:lstStyle/>
           <a:p>
-            <a:endParaRPr lang="en-US"/>
+            <a:r>
+              <a:rPr lang="en-US" dirty="0" err="1" smtClean="0"/>
+              <a:t>Thực</a:t>
+            </a:r>
+            <a:r>
+              <a:rPr lang="en-US" dirty="0" smtClean="0"/>
+              <a:t> </a:t>
+            </a:r>
+            <a:r>
+              <a:rPr lang="en-US" dirty="0" err="1" smtClean="0"/>
+              <a:t>nghiệm</a:t>
+            </a:r>
+            <a:r>
+              <a:rPr lang="en-US" dirty="0" smtClean="0"/>
+              <a:t>:</a:t>
+            </a:r>
+            <a:endParaRPr lang="en-US" dirty="0"/>
+          </a:p>
+          <a:p>
+            <a:pPr marL="0" indent="0">
+              <a:buNone/>
+            </a:pPr>
+            <a:r>
+              <a:rPr lang="en-US" dirty="0" err="1" smtClean="0"/>
+              <a:t>Tỉ</a:t>
+            </a:r>
+            <a:r>
+              <a:rPr lang="en-US" dirty="0" smtClean="0"/>
+              <a:t> </a:t>
+            </a:r>
+            <a:r>
+              <a:rPr lang="en-US" dirty="0" err="1" smtClean="0"/>
+              <a:t>lệ</a:t>
+            </a:r>
+            <a:r>
+              <a:rPr lang="en-US" dirty="0" smtClean="0"/>
+              <a:t> </a:t>
+            </a:r>
+            <a:r>
+              <a:rPr lang="en-US" dirty="0" err="1" smtClean="0"/>
+              <a:t>thành</a:t>
+            </a:r>
+            <a:r>
+              <a:rPr lang="en-US" dirty="0" smtClean="0"/>
+              <a:t> </a:t>
+            </a:r>
+            <a:r>
+              <a:rPr lang="en-US" dirty="0" err="1" smtClean="0"/>
+              <a:t>công</a:t>
+            </a:r>
+            <a:r>
+              <a:rPr lang="en-US" dirty="0" smtClean="0"/>
+              <a:t>: 85,7%</a:t>
+            </a:r>
+          </a:p>
+          <a:p>
+            <a:r>
+              <a:rPr lang="en-US" dirty="0" err="1" smtClean="0"/>
+              <a:t>Đánh</a:t>
+            </a:r>
+            <a:r>
+              <a:rPr lang="en-US" dirty="0" smtClean="0"/>
+              <a:t> </a:t>
+            </a:r>
+            <a:r>
+              <a:rPr lang="en-US" dirty="0" err="1" smtClean="0"/>
+              <a:t>giá</a:t>
+            </a:r>
+            <a:r>
+              <a:rPr lang="en-US" dirty="0" smtClean="0"/>
+              <a:t>:</a:t>
+            </a:r>
+          </a:p>
+          <a:p>
+            <a:pPr lvl="1">
+              <a:buFont typeface="Arial" panose="020B0604020202020204" pitchFamily="34" charset="0"/>
+              <a:buChar char="•"/>
+            </a:pPr>
+            <a:r>
+              <a:rPr lang="en-US" dirty="0" err="1" smtClean="0"/>
+              <a:t>Testcase</a:t>
+            </a:r>
+            <a:r>
+              <a:rPr lang="en-US" dirty="0" smtClean="0"/>
+              <a:t> </a:t>
+            </a:r>
+            <a:r>
+              <a:rPr lang="en-US" dirty="0" err="1" smtClean="0"/>
+              <a:t>sinh</a:t>
+            </a:r>
+            <a:r>
+              <a:rPr lang="en-US" dirty="0" smtClean="0"/>
+              <a:t> </a:t>
+            </a:r>
+            <a:r>
+              <a:rPr lang="en-US" dirty="0" err="1" smtClean="0"/>
+              <a:t>ra</a:t>
+            </a:r>
+            <a:r>
+              <a:rPr lang="en-US" dirty="0" smtClean="0"/>
+              <a:t> </a:t>
+            </a:r>
+            <a:r>
+              <a:rPr lang="en-US" dirty="0" err="1" smtClean="0"/>
+              <a:t>chính</a:t>
+            </a:r>
+            <a:r>
+              <a:rPr lang="en-US" dirty="0" smtClean="0"/>
+              <a:t> </a:t>
+            </a:r>
+            <a:r>
+              <a:rPr lang="en-US" dirty="0" err="1" smtClean="0"/>
+              <a:t>xác</a:t>
+            </a:r>
+            <a:r>
+              <a:rPr lang="en-US" dirty="0" smtClean="0"/>
+              <a:t>.</a:t>
+            </a:r>
+          </a:p>
+          <a:p>
+            <a:pPr lvl="1">
+              <a:buFont typeface="Arial" panose="020B0604020202020204" pitchFamily="34" charset="0"/>
+              <a:buChar char="•"/>
+            </a:pPr>
+            <a:r>
+              <a:rPr lang="en-US" dirty="0" err="1" smtClean="0"/>
+              <a:t>Thời</a:t>
+            </a:r>
+            <a:r>
+              <a:rPr lang="en-US" dirty="0" smtClean="0"/>
+              <a:t> </a:t>
+            </a:r>
+            <a:r>
+              <a:rPr lang="en-US" dirty="0" err="1" smtClean="0"/>
+              <a:t>gian</a:t>
+            </a:r>
+            <a:r>
+              <a:rPr lang="en-US" dirty="0" smtClean="0"/>
+              <a:t> </a:t>
+            </a:r>
+            <a:r>
+              <a:rPr lang="en-US" dirty="0" err="1" smtClean="0"/>
+              <a:t>tạo</a:t>
+            </a:r>
+            <a:r>
+              <a:rPr lang="en-US" dirty="0" smtClean="0"/>
+              <a:t> </a:t>
+            </a:r>
+            <a:r>
+              <a:rPr lang="en-US" dirty="0" err="1" smtClean="0"/>
+              <a:t>testcase</a:t>
+            </a:r>
+            <a:r>
+              <a:rPr lang="en-US" dirty="0" smtClean="0"/>
+              <a:t> </a:t>
+            </a:r>
+            <a:r>
+              <a:rPr lang="en-US" dirty="0" err="1" smtClean="0"/>
+              <a:t>lớn</a:t>
+            </a:r>
+            <a:r>
+              <a:rPr lang="en-US" dirty="0" smtClean="0"/>
+              <a:t> </a:t>
+            </a:r>
+            <a:r>
+              <a:rPr lang="en-US" dirty="0" err="1" smtClean="0"/>
+              <a:t>hoặc</a:t>
+            </a:r>
+            <a:r>
+              <a:rPr lang="en-US" dirty="0" smtClean="0"/>
+              <a:t> </a:t>
+            </a:r>
+            <a:r>
+              <a:rPr lang="en-US" dirty="0" err="1" smtClean="0"/>
+              <a:t>không</a:t>
+            </a:r>
+            <a:r>
+              <a:rPr lang="en-US" dirty="0" smtClean="0"/>
+              <a:t> </a:t>
+            </a:r>
+            <a:r>
+              <a:rPr lang="en-US" dirty="0" err="1" smtClean="0"/>
+              <a:t>thể</a:t>
+            </a:r>
+            <a:r>
+              <a:rPr lang="en-US" dirty="0"/>
+              <a:t> </a:t>
+            </a:r>
+            <a:r>
+              <a:rPr lang="en-US" dirty="0" err="1" smtClean="0"/>
+              <a:t>cho</a:t>
+            </a:r>
+            <a:r>
+              <a:rPr lang="en-US" dirty="0" smtClean="0"/>
+              <a:t> </a:t>
+            </a:r>
+            <a:r>
+              <a:rPr lang="en-US" dirty="0" err="1" smtClean="0"/>
+              <a:t>ra</a:t>
+            </a:r>
+            <a:r>
+              <a:rPr lang="en-US" dirty="0" smtClean="0"/>
+              <a:t> </a:t>
+            </a:r>
+            <a:r>
+              <a:rPr lang="en-US" dirty="0" err="1" smtClean="0"/>
+              <a:t>kết</a:t>
+            </a:r>
+            <a:r>
+              <a:rPr lang="en-US" dirty="0" smtClean="0"/>
+              <a:t> </a:t>
+            </a:r>
+            <a:r>
+              <a:rPr lang="en-US" dirty="0" err="1" smtClean="0"/>
+              <a:t>quả</a:t>
+            </a:r>
+            <a:r>
+              <a:rPr lang="en-US" dirty="0" smtClean="0"/>
+              <a:t> </a:t>
+            </a:r>
+            <a:r>
+              <a:rPr lang="en-US" dirty="0" err="1" smtClean="0"/>
+              <a:t>với</a:t>
+            </a:r>
+            <a:r>
+              <a:rPr lang="en-US" dirty="0" smtClean="0"/>
+              <a:t> </a:t>
+            </a:r>
+            <a:r>
+              <a:rPr lang="en-US" dirty="0" err="1" smtClean="0"/>
+              <a:t>các</a:t>
+            </a:r>
+            <a:r>
+              <a:rPr lang="en-US" dirty="0" smtClean="0"/>
+              <a:t> </a:t>
+            </a:r>
+            <a:r>
+              <a:rPr lang="en-US" dirty="0" err="1" smtClean="0"/>
+              <a:t>hàm</a:t>
+            </a:r>
+            <a:r>
+              <a:rPr lang="en-US" dirty="0" smtClean="0"/>
+              <a:t> </a:t>
+            </a:r>
+            <a:r>
+              <a:rPr lang="en-US" dirty="0" err="1" smtClean="0"/>
+              <a:t>phức</a:t>
+            </a:r>
+            <a:r>
+              <a:rPr lang="en-US" dirty="0" smtClean="0"/>
+              <a:t> </a:t>
+            </a:r>
+            <a:r>
+              <a:rPr lang="en-US" dirty="0" err="1" smtClean="0"/>
+              <a:t>tạp</a:t>
+            </a:r>
+            <a:r>
+              <a:rPr lang="en-US" dirty="0" smtClean="0"/>
+              <a:t>.</a:t>
+            </a:r>
+          </a:p>
+          <a:p>
+            <a:pPr lvl="1">
+              <a:buFont typeface="Arial" panose="020B0604020202020204" pitchFamily="34" charset="0"/>
+              <a:buChar char="•"/>
+            </a:pPr>
+            <a:endParaRPr lang="en-US" dirty="0" smtClean="0"/>
           </a:p>
         </p:txBody>
       </p:sp>
